--- a/Информация о программе/Презентация.pptx
+++ b/Информация о программе/Презентация.pptx
@@ -12,6 +12,10 @@
     <p:sldId id="257" r:id="rId7"/>
     <p:sldId id="258" r:id="rId8"/>
     <p:sldId id="259" r:id="rId9"/>
+    <p:sldId id="260" r:id="rId10"/>
+    <p:sldId id="261" r:id="rId11"/>
+    <p:sldId id="262" r:id="rId12"/>
+    <p:sldId id="263" r:id="rId13"/>
   </p:sldIdLst>
   <p:sldSz cy="5143500" cx="9144000"/>
   <p:notesSz cx="6858000" cy="9144000"/>
@@ -807,7 +811,7 @@
       </p:grpSpPr>
       <p:sp>
         <p:nvSpPr>
-          <p:cNvPr id="59" name="Google Shape;59;g314112cbf2b_0_579:notes"/>
+          <p:cNvPr id="59" name="Google Shape;59;g314c7c68326_0_12:notes"/>
           <p:cNvSpPr/>
           <p:nvPr>
             <p:ph idx="2" type="sldImg"/>
@@ -842,7 +846,7 @@
       </p:sp>
       <p:sp>
         <p:nvSpPr>
-          <p:cNvPr id="60" name="Google Shape;60;g314112cbf2b_0_579:notes"/>
+          <p:cNvPr id="60" name="Google Shape;60;g314c7c68326_0_12:notes"/>
           <p:cNvSpPr txBox="1"/>
           <p:nvPr>
             <p:ph idx="1" type="body"/>
@@ -892,7 +896,7 @@
   <p:cSld>
     <p:spTree>
       <p:nvGrpSpPr>
-        <p:cNvPr id="65" name="Shape 65"/>
+        <p:cNvPr id="66" name="Shape 66"/>
         <p:cNvGrpSpPr/>
         <p:nvPr/>
       </p:nvGrpSpPr>
@@ -906,7 +910,7 @@
       </p:grpSpPr>
       <p:sp>
         <p:nvSpPr>
-          <p:cNvPr id="66" name="Google Shape;66;g314112cbf2b_0_2:notes"/>
+          <p:cNvPr id="67" name="Google Shape;67;g314c7c68326_0_19:notes"/>
           <p:cNvSpPr/>
           <p:nvPr>
             <p:ph idx="2" type="sldImg"/>
@@ -941,7 +945,7 @@
       </p:sp>
       <p:sp>
         <p:nvSpPr>
-          <p:cNvPr id="67" name="Google Shape;67;g314112cbf2b_0_2:notes"/>
+          <p:cNvPr id="68" name="Google Shape;68;g314c7c68326_0_19:notes"/>
           <p:cNvSpPr txBox="1"/>
           <p:nvPr>
             <p:ph idx="1" type="body"/>
@@ -991,7 +995,7 @@
   <p:cSld>
     <p:spTree>
       <p:nvGrpSpPr>
-        <p:cNvPr id="71" name="Shape 71"/>
+        <p:cNvPr id="72" name="Shape 72"/>
         <p:cNvGrpSpPr/>
         <p:nvPr/>
       </p:nvGrpSpPr>
@@ -1005,7 +1009,7 @@
       </p:grpSpPr>
       <p:sp>
         <p:nvSpPr>
-          <p:cNvPr id="72" name="Google Shape;72;g314112cbf2b_0_574:notes"/>
+          <p:cNvPr id="73" name="Google Shape;73;g314c7c68326_0_24:notes"/>
           <p:cNvSpPr/>
           <p:nvPr>
             <p:ph idx="2" type="sldImg"/>
@@ -1040,7 +1044,403 @@
       </p:sp>
       <p:sp>
         <p:nvSpPr>
-          <p:cNvPr id="73" name="Google Shape;73;g314112cbf2b_0_574:notes"/>
+          <p:cNvPr id="74" name="Google Shape;74;g314c7c68326_0_24:notes"/>
+          <p:cNvSpPr txBox="1"/>
+          <p:nvPr>
+            <p:ph idx="1" type="body"/>
+          </p:nvPr>
+        </p:nvSpPr>
+        <p:spPr>
+          <a:xfrm>
+            <a:off x="685800" y="4343400"/>
+            <a:ext cx="5486400" cy="4114800"/>
+          </a:xfrm>
+          <a:prstGeom prst="rect">
+            <a:avLst/>
+          </a:prstGeom>
+        </p:spPr>
+        <p:txBody>
+          <a:bodyPr anchorCtr="0" anchor="t" bIns="91425" lIns="91425" spcFirstLastPara="1" rIns="91425" wrap="square" tIns="91425">
+            <a:noAutofit/>
+          </a:bodyPr>
+          <a:lstStyle/>
+          <a:p>
+            <a:pPr indent="0" lvl="0" marL="0" rtl="0" algn="l">
+              <a:spcBef>
+                <a:spcPts val="0"/>
+              </a:spcBef>
+              <a:spcAft>
+                <a:spcPts val="0"/>
+              </a:spcAft>
+              <a:buNone/>
+            </a:pPr>
+            <a:r>
+              <a:t/>
+            </a:r>
+            <a:endParaRPr/>
+          </a:p>
+        </p:txBody>
+      </p:sp>
+    </p:spTree>
+  </p:cSld>
+  <p:clrMapOvr>
+    <a:masterClrMapping/>
+  </p:clrMapOvr>
+</p:notes>
+</file>
+
+<file path=ppt/notesSlides/notesSlide5.xml><?xml version="1.0" encoding="utf-8"?>
+<p:notes xmlns:a="http://schemas.openxmlformats.org/drawingml/2006/main" xmlns:r="http://schemas.openxmlformats.org/officeDocument/2006/relationships" xmlns:mc="http://schemas.openxmlformats.org/markup-compatibility/2006" xmlns:mv="urn:schemas-microsoft-com:mac:vml" xmlns:p="http://schemas.openxmlformats.org/presentationml/2006/main" xmlns:c="http://schemas.openxmlformats.org/drawingml/2006/chart" xmlns:dgm="http://schemas.openxmlformats.org/drawingml/2006/diagram" xmlns:o="urn:schemas-microsoft-com:office:office" xmlns:v="urn:schemas-microsoft-com:vml" xmlns:pvml="urn:schemas-microsoft-com:office:powerpoint" xmlns:com="http://schemas.openxmlformats.org/drawingml/2006/compatibility" xmlns:p14="http://schemas.microsoft.com/office/powerpoint/2010/main" xmlns:p15="http://schemas.microsoft.com/office/powerpoint/2012/main" xmlns:ahyp="http://schemas.microsoft.com/office/drawing/2018/hyperlinkcolor" showMasterPhAnim="0" showMasterSp="0">
+  <p:cSld>
+    <p:spTree>
+      <p:nvGrpSpPr>
+        <p:cNvPr id="78" name="Shape 78"/>
+        <p:cNvGrpSpPr/>
+        <p:nvPr/>
+      </p:nvGrpSpPr>
+      <p:grpSpPr>
+        <a:xfrm>
+          <a:off x="0" y="0"/>
+          <a:ext cx="0" cy="0"/>
+          <a:chOff x="0" y="0"/>
+          <a:chExt cx="0" cy="0"/>
+        </a:xfrm>
+      </p:grpSpPr>
+      <p:sp>
+        <p:nvSpPr>
+          <p:cNvPr id="79" name="Google Shape;79;g314c7c68326_0_29:notes"/>
+          <p:cNvSpPr/>
+          <p:nvPr>
+            <p:ph idx="2" type="sldImg"/>
+          </p:nvPr>
+        </p:nvSpPr>
+        <p:spPr>
+          <a:xfrm>
+            <a:off x="381300" y="685800"/>
+            <a:ext cx="6096000" cy="3429000"/>
+          </a:xfrm>
+          <a:custGeom>
+            <a:rect b="b" l="l" r="r" t="t"/>
+            <a:pathLst>
+              <a:path extrusionOk="0" h="120000" w="120000">
+                <a:moveTo>
+                  <a:pt x="0" y="0"/>
+                </a:moveTo>
+                <a:lnTo>
+                  <a:pt x="120000" y="0"/>
+                </a:lnTo>
+                <a:lnTo>
+                  <a:pt x="120000" y="120000"/>
+                </a:lnTo>
+                <a:lnTo>
+                  <a:pt x="0" y="120000"/>
+                </a:lnTo>
+                <a:close/>
+              </a:path>
+            </a:pathLst>
+          </a:custGeom>
+        </p:spPr>
+      </p:sp>
+      <p:sp>
+        <p:nvSpPr>
+          <p:cNvPr id="80" name="Google Shape;80;g314c7c68326_0_29:notes"/>
+          <p:cNvSpPr txBox="1"/>
+          <p:nvPr>
+            <p:ph idx="1" type="body"/>
+          </p:nvPr>
+        </p:nvSpPr>
+        <p:spPr>
+          <a:xfrm>
+            <a:off x="685800" y="4343400"/>
+            <a:ext cx="5486400" cy="4114800"/>
+          </a:xfrm>
+          <a:prstGeom prst="rect">
+            <a:avLst/>
+          </a:prstGeom>
+        </p:spPr>
+        <p:txBody>
+          <a:bodyPr anchorCtr="0" anchor="t" bIns="91425" lIns="91425" spcFirstLastPara="1" rIns="91425" wrap="square" tIns="91425">
+            <a:noAutofit/>
+          </a:bodyPr>
+          <a:lstStyle/>
+          <a:p>
+            <a:pPr indent="0" lvl="0" marL="0" rtl="0" algn="l">
+              <a:spcBef>
+                <a:spcPts val="0"/>
+              </a:spcBef>
+              <a:spcAft>
+                <a:spcPts val="0"/>
+              </a:spcAft>
+              <a:buNone/>
+            </a:pPr>
+            <a:r>
+              <a:t/>
+            </a:r>
+            <a:endParaRPr/>
+          </a:p>
+        </p:txBody>
+      </p:sp>
+    </p:spTree>
+  </p:cSld>
+  <p:clrMapOvr>
+    <a:masterClrMapping/>
+  </p:clrMapOvr>
+</p:notes>
+</file>
+
+<file path=ppt/notesSlides/notesSlide6.xml><?xml version="1.0" encoding="utf-8"?>
+<p:notes xmlns:a="http://schemas.openxmlformats.org/drawingml/2006/main" xmlns:r="http://schemas.openxmlformats.org/officeDocument/2006/relationships" xmlns:mc="http://schemas.openxmlformats.org/markup-compatibility/2006" xmlns:mv="urn:schemas-microsoft-com:mac:vml" xmlns:p="http://schemas.openxmlformats.org/presentationml/2006/main" xmlns:c="http://schemas.openxmlformats.org/drawingml/2006/chart" xmlns:dgm="http://schemas.openxmlformats.org/drawingml/2006/diagram" xmlns:o="urn:schemas-microsoft-com:office:office" xmlns:v="urn:schemas-microsoft-com:vml" xmlns:pvml="urn:schemas-microsoft-com:office:powerpoint" xmlns:com="http://schemas.openxmlformats.org/drawingml/2006/compatibility" xmlns:p14="http://schemas.microsoft.com/office/powerpoint/2010/main" xmlns:p15="http://schemas.microsoft.com/office/powerpoint/2012/main" xmlns:ahyp="http://schemas.microsoft.com/office/drawing/2018/hyperlinkcolor" showMasterPhAnim="0" showMasterSp="0">
+  <p:cSld>
+    <p:spTree>
+      <p:nvGrpSpPr>
+        <p:cNvPr id="84" name="Shape 84"/>
+        <p:cNvGrpSpPr/>
+        <p:nvPr/>
+      </p:nvGrpSpPr>
+      <p:grpSpPr>
+        <a:xfrm>
+          <a:off x="0" y="0"/>
+          <a:ext cx="0" cy="0"/>
+          <a:chOff x="0" y="0"/>
+          <a:chExt cx="0" cy="0"/>
+        </a:xfrm>
+      </p:grpSpPr>
+      <p:sp>
+        <p:nvSpPr>
+          <p:cNvPr id="85" name="Google Shape;85;g314112cbf2b_0_579:notes"/>
+          <p:cNvSpPr/>
+          <p:nvPr>
+            <p:ph idx="2" type="sldImg"/>
+          </p:nvPr>
+        </p:nvSpPr>
+        <p:spPr>
+          <a:xfrm>
+            <a:off x="381300" y="685800"/>
+            <a:ext cx="6096000" cy="3429000"/>
+          </a:xfrm>
+          <a:custGeom>
+            <a:rect b="b" l="l" r="r" t="t"/>
+            <a:pathLst>
+              <a:path extrusionOk="0" h="120000" w="120000">
+                <a:moveTo>
+                  <a:pt x="0" y="0"/>
+                </a:moveTo>
+                <a:lnTo>
+                  <a:pt x="120000" y="0"/>
+                </a:lnTo>
+                <a:lnTo>
+                  <a:pt x="120000" y="120000"/>
+                </a:lnTo>
+                <a:lnTo>
+                  <a:pt x="0" y="120000"/>
+                </a:lnTo>
+                <a:close/>
+              </a:path>
+            </a:pathLst>
+          </a:custGeom>
+        </p:spPr>
+      </p:sp>
+      <p:sp>
+        <p:nvSpPr>
+          <p:cNvPr id="86" name="Google Shape;86;g314112cbf2b_0_579:notes"/>
+          <p:cNvSpPr txBox="1"/>
+          <p:nvPr>
+            <p:ph idx="1" type="body"/>
+          </p:nvPr>
+        </p:nvSpPr>
+        <p:spPr>
+          <a:xfrm>
+            <a:off x="685800" y="4343400"/>
+            <a:ext cx="5486400" cy="4114800"/>
+          </a:xfrm>
+          <a:prstGeom prst="rect">
+            <a:avLst/>
+          </a:prstGeom>
+        </p:spPr>
+        <p:txBody>
+          <a:bodyPr anchorCtr="0" anchor="t" bIns="91425" lIns="91425" spcFirstLastPara="1" rIns="91425" wrap="square" tIns="91425">
+            <a:noAutofit/>
+          </a:bodyPr>
+          <a:lstStyle/>
+          <a:p>
+            <a:pPr indent="0" lvl="0" marL="0" rtl="0" algn="l">
+              <a:spcBef>
+                <a:spcPts val="0"/>
+              </a:spcBef>
+              <a:spcAft>
+                <a:spcPts val="0"/>
+              </a:spcAft>
+              <a:buNone/>
+            </a:pPr>
+            <a:r>
+              <a:t/>
+            </a:r>
+            <a:endParaRPr/>
+          </a:p>
+        </p:txBody>
+      </p:sp>
+    </p:spTree>
+  </p:cSld>
+  <p:clrMapOvr>
+    <a:masterClrMapping/>
+  </p:clrMapOvr>
+</p:notes>
+</file>
+
+<file path=ppt/notesSlides/notesSlide7.xml><?xml version="1.0" encoding="utf-8"?>
+<p:notes xmlns:a="http://schemas.openxmlformats.org/drawingml/2006/main" xmlns:r="http://schemas.openxmlformats.org/officeDocument/2006/relationships" xmlns:mc="http://schemas.openxmlformats.org/markup-compatibility/2006" xmlns:mv="urn:schemas-microsoft-com:mac:vml" xmlns:p="http://schemas.openxmlformats.org/presentationml/2006/main" xmlns:c="http://schemas.openxmlformats.org/drawingml/2006/chart" xmlns:dgm="http://schemas.openxmlformats.org/drawingml/2006/diagram" xmlns:o="urn:schemas-microsoft-com:office:office" xmlns:v="urn:schemas-microsoft-com:vml" xmlns:pvml="urn:schemas-microsoft-com:office:powerpoint" xmlns:com="http://schemas.openxmlformats.org/drawingml/2006/compatibility" xmlns:p14="http://schemas.microsoft.com/office/powerpoint/2010/main" xmlns:p15="http://schemas.microsoft.com/office/powerpoint/2012/main" xmlns:ahyp="http://schemas.microsoft.com/office/drawing/2018/hyperlinkcolor" showMasterPhAnim="0" showMasterSp="0">
+  <p:cSld>
+    <p:spTree>
+      <p:nvGrpSpPr>
+        <p:cNvPr id="91" name="Shape 91"/>
+        <p:cNvGrpSpPr/>
+        <p:nvPr/>
+      </p:nvGrpSpPr>
+      <p:grpSpPr>
+        <a:xfrm>
+          <a:off x="0" y="0"/>
+          <a:ext cx="0" cy="0"/>
+          <a:chOff x="0" y="0"/>
+          <a:chExt cx="0" cy="0"/>
+        </a:xfrm>
+      </p:grpSpPr>
+      <p:sp>
+        <p:nvSpPr>
+          <p:cNvPr id="92" name="Google Shape;92;g314112cbf2b_0_2:notes"/>
+          <p:cNvSpPr/>
+          <p:nvPr>
+            <p:ph idx="2" type="sldImg"/>
+          </p:nvPr>
+        </p:nvSpPr>
+        <p:spPr>
+          <a:xfrm>
+            <a:off x="381300" y="685800"/>
+            <a:ext cx="6096000" cy="3429000"/>
+          </a:xfrm>
+          <a:custGeom>
+            <a:rect b="b" l="l" r="r" t="t"/>
+            <a:pathLst>
+              <a:path extrusionOk="0" h="120000" w="120000">
+                <a:moveTo>
+                  <a:pt x="0" y="0"/>
+                </a:moveTo>
+                <a:lnTo>
+                  <a:pt x="120000" y="0"/>
+                </a:lnTo>
+                <a:lnTo>
+                  <a:pt x="120000" y="120000"/>
+                </a:lnTo>
+                <a:lnTo>
+                  <a:pt x="0" y="120000"/>
+                </a:lnTo>
+                <a:close/>
+              </a:path>
+            </a:pathLst>
+          </a:custGeom>
+        </p:spPr>
+      </p:sp>
+      <p:sp>
+        <p:nvSpPr>
+          <p:cNvPr id="93" name="Google Shape;93;g314112cbf2b_0_2:notes"/>
+          <p:cNvSpPr txBox="1"/>
+          <p:nvPr>
+            <p:ph idx="1" type="body"/>
+          </p:nvPr>
+        </p:nvSpPr>
+        <p:spPr>
+          <a:xfrm>
+            <a:off x="685800" y="4343400"/>
+            <a:ext cx="5486400" cy="4114800"/>
+          </a:xfrm>
+          <a:prstGeom prst="rect">
+            <a:avLst/>
+          </a:prstGeom>
+        </p:spPr>
+        <p:txBody>
+          <a:bodyPr anchorCtr="0" anchor="t" bIns="91425" lIns="91425" spcFirstLastPara="1" rIns="91425" wrap="square" tIns="91425">
+            <a:noAutofit/>
+          </a:bodyPr>
+          <a:lstStyle/>
+          <a:p>
+            <a:pPr indent="0" lvl="0" marL="0" rtl="0" algn="l">
+              <a:spcBef>
+                <a:spcPts val="0"/>
+              </a:spcBef>
+              <a:spcAft>
+                <a:spcPts val="0"/>
+              </a:spcAft>
+              <a:buNone/>
+            </a:pPr>
+            <a:r>
+              <a:t/>
+            </a:r>
+            <a:endParaRPr/>
+          </a:p>
+        </p:txBody>
+      </p:sp>
+    </p:spTree>
+  </p:cSld>
+  <p:clrMapOvr>
+    <a:masterClrMapping/>
+  </p:clrMapOvr>
+</p:notes>
+</file>
+
+<file path=ppt/notesSlides/notesSlide8.xml><?xml version="1.0" encoding="utf-8"?>
+<p:notes xmlns:a="http://schemas.openxmlformats.org/drawingml/2006/main" xmlns:r="http://schemas.openxmlformats.org/officeDocument/2006/relationships" xmlns:mc="http://schemas.openxmlformats.org/markup-compatibility/2006" xmlns:mv="urn:schemas-microsoft-com:mac:vml" xmlns:p="http://schemas.openxmlformats.org/presentationml/2006/main" xmlns:c="http://schemas.openxmlformats.org/drawingml/2006/chart" xmlns:dgm="http://schemas.openxmlformats.org/drawingml/2006/diagram" xmlns:o="urn:schemas-microsoft-com:office:office" xmlns:v="urn:schemas-microsoft-com:vml" xmlns:pvml="urn:schemas-microsoft-com:office:powerpoint" xmlns:com="http://schemas.openxmlformats.org/drawingml/2006/compatibility" xmlns:p14="http://schemas.microsoft.com/office/powerpoint/2010/main" xmlns:p15="http://schemas.microsoft.com/office/powerpoint/2012/main" xmlns:ahyp="http://schemas.microsoft.com/office/drawing/2018/hyperlinkcolor" showMasterPhAnim="0" showMasterSp="0">
+  <p:cSld>
+    <p:spTree>
+      <p:nvGrpSpPr>
+        <p:cNvPr id="97" name="Shape 97"/>
+        <p:cNvGrpSpPr/>
+        <p:nvPr/>
+      </p:nvGrpSpPr>
+      <p:grpSpPr>
+        <a:xfrm>
+          <a:off x="0" y="0"/>
+          <a:ext cx="0" cy="0"/>
+          <a:chOff x="0" y="0"/>
+          <a:chExt cx="0" cy="0"/>
+        </a:xfrm>
+      </p:grpSpPr>
+      <p:sp>
+        <p:nvSpPr>
+          <p:cNvPr id="98" name="Google Shape;98;g314c7c68326_0_0:notes"/>
+          <p:cNvSpPr/>
+          <p:nvPr>
+            <p:ph idx="2" type="sldImg"/>
+          </p:nvPr>
+        </p:nvSpPr>
+        <p:spPr>
+          <a:xfrm>
+            <a:off x="381300" y="685800"/>
+            <a:ext cx="6096000" cy="3429000"/>
+          </a:xfrm>
+          <a:custGeom>
+            <a:rect b="b" l="l" r="r" t="t"/>
+            <a:pathLst>
+              <a:path extrusionOk="0" h="120000" w="120000">
+                <a:moveTo>
+                  <a:pt x="0" y="0"/>
+                </a:moveTo>
+                <a:lnTo>
+                  <a:pt x="120000" y="0"/>
+                </a:lnTo>
+                <a:lnTo>
+                  <a:pt x="120000" y="120000"/>
+                </a:lnTo>
+                <a:lnTo>
+                  <a:pt x="0" y="120000"/>
+                </a:lnTo>
+                <a:close/>
+              </a:path>
+            </a:pathLst>
+          </a:custGeom>
+        </p:spPr>
+      </p:sp>
+      <p:sp>
+        <p:nvSpPr>
+          <p:cNvPr id="99" name="Google Shape;99;g314c7c68326_0_0:notes"/>
           <p:cNvSpPr txBox="1"/>
           <p:nvPr>
             <p:ph idx="1" type="body"/>
@@ -6188,6 +6588,1221 @@
         </p:nvSpPr>
         <p:spPr>
           <a:xfrm>
+            <a:off x="2298154" y="276850"/>
+            <a:ext cx="4547700" cy="1216800"/>
+          </a:xfrm>
+          <a:prstGeom prst="rect">
+            <a:avLst/>
+          </a:prstGeom>
+        </p:spPr>
+        <p:txBody>
+          <a:bodyPr anchorCtr="0" anchor="ctr" bIns="91425" lIns="91425" spcFirstLastPara="1" rIns="91425" wrap="square" tIns="91425">
+            <a:normAutofit/>
+          </a:bodyPr>
+          <a:lstStyle/>
+          <a:p>
+            <a:pPr indent="0" lvl="0" marL="0" rtl="0" algn="ctr">
+              <a:lnSpc>
+                <a:spcPct val="150000"/>
+              </a:lnSpc>
+              <a:spcBef>
+                <a:spcPts val="0"/>
+              </a:spcBef>
+              <a:spcAft>
+                <a:spcPts val="0"/>
+              </a:spcAft>
+              <a:buNone/>
+            </a:pPr>
+            <a:r>
+              <a:rPr lang="en" sz="2800"/>
+              <a:t>Цель работы</a:t>
+            </a:r>
+            <a:endParaRPr sz="2800"/>
+          </a:p>
+        </p:txBody>
+      </p:sp>
+      <p:sp>
+        <p:nvSpPr>
+          <p:cNvPr id="63" name="Google Shape;63;p14"/>
+          <p:cNvSpPr txBox="1"/>
+          <p:nvPr>
+            <p:ph idx="1" type="subTitle"/>
+          </p:nvPr>
+        </p:nvSpPr>
+        <p:spPr>
+          <a:xfrm>
+            <a:off x="311700" y="1311475"/>
+            <a:ext cx="8520600" cy="792600"/>
+          </a:xfrm>
+          <a:prstGeom prst="rect">
+            <a:avLst/>
+          </a:prstGeom>
+        </p:spPr>
+        <p:txBody>
+          <a:bodyPr anchorCtr="0" anchor="t" bIns="91425" lIns="91425" spcFirstLastPara="1" rIns="91425" wrap="square" tIns="91425">
+            <a:noAutofit/>
+          </a:bodyPr>
+          <a:lstStyle/>
+          <a:p>
+            <a:pPr indent="0" lvl="0" marL="0" rtl="0" algn="just">
+              <a:lnSpc>
+                <a:spcPct val="150000"/>
+              </a:lnSpc>
+              <a:spcBef>
+                <a:spcPts val="0"/>
+              </a:spcBef>
+              <a:spcAft>
+                <a:spcPts val="0"/>
+              </a:spcAft>
+              <a:buClr>
+                <a:schemeClr val="dk1"/>
+              </a:buClr>
+              <a:buSzPts val="1100"/>
+              <a:buFont typeface="Arial"/>
+              <a:buNone/>
+            </a:pPr>
+            <a:r>
+              <a:rPr lang="en" sz="1800">
+                <a:solidFill>
+                  <a:schemeClr val="dk1"/>
+                </a:solidFill>
+                <a:latin typeface="Times New Roman"/>
+                <a:ea typeface="Times New Roman"/>
+                <a:cs typeface="Times New Roman"/>
+                <a:sym typeface="Times New Roman"/>
+              </a:rPr>
+              <a:t>Выполнить проект по QT под названием “Система управления задачами и событиями с возможностью их категоризации” на языке программирования Python.</a:t>
+            </a:r>
+            <a:endParaRPr sz="3200">
+              <a:latin typeface="Times New Roman"/>
+              <a:ea typeface="Times New Roman"/>
+              <a:cs typeface="Times New Roman"/>
+              <a:sym typeface="Times New Roman"/>
+            </a:endParaRPr>
+          </a:p>
+        </p:txBody>
+      </p:sp>
+      <p:sp>
+        <p:nvSpPr>
+          <p:cNvPr id="64" name="Google Shape;64;p14"/>
+          <p:cNvSpPr txBox="1"/>
+          <p:nvPr/>
+        </p:nvSpPr>
+        <p:spPr>
+          <a:xfrm>
+            <a:off x="1209750" y="2238800"/>
+            <a:ext cx="6724500" cy="562500"/>
+          </a:xfrm>
+          <a:prstGeom prst="rect">
+            <a:avLst/>
+          </a:prstGeom>
+          <a:noFill/>
+          <a:ln>
+            <a:noFill/>
+          </a:ln>
+        </p:spPr>
+        <p:txBody>
+          <a:bodyPr anchorCtr="0" anchor="ctr" bIns="91425" lIns="91425" spcFirstLastPara="1" rIns="91425" wrap="square" tIns="91425">
+            <a:noAutofit/>
+          </a:bodyPr>
+          <a:lstStyle/>
+          <a:p>
+            <a:pPr indent="0" lvl="0" marL="0" rtl="0" algn="ctr">
+              <a:spcBef>
+                <a:spcPts val="0"/>
+              </a:spcBef>
+              <a:spcAft>
+                <a:spcPts val="0"/>
+              </a:spcAft>
+              <a:buNone/>
+            </a:pPr>
+            <a:r>
+              <a:rPr lang="en" sz="2800">
+                <a:solidFill>
+                  <a:schemeClr val="dk1"/>
+                </a:solidFill>
+                <a:latin typeface="Times New Roman"/>
+                <a:ea typeface="Times New Roman"/>
+                <a:cs typeface="Times New Roman"/>
+                <a:sym typeface="Times New Roman"/>
+              </a:rPr>
+              <a:t>Техническое задание</a:t>
+            </a:r>
+            <a:endParaRPr sz="2800">
+              <a:solidFill>
+                <a:schemeClr val="dk1"/>
+              </a:solidFill>
+              <a:latin typeface="Times New Roman"/>
+              <a:ea typeface="Times New Roman"/>
+              <a:cs typeface="Times New Roman"/>
+              <a:sym typeface="Times New Roman"/>
+            </a:endParaRPr>
+          </a:p>
+        </p:txBody>
+      </p:sp>
+      <p:sp>
+        <p:nvSpPr>
+          <p:cNvPr id="65" name="Google Shape;65;p14"/>
+          <p:cNvSpPr txBox="1"/>
+          <p:nvPr/>
+        </p:nvSpPr>
+        <p:spPr>
+          <a:xfrm>
+            <a:off x="1158375" y="2936025"/>
+            <a:ext cx="6724500" cy="2047200"/>
+          </a:xfrm>
+          <a:prstGeom prst="rect">
+            <a:avLst/>
+          </a:prstGeom>
+          <a:noFill/>
+          <a:ln>
+            <a:noFill/>
+          </a:ln>
+        </p:spPr>
+        <p:txBody>
+          <a:bodyPr anchorCtr="0" anchor="t" bIns="91425" lIns="91425" spcFirstLastPara="1" rIns="91425" wrap="square" tIns="91425">
+            <a:noAutofit/>
+          </a:bodyPr>
+          <a:lstStyle/>
+          <a:p>
+            <a:pPr indent="-342900" lvl="0" marL="457200" rtl="0" algn="just">
+              <a:lnSpc>
+                <a:spcPct val="150000"/>
+              </a:lnSpc>
+              <a:spcBef>
+                <a:spcPts val="0"/>
+              </a:spcBef>
+              <a:spcAft>
+                <a:spcPts val="0"/>
+              </a:spcAft>
+              <a:buClr>
+                <a:schemeClr val="dk1"/>
+              </a:buClr>
+              <a:buSzPts val="1800"/>
+              <a:buFont typeface="Times New Roman"/>
+              <a:buChar char="●"/>
+            </a:pPr>
+            <a:r>
+              <a:rPr lang="en" sz="1800">
+                <a:solidFill>
+                  <a:schemeClr val="dk1"/>
+                </a:solidFill>
+                <a:latin typeface="Times New Roman"/>
+                <a:ea typeface="Times New Roman"/>
+                <a:cs typeface="Times New Roman"/>
+                <a:sym typeface="Times New Roman"/>
+              </a:rPr>
+              <a:t>Создание и управление категориями, событиями, задачами</a:t>
+            </a:r>
+            <a:endParaRPr sz="1800">
+              <a:solidFill>
+                <a:schemeClr val="dk1"/>
+              </a:solidFill>
+              <a:latin typeface="Times New Roman"/>
+              <a:ea typeface="Times New Roman"/>
+              <a:cs typeface="Times New Roman"/>
+              <a:sym typeface="Times New Roman"/>
+            </a:endParaRPr>
+          </a:p>
+          <a:p>
+            <a:pPr indent="-342900" lvl="0" marL="457200" rtl="0" algn="just">
+              <a:lnSpc>
+                <a:spcPct val="150000"/>
+              </a:lnSpc>
+              <a:spcBef>
+                <a:spcPts val="0"/>
+              </a:spcBef>
+              <a:spcAft>
+                <a:spcPts val="0"/>
+              </a:spcAft>
+              <a:buClr>
+                <a:schemeClr val="dk1"/>
+              </a:buClr>
+              <a:buSzPts val="1800"/>
+              <a:buFont typeface="Times New Roman"/>
+              <a:buChar char="●"/>
+            </a:pPr>
+            <a:r>
+              <a:rPr lang="en" sz="1800">
+                <a:solidFill>
+                  <a:schemeClr val="dk1"/>
+                </a:solidFill>
+                <a:latin typeface="Times New Roman"/>
+                <a:ea typeface="Times New Roman"/>
+                <a:cs typeface="Times New Roman"/>
+                <a:sym typeface="Times New Roman"/>
+              </a:rPr>
+              <a:t>Возможность фильтрации событий и задач по категориям</a:t>
+            </a:r>
+            <a:endParaRPr sz="1800">
+              <a:solidFill>
+                <a:schemeClr val="dk1"/>
+              </a:solidFill>
+              <a:latin typeface="Times New Roman"/>
+              <a:ea typeface="Times New Roman"/>
+              <a:cs typeface="Times New Roman"/>
+              <a:sym typeface="Times New Roman"/>
+            </a:endParaRPr>
+          </a:p>
+          <a:p>
+            <a:pPr indent="-342900" lvl="0" marL="457200" rtl="0" algn="just">
+              <a:lnSpc>
+                <a:spcPct val="150000"/>
+              </a:lnSpc>
+              <a:spcBef>
+                <a:spcPts val="0"/>
+              </a:spcBef>
+              <a:spcAft>
+                <a:spcPts val="0"/>
+              </a:spcAft>
+              <a:buClr>
+                <a:schemeClr val="dk1"/>
+              </a:buClr>
+              <a:buSzPts val="1800"/>
+              <a:buFont typeface="Times New Roman"/>
+              <a:buChar char="●"/>
+            </a:pPr>
+            <a:r>
+              <a:rPr lang="en" sz="1800">
+                <a:solidFill>
+                  <a:schemeClr val="dk1"/>
+                </a:solidFill>
+                <a:latin typeface="Times New Roman"/>
+                <a:ea typeface="Times New Roman"/>
+                <a:cs typeface="Times New Roman"/>
+                <a:sym typeface="Times New Roman"/>
+              </a:rPr>
+              <a:t>Функция экспорта данных в .csv файл</a:t>
+            </a:r>
+            <a:endParaRPr sz="1800">
+              <a:solidFill>
+                <a:schemeClr val="dk1"/>
+              </a:solidFill>
+              <a:latin typeface="Times New Roman"/>
+              <a:ea typeface="Times New Roman"/>
+              <a:cs typeface="Times New Roman"/>
+              <a:sym typeface="Times New Roman"/>
+            </a:endParaRPr>
+          </a:p>
+          <a:p>
+            <a:pPr indent="0" lvl="0" marL="0" rtl="0" algn="l">
+              <a:spcBef>
+                <a:spcPts val="0"/>
+              </a:spcBef>
+              <a:spcAft>
+                <a:spcPts val="0"/>
+              </a:spcAft>
+              <a:buNone/>
+            </a:pPr>
+            <a:r>
+              <a:t/>
+            </a:r>
+            <a:endParaRPr sz="1800">
+              <a:solidFill>
+                <a:schemeClr val="dk2"/>
+              </a:solidFill>
+            </a:endParaRPr>
+          </a:p>
+        </p:txBody>
+      </p:sp>
+    </p:spTree>
+  </p:cSld>
+  <p:clrMapOvr>
+    <a:masterClrMapping/>
+  </p:clrMapOvr>
+</p:sld>
+</file>
+
+<file path=ppt/slides/slide3.xml><?xml version="1.0" encoding="utf-8"?>
+<p:sld xmlns:a="http://schemas.openxmlformats.org/drawingml/2006/main" xmlns:r="http://schemas.openxmlformats.org/officeDocument/2006/relationships" xmlns:mc="http://schemas.openxmlformats.org/markup-compatibility/2006" xmlns:mv="urn:schemas-microsoft-com:mac:vml" xmlns:p="http://schemas.openxmlformats.org/presentationml/2006/main" xmlns:c="http://schemas.openxmlformats.org/drawingml/2006/chart" xmlns:dgm="http://schemas.openxmlformats.org/drawingml/2006/diagram" xmlns:o="urn:schemas-microsoft-com:office:office" xmlns:v="urn:schemas-microsoft-com:vml" xmlns:pvml="urn:schemas-microsoft-com:office:powerpoint" xmlns:com="http://schemas.openxmlformats.org/drawingml/2006/compatibility" xmlns:p14="http://schemas.microsoft.com/office/powerpoint/2010/main" xmlns:p15="http://schemas.microsoft.com/office/powerpoint/2012/main" xmlns:ahyp="http://schemas.microsoft.com/office/drawing/2018/hyperlinkcolor">
+  <p:cSld>
+    <p:spTree>
+      <p:nvGrpSpPr>
+        <p:cNvPr id="69" name="Shape 69"/>
+        <p:cNvGrpSpPr/>
+        <p:nvPr/>
+      </p:nvGrpSpPr>
+      <p:grpSpPr>
+        <a:xfrm>
+          <a:off x="0" y="0"/>
+          <a:ext cx="0" cy="0"/>
+          <a:chOff x="0" y="0"/>
+          <a:chExt cx="0" cy="0"/>
+        </a:xfrm>
+      </p:grpSpPr>
+      <p:sp>
+        <p:nvSpPr>
+          <p:cNvPr id="70" name="Google Shape;70;p15"/>
+          <p:cNvSpPr txBox="1"/>
+          <p:nvPr>
+            <p:ph type="ctrTitle"/>
+          </p:nvPr>
+        </p:nvSpPr>
+        <p:spPr>
+          <a:xfrm>
+            <a:off x="2626055" y="241875"/>
+            <a:ext cx="3891900" cy="1091400"/>
+          </a:xfrm>
+          <a:prstGeom prst="rect">
+            <a:avLst/>
+          </a:prstGeom>
+        </p:spPr>
+        <p:txBody>
+          <a:bodyPr anchorCtr="0" anchor="ctr" bIns="91425" lIns="91425" spcFirstLastPara="1" rIns="91425" wrap="square" tIns="91425">
+            <a:normAutofit/>
+          </a:bodyPr>
+          <a:lstStyle/>
+          <a:p>
+            <a:pPr indent="0" lvl="0" marL="0" rtl="0" algn="ctr">
+              <a:spcBef>
+                <a:spcPts val="0"/>
+              </a:spcBef>
+              <a:spcAft>
+                <a:spcPts val="0"/>
+              </a:spcAft>
+              <a:buNone/>
+            </a:pPr>
+            <a:r>
+              <a:rPr lang="en" sz="2800"/>
+              <a:t>Описание идеи</a:t>
+            </a:r>
+            <a:endParaRPr sz="2800"/>
+          </a:p>
+        </p:txBody>
+      </p:sp>
+      <p:sp>
+        <p:nvSpPr>
+          <p:cNvPr id="71" name="Google Shape;71;p15"/>
+          <p:cNvSpPr txBox="1"/>
+          <p:nvPr>
+            <p:ph idx="1" type="subTitle"/>
+          </p:nvPr>
+        </p:nvSpPr>
+        <p:spPr>
+          <a:xfrm>
+            <a:off x="311700" y="1333275"/>
+            <a:ext cx="8520600" cy="2717400"/>
+          </a:xfrm>
+          <a:prstGeom prst="rect">
+            <a:avLst/>
+          </a:prstGeom>
+        </p:spPr>
+        <p:txBody>
+          <a:bodyPr anchorCtr="0" anchor="ctr" bIns="91425" lIns="91425" spcFirstLastPara="1" rIns="91425" wrap="square" tIns="91425">
+            <a:noAutofit/>
+          </a:bodyPr>
+          <a:lstStyle/>
+          <a:p>
+            <a:pPr indent="0" lvl="0" marL="0" rtl="0" algn="just">
+              <a:lnSpc>
+                <a:spcPct val="150000"/>
+              </a:lnSpc>
+              <a:spcBef>
+                <a:spcPts val="1200"/>
+              </a:spcBef>
+              <a:spcAft>
+                <a:spcPts val="1200"/>
+              </a:spcAft>
+              <a:buClr>
+                <a:schemeClr val="dk1"/>
+              </a:buClr>
+              <a:buSzPts val="1100"/>
+              <a:buFont typeface="Arial"/>
+              <a:buNone/>
+            </a:pPr>
+            <a:r>
+              <a:rPr lang="en" sz="1800">
+                <a:solidFill>
+                  <a:schemeClr val="dk1"/>
+                </a:solidFill>
+                <a:latin typeface="Times New Roman"/>
+                <a:ea typeface="Times New Roman"/>
+                <a:cs typeface="Times New Roman"/>
+                <a:sym typeface="Times New Roman"/>
+              </a:rPr>
+              <a:t>Мой проект направлен на создание системы, которая не просто помогает управлять задачами и событиями, но и делает это с заботой о ментальном здоровье, поддерживая осознанное планирование и помогая минимизировать перегруженность.</a:t>
+            </a:r>
+            <a:endParaRPr sz="1800">
+              <a:latin typeface="Times New Roman"/>
+              <a:ea typeface="Times New Roman"/>
+              <a:cs typeface="Times New Roman"/>
+              <a:sym typeface="Times New Roman"/>
+            </a:endParaRPr>
+          </a:p>
+        </p:txBody>
+      </p:sp>
+    </p:spTree>
+  </p:cSld>
+  <p:clrMapOvr>
+    <a:masterClrMapping/>
+  </p:clrMapOvr>
+</p:sld>
+</file>
+
+<file path=ppt/slides/slide4.xml><?xml version="1.0" encoding="utf-8"?>
+<p:sld xmlns:a="http://schemas.openxmlformats.org/drawingml/2006/main" xmlns:r="http://schemas.openxmlformats.org/officeDocument/2006/relationships" xmlns:mc="http://schemas.openxmlformats.org/markup-compatibility/2006" xmlns:mv="urn:schemas-microsoft-com:mac:vml" xmlns:p="http://schemas.openxmlformats.org/presentationml/2006/main" xmlns:c="http://schemas.openxmlformats.org/drawingml/2006/chart" xmlns:dgm="http://schemas.openxmlformats.org/drawingml/2006/diagram" xmlns:o="urn:schemas-microsoft-com:office:office" xmlns:v="urn:schemas-microsoft-com:vml" xmlns:pvml="urn:schemas-microsoft-com:office:powerpoint" xmlns:com="http://schemas.openxmlformats.org/drawingml/2006/compatibility" xmlns:p14="http://schemas.microsoft.com/office/powerpoint/2010/main" xmlns:p15="http://schemas.microsoft.com/office/powerpoint/2012/main" xmlns:ahyp="http://schemas.microsoft.com/office/drawing/2018/hyperlinkcolor">
+  <p:cSld>
+    <p:spTree>
+      <p:nvGrpSpPr>
+        <p:cNvPr id="75" name="Shape 75"/>
+        <p:cNvGrpSpPr/>
+        <p:nvPr/>
+      </p:nvGrpSpPr>
+      <p:grpSpPr>
+        <a:xfrm>
+          <a:off x="0" y="0"/>
+          <a:ext cx="0" cy="0"/>
+          <a:chOff x="0" y="0"/>
+          <a:chExt cx="0" cy="0"/>
+        </a:xfrm>
+      </p:grpSpPr>
+      <p:sp>
+        <p:nvSpPr>
+          <p:cNvPr id="76" name="Google Shape;76;p16"/>
+          <p:cNvSpPr txBox="1"/>
+          <p:nvPr>
+            <p:ph type="ctrTitle"/>
+          </p:nvPr>
+        </p:nvSpPr>
+        <p:spPr>
+          <a:xfrm>
+            <a:off x="311700" y="198150"/>
+            <a:ext cx="8520600" cy="785400"/>
+          </a:xfrm>
+          <a:prstGeom prst="rect">
+            <a:avLst/>
+          </a:prstGeom>
+        </p:spPr>
+        <p:txBody>
+          <a:bodyPr anchorCtr="0" anchor="ctr" bIns="91425" lIns="91425" spcFirstLastPara="1" rIns="91425" wrap="square" tIns="91425">
+            <a:normAutofit/>
+          </a:bodyPr>
+          <a:lstStyle/>
+          <a:p>
+            <a:pPr indent="0" lvl="0" marL="0" rtl="0" algn="ctr">
+              <a:spcBef>
+                <a:spcPts val="0"/>
+              </a:spcBef>
+              <a:spcAft>
+                <a:spcPts val="0"/>
+              </a:spcAft>
+              <a:buNone/>
+            </a:pPr>
+            <a:r>
+              <a:rPr lang="en" sz="2800"/>
+              <a:t>Описание реализации</a:t>
+            </a:r>
+            <a:endParaRPr sz="2800"/>
+          </a:p>
+        </p:txBody>
+      </p:sp>
+      <p:sp>
+        <p:nvSpPr>
+          <p:cNvPr id="77" name="Google Shape;77;p16"/>
+          <p:cNvSpPr txBox="1"/>
+          <p:nvPr>
+            <p:ph idx="1" type="subTitle"/>
+          </p:nvPr>
+        </p:nvSpPr>
+        <p:spPr>
+          <a:xfrm>
+            <a:off x="311700" y="983550"/>
+            <a:ext cx="8520600" cy="3584400"/>
+          </a:xfrm>
+          <a:prstGeom prst="rect">
+            <a:avLst/>
+          </a:prstGeom>
+        </p:spPr>
+        <p:txBody>
+          <a:bodyPr anchorCtr="0" anchor="ctr" bIns="91425" lIns="91425" spcFirstLastPara="1" rIns="91425" wrap="square" tIns="91425">
+            <a:noAutofit/>
+          </a:bodyPr>
+          <a:lstStyle/>
+          <a:p>
+            <a:pPr indent="0" lvl="0" marL="0" rtl="0" algn="just">
+              <a:spcBef>
+                <a:spcPts val="0"/>
+              </a:spcBef>
+              <a:spcAft>
+                <a:spcPts val="0"/>
+              </a:spcAft>
+              <a:buNone/>
+            </a:pPr>
+            <a:r>
+              <a:rPr lang="en" sz="1500">
+                <a:solidFill>
+                  <a:schemeClr val="dk1"/>
+                </a:solidFill>
+                <a:latin typeface="Times New Roman"/>
+                <a:ea typeface="Times New Roman"/>
+                <a:cs typeface="Times New Roman"/>
+                <a:sym typeface="Times New Roman"/>
+              </a:rPr>
+              <a:t>В моей программе реализовано 8 классов:</a:t>
+            </a:r>
+            <a:endParaRPr sz="1500">
+              <a:solidFill>
+                <a:schemeClr val="dk1"/>
+              </a:solidFill>
+              <a:latin typeface="Times New Roman"/>
+              <a:ea typeface="Times New Roman"/>
+              <a:cs typeface="Times New Roman"/>
+              <a:sym typeface="Times New Roman"/>
+            </a:endParaRPr>
+          </a:p>
+          <a:p>
+            <a:pPr indent="-323850" lvl="0" marL="457200" rtl="0" algn="just">
+              <a:lnSpc>
+                <a:spcPct val="150000"/>
+              </a:lnSpc>
+              <a:spcBef>
+                <a:spcPts val="0"/>
+              </a:spcBef>
+              <a:spcAft>
+                <a:spcPts val="0"/>
+              </a:spcAft>
+              <a:buClr>
+                <a:schemeClr val="dk1"/>
+              </a:buClr>
+              <a:buSzPts val="1500"/>
+              <a:buFont typeface="Times New Roman"/>
+              <a:buChar char="●"/>
+            </a:pPr>
+            <a:r>
+              <a:rPr lang="en" sz="1500">
+                <a:solidFill>
+                  <a:schemeClr val="dk1"/>
+                </a:solidFill>
+                <a:latin typeface="Times New Roman"/>
+                <a:ea typeface="Times New Roman"/>
+                <a:cs typeface="Times New Roman"/>
+                <a:sym typeface="Times New Roman"/>
+              </a:rPr>
+              <a:t>MainWidget – позволяет пользователю управлять задачами, событиями, а также категориями.</a:t>
+            </a:r>
+            <a:endParaRPr sz="1500">
+              <a:solidFill>
+                <a:schemeClr val="dk1"/>
+              </a:solidFill>
+              <a:latin typeface="Times New Roman"/>
+              <a:ea typeface="Times New Roman"/>
+              <a:cs typeface="Times New Roman"/>
+              <a:sym typeface="Times New Roman"/>
+            </a:endParaRPr>
+          </a:p>
+          <a:p>
+            <a:pPr indent="-323850" lvl="0" marL="457200" rtl="0" algn="just">
+              <a:lnSpc>
+                <a:spcPct val="150000"/>
+              </a:lnSpc>
+              <a:spcBef>
+                <a:spcPts val="0"/>
+              </a:spcBef>
+              <a:spcAft>
+                <a:spcPts val="0"/>
+              </a:spcAft>
+              <a:buClr>
+                <a:schemeClr val="dk1"/>
+              </a:buClr>
+              <a:buSzPts val="1500"/>
+              <a:buFont typeface="Times New Roman"/>
+              <a:buChar char="●"/>
+            </a:pPr>
+            <a:r>
+              <a:rPr lang="en" sz="1500">
+                <a:solidFill>
+                  <a:schemeClr val="dk1"/>
+                </a:solidFill>
+                <a:latin typeface="Times New Roman"/>
+                <a:ea typeface="Times New Roman"/>
+                <a:cs typeface="Times New Roman"/>
+                <a:sym typeface="Times New Roman"/>
+              </a:rPr>
+              <a:t>Categories – предоставляет информацию о существующих категориях, а также позволяет ими управлять.</a:t>
+            </a:r>
+            <a:endParaRPr sz="1500">
+              <a:solidFill>
+                <a:schemeClr val="dk1"/>
+              </a:solidFill>
+              <a:latin typeface="Times New Roman"/>
+              <a:ea typeface="Times New Roman"/>
+              <a:cs typeface="Times New Roman"/>
+              <a:sym typeface="Times New Roman"/>
+            </a:endParaRPr>
+          </a:p>
+          <a:p>
+            <a:pPr indent="-323850" lvl="0" marL="457200" rtl="0" algn="just">
+              <a:lnSpc>
+                <a:spcPct val="150000"/>
+              </a:lnSpc>
+              <a:spcBef>
+                <a:spcPts val="0"/>
+              </a:spcBef>
+              <a:spcAft>
+                <a:spcPts val="0"/>
+              </a:spcAft>
+              <a:buClr>
+                <a:schemeClr val="dk1"/>
+              </a:buClr>
+              <a:buSzPts val="1500"/>
+              <a:buFont typeface="Times New Roman"/>
+              <a:buChar char="●"/>
+            </a:pPr>
+            <a:r>
+              <a:rPr lang="en" sz="1500">
+                <a:solidFill>
+                  <a:schemeClr val="dk1"/>
+                </a:solidFill>
+                <a:latin typeface="Times New Roman"/>
+                <a:ea typeface="Times New Roman"/>
+                <a:cs typeface="Times New Roman"/>
+                <a:sym typeface="Times New Roman"/>
+              </a:rPr>
+              <a:t>EditCategory – позволяет добавить или отредактировать категорию.</a:t>
+            </a:r>
+            <a:endParaRPr sz="1500">
+              <a:solidFill>
+                <a:schemeClr val="dk1"/>
+              </a:solidFill>
+              <a:latin typeface="Times New Roman"/>
+              <a:ea typeface="Times New Roman"/>
+              <a:cs typeface="Times New Roman"/>
+              <a:sym typeface="Times New Roman"/>
+            </a:endParaRPr>
+          </a:p>
+          <a:p>
+            <a:pPr indent="-323850" lvl="0" marL="457200" rtl="0" algn="just">
+              <a:lnSpc>
+                <a:spcPct val="150000"/>
+              </a:lnSpc>
+              <a:spcBef>
+                <a:spcPts val="0"/>
+              </a:spcBef>
+              <a:spcAft>
+                <a:spcPts val="0"/>
+              </a:spcAft>
+              <a:buClr>
+                <a:schemeClr val="dk1"/>
+              </a:buClr>
+              <a:buSzPts val="1500"/>
+              <a:buFont typeface="Times New Roman"/>
+              <a:buChar char="●"/>
+            </a:pPr>
+            <a:r>
+              <a:rPr lang="en" sz="1500">
+                <a:solidFill>
+                  <a:schemeClr val="dk1"/>
+                </a:solidFill>
+                <a:latin typeface="Times New Roman"/>
+                <a:ea typeface="Times New Roman"/>
+                <a:cs typeface="Times New Roman"/>
+                <a:sym typeface="Times New Roman"/>
+              </a:rPr>
+              <a:t>TaskForm – служит для вывода информации о задаче.</a:t>
+            </a:r>
+            <a:endParaRPr sz="1500">
+              <a:solidFill>
+                <a:schemeClr val="dk1"/>
+              </a:solidFill>
+              <a:latin typeface="Times New Roman"/>
+              <a:ea typeface="Times New Roman"/>
+              <a:cs typeface="Times New Roman"/>
+              <a:sym typeface="Times New Roman"/>
+            </a:endParaRPr>
+          </a:p>
+          <a:p>
+            <a:pPr indent="-323850" lvl="0" marL="457200" rtl="0" algn="just">
+              <a:lnSpc>
+                <a:spcPct val="150000"/>
+              </a:lnSpc>
+              <a:spcBef>
+                <a:spcPts val="0"/>
+              </a:spcBef>
+              <a:spcAft>
+                <a:spcPts val="0"/>
+              </a:spcAft>
+              <a:buClr>
+                <a:schemeClr val="dk1"/>
+              </a:buClr>
+              <a:buSzPts val="1500"/>
+              <a:buFont typeface="Times New Roman"/>
+              <a:buChar char="●"/>
+            </a:pPr>
+            <a:r>
+              <a:rPr lang="en" sz="1500">
+                <a:solidFill>
+                  <a:schemeClr val="dk1"/>
+                </a:solidFill>
+                <a:latin typeface="Times New Roman"/>
+                <a:ea typeface="Times New Roman"/>
+                <a:cs typeface="Times New Roman"/>
+                <a:sym typeface="Times New Roman"/>
+              </a:rPr>
+              <a:t>TaskWidget – позволяет добавить или отредактировать задачу.</a:t>
+            </a:r>
+            <a:endParaRPr sz="1500">
+              <a:solidFill>
+                <a:schemeClr val="dk1"/>
+              </a:solidFill>
+              <a:latin typeface="Times New Roman"/>
+              <a:ea typeface="Times New Roman"/>
+              <a:cs typeface="Times New Roman"/>
+              <a:sym typeface="Times New Roman"/>
+            </a:endParaRPr>
+          </a:p>
+          <a:p>
+            <a:pPr indent="-323850" lvl="0" marL="457200" rtl="0" algn="just">
+              <a:lnSpc>
+                <a:spcPct val="150000"/>
+              </a:lnSpc>
+              <a:spcBef>
+                <a:spcPts val="0"/>
+              </a:spcBef>
+              <a:spcAft>
+                <a:spcPts val="0"/>
+              </a:spcAft>
+              <a:buClr>
+                <a:schemeClr val="dk1"/>
+              </a:buClr>
+              <a:buSzPts val="1500"/>
+              <a:buFont typeface="Times New Roman"/>
+              <a:buChar char="●"/>
+            </a:pPr>
+            <a:r>
+              <a:rPr lang="en" sz="1500">
+                <a:solidFill>
+                  <a:schemeClr val="dk1"/>
+                </a:solidFill>
+                <a:latin typeface="Times New Roman"/>
+                <a:ea typeface="Times New Roman"/>
+                <a:cs typeface="Times New Roman"/>
+                <a:sym typeface="Times New Roman"/>
+              </a:rPr>
+              <a:t>EventFrom – служит для вывода информации о событии.</a:t>
+            </a:r>
+            <a:endParaRPr sz="1500">
+              <a:solidFill>
+                <a:schemeClr val="dk1"/>
+              </a:solidFill>
+              <a:latin typeface="Times New Roman"/>
+              <a:ea typeface="Times New Roman"/>
+              <a:cs typeface="Times New Roman"/>
+              <a:sym typeface="Times New Roman"/>
+            </a:endParaRPr>
+          </a:p>
+          <a:p>
+            <a:pPr indent="-323850" lvl="0" marL="457200" rtl="0" algn="just">
+              <a:lnSpc>
+                <a:spcPct val="150000"/>
+              </a:lnSpc>
+              <a:spcBef>
+                <a:spcPts val="0"/>
+              </a:spcBef>
+              <a:spcAft>
+                <a:spcPts val="0"/>
+              </a:spcAft>
+              <a:buClr>
+                <a:schemeClr val="dk1"/>
+              </a:buClr>
+              <a:buSzPts val="1500"/>
+              <a:buFont typeface="Times New Roman"/>
+              <a:buChar char="●"/>
+            </a:pPr>
+            <a:r>
+              <a:rPr lang="en" sz="1500">
+                <a:solidFill>
+                  <a:schemeClr val="dk1"/>
+                </a:solidFill>
+                <a:latin typeface="Times New Roman"/>
+                <a:ea typeface="Times New Roman"/>
+                <a:cs typeface="Times New Roman"/>
+                <a:sym typeface="Times New Roman"/>
+              </a:rPr>
+              <a:t>EventsDate – служит для вывода даты события.</a:t>
+            </a:r>
+            <a:endParaRPr sz="1500">
+              <a:solidFill>
+                <a:schemeClr val="dk1"/>
+              </a:solidFill>
+              <a:latin typeface="Times New Roman"/>
+              <a:ea typeface="Times New Roman"/>
+              <a:cs typeface="Times New Roman"/>
+              <a:sym typeface="Times New Roman"/>
+            </a:endParaRPr>
+          </a:p>
+          <a:p>
+            <a:pPr indent="-323850" lvl="0" marL="457200" rtl="0" algn="just">
+              <a:lnSpc>
+                <a:spcPct val="150000"/>
+              </a:lnSpc>
+              <a:spcBef>
+                <a:spcPts val="0"/>
+              </a:spcBef>
+              <a:spcAft>
+                <a:spcPts val="0"/>
+              </a:spcAft>
+              <a:buClr>
+                <a:schemeClr val="dk1"/>
+              </a:buClr>
+              <a:buSzPts val="1500"/>
+              <a:buFont typeface="Times New Roman"/>
+              <a:buChar char="●"/>
+            </a:pPr>
+            <a:r>
+              <a:rPr lang="en" sz="1500">
+                <a:solidFill>
+                  <a:schemeClr val="dk1"/>
+                </a:solidFill>
+                <a:latin typeface="Times New Roman"/>
+                <a:ea typeface="Times New Roman"/>
+                <a:cs typeface="Times New Roman"/>
+                <a:sym typeface="Times New Roman"/>
+              </a:rPr>
+              <a:t>EventWidget – позволяет добавить или отредактировать событие.</a:t>
+            </a:r>
+            <a:endParaRPr sz="1500">
+              <a:solidFill>
+                <a:schemeClr val="dk1"/>
+              </a:solidFill>
+              <a:latin typeface="Times New Roman"/>
+              <a:ea typeface="Times New Roman"/>
+              <a:cs typeface="Times New Roman"/>
+              <a:sym typeface="Times New Roman"/>
+            </a:endParaRPr>
+          </a:p>
+        </p:txBody>
+      </p:sp>
+    </p:spTree>
+  </p:cSld>
+  <p:clrMapOvr>
+    <a:masterClrMapping/>
+  </p:clrMapOvr>
+</p:sld>
+</file>
+
+<file path=ppt/slides/slide5.xml><?xml version="1.0" encoding="utf-8"?>
+<p:sld xmlns:a="http://schemas.openxmlformats.org/drawingml/2006/main" xmlns:r="http://schemas.openxmlformats.org/officeDocument/2006/relationships" xmlns:mc="http://schemas.openxmlformats.org/markup-compatibility/2006" xmlns:mv="urn:schemas-microsoft-com:mac:vml" xmlns:p="http://schemas.openxmlformats.org/presentationml/2006/main" xmlns:c="http://schemas.openxmlformats.org/drawingml/2006/chart" xmlns:dgm="http://schemas.openxmlformats.org/drawingml/2006/diagram" xmlns:o="urn:schemas-microsoft-com:office:office" xmlns:v="urn:schemas-microsoft-com:vml" xmlns:pvml="urn:schemas-microsoft-com:office:powerpoint" xmlns:com="http://schemas.openxmlformats.org/drawingml/2006/compatibility" xmlns:p14="http://schemas.microsoft.com/office/powerpoint/2010/main" xmlns:p15="http://schemas.microsoft.com/office/powerpoint/2012/main" xmlns:ahyp="http://schemas.microsoft.com/office/drawing/2018/hyperlinkcolor">
+  <p:cSld>
+    <p:spTree>
+      <p:nvGrpSpPr>
+        <p:cNvPr id="81" name="Shape 81"/>
+        <p:cNvGrpSpPr/>
+        <p:nvPr/>
+      </p:nvGrpSpPr>
+      <p:grpSpPr>
+        <a:xfrm>
+          <a:off x="0" y="0"/>
+          <a:ext cx="0" cy="0"/>
+          <a:chOff x="0" y="0"/>
+          <a:chExt cx="0" cy="0"/>
+        </a:xfrm>
+      </p:grpSpPr>
+      <p:sp>
+        <p:nvSpPr>
+          <p:cNvPr id="82" name="Google Shape;82;p17"/>
+          <p:cNvSpPr txBox="1"/>
+          <p:nvPr>
+            <p:ph type="ctrTitle"/>
+          </p:nvPr>
+        </p:nvSpPr>
+        <p:spPr>
+          <a:xfrm>
+            <a:off x="1799100" y="183600"/>
+            <a:ext cx="5545800" cy="676200"/>
+          </a:xfrm>
+          <a:prstGeom prst="rect">
+            <a:avLst/>
+          </a:prstGeom>
+        </p:spPr>
+        <p:txBody>
+          <a:bodyPr anchorCtr="0" anchor="ctr" bIns="91425" lIns="91425" spcFirstLastPara="1" rIns="91425" wrap="square" tIns="91425">
+            <a:normAutofit/>
+          </a:bodyPr>
+          <a:lstStyle/>
+          <a:p>
+            <a:pPr indent="0" lvl="0" marL="0" rtl="0" algn="ctr">
+              <a:spcBef>
+                <a:spcPts val="0"/>
+              </a:spcBef>
+              <a:spcAft>
+                <a:spcPts val="0"/>
+              </a:spcAft>
+              <a:buNone/>
+            </a:pPr>
+            <a:r>
+              <a:rPr lang="en" sz="2800">
+                <a:latin typeface="Times New Roman"/>
+                <a:ea typeface="Times New Roman"/>
+                <a:cs typeface="Times New Roman"/>
+                <a:sym typeface="Times New Roman"/>
+              </a:rPr>
+              <a:t>Описание технологий</a:t>
+            </a:r>
+            <a:endParaRPr sz="2800">
+              <a:latin typeface="Times New Roman"/>
+              <a:ea typeface="Times New Roman"/>
+              <a:cs typeface="Times New Roman"/>
+              <a:sym typeface="Times New Roman"/>
+            </a:endParaRPr>
+          </a:p>
+        </p:txBody>
+      </p:sp>
+      <p:sp>
+        <p:nvSpPr>
+          <p:cNvPr id="83" name="Google Shape;83;p17"/>
+          <p:cNvSpPr txBox="1"/>
+          <p:nvPr>
+            <p:ph idx="1" type="subTitle"/>
+          </p:nvPr>
+        </p:nvSpPr>
+        <p:spPr>
+          <a:xfrm>
+            <a:off x="311700" y="1136625"/>
+            <a:ext cx="8520600" cy="3708300"/>
+          </a:xfrm>
+          <a:prstGeom prst="rect">
+            <a:avLst/>
+          </a:prstGeom>
+        </p:spPr>
+        <p:txBody>
+          <a:bodyPr anchorCtr="0" anchor="t" bIns="91425" lIns="91425" spcFirstLastPara="1" rIns="91425" wrap="square" tIns="91425">
+            <a:normAutofit/>
+          </a:bodyPr>
+          <a:lstStyle/>
+          <a:p>
+            <a:pPr indent="457200" lvl="0" marL="0" rtl="0" algn="just">
+              <a:lnSpc>
+                <a:spcPct val="150000"/>
+              </a:lnSpc>
+              <a:spcBef>
+                <a:spcPts val="0"/>
+              </a:spcBef>
+              <a:spcAft>
+                <a:spcPts val="0"/>
+              </a:spcAft>
+              <a:buClr>
+                <a:schemeClr val="dk1"/>
+              </a:buClr>
+              <a:buSzPts val="1100"/>
+              <a:buFont typeface="Arial"/>
+              <a:buNone/>
+            </a:pPr>
+            <a:r>
+              <a:rPr lang="en" sz="1800">
+                <a:solidFill>
+                  <a:schemeClr val="dk1"/>
+                </a:solidFill>
+                <a:latin typeface="Times New Roman"/>
+                <a:ea typeface="Times New Roman"/>
+                <a:cs typeface="Times New Roman"/>
+                <a:sym typeface="Times New Roman"/>
+              </a:rPr>
+              <a:t>В приложении «Система управления задачами и событиями с возможностью их категоризации» реализованы:</a:t>
+            </a:r>
+            <a:endParaRPr sz="1800">
+              <a:solidFill>
+                <a:schemeClr val="dk1"/>
+              </a:solidFill>
+              <a:latin typeface="Times New Roman"/>
+              <a:ea typeface="Times New Roman"/>
+              <a:cs typeface="Times New Roman"/>
+              <a:sym typeface="Times New Roman"/>
+            </a:endParaRPr>
+          </a:p>
+          <a:p>
+            <a:pPr indent="-342900" lvl="0" marL="457200" rtl="0" algn="just">
+              <a:lnSpc>
+                <a:spcPct val="150000"/>
+              </a:lnSpc>
+              <a:spcBef>
+                <a:spcPts val="0"/>
+              </a:spcBef>
+              <a:spcAft>
+                <a:spcPts val="0"/>
+              </a:spcAft>
+              <a:buClr>
+                <a:schemeClr val="dk1"/>
+              </a:buClr>
+              <a:buSzPts val="1800"/>
+              <a:buFont typeface="Times New Roman"/>
+              <a:buChar char="●"/>
+            </a:pPr>
+            <a:r>
+              <a:rPr lang="en" sz="1800">
+                <a:solidFill>
+                  <a:schemeClr val="dk1"/>
+                </a:solidFill>
+                <a:latin typeface="Times New Roman"/>
+                <a:ea typeface="Times New Roman"/>
+                <a:cs typeface="Times New Roman"/>
+                <a:sym typeface="Times New Roman"/>
+              </a:rPr>
+              <a:t>Разработка интерфейса средствами QT Designer.</a:t>
+            </a:r>
+            <a:endParaRPr sz="1800">
+              <a:solidFill>
+                <a:schemeClr val="dk1"/>
+              </a:solidFill>
+              <a:latin typeface="Times New Roman"/>
+              <a:ea typeface="Times New Roman"/>
+              <a:cs typeface="Times New Roman"/>
+              <a:sym typeface="Times New Roman"/>
+            </a:endParaRPr>
+          </a:p>
+          <a:p>
+            <a:pPr indent="-342900" lvl="0" marL="457200" rtl="0" algn="just">
+              <a:lnSpc>
+                <a:spcPct val="150000"/>
+              </a:lnSpc>
+              <a:spcBef>
+                <a:spcPts val="0"/>
+              </a:spcBef>
+              <a:spcAft>
+                <a:spcPts val="0"/>
+              </a:spcAft>
+              <a:buClr>
+                <a:schemeClr val="dk1"/>
+              </a:buClr>
+              <a:buSzPts val="1800"/>
+              <a:buFont typeface="Times New Roman"/>
+              <a:buChar char="●"/>
+            </a:pPr>
+            <a:r>
+              <a:rPr lang="en" sz="1800">
+                <a:solidFill>
+                  <a:schemeClr val="dk1"/>
+                </a:solidFill>
+                <a:latin typeface="Times New Roman"/>
+                <a:ea typeface="Times New Roman"/>
+                <a:cs typeface="Times New Roman"/>
+                <a:sym typeface="Times New Roman"/>
+              </a:rPr>
+              <a:t>Работа с диалоговыми окнами и изображениями (Добавление картинки к задаче).</a:t>
+            </a:r>
+            <a:endParaRPr sz="1800">
+              <a:solidFill>
+                <a:schemeClr val="dk1"/>
+              </a:solidFill>
+              <a:latin typeface="Times New Roman"/>
+              <a:ea typeface="Times New Roman"/>
+              <a:cs typeface="Times New Roman"/>
+              <a:sym typeface="Times New Roman"/>
+            </a:endParaRPr>
+          </a:p>
+          <a:p>
+            <a:pPr indent="-342900" lvl="0" marL="457200" rtl="0" algn="just">
+              <a:lnSpc>
+                <a:spcPct val="150000"/>
+              </a:lnSpc>
+              <a:spcBef>
+                <a:spcPts val="0"/>
+              </a:spcBef>
+              <a:spcAft>
+                <a:spcPts val="0"/>
+              </a:spcAft>
+              <a:buClr>
+                <a:schemeClr val="dk1"/>
+              </a:buClr>
+              <a:buSzPts val="1800"/>
+              <a:buFont typeface="Times New Roman"/>
+              <a:buChar char="●"/>
+            </a:pPr>
+            <a:r>
+              <a:rPr lang="en" sz="1800">
+                <a:solidFill>
+                  <a:schemeClr val="dk1"/>
+                </a:solidFill>
+                <a:latin typeface="Times New Roman"/>
+                <a:ea typeface="Times New Roman"/>
+                <a:cs typeface="Times New Roman"/>
+                <a:sym typeface="Times New Roman"/>
+              </a:rPr>
+              <a:t>Работа с файлами (.csv).</a:t>
+            </a:r>
+            <a:endParaRPr sz="1800">
+              <a:solidFill>
+                <a:schemeClr val="dk1"/>
+              </a:solidFill>
+              <a:latin typeface="Times New Roman"/>
+              <a:ea typeface="Times New Roman"/>
+              <a:cs typeface="Times New Roman"/>
+              <a:sym typeface="Times New Roman"/>
+            </a:endParaRPr>
+          </a:p>
+          <a:p>
+            <a:pPr indent="-342900" lvl="0" marL="457200" rtl="0" algn="just">
+              <a:lnSpc>
+                <a:spcPct val="150000"/>
+              </a:lnSpc>
+              <a:spcBef>
+                <a:spcPts val="0"/>
+              </a:spcBef>
+              <a:spcAft>
+                <a:spcPts val="0"/>
+              </a:spcAft>
+              <a:buClr>
+                <a:schemeClr val="dk1"/>
+              </a:buClr>
+              <a:buSzPts val="1800"/>
+              <a:buFont typeface="Times New Roman"/>
+              <a:buChar char="●"/>
+            </a:pPr>
+            <a:r>
+              <a:rPr lang="en" sz="1800">
+                <a:solidFill>
+                  <a:schemeClr val="dk1"/>
+                </a:solidFill>
+                <a:latin typeface="Times New Roman"/>
+                <a:ea typeface="Times New Roman"/>
+                <a:cs typeface="Times New Roman"/>
+                <a:sym typeface="Times New Roman"/>
+              </a:rPr>
+              <a:t>Использована БД (таблицы: categories, tasks, events).</a:t>
+            </a:r>
+            <a:endParaRPr sz="3200">
+              <a:latin typeface="Times New Roman"/>
+              <a:ea typeface="Times New Roman"/>
+              <a:cs typeface="Times New Roman"/>
+              <a:sym typeface="Times New Roman"/>
+            </a:endParaRPr>
+          </a:p>
+        </p:txBody>
+      </p:sp>
+    </p:spTree>
+  </p:cSld>
+  <p:clrMapOvr>
+    <a:masterClrMapping/>
+  </p:clrMapOvr>
+</p:sld>
+</file>
+
+<file path=ppt/slides/slide6.xml><?xml version="1.0" encoding="utf-8"?>
+<p:sld xmlns:a="http://schemas.openxmlformats.org/drawingml/2006/main" xmlns:r="http://schemas.openxmlformats.org/officeDocument/2006/relationships" xmlns:mc="http://schemas.openxmlformats.org/markup-compatibility/2006" xmlns:mv="urn:schemas-microsoft-com:mac:vml" xmlns:p="http://schemas.openxmlformats.org/presentationml/2006/main" xmlns:c="http://schemas.openxmlformats.org/drawingml/2006/chart" xmlns:dgm="http://schemas.openxmlformats.org/drawingml/2006/diagram" xmlns:o="urn:schemas-microsoft-com:office:office" xmlns:v="urn:schemas-microsoft-com:vml" xmlns:pvml="urn:schemas-microsoft-com:office:powerpoint" xmlns:com="http://schemas.openxmlformats.org/drawingml/2006/compatibility" xmlns:p14="http://schemas.microsoft.com/office/powerpoint/2010/main" xmlns:p15="http://schemas.microsoft.com/office/powerpoint/2012/main" xmlns:ahyp="http://schemas.microsoft.com/office/drawing/2018/hyperlinkcolor">
+  <p:cSld>
+    <p:spTree>
+      <p:nvGrpSpPr>
+        <p:cNvPr id="87" name="Shape 87"/>
+        <p:cNvGrpSpPr/>
+        <p:nvPr/>
+      </p:nvGrpSpPr>
+      <p:grpSpPr>
+        <a:xfrm>
+          <a:off x="0" y="0"/>
+          <a:ext cx="0" cy="0"/>
+          <a:chOff x="0" y="0"/>
+          <a:chExt cx="0" cy="0"/>
+        </a:xfrm>
+      </p:grpSpPr>
+      <p:sp>
+        <p:nvSpPr>
+          <p:cNvPr id="88" name="Google Shape;88;p18"/>
+          <p:cNvSpPr txBox="1"/>
+          <p:nvPr>
+            <p:ph type="ctrTitle"/>
+          </p:nvPr>
+        </p:nvSpPr>
+        <p:spPr>
+          <a:xfrm>
             <a:off x="1161900" y="183600"/>
             <a:ext cx="6820200" cy="1096200"/>
           </a:xfrm>
@@ -6220,7 +7835,7 @@
       </p:sp>
       <p:pic>
         <p:nvPicPr>
-          <p:cNvPr id="63" name="Google Shape;63;p14"/>
+          <p:cNvPr id="89" name="Google Shape;89;p18"/>
           <p:cNvPicPr preferRelativeResize="0"/>
           <p:nvPr/>
         </p:nvPicPr>
@@ -6248,7 +7863,7 @@
       </p:pic>
       <p:pic>
         <p:nvPicPr>
-          <p:cNvPr id="64" name="Google Shape;64;p14"/>
+          <p:cNvPr id="90" name="Google Shape;90;p18"/>
           <p:cNvPicPr preferRelativeResize="0"/>
           <p:nvPr/>
         </p:nvPicPr>
@@ -6282,12 +7897,12 @@
 </p:sld>
 </file>
 
-<file path=ppt/slides/slide3.xml><?xml version="1.0" encoding="utf-8"?>
+<file path=ppt/slides/slide7.xml><?xml version="1.0" encoding="utf-8"?>
 <p:sld xmlns:a="http://schemas.openxmlformats.org/drawingml/2006/main" xmlns:r="http://schemas.openxmlformats.org/officeDocument/2006/relationships" xmlns:mc="http://schemas.openxmlformats.org/markup-compatibility/2006" xmlns:mv="urn:schemas-microsoft-com:mac:vml" xmlns:p="http://schemas.openxmlformats.org/presentationml/2006/main" xmlns:c="http://schemas.openxmlformats.org/drawingml/2006/chart" xmlns:dgm="http://schemas.openxmlformats.org/drawingml/2006/diagram" xmlns:o="urn:schemas-microsoft-com:office:office" xmlns:v="urn:schemas-microsoft-com:vml" xmlns:pvml="urn:schemas-microsoft-com:office:powerpoint" xmlns:com="http://schemas.openxmlformats.org/drawingml/2006/compatibility" xmlns:p14="http://schemas.microsoft.com/office/powerpoint/2010/main" xmlns:p15="http://schemas.microsoft.com/office/powerpoint/2012/main" xmlns:ahyp="http://schemas.microsoft.com/office/drawing/2018/hyperlinkcolor">
   <p:cSld>
     <p:spTree>
       <p:nvGrpSpPr>
-        <p:cNvPr id="68" name="Shape 68"/>
+        <p:cNvPr id="94" name="Shape 94"/>
         <p:cNvGrpSpPr/>
         <p:nvPr/>
       </p:nvGrpSpPr>
@@ -6301,7 +7916,7 @@
       </p:grpSpPr>
       <p:sp>
         <p:nvSpPr>
-          <p:cNvPr id="69" name="Google Shape;69;p15"/>
+          <p:cNvPr id="95" name="Google Shape;95;p19"/>
           <p:cNvSpPr txBox="1"/>
           <p:nvPr>
             <p:ph type="title"/>
@@ -6341,7 +7956,7 @@
       </p:sp>
       <p:pic>
         <p:nvPicPr>
-          <p:cNvPr id="70" name="Google Shape;70;p15"/>
+          <p:cNvPr id="96" name="Google Shape;96;p19"/>
           <p:cNvPicPr preferRelativeResize="0"/>
           <p:nvPr/>
         </p:nvPicPr>
@@ -6375,12 +7990,12 @@
 </p:sld>
 </file>
 
-<file path=ppt/slides/slide4.xml><?xml version="1.0" encoding="utf-8"?>
+<file path=ppt/slides/slide8.xml><?xml version="1.0" encoding="utf-8"?>
 <p:sld xmlns:a="http://schemas.openxmlformats.org/drawingml/2006/main" xmlns:r="http://schemas.openxmlformats.org/officeDocument/2006/relationships" xmlns:mc="http://schemas.openxmlformats.org/markup-compatibility/2006" xmlns:mv="urn:schemas-microsoft-com:mac:vml" xmlns:p="http://schemas.openxmlformats.org/presentationml/2006/main" xmlns:c="http://schemas.openxmlformats.org/drawingml/2006/chart" xmlns:dgm="http://schemas.openxmlformats.org/drawingml/2006/diagram" xmlns:o="urn:schemas-microsoft-com:office:office" xmlns:v="urn:schemas-microsoft-com:vml" xmlns:pvml="urn:schemas-microsoft-com:office:powerpoint" xmlns:com="http://schemas.openxmlformats.org/drawingml/2006/compatibility" xmlns:p14="http://schemas.microsoft.com/office/powerpoint/2010/main" xmlns:p15="http://schemas.microsoft.com/office/powerpoint/2012/main" xmlns:ahyp="http://schemas.microsoft.com/office/drawing/2018/hyperlinkcolor">
   <p:cSld>
     <p:spTree>
       <p:nvGrpSpPr>
-        <p:cNvPr id="74" name="Shape 74"/>
+        <p:cNvPr id="100" name="Shape 100"/>
         <p:cNvGrpSpPr/>
         <p:nvPr/>
       </p:nvGrpSpPr>
@@ -6394,23 +8009,178 @@
       </p:grpSpPr>
       <p:sp>
         <p:nvSpPr>
-          <p:cNvPr id="75" name="Google Shape;75;p16"/>
+          <p:cNvPr id="101" name="Google Shape;101;p20"/>
           <p:cNvSpPr txBox="1"/>
           <p:nvPr>
-            <p:ph type="title"/>
+            <p:ph type="ctrTitle"/>
           </p:nvPr>
         </p:nvSpPr>
         <p:spPr>
           <a:xfrm>
-            <a:off x="1307400" y="699750"/>
-            <a:ext cx="6529200" cy="3744000"/>
+            <a:off x="311700" y="225850"/>
+            <a:ext cx="8520600" cy="888900"/>
           </a:xfrm>
           <a:prstGeom prst="rect">
             <a:avLst/>
           </a:prstGeom>
         </p:spPr>
         <p:txBody>
-          <a:bodyPr anchorCtr="0" anchor="ctr" bIns="91425" lIns="91425" spcFirstLastPara="1" rIns="91425" wrap="square" tIns="91425">
+          <a:bodyPr anchorCtr="0" anchor="b" bIns="91425" lIns="91425" spcFirstLastPara="1" rIns="91425" wrap="square" tIns="91425">
+            <a:noAutofit/>
+          </a:bodyPr>
+          <a:lstStyle/>
+          <a:p>
+            <a:pPr indent="0" lvl="0" marL="0" rtl="0" algn="ctr">
+              <a:lnSpc>
+                <a:spcPct val="115000"/>
+              </a:lnSpc>
+              <a:spcBef>
+                <a:spcPts val="0"/>
+              </a:spcBef>
+              <a:spcAft>
+                <a:spcPts val="0"/>
+              </a:spcAft>
+              <a:buClr>
+                <a:schemeClr val="dk1"/>
+              </a:buClr>
+              <a:buSzPts val="990"/>
+              <a:buFont typeface="Arial"/>
+              <a:buNone/>
+            </a:pPr>
+            <a:r>
+              <a:rPr lang="en" sz="1200">
+                <a:latin typeface="Times New Roman"/>
+                <a:ea typeface="Times New Roman"/>
+                <a:cs typeface="Times New Roman"/>
+                <a:sym typeface="Times New Roman"/>
+              </a:rPr>
+              <a:t>МИНОБРНАУКИ РОССИИ</a:t>
+            </a:r>
+            <a:endParaRPr sz="1200">
+              <a:latin typeface="Times New Roman"/>
+              <a:ea typeface="Times New Roman"/>
+              <a:cs typeface="Times New Roman"/>
+              <a:sym typeface="Times New Roman"/>
+            </a:endParaRPr>
+          </a:p>
+          <a:p>
+            <a:pPr indent="0" lvl="0" marL="0" rtl="0" algn="ctr">
+              <a:lnSpc>
+                <a:spcPct val="115000"/>
+              </a:lnSpc>
+              <a:spcBef>
+                <a:spcPts val="0"/>
+              </a:spcBef>
+              <a:spcAft>
+                <a:spcPts val="0"/>
+              </a:spcAft>
+              <a:buClr>
+                <a:schemeClr val="dk1"/>
+              </a:buClr>
+              <a:buSzPts val="990"/>
+              <a:buFont typeface="Arial"/>
+              <a:buNone/>
+            </a:pPr>
+            <a:r>
+              <a:rPr lang="en" sz="1200">
+                <a:latin typeface="Times New Roman"/>
+                <a:ea typeface="Times New Roman"/>
+                <a:cs typeface="Times New Roman"/>
+                <a:sym typeface="Times New Roman"/>
+              </a:rPr>
+              <a:t>ФЕДЕРАЛЬНОЕ ГОСУДАРСТВЕННОЕ БЮДЖЕТНОЕ ОБРАЗОВАТЕЛЬНОЕ УЧРЕЖДЕНИЕ </a:t>
+            </a:r>
+            <a:endParaRPr sz="1200">
+              <a:latin typeface="Times New Roman"/>
+              <a:ea typeface="Times New Roman"/>
+              <a:cs typeface="Times New Roman"/>
+              <a:sym typeface="Times New Roman"/>
+            </a:endParaRPr>
+          </a:p>
+          <a:p>
+            <a:pPr indent="0" lvl="0" marL="0" rtl="0" algn="ctr">
+              <a:lnSpc>
+                <a:spcPct val="115000"/>
+              </a:lnSpc>
+              <a:spcBef>
+                <a:spcPts val="0"/>
+              </a:spcBef>
+              <a:spcAft>
+                <a:spcPts val="0"/>
+              </a:spcAft>
+              <a:buClr>
+                <a:schemeClr val="dk1"/>
+              </a:buClr>
+              <a:buSzPts val="990"/>
+              <a:buFont typeface="Arial"/>
+              <a:buNone/>
+            </a:pPr>
+            <a:r>
+              <a:rPr lang="en" sz="1200">
+                <a:latin typeface="Times New Roman"/>
+                <a:ea typeface="Times New Roman"/>
+                <a:cs typeface="Times New Roman"/>
+                <a:sym typeface="Times New Roman"/>
+              </a:rPr>
+              <a:t>ВЫСШЕГО ОБРАЗОВАНИЯ</a:t>
+            </a:r>
+            <a:endParaRPr sz="1200">
+              <a:latin typeface="Times New Roman"/>
+              <a:ea typeface="Times New Roman"/>
+              <a:cs typeface="Times New Roman"/>
+              <a:sym typeface="Times New Roman"/>
+            </a:endParaRPr>
+          </a:p>
+          <a:p>
+            <a:pPr indent="0" lvl="0" marL="0" rtl="0" algn="ctr">
+              <a:lnSpc>
+                <a:spcPct val="115000"/>
+              </a:lnSpc>
+              <a:spcBef>
+                <a:spcPts val="0"/>
+              </a:spcBef>
+              <a:spcAft>
+                <a:spcPts val="0"/>
+              </a:spcAft>
+              <a:buClr>
+                <a:schemeClr val="dk1"/>
+              </a:buClr>
+              <a:buSzPts val="990"/>
+              <a:buFont typeface="Arial"/>
+              <a:buNone/>
+            </a:pPr>
+            <a:r>
+              <a:rPr lang="en" sz="1200">
+                <a:latin typeface="Times New Roman"/>
+                <a:ea typeface="Times New Roman"/>
+                <a:cs typeface="Times New Roman"/>
+                <a:sym typeface="Times New Roman"/>
+              </a:rPr>
+              <a:t>«ВОРОНЕЖСКИЙ ГОСУДАРСТВЕННЫЙ УНИВЕРСИТЕТ»</a:t>
+            </a:r>
+            <a:endParaRPr sz="1000"/>
+          </a:p>
+        </p:txBody>
+      </p:sp>
+      <p:sp>
+        <p:nvSpPr>
+          <p:cNvPr id="102" name="Google Shape;102;p20"/>
+          <p:cNvSpPr txBox="1"/>
+          <p:nvPr>
+            <p:ph idx="1" type="subTitle"/>
+          </p:nvPr>
+        </p:nvSpPr>
+        <p:spPr>
+          <a:xfrm>
+            <a:off x="6786750" y="3606250"/>
+            <a:ext cx="2122500" cy="830400"/>
+          </a:xfrm>
+          <a:prstGeom prst="rect">
+            <a:avLst/>
+          </a:prstGeom>
+        </p:spPr>
+        <p:txBody>
+          <a:bodyPr anchorCtr="0" anchor="t" bIns="91425" lIns="91425" spcFirstLastPara="1" rIns="91425" wrap="square" tIns="91425">
             <a:normAutofit/>
           </a:bodyPr>
           <a:lstStyle/>
@@ -6425,10 +8195,217 @@
               <a:buNone/>
             </a:pPr>
             <a:r>
-              <a:rPr lang="en"/>
-              <a:t>Спасибо за внимание!</a:t>
+              <a:rPr lang="en" sz="1400">
+                <a:solidFill>
+                  <a:schemeClr val="dk1"/>
+                </a:solidFill>
+              </a:rPr>
+              <a:t>Выполнил:</a:t>
             </a:r>
-            <a:endParaRPr/>
+            <a:endParaRPr sz="1400">
+              <a:solidFill>
+                <a:schemeClr val="dk1"/>
+              </a:solidFill>
+            </a:endParaRPr>
+          </a:p>
+          <a:p>
+            <a:pPr indent="0" lvl="0" marL="0" rtl="0" algn="ctr">
+              <a:spcBef>
+                <a:spcPts val="0"/>
+              </a:spcBef>
+              <a:spcAft>
+                <a:spcPts val="0"/>
+              </a:spcAft>
+              <a:buNone/>
+            </a:pPr>
+            <a:r>
+              <a:rPr lang="en" sz="1400">
+                <a:solidFill>
+                  <a:schemeClr val="dk1"/>
+                </a:solidFill>
+              </a:rPr>
+              <a:t>Широков Максим Николаевич</a:t>
+            </a:r>
+            <a:endParaRPr sz="1400">
+              <a:solidFill>
+                <a:schemeClr val="dk1"/>
+              </a:solidFill>
+            </a:endParaRPr>
+          </a:p>
+        </p:txBody>
+      </p:sp>
+      <p:sp>
+        <p:nvSpPr>
+          <p:cNvPr id="103" name="Google Shape;103;p20"/>
+          <p:cNvSpPr txBox="1"/>
+          <p:nvPr/>
+        </p:nvSpPr>
+        <p:spPr>
+          <a:xfrm>
+            <a:off x="2357250" y="1675650"/>
+            <a:ext cx="4429500" cy="1071000"/>
+          </a:xfrm>
+          <a:prstGeom prst="rect">
+            <a:avLst/>
+          </a:prstGeom>
+          <a:noFill/>
+          <a:ln>
+            <a:noFill/>
+          </a:ln>
+        </p:spPr>
+        <p:txBody>
+          <a:bodyPr anchorCtr="0" anchor="t" bIns="91425" lIns="91425" spcFirstLastPara="1" rIns="91425" wrap="square" tIns="91425">
+            <a:noAutofit/>
+          </a:bodyPr>
+          <a:lstStyle/>
+          <a:p>
+            <a:pPr indent="0" lvl="0" marL="0" rtl="0" algn="ctr">
+              <a:lnSpc>
+                <a:spcPct val="150000"/>
+              </a:lnSpc>
+              <a:spcBef>
+                <a:spcPts val="0"/>
+              </a:spcBef>
+              <a:spcAft>
+                <a:spcPts val="0"/>
+              </a:spcAft>
+              <a:buClr>
+                <a:schemeClr val="dk1"/>
+              </a:buClr>
+              <a:buSzPts val="1100"/>
+              <a:buFont typeface="Arial"/>
+              <a:buNone/>
+            </a:pPr>
+            <a:r>
+              <a:rPr lang="en">
+                <a:solidFill>
+                  <a:schemeClr val="dk1"/>
+                </a:solidFill>
+                <a:latin typeface="Times New Roman"/>
+                <a:ea typeface="Times New Roman"/>
+                <a:cs typeface="Times New Roman"/>
+                <a:sym typeface="Times New Roman"/>
+              </a:rPr>
+              <a:t>QT проект по теме</a:t>
+            </a:r>
+            <a:endParaRPr>
+              <a:solidFill>
+                <a:schemeClr val="dk1"/>
+              </a:solidFill>
+              <a:latin typeface="Times New Roman"/>
+              <a:ea typeface="Times New Roman"/>
+              <a:cs typeface="Times New Roman"/>
+              <a:sym typeface="Times New Roman"/>
+            </a:endParaRPr>
+          </a:p>
+          <a:p>
+            <a:pPr indent="0" lvl="0" marL="0" rtl="0" algn="ctr">
+              <a:lnSpc>
+                <a:spcPct val="150000"/>
+              </a:lnSpc>
+              <a:spcBef>
+                <a:spcPts val="0"/>
+              </a:spcBef>
+              <a:spcAft>
+                <a:spcPts val="0"/>
+              </a:spcAft>
+              <a:buClr>
+                <a:schemeClr val="dk1"/>
+              </a:buClr>
+              <a:buSzPts val="1100"/>
+              <a:buFont typeface="Arial"/>
+              <a:buNone/>
+            </a:pPr>
+            <a:r>
+              <a:rPr lang="en">
+                <a:solidFill>
+                  <a:schemeClr val="dk1"/>
+                </a:solidFill>
+                <a:latin typeface="Times New Roman"/>
+                <a:ea typeface="Times New Roman"/>
+                <a:cs typeface="Times New Roman"/>
+                <a:sym typeface="Times New Roman"/>
+              </a:rPr>
+              <a:t>“Система управления задачами и событиями с возможностью их категоризации”</a:t>
+            </a:r>
+            <a:endParaRPr>
+              <a:solidFill>
+                <a:schemeClr val="dk1"/>
+              </a:solidFill>
+              <a:latin typeface="Times New Roman"/>
+              <a:ea typeface="Times New Roman"/>
+              <a:cs typeface="Times New Roman"/>
+              <a:sym typeface="Times New Roman"/>
+            </a:endParaRPr>
+          </a:p>
+          <a:p>
+            <a:pPr indent="0" lvl="0" marL="0" rtl="0" algn="l">
+              <a:spcBef>
+                <a:spcPts val="0"/>
+              </a:spcBef>
+              <a:spcAft>
+                <a:spcPts val="0"/>
+              </a:spcAft>
+              <a:buNone/>
+            </a:pPr>
+            <a:r>
+              <a:t/>
+            </a:r>
+            <a:endParaRPr sz="1800">
+              <a:solidFill>
+                <a:schemeClr val="dk2"/>
+              </a:solidFill>
+            </a:endParaRPr>
+          </a:p>
+        </p:txBody>
+      </p:sp>
+      <p:sp>
+        <p:nvSpPr>
+          <p:cNvPr id="104" name="Google Shape;104;p20"/>
+          <p:cNvSpPr txBox="1"/>
+          <p:nvPr/>
+        </p:nvSpPr>
+        <p:spPr>
+          <a:xfrm>
+            <a:off x="3766950" y="4669950"/>
+            <a:ext cx="1610100" cy="349800"/>
+          </a:xfrm>
+          <a:prstGeom prst="rect">
+            <a:avLst/>
+          </a:prstGeom>
+          <a:noFill/>
+          <a:ln>
+            <a:noFill/>
+          </a:ln>
+        </p:spPr>
+        <p:txBody>
+          <a:bodyPr anchorCtr="0" anchor="b" bIns="91425" lIns="91425" spcFirstLastPara="1" rIns="91425" wrap="square" tIns="91425">
+            <a:noAutofit/>
+          </a:bodyPr>
+          <a:lstStyle/>
+          <a:p>
+            <a:pPr indent="0" lvl="0" marL="0" rtl="0" algn="ctr">
+              <a:spcBef>
+                <a:spcPts val="0"/>
+              </a:spcBef>
+              <a:spcAft>
+                <a:spcPts val="0"/>
+              </a:spcAft>
+              <a:buNone/>
+            </a:pPr>
+            <a:r>
+              <a:rPr lang="en" sz="1100">
+                <a:solidFill>
+                  <a:schemeClr val="dk1"/>
+                </a:solidFill>
+              </a:rPr>
+              <a:t>Воронеж 2024</a:t>
+            </a:r>
+            <a:endParaRPr sz="1100">
+              <a:solidFill>
+                <a:schemeClr val="dk1"/>
+              </a:solidFill>
+            </a:endParaRPr>
           </a:p>
         </p:txBody>
       </p:sp>

--- a/Информация о программе/Презентация.pptx
+++ b/Информация о программе/Презентация.pptx
@@ -16,6 +16,7 @@
     <p:sldId id="261" r:id="rId11"/>
     <p:sldId id="262" r:id="rId12"/>
     <p:sldId id="263" r:id="rId13"/>
+    <p:sldId id="264" r:id="rId14"/>
   </p:sldIdLst>
   <p:sldSz cy="5143500" cx="9144000"/>
   <p:notesSz cx="6858000" cy="9144000"/>
@@ -896,7 +897,7 @@
   <p:cSld>
     <p:spTree>
       <p:nvGrpSpPr>
-        <p:cNvPr id="66" name="Shape 66"/>
+        <p:cNvPr id="67" name="Shape 67"/>
         <p:cNvGrpSpPr/>
         <p:nvPr/>
       </p:nvGrpSpPr>
@@ -910,7 +911,7 @@
       </p:grpSpPr>
       <p:sp>
         <p:nvSpPr>
-          <p:cNvPr id="67" name="Google Shape;67;g314c7c68326_0_19:notes"/>
+          <p:cNvPr id="68" name="Google Shape;68;g314c7c68326_0_19:notes"/>
           <p:cNvSpPr/>
           <p:nvPr>
             <p:ph idx="2" type="sldImg"/>
@@ -945,7 +946,7 @@
       </p:sp>
       <p:sp>
         <p:nvSpPr>
-          <p:cNvPr id="68" name="Google Shape;68;g314c7c68326_0_19:notes"/>
+          <p:cNvPr id="69" name="Google Shape;69;g314c7c68326_0_19:notes"/>
           <p:cNvSpPr txBox="1"/>
           <p:nvPr>
             <p:ph idx="1" type="body"/>
@@ -995,7 +996,7 @@
   <p:cSld>
     <p:spTree>
       <p:nvGrpSpPr>
-        <p:cNvPr id="72" name="Shape 72"/>
+        <p:cNvPr id="74" name="Shape 74"/>
         <p:cNvGrpSpPr/>
         <p:nvPr/>
       </p:nvGrpSpPr>
@@ -1009,7 +1010,7 @@
       </p:grpSpPr>
       <p:sp>
         <p:nvSpPr>
-          <p:cNvPr id="73" name="Google Shape;73;g314c7c68326_0_24:notes"/>
+          <p:cNvPr id="75" name="Google Shape;75;g314c7c68326_0_24:notes"/>
           <p:cNvSpPr/>
           <p:nvPr>
             <p:ph idx="2" type="sldImg"/>
@@ -1044,7 +1045,7 @@
       </p:sp>
       <p:sp>
         <p:nvSpPr>
-          <p:cNvPr id="74" name="Google Shape;74;g314c7c68326_0_24:notes"/>
+          <p:cNvPr id="76" name="Google Shape;76;g314c7c68326_0_24:notes"/>
           <p:cNvSpPr txBox="1"/>
           <p:nvPr>
             <p:ph idx="1" type="body"/>
@@ -1094,7 +1095,7 @@
   <p:cSld>
     <p:spTree>
       <p:nvGrpSpPr>
-        <p:cNvPr id="78" name="Shape 78"/>
+        <p:cNvPr id="81" name="Shape 81"/>
         <p:cNvGrpSpPr/>
         <p:nvPr/>
       </p:nvGrpSpPr>
@@ -1108,7 +1109,7 @@
       </p:grpSpPr>
       <p:sp>
         <p:nvSpPr>
-          <p:cNvPr id="79" name="Google Shape;79;g314c7c68326_0_29:notes"/>
+          <p:cNvPr id="82" name="Google Shape;82;g314c7c68326_0_29:notes"/>
           <p:cNvSpPr/>
           <p:nvPr>
             <p:ph idx="2" type="sldImg"/>
@@ -1143,7 +1144,7 @@
       </p:sp>
       <p:sp>
         <p:nvSpPr>
-          <p:cNvPr id="80" name="Google Shape;80;g314c7c68326_0_29:notes"/>
+          <p:cNvPr id="83" name="Google Shape;83;g314c7c68326_0_29:notes"/>
           <p:cNvSpPr txBox="1"/>
           <p:nvPr>
             <p:ph idx="1" type="body"/>
@@ -1193,7 +1194,7 @@
   <p:cSld>
     <p:spTree>
       <p:nvGrpSpPr>
-        <p:cNvPr id="84" name="Shape 84"/>
+        <p:cNvPr id="88" name="Shape 88"/>
         <p:cNvGrpSpPr/>
         <p:nvPr/>
       </p:nvGrpSpPr>
@@ -1207,7 +1208,7 @@
       </p:grpSpPr>
       <p:sp>
         <p:nvSpPr>
-          <p:cNvPr id="85" name="Google Shape;85;g314112cbf2b_0_579:notes"/>
+          <p:cNvPr id="89" name="Google Shape;89;g314112cbf2b_0_579:notes"/>
           <p:cNvSpPr/>
           <p:nvPr>
             <p:ph idx="2" type="sldImg"/>
@@ -1242,7 +1243,7 @@
       </p:sp>
       <p:sp>
         <p:nvSpPr>
-          <p:cNvPr id="86" name="Google Shape;86;g314112cbf2b_0_579:notes"/>
+          <p:cNvPr id="90" name="Google Shape;90;g314112cbf2b_0_579:notes"/>
           <p:cNvSpPr txBox="1"/>
           <p:nvPr>
             <p:ph idx="1" type="body"/>
@@ -1292,7 +1293,7 @@
   <p:cSld>
     <p:spTree>
       <p:nvGrpSpPr>
-        <p:cNvPr id="91" name="Shape 91"/>
+        <p:cNvPr id="96" name="Shape 96"/>
         <p:cNvGrpSpPr/>
         <p:nvPr/>
       </p:nvGrpSpPr>
@@ -1306,7 +1307,7 @@
       </p:grpSpPr>
       <p:sp>
         <p:nvSpPr>
-          <p:cNvPr id="92" name="Google Shape;92;g314112cbf2b_0_2:notes"/>
+          <p:cNvPr id="97" name="Google Shape;97;g314112cbf2b_0_2:notes"/>
           <p:cNvSpPr/>
           <p:nvPr>
             <p:ph idx="2" type="sldImg"/>
@@ -1341,7 +1342,7 @@
       </p:sp>
       <p:sp>
         <p:nvSpPr>
-          <p:cNvPr id="93" name="Google Shape;93;g314112cbf2b_0_2:notes"/>
+          <p:cNvPr id="98" name="Google Shape;98;g314112cbf2b_0_2:notes"/>
           <p:cNvSpPr txBox="1"/>
           <p:nvPr>
             <p:ph idx="1" type="body"/>
@@ -1391,7 +1392,7 @@
   <p:cSld>
     <p:spTree>
       <p:nvGrpSpPr>
-        <p:cNvPr id="97" name="Shape 97"/>
+        <p:cNvPr id="103" name="Shape 103"/>
         <p:cNvGrpSpPr/>
         <p:nvPr/>
       </p:nvGrpSpPr>
@@ -1405,7 +1406,7 @@
       </p:grpSpPr>
       <p:sp>
         <p:nvSpPr>
-          <p:cNvPr id="98" name="Google Shape;98;g314c7c68326_0_0:notes"/>
+          <p:cNvPr id="104" name="Google Shape;104;g315cd1a90bc_0_6:notes"/>
           <p:cNvSpPr/>
           <p:nvPr>
             <p:ph idx="2" type="sldImg"/>
@@ -1440,7 +1441,106 @@
       </p:sp>
       <p:sp>
         <p:nvSpPr>
-          <p:cNvPr id="99" name="Google Shape;99;g314c7c68326_0_0:notes"/>
+          <p:cNvPr id="105" name="Google Shape;105;g315cd1a90bc_0_6:notes"/>
+          <p:cNvSpPr txBox="1"/>
+          <p:nvPr>
+            <p:ph idx="1" type="body"/>
+          </p:nvPr>
+        </p:nvSpPr>
+        <p:spPr>
+          <a:xfrm>
+            <a:off x="685800" y="4343400"/>
+            <a:ext cx="5486400" cy="4114800"/>
+          </a:xfrm>
+          <a:prstGeom prst="rect">
+            <a:avLst/>
+          </a:prstGeom>
+        </p:spPr>
+        <p:txBody>
+          <a:bodyPr anchorCtr="0" anchor="t" bIns="91425" lIns="91425" spcFirstLastPara="1" rIns="91425" wrap="square" tIns="91425">
+            <a:noAutofit/>
+          </a:bodyPr>
+          <a:lstStyle/>
+          <a:p>
+            <a:pPr indent="0" lvl="0" marL="0" rtl="0" algn="l">
+              <a:spcBef>
+                <a:spcPts val="0"/>
+              </a:spcBef>
+              <a:spcAft>
+                <a:spcPts val="0"/>
+              </a:spcAft>
+              <a:buNone/>
+            </a:pPr>
+            <a:r>
+              <a:t/>
+            </a:r>
+            <a:endParaRPr/>
+          </a:p>
+        </p:txBody>
+      </p:sp>
+    </p:spTree>
+  </p:cSld>
+  <p:clrMapOvr>
+    <a:masterClrMapping/>
+  </p:clrMapOvr>
+</p:notes>
+</file>
+
+<file path=ppt/notesSlides/notesSlide9.xml><?xml version="1.0" encoding="utf-8"?>
+<p:notes xmlns:a="http://schemas.openxmlformats.org/drawingml/2006/main" xmlns:r="http://schemas.openxmlformats.org/officeDocument/2006/relationships" xmlns:mc="http://schemas.openxmlformats.org/markup-compatibility/2006" xmlns:mv="urn:schemas-microsoft-com:mac:vml" xmlns:p="http://schemas.openxmlformats.org/presentationml/2006/main" xmlns:c="http://schemas.openxmlformats.org/drawingml/2006/chart" xmlns:dgm="http://schemas.openxmlformats.org/drawingml/2006/diagram" xmlns:o="urn:schemas-microsoft-com:office:office" xmlns:v="urn:schemas-microsoft-com:vml" xmlns:pvml="urn:schemas-microsoft-com:office:powerpoint" xmlns:com="http://schemas.openxmlformats.org/drawingml/2006/compatibility" xmlns:p14="http://schemas.microsoft.com/office/powerpoint/2010/main" xmlns:p15="http://schemas.microsoft.com/office/powerpoint/2012/main" xmlns:ahyp="http://schemas.microsoft.com/office/drawing/2018/hyperlinkcolor" showMasterPhAnim="0" showMasterSp="0">
+  <p:cSld>
+    <p:spTree>
+      <p:nvGrpSpPr>
+        <p:cNvPr id="110" name="Shape 110"/>
+        <p:cNvGrpSpPr/>
+        <p:nvPr/>
+      </p:nvGrpSpPr>
+      <p:grpSpPr>
+        <a:xfrm>
+          <a:off x="0" y="0"/>
+          <a:ext cx="0" cy="0"/>
+          <a:chOff x="0" y="0"/>
+          <a:chExt cx="0" cy="0"/>
+        </a:xfrm>
+      </p:grpSpPr>
+      <p:sp>
+        <p:nvSpPr>
+          <p:cNvPr id="111" name="Google Shape;111;g314c7c68326_0_0:notes"/>
+          <p:cNvSpPr/>
+          <p:nvPr>
+            <p:ph idx="2" type="sldImg"/>
+          </p:nvPr>
+        </p:nvSpPr>
+        <p:spPr>
+          <a:xfrm>
+            <a:off x="381300" y="685800"/>
+            <a:ext cx="6096000" cy="3429000"/>
+          </a:xfrm>
+          <a:custGeom>
+            <a:rect b="b" l="l" r="r" t="t"/>
+            <a:pathLst>
+              <a:path extrusionOk="0" h="120000" w="120000">
+                <a:moveTo>
+                  <a:pt x="0" y="0"/>
+                </a:moveTo>
+                <a:lnTo>
+                  <a:pt x="120000" y="0"/>
+                </a:lnTo>
+                <a:lnTo>
+                  <a:pt x="120000" y="120000"/>
+                </a:lnTo>
+                <a:lnTo>
+                  <a:pt x="0" y="120000"/>
+                </a:lnTo>
+                <a:close/>
+              </a:path>
+            </a:pathLst>
+          </a:custGeom>
+        </p:spPr>
+      </p:sp>
+      <p:sp>
+        <p:nvSpPr>
+          <p:cNvPr id="112" name="Google Shape;112;g314c7c68326_0_0:notes"/>
           <p:cNvSpPr txBox="1"/>
           <p:nvPr>
             <p:ph idx="1" type="body"/>
@@ -6905,6 +7005,56 @@
           </a:p>
         </p:txBody>
       </p:sp>
+      <p:sp>
+        <p:nvSpPr>
+          <p:cNvPr id="66" name="Google Shape;66;p14"/>
+          <p:cNvSpPr txBox="1"/>
+          <p:nvPr/>
+        </p:nvSpPr>
+        <p:spPr>
+          <a:xfrm>
+            <a:off x="7409275" y="4808375"/>
+            <a:ext cx="1422900" cy="174900"/>
+          </a:xfrm>
+          <a:prstGeom prst="rect">
+            <a:avLst/>
+          </a:prstGeom>
+          <a:noFill/>
+          <a:ln>
+            <a:noFill/>
+          </a:ln>
+        </p:spPr>
+        <p:txBody>
+          <a:bodyPr anchorCtr="0" anchor="ctr" bIns="91425" lIns="91425" spcFirstLastPara="1" rIns="91425" wrap="square" tIns="91425">
+            <a:noAutofit/>
+          </a:bodyPr>
+          <a:lstStyle/>
+          <a:p>
+            <a:pPr indent="0" lvl="0" marL="0" rtl="0" algn="r">
+              <a:spcBef>
+                <a:spcPts val="0"/>
+              </a:spcBef>
+              <a:spcAft>
+                <a:spcPts val="0"/>
+              </a:spcAft>
+              <a:buNone/>
+            </a:pPr>
+            <a:r>
+              <a:rPr lang="en" sz="1800">
+                <a:solidFill>
+                  <a:schemeClr val="dk2"/>
+                </a:solidFill>
+              </a:rPr>
+              <a:t>2</a:t>
+            </a:r>
+            <a:endParaRPr sz="1800">
+              <a:solidFill>
+                <a:schemeClr val="dk2"/>
+              </a:solidFill>
+            </a:endParaRPr>
+          </a:p>
+        </p:txBody>
+      </p:sp>
     </p:spTree>
   </p:cSld>
   <p:clrMapOvr>
@@ -6918,7 +7068,7 @@
   <p:cSld>
     <p:spTree>
       <p:nvGrpSpPr>
-        <p:cNvPr id="69" name="Shape 69"/>
+        <p:cNvPr id="70" name="Shape 70"/>
         <p:cNvGrpSpPr/>
         <p:nvPr/>
       </p:nvGrpSpPr>
@@ -6932,7 +7082,7 @@
       </p:grpSpPr>
       <p:sp>
         <p:nvSpPr>
-          <p:cNvPr id="70" name="Google Shape;70;p15"/>
+          <p:cNvPr id="71" name="Google Shape;71;p15"/>
           <p:cNvSpPr txBox="1"/>
           <p:nvPr>
             <p:ph type="ctrTitle"/>
@@ -6972,7 +7122,7 @@
       </p:sp>
       <p:sp>
         <p:nvSpPr>
-          <p:cNvPr id="71" name="Google Shape;71;p15"/>
+          <p:cNvPr id="72" name="Google Shape;72;p15"/>
           <p:cNvSpPr txBox="1"/>
           <p:nvPr>
             <p:ph idx="1" type="subTitle"/>
@@ -7031,6 +7181,56 @@
           </a:p>
         </p:txBody>
       </p:sp>
+      <p:sp>
+        <p:nvSpPr>
+          <p:cNvPr id="73" name="Google Shape;73;p15"/>
+          <p:cNvSpPr txBox="1"/>
+          <p:nvPr/>
+        </p:nvSpPr>
+        <p:spPr>
+          <a:xfrm>
+            <a:off x="7409275" y="4808375"/>
+            <a:ext cx="1422900" cy="174900"/>
+          </a:xfrm>
+          <a:prstGeom prst="rect">
+            <a:avLst/>
+          </a:prstGeom>
+          <a:noFill/>
+          <a:ln>
+            <a:noFill/>
+          </a:ln>
+        </p:spPr>
+        <p:txBody>
+          <a:bodyPr anchorCtr="0" anchor="ctr" bIns="91425" lIns="91425" spcFirstLastPara="1" rIns="91425" wrap="square" tIns="91425">
+            <a:noAutofit/>
+          </a:bodyPr>
+          <a:lstStyle/>
+          <a:p>
+            <a:pPr indent="0" lvl="0" marL="0" rtl="0" algn="r">
+              <a:spcBef>
+                <a:spcPts val="0"/>
+              </a:spcBef>
+              <a:spcAft>
+                <a:spcPts val="0"/>
+              </a:spcAft>
+              <a:buNone/>
+            </a:pPr>
+            <a:r>
+              <a:rPr lang="en" sz="1800">
+                <a:solidFill>
+                  <a:schemeClr val="dk2"/>
+                </a:solidFill>
+              </a:rPr>
+              <a:t>3</a:t>
+            </a:r>
+            <a:endParaRPr sz="1800">
+              <a:solidFill>
+                <a:schemeClr val="dk2"/>
+              </a:solidFill>
+            </a:endParaRPr>
+          </a:p>
+        </p:txBody>
+      </p:sp>
     </p:spTree>
   </p:cSld>
   <p:clrMapOvr>
@@ -7044,7 +7244,7 @@
   <p:cSld>
     <p:spTree>
       <p:nvGrpSpPr>
-        <p:cNvPr id="75" name="Shape 75"/>
+        <p:cNvPr id="77" name="Shape 77"/>
         <p:cNvGrpSpPr/>
         <p:nvPr/>
       </p:nvGrpSpPr>
@@ -7058,7 +7258,7 @@
       </p:grpSpPr>
       <p:sp>
         <p:nvSpPr>
-          <p:cNvPr id="76" name="Google Shape;76;p16"/>
+          <p:cNvPr id="78" name="Google Shape;78;p16"/>
           <p:cNvSpPr txBox="1"/>
           <p:nvPr>
             <p:ph type="ctrTitle"/>
@@ -7098,7 +7298,7 @@
       </p:sp>
       <p:sp>
         <p:nvSpPr>
-          <p:cNvPr id="77" name="Google Shape;77;p16"/>
+          <p:cNvPr id="79" name="Google Shape;79;p16"/>
           <p:cNvSpPr txBox="1"/>
           <p:nvPr>
             <p:ph idx="1" type="subTitle"/>
@@ -7378,7 +7578,7 @@
                 <a:cs typeface="Times New Roman"/>
                 <a:sym typeface="Times New Roman"/>
               </a:rPr>
-              <a:t>EventFrom – служит для вывода информации о событии.</a:t>
+              <a:t>EventForm – служит для вывода информации о событии.</a:t>
             </a:r>
             <a:endParaRPr sz="1500">
               <a:solidFill>
@@ -7472,6 +7672,56 @@
           </a:p>
         </p:txBody>
       </p:sp>
+      <p:sp>
+        <p:nvSpPr>
+          <p:cNvPr id="80" name="Google Shape;80;p16"/>
+          <p:cNvSpPr txBox="1"/>
+          <p:nvPr/>
+        </p:nvSpPr>
+        <p:spPr>
+          <a:xfrm>
+            <a:off x="7409275" y="4808375"/>
+            <a:ext cx="1422900" cy="174900"/>
+          </a:xfrm>
+          <a:prstGeom prst="rect">
+            <a:avLst/>
+          </a:prstGeom>
+          <a:noFill/>
+          <a:ln>
+            <a:noFill/>
+          </a:ln>
+        </p:spPr>
+        <p:txBody>
+          <a:bodyPr anchorCtr="0" anchor="ctr" bIns="91425" lIns="91425" spcFirstLastPara="1" rIns="91425" wrap="square" tIns="91425">
+            <a:noAutofit/>
+          </a:bodyPr>
+          <a:lstStyle/>
+          <a:p>
+            <a:pPr indent="0" lvl="0" marL="0" rtl="0" algn="r">
+              <a:spcBef>
+                <a:spcPts val="0"/>
+              </a:spcBef>
+              <a:spcAft>
+                <a:spcPts val="0"/>
+              </a:spcAft>
+              <a:buNone/>
+            </a:pPr>
+            <a:r>
+              <a:rPr lang="en" sz="1800">
+                <a:solidFill>
+                  <a:schemeClr val="dk2"/>
+                </a:solidFill>
+              </a:rPr>
+              <a:t>4</a:t>
+            </a:r>
+            <a:endParaRPr sz="1800">
+              <a:solidFill>
+                <a:schemeClr val="dk2"/>
+              </a:solidFill>
+            </a:endParaRPr>
+          </a:p>
+        </p:txBody>
+      </p:sp>
     </p:spTree>
   </p:cSld>
   <p:clrMapOvr>
@@ -7485,7 +7735,7 @@
   <p:cSld>
     <p:spTree>
       <p:nvGrpSpPr>
-        <p:cNvPr id="81" name="Shape 81"/>
+        <p:cNvPr id="84" name="Shape 84"/>
         <p:cNvGrpSpPr/>
         <p:nvPr/>
       </p:nvGrpSpPr>
@@ -7499,7 +7749,7 @@
       </p:grpSpPr>
       <p:sp>
         <p:nvSpPr>
-          <p:cNvPr id="82" name="Google Shape;82;p17"/>
+          <p:cNvPr id="85" name="Google Shape;85;p17"/>
           <p:cNvSpPr txBox="1"/>
           <p:nvPr>
             <p:ph type="ctrTitle"/>
@@ -7549,7 +7799,7 @@
       </p:sp>
       <p:sp>
         <p:nvSpPr>
-          <p:cNvPr id="83" name="Google Shape;83;p17"/>
+          <p:cNvPr id="86" name="Google Shape;86;p17"/>
           <p:cNvSpPr txBox="1"/>
           <p:nvPr>
             <p:ph idx="1" type="subTitle"/>
@@ -7768,6 +8018,56 @@
           </a:p>
         </p:txBody>
       </p:sp>
+      <p:sp>
+        <p:nvSpPr>
+          <p:cNvPr id="87" name="Google Shape;87;p17"/>
+          <p:cNvSpPr txBox="1"/>
+          <p:nvPr/>
+        </p:nvSpPr>
+        <p:spPr>
+          <a:xfrm>
+            <a:off x="7409275" y="4808375"/>
+            <a:ext cx="1422900" cy="174900"/>
+          </a:xfrm>
+          <a:prstGeom prst="rect">
+            <a:avLst/>
+          </a:prstGeom>
+          <a:noFill/>
+          <a:ln>
+            <a:noFill/>
+          </a:ln>
+        </p:spPr>
+        <p:txBody>
+          <a:bodyPr anchorCtr="0" anchor="ctr" bIns="91425" lIns="91425" spcFirstLastPara="1" rIns="91425" wrap="square" tIns="91425">
+            <a:noAutofit/>
+          </a:bodyPr>
+          <a:lstStyle/>
+          <a:p>
+            <a:pPr indent="0" lvl="0" marL="0" rtl="0" algn="r">
+              <a:spcBef>
+                <a:spcPts val="0"/>
+              </a:spcBef>
+              <a:spcAft>
+                <a:spcPts val="0"/>
+              </a:spcAft>
+              <a:buNone/>
+            </a:pPr>
+            <a:r>
+              <a:rPr lang="en" sz="1800">
+                <a:solidFill>
+                  <a:schemeClr val="dk2"/>
+                </a:solidFill>
+              </a:rPr>
+              <a:t>5</a:t>
+            </a:r>
+            <a:endParaRPr sz="1800">
+              <a:solidFill>
+                <a:schemeClr val="dk2"/>
+              </a:solidFill>
+            </a:endParaRPr>
+          </a:p>
+        </p:txBody>
+      </p:sp>
     </p:spTree>
   </p:cSld>
   <p:clrMapOvr>
@@ -7781,7 +8081,7 @@
   <p:cSld>
     <p:spTree>
       <p:nvGrpSpPr>
-        <p:cNvPr id="87" name="Shape 87"/>
+        <p:cNvPr id="91" name="Shape 91"/>
         <p:cNvGrpSpPr/>
         <p:nvPr/>
       </p:nvGrpSpPr>
@@ -7795,7 +8095,7 @@
       </p:grpSpPr>
       <p:sp>
         <p:nvSpPr>
-          <p:cNvPr id="88" name="Google Shape;88;p18"/>
+          <p:cNvPr id="92" name="Google Shape;92;p18"/>
           <p:cNvSpPr txBox="1"/>
           <p:nvPr>
             <p:ph type="ctrTitle"/>
@@ -7835,7 +8135,7 @@
       </p:sp>
       <p:pic>
         <p:nvPicPr>
-          <p:cNvPr id="89" name="Google Shape;89;p18"/>
+          <p:cNvPr id="93" name="Google Shape;93;p18"/>
           <p:cNvPicPr preferRelativeResize="0"/>
           <p:nvPr/>
         </p:nvPicPr>
@@ -7863,7 +8163,7 @@
       </p:pic>
       <p:pic>
         <p:nvPicPr>
-          <p:cNvPr id="90" name="Google Shape;90;p18"/>
+          <p:cNvPr id="94" name="Google Shape;94;p18"/>
           <p:cNvPicPr preferRelativeResize="0"/>
           <p:nvPr/>
         </p:nvPicPr>
@@ -7889,6 +8189,56 @@
           </a:ln>
         </p:spPr>
       </p:pic>
+      <p:sp>
+        <p:nvSpPr>
+          <p:cNvPr id="95" name="Google Shape;95;p18"/>
+          <p:cNvSpPr txBox="1"/>
+          <p:nvPr/>
+        </p:nvSpPr>
+        <p:spPr>
+          <a:xfrm>
+            <a:off x="7409275" y="4808375"/>
+            <a:ext cx="1422900" cy="174900"/>
+          </a:xfrm>
+          <a:prstGeom prst="rect">
+            <a:avLst/>
+          </a:prstGeom>
+          <a:noFill/>
+          <a:ln>
+            <a:noFill/>
+          </a:ln>
+        </p:spPr>
+        <p:txBody>
+          <a:bodyPr anchorCtr="0" anchor="ctr" bIns="91425" lIns="91425" spcFirstLastPara="1" rIns="91425" wrap="square" tIns="91425">
+            <a:noAutofit/>
+          </a:bodyPr>
+          <a:lstStyle/>
+          <a:p>
+            <a:pPr indent="0" lvl="0" marL="0" rtl="0" algn="r">
+              <a:spcBef>
+                <a:spcPts val="0"/>
+              </a:spcBef>
+              <a:spcAft>
+                <a:spcPts val="0"/>
+              </a:spcAft>
+              <a:buNone/>
+            </a:pPr>
+            <a:r>
+              <a:rPr lang="en" sz="1800">
+                <a:solidFill>
+                  <a:schemeClr val="dk2"/>
+                </a:solidFill>
+              </a:rPr>
+              <a:t>6</a:t>
+            </a:r>
+            <a:endParaRPr sz="1800">
+              <a:solidFill>
+                <a:schemeClr val="dk2"/>
+              </a:solidFill>
+            </a:endParaRPr>
+          </a:p>
+        </p:txBody>
+      </p:sp>
     </p:spTree>
   </p:cSld>
   <p:clrMapOvr>
@@ -7902,7 +8252,7 @@
   <p:cSld>
     <p:spTree>
       <p:nvGrpSpPr>
-        <p:cNvPr id="94" name="Shape 94"/>
+        <p:cNvPr id="99" name="Shape 99"/>
         <p:cNvGrpSpPr/>
         <p:nvPr/>
       </p:nvGrpSpPr>
@@ -7916,7 +8266,7 @@
       </p:grpSpPr>
       <p:sp>
         <p:nvSpPr>
-          <p:cNvPr id="95" name="Google Shape;95;p19"/>
+          <p:cNvPr id="100" name="Google Shape;100;p19"/>
           <p:cNvSpPr txBox="1"/>
           <p:nvPr>
             <p:ph type="title"/>
@@ -7956,7 +8306,7 @@
       </p:sp>
       <p:pic>
         <p:nvPicPr>
-          <p:cNvPr id="96" name="Google Shape;96;p19"/>
+          <p:cNvPr id="101" name="Google Shape;101;p19"/>
           <p:cNvPicPr preferRelativeResize="0"/>
           <p:nvPr/>
         </p:nvPicPr>
@@ -7982,6 +8332,56 @@
           </a:ln>
         </p:spPr>
       </p:pic>
+      <p:sp>
+        <p:nvSpPr>
+          <p:cNvPr id="102" name="Google Shape;102;p19"/>
+          <p:cNvSpPr txBox="1"/>
+          <p:nvPr/>
+        </p:nvSpPr>
+        <p:spPr>
+          <a:xfrm>
+            <a:off x="7409275" y="4808375"/>
+            <a:ext cx="1422900" cy="174900"/>
+          </a:xfrm>
+          <a:prstGeom prst="rect">
+            <a:avLst/>
+          </a:prstGeom>
+          <a:noFill/>
+          <a:ln>
+            <a:noFill/>
+          </a:ln>
+        </p:spPr>
+        <p:txBody>
+          <a:bodyPr anchorCtr="0" anchor="ctr" bIns="91425" lIns="91425" spcFirstLastPara="1" rIns="91425" wrap="square" tIns="91425">
+            <a:noAutofit/>
+          </a:bodyPr>
+          <a:lstStyle/>
+          <a:p>
+            <a:pPr indent="0" lvl="0" marL="0" rtl="0" algn="r">
+              <a:spcBef>
+                <a:spcPts val="0"/>
+              </a:spcBef>
+              <a:spcAft>
+                <a:spcPts val="0"/>
+              </a:spcAft>
+              <a:buNone/>
+            </a:pPr>
+            <a:r>
+              <a:rPr lang="en" sz="1800">
+                <a:solidFill>
+                  <a:schemeClr val="dk2"/>
+                </a:solidFill>
+              </a:rPr>
+              <a:t>7</a:t>
+            </a:r>
+            <a:endParaRPr sz="1800">
+              <a:solidFill>
+                <a:schemeClr val="dk2"/>
+              </a:solidFill>
+            </a:endParaRPr>
+          </a:p>
+        </p:txBody>
+      </p:sp>
     </p:spTree>
   </p:cSld>
   <p:clrMapOvr>
@@ -7995,7 +8395,7 @@
   <p:cSld>
     <p:spTree>
       <p:nvGrpSpPr>
-        <p:cNvPr id="100" name="Shape 100"/>
+        <p:cNvPr id="106" name="Shape 106"/>
         <p:cNvGrpSpPr/>
         <p:nvPr/>
       </p:nvGrpSpPr>
@@ -8009,7 +8409,191 @@
       </p:grpSpPr>
       <p:sp>
         <p:nvSpPr>
-          <p:cNvPr id="101" name="Google Shape;101;p20"/>
+          <p:cNvPr id="107" name="Google Shape;107;p20"/>
+          <p:cNvSpPr txBox="1"/>
+          <p:nvPr>
+            <p:ph type="title"/>
+          </p:nvPr>
+        </p:nvSpPr>
+        <p:spPr>
+          <a:xfrm>
+            <a:off x="2537400" y="182750"/>
+            <a:ext cx="4069200" cy="707400"/>
+          </a:xfrm>
+          <a:prstGeom prst="rect">
+            <a:avLst/>
+          </a:prstGeom>
+        </p:spPr>
+        <p:txBody>
+          <a:bodyPr anchorCtr="0" anchor="t" bIns="91425" lIns="91425" spcFirstLastPara="1" rIns="91425" wrap="square" tIns="91425">
+            <a:noAutofit/>
+          </a:bodyPr>
+          <a:lstStyle/>
+          <a:p>
+            <a:pPr indent="0" lvl="0" marL="0" rtl="0" algn="l">
+              <a:spcBef>
+                <a:spcPts val="0"/>
+              </a:spcBef>
+              <a:spcAft>
+                <a:spcPts val="0"/>
+              </a:spcAft>
+              <a:buSzPts val="990"/>
+              <a:buNone/>
+            </a:pPr>
+            <a:r>
+              <a:rPr lang="en" sz="3820"/>
+              <a:t>Заключение</a:t>
+            </a:r>
+            <a:endParaRPr sz="3820"/>
+          </a:p>
+        </p:txBody>
+      </p:sp>
+      <p:sp>
+        <p:nvSpPr>
+          <p:cNvPr id="108" name="Google Shape;108;p20"/>
+          <p:cNvSpPr txBox="1"/>
+          <p:nvPr>
+            <p:ph idx="1" type="body"/>
+          </p:nvPr>
+        </p:nvSpPr>
+        <p:spPr>
+          <a:xfrm>
+            <a:off x="311700" y="1152475"/>
+            <a:ext cx="8520600" cy="3416400"/>
+          </a:xfrm>
+          <a:prstGeom prst="rect">
+            <a:avLst/>
+          </a:prstGeom>
+        </p:spPr>
+        <p:txBody>
+          <a:bodyPr anchorCtr="0" anchor="t" bIns="91425" lIns="91425" spcFirstLastPara="1" rIns="91425" wrap="square" tIns="91425">
+            <a:normAutofit/>
+          </a:bodyPr>
+          <a:lstStyle/>
+          <a:p>
+            <a:pPr indent="0" lvl="0" marL="0" rtl="0" algn="l">
+              <a:spcBef>
+                <a:spcPts val="0"/>
+              </a:spcBef>
+              <a:spcAft>
+                <a:spcPts val="1200"/>
+              </a:spcAft>
+              <a:buNone/>
+            </a:pPr>
+            <a:r>
+              <a:rPr lang="en">
+                <a:solidFill>
+                  <a:schemeClr val="dk1"/>
+                </a:solidFill>
+                <a:latin typeface="Times New Roman"/>
+                <a:ea typeface="Times New Roman"/>
+                <a:cs typeface="Times New Roman"/>
+                <a:sym typeface="Times New Roman"/>
+              </a:rPr>
+              <a:t>В ходе реализации данного проекта была достигнута поставленная цель: разработать и реализовать десктопное приложение “</a:t>
+            </a:r>
+            <a:r>
+              <a:rPr lang="en">
+                <a:solidFill>
+                  <a:schemeClr val="dk1"/>
+                </a:solidFill>
+                <a:latin typeface="Times New Roman"/>
+                <a:ea typeface="Times New Roman"/>
+                <a:cs typeface="Times New Roman"/>
+                <a:sym typeface="Times New Roman"/>
+              </a:rPr>
+              <a:t>Система управления задачами и событиями с возможностью их категоризации”, связав его с БД.</a:t>
+            </a:r>
+            <a:endParaRPr sz="2200">
+              <a:solidFill>
+                <a:schemeClr val="dk1"/>
+              </a:solidFill>
+              <a:latin typeface="Times New Roman"/>
+              <a:ea typeface="Times New Roman"/>
+              <a:cs typeface="Times New Roman"/>
+              <a:sym typeface="Times New Roman"/>
+            </a:endParaRPr>
+          </a:p>
+        </p:txBody>
+      </p:sp>
+      <p:sp>
+        <p:nvSpPr>
+          <p:cNvPr id="109" name="Google Shape;109;p20"/>
+          <p:cNvSpPr txBox="1"/>
+          <p:nvPr/>
+        </p:nvSpPr>
+        <p:spPr>
+          <a:xfrm>
+            <a:off x="7409275" y="4808375"/>
+            <a:ext cx="1422900" cy="174900"/>
+          </a:xfrm>
+          <a:prstGeom prst="rect">
+            <a:avLst/>
+          </a:prstGeom>
+          <a:noFill/>
+          <a:ln>
+            <a:noFill/>
+          </a:ln>
+        </p:spPr>
+        <p:txBody>
+          <a:bodyPr anchorCtr="0" anchor="ctr" bIns="91425" lIns="91425" spcFirstLastPara="1" rIns="91425" wrap="square" tIns="91425">
+            <a:noAutofit/>
+          </a:bodyPr>
+          <a:lstStyle/>
+          <a:p>
+            <a:pPr indent="0" lvl="0" marL="0" rtl="0" algn="r">
+              <a:spcBef>
+                <a:spcPts val="0"/>
+              </a:spcBef>
+              <a:spcAft>
+                <a:spcPts val="0"/>
+              </a:spcAft>
+              <a:buNone/>
+            </a:pPr>
+            <a:r>
+              <a:rPr lang="en" sz="1800">
+                <a:solidFill>
+                  <a:schemeClr val="dk2"/>
+                </a:solidFill>
+              </a:rPr>
+              <a:t>8</a:t>
+            </a:r>
+            <a:endParaRPr sz="1800">
+              <a:solidFill>
+                <a:schemeClr val="dk2"/>
+              </a:solidFill>
+            </a:endParaRPr>
+          </a:p>
+        </p:txBody>
+      </p:sp>
+    </p:spTree>
+  </p:cSld>
+  <p:clrMapOvr>
+    <a:masterClrMapping/>
+  </p:clrMapOvr>
+</p:sld>
+</file>
+
+<file path=ppt/slides/slide9.xml><?xml version="1.0" encoding="utf-8"?>
+<p:sld xmlns:a="http://schemas.openxmlformats.org/drawingml/2006/main" xmlns:r="http://schemas.openxmlformats.org/officeDocument/2006/relationships" xmlns:mc="http://schemas.openxmlformats.org/markup-compatibility/2006" xmlns:mv="urn:schemas-microsoft-com:mac:vml" xmlns:p="http://schemas.openxmlformats.org/presentationml/2006/main" xmlns:c="http://schemas.openxmlformats.org/drawingml/2006/chart" xmlns:dgm="http://schemas.openxmlformats.org/drawingml/2006/diagram" xmlns:o="urn:schemas-microsoft-com:office:office" xmlns:v="urn:schemas-microsoft-com:vml" xmlns:pvml="urn:schemas-microsoft-com:office:powerpoint" xmlns:com="http://schemas.openxmlformats.org/drawingml/2006/compatibility" xmlns:p14="http://schemas.microsoft.com/office/powerpoint/2010/main" xmlns:p15="http://schemas.microsoft.com/office/powerpoint/2012/main" xmlns:ahyp="http://schemas.microsoft.com/office/drawing/2018/hyperlinkcolor">
+  <p:cSld>
+    <p:spTree>
+      <p:nvGrpSpPr>
+        <p:cNvPr id="113" name="Shape 113"/>
+        <p:cNvGrpSpPr/>
+        <p:nvPr/>
+      </p:nvGrpSpPr>
+      <p:grpSpPr>
+        <a:xfrm>
+          <a:off x="0" y="0"/>
+          <a:ext cx="0" cy="0"/>
+          <a:chOff x="0" y="0"/>
+          <a:chExt cx="0" cy="0"/>
+        </a:xfrm>
+      </p:grpSpPr>
+      <p:sp>
+        <p:nvSpPr>
+          <p:cNvPr id="114" name="Google Shape;114;p21"/>
           <p:cNvSpPr txBox="1"/>
           <p:nvPr>
             <p:ph type="ctrTitle"/>
@@ -8164,7 +8748,7 @@
       </p:sp>
       <p:sp>
         <p:nvSpPr>
-          <p:cNvPr id="102" name="Google Shape;102;p20"/>
+          <p:cNvPr id="115" name="Google Shape;115;p21"/>
           <p:cNvSpPr txBox="1"/>
           <p:nvPr>
             <p:ph idx="1" type="subTitle"/>
@@ -8236,7 +8820,7 @@
       </p:sp>
       <p:sp>
         <p:nvSpPr>
-          <p:cNvPr id="103" name="Google Shape;103;p20"/>
+          <p:cNvPr id="116" name="Google Shape;116;p21"/>
           <p:cNvSpPr txBox="1"/>
           <p:nvPr/>
         </p:nvSpPr>
@@ -8361,7 +8945,7 @@
       </p:sp>
       <p:sp>
         <p:nvSpPr>
-          <p:cNvPr id="104" name="Google Shape;104;p20"/>
+          <p:cNvPr id="117" name="Google Shape;117;p21"/>
           <p:cNvSpPr txBox="1"/>
           <p:nvPr/>
         </p:nvSpPr>

--- a/Информация о программе/Презентация.pptx
+++ b/Информация о программе/Презентация.pptx
@@ -356,104 +356,239 @@
             <a:noAutofit/>
           </a:bodyPr>
           <a:lstStyle>
-            <a:lvl1pPr indent="-298450" lvl="0" marL="457200">
-              <a:spcBef>
-                <a:spcPts val="0"/>
-              </a:spcBef>
-              <a:spcAft>
-                <a:spcPts val="0"/>
-              </a:spcAft>
+            <a:lvl1pPr indent="-298450" lvl="0" marL="457200" marR="0" rtl="0" algn="l">
+              <a:lnSpc>
+                <a:spcPct val="100000"/>
+              </a:lnSpc>
+              <a:spcBef>
+                <a:spcPts val="0"/>
+              </a:spcBef>
+              <a:spcAft>
+                <a:spcPts val="0"/>
+              </a:spcAft>
+              <a:buClr>
+                <a:srgbClr val="000000"/>
+              </a:buClr>
               <a:buSzPts val="1100"/>
+              <a:buFont typeface="Arial"/>
               <a:buChar char="●"/>
-              <a:defRPr sz="1100"/>
+              <a:defRPr b="0" i="0" sz="1100" u="none" cap="none" strike="noStrike">
+                <a:solidFill>
+                  <a:srgbClr val="000000"/>
+                </a:solidFill>
+                <a:latin typeface="Arial"/>
+                <a:ea typeface="Arial"/>
+                <a:cs typeface="Arial"/>
+                <a:sym typeface="Arial"/>
+              </a:defRPr>
             </a:lvl1pPr>
-            <a:lvl2pPr indent="-298450" lvl="1" marL="914400">
-              <a:spcBef>
-                <a:spcPts val="0"/>
-              </a:spcBef>
-              <a:spcAft>
-                <a:spcPts val="0"/>
-              </a:spcAft>
+            <a:lvl2pPr indent="-298450" lvl="1" marL="914400" marR="0" rtl="0" algn="l">
+              <a:lnSpc>
+                <a:spcPct val="100000"/>
+              </a:lnSpc>
+              <a:spcBef>
+                <a:spcPts val="0"/>
+              </a:spcBef>
+              <a:spcAft>
+                <a:spcPts val="0"/>
+              </a:spcAft>
+              <a:buClr>
+                <a:srgbClr val="000000"/>
+              </a:buClr>
               <a:buSzPts val="1100"/>
+              <a:buFont typeface="Arial"/>
               <a:buChar char="○"/>
-              <a:defRPr sz="1100"/>
+              <a:defRPr b="0" i="0" sz="1100" u="none" cap="none" strike="noStrike">
+                <a:solidFill>
+                  <a:srgbClr val="000000"/>
+                </a:solidFill>
+                <a:latin typeface="Arial"/>
+                <a:ea typeface="Arial"/>
+                <a:cs typeface="Arial"/>
+                <a:sym typeface="Arial"/>
+              </a:defRPr>
             </a:lvl2pPr>
-            <a:lvl3pPr indent="-298450" lvl="2" marL="1371600">
-              <a:spcBef>
-                <a:spcPts val="0"/>
-              </a:spcBef>
-              <a:spcAft>
-                <a:spcPts val="0"/>
-              </a:spcAft>
+            <a:lvl3pPr indent="-298450" lvl="2" marL="1371600" marR="0" rtl="0" algn="l">
+              <a:lnSpc>
+                <a:spcPct val="100000"/>
+              </a:lnSpc>
+              <a:spcBef>
+                <a:spcPts val="0"/>
+              </a:spcBef>
+              <a:spcAft>
+                <a:spcPts val="0"/>
+              </a:spcAft>
+              <a:buClr>
+                <a:srgbClr val="000000"/>
+              </a:buClr>
               <a:buSzPts val="1100"/>
+              <a:buFont typeface="Arial"/>
               <a:buChar char="■"/>
-              <a:defRPr sz="1100"/>
+              <a:defRPr b="0" i="0" sz="1100" u="none" cap="none" strike="noStrike">
+                <a:solidFill>
+                  <a:srgbClr val="000000"/>
+                </a:solidFill>
+                <a:latin typeface="Arial"/>
+                <a:ea typeface="Arial"/>
+                <a:cs typeface="Arial"/>
+                <a:sym typeface="Arial"/>
+              </a:defRPr>
             </a:lvl3pPr>
-            <a:lvl4pPr indent="-298450" lvl="3" marL="1828800">
-              <a:spcBef>
-                <a:spcPts val="0"/>
-              </a:spcBef>
-              <a:spcAft>
-                <a:spcPts val="0"/>
-              </a:spcAft>
+            <a:lvl4pPr indent="-298450" lvl="3" marL="1828800" marR="0" rtl="0" algn="l">
+              <a:lnSpc>
+                <a:spcPct val="100000"/>
+              </a:lnSpc>
+              <a:spcBef>
+                <a:spcPts val="0"/>
+              </a:spcBef>
+              <a:spcAft>
+                <a:spcPts val="0"/>
+              </a:spcAft>
+              <a:buClr>
+                <a:srgbClr val="000000"/>
+              </a:buClr>
               <a:buSzPts val="1100"/>
+              <a:buFont typeface="Arial"/>
               <a:buChar char="●"/>
-              <a:defRPr sz="1100"/>
+              <a:defRPr b="0" i="0" sz="1100" u="none" cap="none" strike="noStrike">
+                <a:solidFill>
+                  <a:srgbClr val="000000"/>
+                </a:solidFill>
+                <a:latin typeface="Arial"/>
+                <a:ea typeface="Arial"/>
+                <a:cs typeface="Arial"/>
+                <a:sym typeface="Arial"/>
+              </a:defRPr>
             </a:lvl4pPr>
-            <a:lvl5pPr indent="-298450" lvl="4" marL="2286000">
-              <a:spcBef>
-                <a:spcPts val="0"/>
-              </a:spcBef>
-              <a:spcAft>
-                <a:spcPts val="0"/>
-              </a:spcAft>
+            <a:lvl5pPr indent="-298450" lvl="4" marL="2286000" marR="0" rtl="0" algn="l">
+              <a:lnSpc>
+                <a:spcPct val="100000"/>
+              </a:lnSpc>
+              <a:spcBef>
+                <a:spcPts val="0"/>
+              </a:spcBef>
+              <a:spcAft>
+                <a:spcPts val="0"/>
+              </a:spcAft>
+              <a:buClr>
+                <a:srgbClr val="000000"/>
+              </a:buClr>
               <a:buSzPts val="1100"/>
+              <a:buFont typeface="Arial"/>
               <a:buChar char="○"/>
-              <a:defRPr sz="1100"/>
+              <a:defRPr b="0" i="0" sz="1100" u="none" cap="none" strike="noStrike">
+                <a:solidFill>
+                  <a:srgbClr val="000000"/>
+                </a:solidFill>
+                <a:latin typeface="Arial"/>
+                <a:ea typeface="Arial"/>
+                <a:cs typeface="Arial"/>
+                <a:sym typeface="Arial"/>
+              </a:defRPr>
             </a:lvl5pPr>
-            <a:lvl6pPr indent="-298450" lvl="5" marL="2743200">
-              <a:spcBef>
-                <a:spcPts val="0"/>
-              </a:spcBef>
-              <a:spcAft>
-                <a:spcPts val="0"/>
-              </a:spcAft>
+            <a:lvl6pPr indent="-298450" lvl="5" marL="2743200" marR="0" rtl="0" algn="l">
+              <a:lnSpc>
+                <a:spcPct val="100000"/>
+              </a:lnSpc>
+              <a:spcBef>
+                <a:spcPts val="0"/>
+              </a:spcBef>
+              <a:spcAft>
+                <a:spcPts val="0"/>
+              </a:spcAft>
+              <a:buClr>
+                <a:srgbClr val="000000"/>
+              </a:buClr>
               <a:buSzPts val="1100"/>
+              <a:buFont typeface="Arial"/>
               <a:buChar char="■"/>
-              <a:defRPr sz="1100"/>
+              <a:defRPr b="0" i="0" sz="1100" u="none" cap="none" strike="noStrike">
+                <a:solidFill>
+                  <a:srgbClr val="000000"/>
+                </a:solidFill>
+                <a:latin typeface="Arial"/>
+                <a:ea typeface="Arial"/>
+                <a:cs typeface="Arial"/>
+                <a:sym typeface="Arial"/>
+              </a:defRPr>
             </a:lvl6pPr>
-            <a:lvl7pPr indent="-298450" lvl="6" marL="3200400">
-              <a:spcBef>
-                <a:spcPts val="0"/>
-              </a:spcBef>
-              <a:spcAft>
-                <a:spcPts val="0"/>
-              </a:spcAft>
+            <a:lvl7pPr indent="-298450" lvl="6" marL="3200400" marR="0" rtl="0" algn="l">
+              <a:lnSpc>
+                <a:spcPct val="100000"/>
+              </a:lnSpc>
+              <a:spcBef>
+                <a:spcPts val="0"/>
+              </a:spcBef>
+              <a:spcAft>
+                <a:spcPts val="0"/>
+              </a:spcAft>
+              <a:buClr>
+                <a:srgbClr val="000000"/>
+              </a:buClr>
               <a:buSzPts val="1100"/>
+              <a:buFont typeface="Arial"/>
               <a:buChar char="●"/>
-              <a:defRPr sz="1100"/>
+              <a:defRPr b="0" i="0" sz="1100" u="none" cap="none" strike="noStrike">
+                <a:solidFill>
+                  <a:srgbClr val="000000"/>
+                </a:solidFill>
+                <a:latin typeface="Arial"/>
+                <a:ea typeface="Arial"/>
+                <a:cs typeface="Arial"/>
+                <a:sym typeface="Arial"/>
+              </a:defRPr>
             </a:lvl7pPr>
-            <a:lvl8pPr indent="-298450" lvl="7" marL="3657600">
-              <a:spcBef>
-                <a:spcPts val="0"/>
-              </a:spcBef>
-              <a:spcAft>
-                <a:spcPts val="0"/>
-              </a:spcAft>
+            <a:lvl8pPr indent="-298450" lvl="7" marL="3657600" marR="0" rtl="0" algn="l">
+              <a:lnSpc>
+                <a:spcPct val="100000"/>
+              </a:lnSpc>
+              <a:spcBef>
+                <a:spcPts val="0"/>
+              </a:spcBef>
+              <a:spcAft>
+                <a:spcPts val="0"/>
+              </a:spcAft>
+              <a:buClr>
+                <a:srgbClr val="000000"/>
+              </a:buClr>
               <a:buSzPts val="1100"/>
+              <a:buFont typeface="Arial"/>
               <a:buChar char="○"/>
-              <a:defRPr sz="1100"/>
+              <a:defRPr b="0" i="0" sz="1100" u="none" cap="none" strike="noStrike">
+                <a:solidFill>
+                  <a:srgbClr val="000000"/>
+                </a:solidFill>
+                <a:latin typeface="Arial"/>
+                <a:ea typeface="Arial"/>
+                <a:cs typeface="Arial"/>
+                <a:sym typeface="Arial"/>
+              </a:defRPr>
             </a:lvl8pPr>
-            <a:lvl9pPr indent="-298450" lvl="8" marL="4114800">
-              <a:spcBef>
-                <a:spcPts val="0"/>
-              </a:spcBef>
-              <a:spcAft>
-                <a:spcPts val="0"/>
-              </a:spcAft>
+            <a:lvl9pPr indent="-298450" lvl="8" marL="4114800" marR="0" rtl="0" algn="l">
+              <a:lnSpc>
+                <a:spcPct val="100000"/>
+              </a:lnSpc>
+              <a:spcBef>
+                <a:spcPts val="0"/>
+              </a:spcBef>
+              <a:spcAft>
+                <a:spcPts val="0"/>
+              </a:spcAft>
+              <a:buClr>
+                <a:srgbClr val="000000"/>
+              </a:buClr>
               <a:buSzPts val="1100"/>
+              <a:buFont typeface="Arial"/>
               <a:buChar char="■"/>
-              <a:defRPr sz="1100"/>
+              <a:defRPr b="0" i="0" sz="1100" u="none" cap="none" strike="noStrike">
+                <a:solidFill>
+                  <a:srgbClr val="000000"/>
+                </a:solidFill>
+                <a:latin typeface="Arial"/>
+                <a:ea typeface="Arial"/>
+                <a:cs typeface="Arial"/>
+                <a:sym typeface="Arial"/>
+              </a:defRPr>
             </a:lvl9pPr>
           </a:lstStyle>
           <a:p/>
@@ -713,7 +848,7 @@
       </p:grpSpPr>
       <p:sp>
         <p:nvSpPr>
-          <p:cNvPr id="51" name="Google Shape;51;p:notes"/>
+          <p:cNvPr id="51" name="Google Shape;51;p1:notes"/>
           <p:cNvSpPr/>
           <p:nvPr>
             <p:ph idx="2" type="sldImg"/>
@@ -744,11 +879,21 @@
               </a:path>
             </a:pathLst>
           </a:custGeom>
+          <a:noFill/>
+          <a:ln cap="flat" cmpd="sng" w="9525">
+            <a:solidFill>
+              <a:srgbClr val="000000"/>
+            </a:solidFill>
+            <a:prstDash val="solid"/>
+            <a:round/>
+            <a:headEnd len="sm" w="sm" type="none"/>
+            <a:tailEnd len="sm" w="sm" type="none"/>
+          </a:ln>
         </p:spPr>
       </p:sp>
       <p:sp>
         <p:nvSpPr>
-          <p:cNvPr id="52" name="Google Shape;52;p:notes"/>
+          <p:cNvPr id="52" name="Google Shape;52;p1:notes"/>
           <p:cNvSpPr txBox="1"/>
           <p:nvPr>
             <p:ph idx="1" type="body"/>
@@ -762,6 +907,10 @@
           <a:prstGeom prst="rect">
             <a:avLst/>
           </a:prstGeom>
+          <a:noFill/>
+          <a:ln>
+            <a:noFill/>
+          </a:ln>
         </p:spPr>
         <p:txBody>
           <a:bodyPr anchorCtr="0" anchor="t" bIns="91425" lIns="91425" spcFirstLastPara="1" rIns="91425" wrap="square" tIns="91425">
@@ -770,12 +919,16 @@
           <a:lstStyle/>
           <a:p>
             <a:pPr indent="0" lvl="0" marL="0" rtl="0" algn="l">
-              <a:spcBef>
-                <a:spcPts val="0"/>
-              </a:spcBef>
-              <a:spcAft>
-                <a:spcPts val="0"/>
-              </a:spcAft>
+              <a:lnSpc>
+                <a:spcPct val="100000"/>
+              </a:lnSpc>
+              <a:spcBef>
+                <a:spcPts val="0"/>
+              </a:spcBef>
+              <a:spcAft>
+                <a:spcPts val="0"/>
+              </a:spcAft>
+              <a:buSzPts val="1100"/>
               <a:buNone/>
             </a:pPr>
             <a:r>
@@ -812,7 +965,7 @@
       </p:grpSpPr>
       <p:sp>
         <p:nvSpPr>
-          <p:cNvPr id="59" name="Google Shape;59;g314c7c68326_0_12:notes"/>
+          <p:cNvPr id="59" name="Google Shape;59;p2:notes"/>
           <p:cNvSpPr/>
           <p:nvPr>
             <p:ph idx="2" type="sldImg"/>
@@ -843,11 +996,21 @@
               </a:path>
             </a:pathLst>
           </a:custGeom>
+          <a:noFill/>
+          <a:ln cap="flat" cmpd="sng" w="9525">
+            <a:solidFill>
+              <a:srgbClr val="000000"/>
+            </a:solidFill>
+            <a:prstDash val="solid"/>
+            <a:round/>
+            <a:headEnd len="sm" w="sm" type="none"/>
+            <a:tailEnd len="sm" w="sm" type="none"/>
+          </a:ln>
         </p:spPr>
       </p:sp>
       <p:sp>
         <p:nvSpPr>
-          <p:cNvPr id="60" name="Google Shape;60;g314c7c68326_0_12:notes"/>
+          <p:cNvPr id="60" name="Google Shape;60;p2:notes"/>
           <p:cNvSpPr txBox="1"/>
           <p:nvPr>
             <p:ph idx="1" type="body"/>
@@ -861,6 +1024,10 @@
           <a:prstGeom prst="rect">
             <a:avLst/>
           </a:prstGeom>
+          <a:noFill/>
+          <a:ln>
+            <a:noFill/>
+          </a:ln>
         </p:spPr>
         <p:txBody>
           <a:bodyPr anchorCtr="0" anchor="t" bIns="91425" lIns="91425" spcFirstLastPara="1" rIns="91425" wrap="square" tIns="91425">
@@ -869,12 +1036,16 @@
           <a:lstStyle/>
           <a:p>
             <a:pPr indent="0" lvl="0" marL="0" rtl="0" algn="l">
-              <a:spcBef>
-                <a:spcPts val="0"/>
-              </a:spcBef>
-              <a:spcAft>
-                <a:spcPts val="0"/>
-              </a:spcAft>
+              <a:lnSpc>
+                <a:spcPct val="100000"/>
+              </a:lnSpc>
+              <a:spcBef>
+                <a:spcPts val="0"/>
+              </a:spcBef>
+              <a:spcAft>
+                <a:spcPts val="0"/>
+              </a:spcAft>
+              <a:buSzPts val="1100"/>
               <a:buNone/>
             </a:pPr>
             <a:r>
@@ -911,7 +1082,7 @@
       </p:grpSpPr>
       <p:sp>
         <p:nvSpPr>
-          <p:cNvPr id="68" name="Google Shape;68;g314c7c68326_0_19:notes"/>
+          <p:cNvPr id="68" name="Google Shape;68;p3:notes"/>
           <p:cNvSpPr/>
           <p:nvPr>
             <p:ph idx="2" type="sldImg"/>
@@ -942,11 +1113,21 @@
               </a:path>
             </a:pathLst>
           </a:custGeom>
+          <a:noFill/>
+          <a:ln cap="flat" cmpd="sng" w="9525">
+            <a:solidFill>
+              <a:srgbClr val="000000"/>
+            </a:solidFill>
+            <a:prstDash val="solid"/>
+            <a:round/>
+            <a:headEnd len="sm" w="sm" type="none"/>
+            <a:tailEnd len="sm" w="sm" type="none"/>
+          </a:ln>
         </p:spPr>
       </p:sp>
       <p:sp>
         <p:nvSpPr>
-          <p:cNvPr id="69" name="Google Shape;69;g314c7c68326_0_19:notes"/>
+          <p:cNvPr id="69" name="Google Shape;69;p3:notes"/>
           <p:cNvSpPr txBox="1"/>
           <p:nvPr>
             <p:ph idx="1" type="body"/>
@@ -960,6 +1141,10 @@
           <a:prstGeom prst="rect">
             <a:avLst/>
           </a:prstGeom>
+          <a:noFill/>
+          <a:ln>
+            <a:noFill/>
+          </a:ln>
         </p:spPr>
         <p:txBody>
           <a:bodyPr anchorCtr="0" anchor="t" bIns="91425" lIns="91425" spcFirstLastPara="1" rIns="91425" wrap="square" tIns="91425">
@@ -968,12 +1153,16 @@
           <a:lstStyle/>
           <a:p>
             <a:pPr indent="0" lvl="0" marL="0" rtl="0" algn="l">
-              <a:spcBef>
-                <a:spcPts val="0"/>
-              </a:spcBef>
-              <a:spcAft>
-                <a:spcPts val="0"/>
-              </a:spcAft>
+              <a:lnSpc>
+                <a:spcPct val="100000"/>
+              </a:lnSpc>
+              <a:spcBef>
+                <a:spcPts val="0"/>
+              </a:spcBef>
+              <a:spcAft>
+                <a:spcPts val="0"/>
+              </a:spcAft>
+              <a:buSzPts val="1100"/>
               <a:buNone/>
             </a:pPr>
             <a:r>
@@ -1010,7 +1199,7 @@
       </p:grpSpPr>
       <p:sp>
         <p:nvSpPr>
-          <p:cNvPr id="75" name="Google Shape;75;g314c7c68326_0_24:notes"/>
+          <p:cNvPr id="75" name="Google Shape;75;p4:notes"/>
           <p:cNvSpPr/>
           <p:nvPr>
             <p:ph idx="2" type="sldImg"/>
@@ -1041,11 +1230,21 @@
               </a:path>
             </a:pathLst>
           </a:custGeom>
+          <a:noFill/>
+          <a:ln cap="flat" cmpd="sng" w="9525">
+            <a:solidFill>
+              <a:srgbClr val="000000"/>
+            </a:solidFill>
+            <a:prstDash val="solid"/>
+            <a:round/>
+            <a:headEnd len="sm" w="sm" type="none"/>
+            <a:tailEnd len="sm" w="sm" type="none"/>
+          </a:ln>
         </p:spPr>
       </p:sp>
       <p:sp>
         <p:nvSpPr>
-          <p:cNvPr id="76" name="Google Shape;76;g314c7c68326_0_24:notes"/>
+          <p:cNvPr id="76" name="Google Shape;76;p4:notes"/>
           <p:cNvSpPr txBox="1"/>
           <p:nvPr>
             <p:ph idx="1" type="body"/>
@@ -1059,6 +1258,10 @@
           <a:prstGeom prst="rect">
             <a:avLst/>
           </a:prstGeom>
+          <a:noFill/>
+          <a:ln>
+            <a:noFill/>
+          </a:ln>
         </p:spPr>
         <p:txBody>
           <a:bodyPr anchorCtr="0" anchor="t" bIns="91425" lIns="91425" spcFirstLastPara="1" rIns="91425" wrap="square" tIns="91425">
@@ -1067,12 +1270,16 @@
           <a:lstStyle/>
           <a:p>
             <a:pPr indent="0" lvl="0" marL="0" rtl="0" algn="l">
-              <a:spcBef>
-                <a:spcPts val="0"/>
-              </a:spcBef>
-              <a:spcAft>
-                <a:spcPts val="0"/>
-              </a:spcAft>
+              <a:lnSpc>
+                <a:spcPct val="100000"/>
+              </a:lnSpc>
+              <a:spcBef>
+                <a:spcPts val="0"/>
+              </a:spcBef>
+              <a:spcAft>
+                <a:spcPts val="0"/>
+              </a:spcAft>
+              <a:buSzPts val="1100"/>
               <a:buNone/>
             </a:pPr>
             <a:r>
@@ -1109,7 +1316,7 @@
       </p:grpSpPr>
       <p:sp>
         <p:nvSpPr>
-          <p:cNvPr id="82" name="Google Shape;82;g314c7c68326_0_29:notes"/>
+          <p:cNvPr id="82" name="Google Shape;82;p5:notes"/>
           <p:cNvSpPr/>
           <p:nvPr>
             <p:ph idx="2" type="sldImg"/>
@@ -1140,11 +1347,21 @@
               </a:path>
             </a:pathLst>
           </a:custGeom>
+          <a:noFill/>
+          <a:ln cap="flat" cmpd="sng" w="9525">
+            <a:solidFill>
+              <a:srgbClr val="000000"/>
+            </a:solidFill>
+            <a:prstDash val="solid"/>
+            <a:round/>
+            <a:headEnd len="sm" w="sm" type="none"/>
+            <a:tailEnd len="sm" w="sm" type="none"/>
+          </a:ln>
         </p:spPr>
       </p:sp>
       <p:sp>
         <p:nvSpPr>
-          <p:cNvPr id="83" name="Google Shape;83;g314c7c68326_0_29:notes"/>
+          <p:cNvPr id="83" name="Google Shape;83;p5:notes"/>
           <p:cNvSpPr txBox="1"/>
           <p:nvPr>
             <p:ph idx="1" type="body"/>
@@ -1158,6 +1375,10 @@
           <a:prstGeom prst="rect">
             <a:avLst/>
           </a:prstGeom>
+          <a:noFill/>
+          <a:ln>
+            <a:noFill/>
+          </a:ln>
         </p:spPr>
         <p:txBody>
           <a:bodyPr anchorCtr="0" anchor="t" bIns="91425" lIns="91425" spcFirstLastPara="1" rIns="91425" wrap="square" tIns="91425">
@@ -1166,12 +1387,16 @@
           <a:lstStyle/>
           <a:p>
             <a:pPr indent="0" lvl="0" marL="0" rtl="0" algn="l">
-              <a:spcBef>
-                <a:spcPts val="0"/>
-              </a:spcBef>
-              <a:spcAft>
-                <a:spcPts val="0"/>
-              </a:spcAft>
+              <a:lnSpc>
+                <a:spcPct val="100000"/>
+              </a:lnSpc>
+              <a:spcBef>
+                <a:spcPts val="0"/>
+              </a:spcBef>
+              <a:spcAft>
+                <a:spcPts val="0"/>
+              </a:spcAft>
+              <a:buSzPts val="1100"/>
               <a:buNone/>
             </a:pPr>
             <a:r>
@@ -1208,7 +1433,7 @@
       </p:grpSpPr>
       <p:sp>
         <p:nvSpPr>
-          <p:cNvPr id="89" name="Google Shape;89;g314112cbf2b_0_579:notes"/>
+          <p:cNvPr id="89" name="Google Shape;89;p6:notes"/>
           <p:cNvSpPr/>
           <p:nvPr>
             <p:ph idx="2" type="sldImg"/>
@@ -1239,11 +1464,21 @@
               </a:path>
             </a:pathLst>
           </a:custGeom>
+          <a:noFill/>
+          <a:ln cap="flat" cmpd="sng" w="9525">
+            <a:solidFill>
+              <a:srgbClr val="000000"/>
+            </a:solidFill>
+            <a:prstDash val="solid"/>
+            <a:round/>
+            <a:headEnd len="sm" w="sm" type="none"/>
+            <a:tailEnd len="sm" w="sm" type="none"/>
+          </a:ln>
         </p:spPr>
       </p:sp>
       <p:sp>
         <p:nvSpPr>
-          <p:cNvPr id="90" name="Google Shape;90;g314112cbf2b_0_579:notes"/>
+          <p:cNvPr id="90" name="Google Shape;90;p6:notes"/>
           <p:cNvSpPr txBox="1"/>
           <p:nvPr>
             <p:ph idx="1" type="body"/>
@@ -1257,6 +1492,10 @@
           <a:prstGeom prst="rect">
             <a:avLst/>
           </a:prstGeom>
+          <a:noFill/>
+          <a:ln>
+            <a:noFill/>
+          </a:ln>
         </p:spPr>
         <p:txBody>
           <a:bodyPr anchorCtr="0" anchor="t" bIns="91425" lIns="91425" spcFirstLastPara="1" rIns="91425" wrap="square" tIns="91425">
@@ -1265,12 +1504,16 @@
           <a:lstStyle/>
           <a:p>
             <a:pPr indent="0" lvl="0" marL="0" rtl="0" algn="l">
-              <a:spcBef>
-                <a:spcPts val="0"/>
-              </a:spcBef>
-              <a:spcAft>
-                <a:spcPts val="0"/>
-              </a:spcAft>
+              <a:lnSpc>
+                <a:spcPct val="100000"/>
+              </a:lnSpc>
+              <a:spcBef>
+                <a:spcPts val="0"/>
+              </a:spcBef>
+              <a:spcAft>
+                <a:spcPts val="0"/>
+              </a:spcAft>
+              <a:buSzPts val="1100"/>
               <a:buNone/>
             </a:pPr>
             <a:r>
@@ -1307,7 +1550,7 @@
       </p:grpSpPr>
       <p:sp>
         <p:nvSpPr>
-          <p:cNvPr id="97" name="Google Shape;97;g314112cbf2b_0_2:notes"/>
+          <p:cNvPr id="97" name="Google Shape;97;p7:notes"/>
           <p:cNvSpPr/>
           <p:nvPr>
             <p:ph idx="2" type="sldImg"/>
@@ -1338,11 +1581,21 @@
               </a:path>
             </a:pathLst>
           </a:custGeom>
+          <a:noFill/>
+          <a:ln cap="flat" cmpd="sng" w="9525">
+            <a:solidFill>
+              <a:srgbClr val="000000"/>
+            </a:solidFill>
+            <a:prstDash val="solid"/>
+            <a:round/>
+            <a:headEnd len="sm" w="sm" type="none"/>
+            <a:tailEnd len="sm" w="sm" type="none"/>
+          </a:ln>
         </p:spPr>
       </p:sp>
       <p:sp>
         <p:nvSpPr>
-          <p:cNvPr id="98" name="Google Shape;98;g314112cbf2b_0_2:notes"/>
+          <p:cNvPr id="98" name="Google Shape;98;p7:notes"/>
           <p:cNvSpPr txBox="1"/>
           <p:nvPr>
             <p:ph idx="1" type="body"/>
@@ -1356,6 +1609,10 @@
           <a:prstGeom prst="rect">
             <a:avLst/>
           </a:prstGeom>
+          <a:noFill/>
+          <a:ln>
+            <a:noFill/>
+          </a:ln>
         </p:spPr>
         <p:txBody>
           <a:bodyPr anchorCtr="0" anchor="t" bIns="91425" lIns="91425" spcFirstLastPara="1" rIns="91425" wrap="square" tIns="91425">
@@ -1364,12 +1621,16 @@
           <a:lstStyle/>
           <a:p>
             <a:pPr indent="0" lvl="0" marL="0" rtl="0" algn="l">
-              <a:spcBef>
-                <a:spcPts val="0"/>
-              </a:spcBef>
-              <a:spcAft>
-                <a:spcPts val="0"/>
-              </a:spcAft>
+              <a:lnSpc>
+                <a:spcPct val="100000"/>
+              </a:lnSpc>
+              <a:spcBef>
+                <a:spcPts val="0"/>
+              </a:spcBef>
+              <a:spcAft>
+                <a:spcPts val="0"/>
+              </a:spcAft>
+              <a:buSzPts val="1100"/>
               <a:buNone/>
             </a:pPr>
             <a:r>
@@ -1406,7 +1667,7 @@
       </p:grpSpPr>
       <p:sp>
         <p:nvSpPr>
-          <p:cNvPr id="104" name="Google Shape;104;g315cd1a90bc_0_6:notes"/>
+          <p:cNvPr id="104" name="Google Shape;104;p8:notes"/>
           <p:cNvSpPr/>
           <p:nvPr>
             <p:ph idx="2" type="sldImg"/>
@@ -1437,11 +1698,21 @@
               </a:path>
             </a:pathLst>
           </a:custGeom>
+          <a:noFill/>
+          <a:ln cap="flat" cmpd="sng" w="9525">
+            <a:solidFill>
+              <a:srgbClr val="000000"/>
+            </a:solidFill>
+            <a:prstDash val="solid"/>
+            <a:round/>
+            <a:headEnd len="sm" w="sm" type="none"/>
+            <a:tailEnd len="sm" w="sm" type="none"/>
+          </a:ln>
         </p:spPr>
       </p:sp>
       <p:sp>
         <p:nvSpPr>
-          <p:cNvPr id="105" name="Google Shape;105;g315cd1a90bc_0_6:notes"/>
+          <p:cNvPr id="105" name="Google Shape;105;p8:notes"/>
           <p:cNvSpPr txBox="1"/>
           <p:nvPr>
             <p:ph idx="1" type="body"/>
@@ -1455,6 +1726,10 @@
           <a:prstGeom prst="rect">
             <a:avLst/>
           </a:prstGeom>
+          <a:noFill/>
+          <a:ln>
+            <a:noFill/>
+          </a:ln>
         </p:spPr>
         <p:txBody>
           <a:bodyPr anchorCtr="0" anchor="t" bIns="91425" lIns="91425" spcFirstLastPara="1" rIns="91425" wrap="square" tIns="91425">
@@ -1463,12 +1738,16 @@
           <a:lstStyle/>
           <a:p>
             <a:pPr indent="0" lvl="0" marL="0" rtl="0" algn="l">
-              <a:spcBef>
-                <a:spcPts val="0"/>
-              </a:spcBef>
-              <a:spcAft>
-                <a:spcPts val="0"/>
-              </a:spcAft>
+              <a:lnSpc>
+                <a:spcPct val="100000"/>
+              </a:lnSpc>
+              <a:spcBef>
+                <a:spcPts val="0"/>
+              </a:spcBef>
+              <a:spcAft>
+                <a:spcPts val="0"/>
+              </a:spcAft>
+              <a:buSzPts val="1100"/>
               <a:buNone/>
             </a:pPr>
             <a:r>
@@ -1505,7 +1784,7 @@
       </p:grpSpPr>
       <p:sp>
         <p:nvSpPr>
-          <p:cNvPr id="111" name="Google Shape;111;g314c7c68326_0_0:notes"/>
+          <p:cNvPr id="111" name="Google Shape;111;p9:notes"/>
           <p:cNvSpPr/>
           <p:nvPr>
             <p:ph idx="2" type="sldImg"/>
@@ -1536,11 +1815,21 @@
               </a:path>
             </a:pathLst>
           </a:custGeom>
+          <a:noFill/>
+          <a:ln cap="flat" cmpd="sng" w="9525">
+            <a:solidFill>
+              <a:srgbClr val="000000"/>
+            </a:solidFill>
+            <a:prstDash val="solid"/>
+            <a:round/>
+            <a:headEnd len="sm" w="sm" type="none"/>
+            <a:tailEnd len="sm" w="sm" type="none"/>
+          </a:ln>
         </p:spPr>
       </p:sp>
       <p:sp>
         <p:nvSpPr>
-          <p:cNvPr id="112" name="Google Shape;112;g314c7c68326_0_0:notes"/>
+          <p:cNvPr id="112" name="Google Shape;112;p9:notes"/>
           <p:cNvSpPr txBox="1"/>
           <p:nvPr>
             <p:ph idx="1" type="body"/>
@@ -1554,6 +1843,10 @@
           <a:prstGeom prst="rect">
             <a:avLst/>
           </a:prstGeom>
+          <a:noFill/>
+          <a:ln>
+            <a:noFill/>
+          </a:ln>
         </p:spPr>
         <p:txBody>
           <a:bodyPr anchorCtr="0" anchor="t" bIns="91425" lIns="91425" spcFirstLastPara="1" rIns="91425" wrap="square" tIns="91425">
@@ -1562,12 +1855,16 @@
           <a:lstStyle/>
           <a:p>
             <a:pPr indent="0" lvl="0" marL="0" rtl="0" algn="l">
-              <a:spcBef>
-                <a:spcPts val="0"/>
-              </a:spcBef>
-              <a:spcAft>
-                <a:spcPts val="0"/>
-              </a:spcAft>
+              <a:lnSpc>
+                <a:spcPct val="100000"/>
+              </a:lnSpc>
+              <a:spcBef>
+                <a:spcPts val="0"/>
+              </a:spcBef>
+              <a:spcAft>
+                <a:spcPts val="0"/>
+              </a:spcAft>
+              <a:buSzPts val="1100"/>
               <a:buNone/>
             </a:pPr>
             <a:r>
@@ -1618,6 +1915,10 @@
           <a:prstGeom prst="rect">
             <a:avLst/>
           </a:prstGeom>
+          <a:noFill/>
+          <a:ln>
+            <a:noFill/>
+          </a:ln>
         </p:spPr>
         <p:txBody>
           <a:bodyPr anchorCtr="0" anchor="b" bIns="91425" lIns="91425" spcFirstLastPara="1" rIns="91425" wrap="square" tIns="91425">
@@ -1625,6 +1926,9 @@
           </a:bodyPr>
           <a:lstStyle>
             <a:lvl1pPr lvl="0" algn="ctr">
+              <a:lnSpc>
+                <a:spcPct val="100000"/>
+              </a:lnSpc>
               <a:spcBef>
                 <a:spcPts val="0"/>
               </a:spcBef>
@@ -1636,6 +1940,9 @@
               <a:defRPr sz="5200"/>
             </a:lvl1pPr>
             <a:lvl2pPr lvl="1" algn="ctr">
+              <a:lnSpc>
+                <a:spcPct val="100000"/>
+              </a:lnSpc>
               <a:spcBef>
                 <a:spcPts val="0"/>
               </a:spcBef>
@@ -1647,6 +1954,9 @@
               <a:defRPr sz="5200"/>
             </a:lvl2pPr>
             <a:lvl3pPr lvl="2" algn="ctr">
+              <a:lnSpc>
+                <a:spcPct val="100000"/>
+              </a:lnSpc>
               <a:spcBef>
                 <a:spcPts val="0"/>
               </a:spcBef>
@@ -1658,6 +1968,9 @@
               <a:defRPr sz="5200"/>
             </a:lvl3pPr>
             <a:lvl4pPr lvl="3" algn="ctr">
+              <a:lnSpc>
+                <a:spcPct val="100000"/>
+              </a:lnSpc>
               <a:spcBef>
                 <a:spcPts val="0"/>
               </a:spcBef>
@@ -1669,6 +1982,9 @@
               <a:defRPr sz="5200"/>
             </a:lvl4pPr>
             <a:lvl5pPr lvl="4" algn="ctr">
+              <a:lnSpc>
+                <a:spcPct val="100000"/>
+              </a:lnSpc>
               <a:spcBef>
                 <a:spcPts val="0"/>
               </a:spcBef>
@@ -1680,6 +1996,9 @@
               <a:defRPr sz="5200"/>
             </a:lvl5pPr>
             <a:lvl6pPr lvl="5" algn="ctr">
+              <a:lnSpc>
+                <a:spcPct val="100000"/>
+              </a:lnSpc>
               <a:spcBef>
                 <a:spcPts val="0"/>
               </a:spcBef>
@@ -1691,6 +2010,9 @@
               <a:defRPr sz="5200"/>
             </a:lvl6pPr>
             <a:lvl7pPr lvl="6" algn="ctr">
+              <a:lnSpc>
+                <a:spcPct val="100000"/>
+              </a:lnSpc>
               <a:spcBef>
                 <a:spcPts val="0"/>
               </a:spcBef>
@@ -1702,6 +2024,9 @@
               <a:defRPr sz="5200"/>
             </a:lvl7pPr>
             <a:lvl8pPr lvl="7" algn="ctr">
+              <a:lnSpc>
+                <a:spcPct val="100000"/>
+              </a:lnSpc>
               <a:spcBef>
                 <a:spcPts val="0"/>
               </a:spcBef>
@@ -1713,6 +2038,9 @@
               <a:defRPr sz="5200"/>
             </a:lvl8pPr>
             <a:lvl9pPr lvl="8" algn="ctr">
+              <a:lnSpc>
+                <a:spcPct val="100000"/>
+              </a:lnSpc>
               <a:spcBef>
                 <a:spcPts val="0"/>
               </a:spcBef>
@@ -1743,6 +2071,10 @@
           <a:prstGeom prst="rect">
             <a:avLst/>
           </a:prstGeom>
+          <a:noFill/>
+          <a:ln>
+            <a:noFill/>
+          </a:ln>
         </p:spPr>
         <p:txBody>
           <a:bodyPr anchorCtr="0" anchor="t" bIns="91425" lIns="91425" spcFirstLastPara="1" rIns="91425" wrap="square" tIns="91425">
@@ -1895,47 +2227,249 @@
           <a:prstGeom prst="rect">
             <a:avLst/>
           </a:prstGeom>
+          <a:noFill/>
+          <a:ln>
+            <a:noFill/>
+          </a:ln>
         </p:spPr>
         <p:txBody>
           <a:bodyPr anchorCtr="0" anchor="ctr" bIns="91425" lIns="91425" spcFirstLastPara="1" rIns="91425" wrap="square" tIns="91425">
             <a:normAutofit/>
           </a:bodyPr>
           <a:lstStyle>
-            <a:lvl1pPr lvl="0">
-              <a:buNone/>
-              <a:defRPr/>
+            <a:lvl1pPr indent="0" lvl="0" marL="0" marR="0" algn="r">
+              <a:lnSpc>
+                <a:spcPct val="100000"/>
+              </a:lnSpc>
+              <a:spcBef>
+                <a:spcPts val="0"/>
+              </a:spcBef>
+              <a:spcAft>
+                <a:spcPts val="0"/>
+              </a:spcAft>
+              <a:buClr>
+                <a:srgbClr val="000000"/>
+              </a:buClr>
+              <a:buSzPts val="1000"/>
+              <a:buFont typeface="Arial"/>
+              <a:buNone/>
+              <a:defRPr b="0" i="0" sz="1000" u="none" cap="none" strike="noStrike">
+                <a:solidFill>
+                  <a:schemeClr val="dk2"/>
+                </a:solidFill>
+                <a:latin typeface="Arial"/>
+                <a:ea typeface="Arial"/>
+                <a:cs typeface="Arial"/>
+                <a:sym typeface="Arial"/>
+              </a:defRPr>
             </a:lvl1pPr>
-            <a:lvl2pPr lvl="1">
-              <a:buNone/>
-              <a:defRPr/>
+            <a:lvl2pPr indent="0" lvl="1" marL="0" marR="0" algn="r">
+              <a:lnSpc>
+                <a:spcPct val="100000"/>
+              </a:lnSpc>
+              <a:spcBef>
+                <a:spcPts val="0"/>
+              </a:spcBef>
+              <a:spcAft>
+                <a:spcPts val="0"/>
+              </a:spcAft>
+              <a:buClr>
+                <a:srgbClr val="000000"/>
+              </a:buClr>
+              <a:buSzPts val="1000"/>
+              <a:buFont typeface="Arial"/>
+              <a:buNone/>
+              <a:defRPr b="0" i="0" sz="1000" u="none" cap="none" strike="noStrike">
+                <a:solidFill>
+                  <a:schemeClr val="dk2"/>
+                </a:solidFill>
+                <a:latin typeface="Arial"/>
+                <a:ea typeface="Arial"/>
+                <a:cs typeface="Arial"/>
+                <a:sym typeface="Arial"/>
+              </a:defRPr>
             </a:lvl2pPr>
-            <a:lvl3pPr lvl="2">
-              <a:buNone/>
-              <a:defRPr/>
+            <a:lvl3pPr indent="0" lvl="2" marL="0" marR="0" algn="r">
+              <a:lnSpc>
+                <a:spcPct val="100000"/>
+              </a:lnSpc>
+              <a:spcBef>
+                <a:spcPts val="0"/>
+              </a:spcBef>
+              <a:spcAft>
+                <a:spcPts val="0"/>
+              </a:spcAft>
+              <a:buClr>
+                <a:srgbClr val="000000"/>
+              </a:buClr>
+              <a:buSzPts val="1000"/>
+              <a:buFont typeface="Arial"/>
+              <a:buNone/>
+              <a:defRPr b="0" i="0" sz="1000" u="none" cap="none" strike="noStrike">
+                <a:solidFill>
+                  <a:schemeClr val="dk2"/>
+                </a:solidFill>
+                <a:latin typeface="Arial"/>
+                <a:ea typeface="Arial"/>
+                <a:cs typeface="Arial"/>
+                <a:sym typeface="Arial"/>
+              </a:defRPr>
             </a:lvl3pPr>
-            <a:lvl4pPr lvl="3">
-              <a:buNone/>
-              <a:defRPr/>
+            <a:lvl4pPr indent="0" lvl="3" marL="0" marR="0" algn="r">
+              <a:lnSpc>
+                <a:spcPct val="100000"/>
+              </a:lnSpc>
+              <a:spcBef>
+                <a:spcPts val="0"/>
+              </a:spcBef>
+              <a:spcAft>
+                <a:spcPts val="0"/>
+              </a:spcAft>
+              <a:buClr>
+                <a:srgbClr val="000000"/>
+              </a:buClr>
+              <a:buSzPts val="1000"/>
+              <a:buFont typeface="Arial"/>
+              <a:buNone/>
+              <a:defRPr b="0" i="0" sz="1000" u="none" cap="none" strike="noStrike">
+                <a:solidFill>
+                  <a:schemeClr val="dk2"/>
+                </a:solidFill>
+                <a:latin typeface="Arial"/>
+                <a:ea typeface="Arial"/>
+                <a:cs typeface="Arial"/>
+                <a:sym typeface="Arial"/>
+              </a:defRPr>
             </a:lvl4pPr>
-            <a:lvl5pPr lvl="4">
-              <a:buNone/>
-              <a:defRPr/>
+            <a:lvl5pPr indent="0" lvl="4" marL="0" marR="0" algn="r">
+              <a:lnSpc>
+                <a:spcPct val="100000"/>
+              </a:lnSpc>
+              <a:spcBef>
+                <a:spcPts val="0"/>
+              </a:spcBef>
+              <a:spcAft>
+                <a:spcPts val="0"/>
+              </a:spcAft>
+              <a:buClr>
+                <a:srgbClr val="000000"/>
+              </a:buClr>
+              <a:buSzPts val="1000"/>
+              <a:buFont typeface="Arial"/>
+              <a:buNone/>
+              <a:defRPr b="0" i="0" sz="1000" u="none" cap="none" strike="noStrike">
+                <a:solidFill>
+                  <a:schemeClr val="dk2"/>
+                </a:solidFill>
+                <a:latin typeface="Arial"/>
+                <a:ea typeface="Arial"/>
+                <a:cs typeface="Arial"/>
+                <a:sym typeface="Arial"/>
+              </a:defRPr>
             </a:lvl5pPr>
-            <a:lvl6pPr lvl="5">
-              <a:buNone/>
-              <a:defRPr/>
+            <a:lvl6pPr indent="0" lvl="5" marL="0" marR="0" algn="r">
+              <a:lnSpc>
+                <a:spcPct val="100000"/>
+              </a:lnSpc>
+              <a:spcBef>
+                <a:spcPts val="0"/>
+              </a:spcBef>
+              <a:spcAft>
+                <a:spcPts val="0"/>
+              </a:spcAft>
+              <a:buClr>
+                <a:srgbClr val="000000"/>
+              </a:buClr>
+              <a:buSzPts val="1000"/>
+              <a:buFont typeface="Arial"/>
+              <a:buNone/>
+              <a:defRPr b="0" i="0" sz="1000" u="none" cap="none" strike="noStrike">
+                <a:solidFill>
+                  <a:schemeClr val="dk2"/>
+                </a:solidFill>
+                <a:latin typeface="Arial"/>
+                <a:ea typeface="Arial"/>
+                <a:cs typeface="Arial"/>
+                <a:sym typeface="Arial"/>
+              </a:defRPr>
             </a:lvl6pPr>
-            <a:lvl7pPr lvl="6">
-              <a:buNone/>
-              <a:defRPr/>
+            <a:lvl7pPr indent="0" lvl="6" marL="0" marR="0" algn="r">
+              <a:lnSpc>
+                <a:spcPct val="100000"/>
+              </a:lnSpc>
+              <a:spcBef>
+                <a:spcPts val="0"/>
+              </a:spcBef>
+              <a:spcAft>
+                <a:spcPts val="0"/>
+              </a:spcAft>
+              <a:buClr>
+                <a:srgbClr val="000000"/>
+              </a:buClr>
+              <a:buSzPts val="1000"/>
+              <a:buFont typeface="Arial"/>
+              <a:buNone/>
+              <a:defRPr b="0" i="0" sz="1000" u="none" cap="none" strike="noStrike">
+                <a:solidFill>
+                  <a:schemeClr val="dk2"/>
+                </a:solidFill>
+                <a:latin typeface="Arial"/>
+                <a:ea typeface="Arial"/>
+                <a:cs typeface="Arial"/>
+                <a:sym typeface="Arial"/>
+              </a:defRPr>
             </a:lvl7pPr>
-            <a:lvl8pPr lvl="7">
-              <a:buNone/>
-              <a:defRPr/>
+            <a:lvl8pPr indent="0" lvl="7" marL="0" marR="0" algn="r">
+              <a:lnSpc>
+                <a:spcPct val="100000"/>
+              </a:lnSpc>
+              <a:spcBef>
+                <a:spcPts val="0"/>
+              </a:spcBef>
+              <a:spcAft>
+                <a:spcPts val="0"/>
+              </a:spcAft>
+              <a:buClr>
+                <a:srgbClr val="000000"/>
+              </a:buClr>
+              <a:buSzPts val="1000"/>
+              <a:buFont typeface="Arial"/>
+              <a:buNone/>
+              <a:defRPr b="0" i="0" sz="1000" u="none" cap="none" strike="noStrike">
+                <a:solidFill>
+                  <a:schemeClr val="dk2"/>
+                </a:solidFill>
+                <a:latin typeface="Arial"/>
+                <a:ea typeface="Arial"/>
+                <a:cs typeface="Arial"/>
+                <a:sym typeface="Arial"/>
+              </a:defRPr>
             </a:lvl8pPr>
-            <a:lvl9pPr lvl="8">
-              <a:buNone/>
-              <a:defRPr/>
+            <a:lvl9pPr indent="0" lvl="8" marL="0" marR="0" algn="r">
+              <a:lnSpc>
+                <a:spcPct val="100000"/>
+              </a:lnSpc>
+              <a:spcBef>
+                <a:spcPts val="0"/>
+              </a:spcBef>
+              <a:spcAft>
+                <a:spcPts val="0"/>
+              </a:spcAft>
+              <a:buClr>
+                <a:srgbClr val="000000"/>
+              </a:buClr>
+              <a:buSzPts val="1000"/>
+              <a:buFont typeface="Arial"/>
+              <a:buNone/>
+              <a:defRPr b="0" i="0" sz="1000" u="none" cap="none" strike="noStrike">
+                <a:solidFill>
+                  <a:schemeClr val="dk2"/>
+                </a:solidFill>
+                <a:latin typeface="Arial"/>
+                <a:ea typeface="Arial"/>
+                <a:cs typeface="Arial"/>
+                <a:sym typeface="Arial"/>
+              </a:defRPr>
             </a:lvl9pPr>
           </a:lstStyle>
           <a:p>
@@ -1997,6 +2531,10 @@
           <a:prstGeom prst="rect">
             <a:avLst/>
           </a:prstGeom>
+          <a:noFill/>
+          <a:ln>
+            <a:noFill/>
+          </a:ln>
         </p:spPr>
         <p:txBody>
           <a:bodyPr anchorCtr="0" anchor="b" bIns="91425" lIns="91425" spcFirstLastPara="1" rIns="91425" wrap="square" tIns="91425">
@@ -2004,6 +2542,9 @@
           </a:bodyPr>
           <a:lstStyle>
             <a:lvl1pPr lvl="0" algn="ctr">
+              <a:lnSpc>
+                <a:spcPct val="100000"/>
+              </a:lnSpc>
               <a:spcBef>
                 <a:spcPts val="0"/>
               </a:spcBef>
@@ -2015,6 +2556,9 @@
               <a:defRPr sz="12000"/>
             </a:lvl1pPr>
             <a:lvl2pPr lvl="1" algn="ctr">
+              <a:lnSpc>
+                <a:spcPct val="100000"/>
+              </a:lnSpc>
               <a:spcBef>
                 <a:spcPts val="0"/>
               </a:spcBef>
@@ -2026,6 +2570,9 @@
               <a:defRPr sz="12000"/>
             </a:lvl2pPr>
             <a:lvl3pPr lvl="2" algn="ctr">
+              <a:lnSpc>
+                <a:spcPct val="100000"/>
+              </a:lnSpc>
               <a:spcBef>
                 <a:spcPts val="0"/>
               </a:spcBef>
@@ -2037,6 +2584,9 @@
               <a:defRPr sz="12000"/>
             </a:lvl3pPr>
             <a:lvl4pPr lvl="3" algn="ctr">
+              <a:lnSpc>
+                <a:spcPct val="100000"/>
+              </a:lnSpc>
               <a:spcBef>
                 <a:spcPts val="0"/>
               </a:spcBef>
@@ -2048,6 +2598,9 @@
               <a:defRPr sz="12000"/>
             </a:lvl4pPr>
             <a:lvl5pPr lvl="4" algn="ctr">
+              <a:lnSpc>
+                <a:spcPct val="100000"/>
+              </a:lnSpc>
               <a:spcBef>
                 <a:spcPts val="0"/>
               </a:spcBef>
@@ -2059,6 +2612,9 @@
               <a:defRPr sz="12000"/>
             </a:lvl5pPr>
             <a:lvl6pPr lvl="5" algn="ctr">
+              <a:lnSpc>
+                <a:spcPct val="100000"/>
+              </a:lnSpc>
               <a:spcBef>
                 <a:spcPts val="0"/>
               </a:spcBef>
@@ -2070,6 +2626,9 @@
               <a:defRPr sz="12000"/>
             </a:lvl6pPr>
             <a:lvl7pPr lvl="6" algn="ctr">
+              <a:lnSpc>
+                <a:spcPct val="100000"/>
+              </a:lnSpc>
               <a:spcBef>
                 <a:spcPts val="0"/>
               </a:spcBef>
@@ -2081,6 +2640,9 @@
               <a:defRPr sz="12000"/>
             </a:lvl7pPr>
             <a:lvl8pPr lvl="7" algn="ctr">
+              <a:lnSpc>
+                <a:spcPct val="100000"/>
+              </a:lnSpc>
               <a:spcBef>
                 <a:spcPts val="0"/>
               </a:spcBef>
@@ -2092,6 +2654,9 @@
               <a:defRPr sz="12000"/>
             </a:lvl8pPr>
             <a:lvl9pPr lvl="8" algn="ctr">
+              <a:lnSpc>
+                <a:spcPct val="100000"/>
+              </a:lnSpc>
               <a:spcBef>
                 <a:spcPts val="0"/>
               </a:spcBef>
@@ -2126,6 +2691,10 @@
           <a:prstGeom prst="rect">
             <a:avLst/>
           </a:prstGeom>
+          <a:noFill/>
+          <a:ln>
+            <a:noFill/>
+          </a:ln>
         </p:spPr>
         <p:txBody>
           <a:bodyPr anchorCtr="0" anchor="t" bIns="91425" lIns="91425" spcFirstLastPara="1" rIns="91425" wrap="square" tIns="91425">
@@ -2133,6 +2702,9 @@
           </a:bodyPr>
           <a:lstStyle>
             <a:lvl1pPr indent="-342900" lvl="0" marL="457200" algn="ctr">
+              <a:lnSpc>
+                <a:spcPct val="115000"/>
+              </a:lnSpc>
               <a:spcBef>
                 <a:spcPts val="0"/>
               </a:spcBef>
@@ -2144,6 +2716,9 @@
               <a:defRPr/>
             </a:lvl1pPr>
             <a:lvl2pPr indent="-317500" lvl="1" marL="914400" algn="ctr">
+              <a:lnSpc>
+                <a:spcPct val="115000"/>
+              </a:lnSpc>
               <a:spcBef>
                 <a:spcPts val="0"/>
               </a:spcBef>
@@ -2155,6 +2730,9 @@
               <a:defRPr/>
             </a:lvl2pPr>
             <a:lvl3pPr indent="-317500" lvl="2" marL="1371600" algn="ctr">
+              <a:lnSpc>
+                <a:spcPct val="115000"/>
+              </a:lnSpc>
               <a:spcBef>
                 <a:spcPts val="0"/>
               </a:spcBef>
@@ -2166,6 +2744,9 @@
               <a:defRPr/>
             </a:lvl3pPr>
             <a:lvl4pPr indent="-317500" lvl="3" marL="1828800" algn="ctr">
+              <a:lnSpc>
+                <a:spcPct val="115000"/>
+              </a:lnSpc>
               <a:spcBef>
                 <a:spcPts val="0"/>
               </a:spcBef>
@@ -2177,6 +2758,9 @@
               <a:defRPr/>
             </a:lvl4pPr>
             <a:lvl5pPr indent="-317500" lvl="4" marL="2286000" algn="ctr">
+              <a:lnSpc>
+                <a:spcPct val="115000"/>
+              </a:lnSpc>
               <a:spcBef>
                 <a:spcPts val="0"/>
               </a:spcBef>
@@ -2188,6 +2772,9 @@
               <a:defRPr/>
             </a:lvl5pPr>
             <a:lvl6pPr indent="-317500" lvl="5" marL="2743200" algn="ctr">
+              <a:lnSpc>
+                <a:spcPct val="115000"/>
+              </a:lnSpc>
               <a:spcBef>
                 <a:spcPts val="0"/>
               </a:spcBef>
@@ -2199,6 +2786,9 @@
               <a:defRPr/>
             </a:lvl6pPr>
             <a:lvl7pPr indent="-317500" lvl="6" marL="3200400" algn="ctr">
+              <a:lnSpc>
+                <a:spcPct val="115000"/>
+              </a:lnSpc>
               <a:spcBef>
                 <a:spcPts val="0"/>
               </a:spcBef>
@@ -2210,6 +2800,9 @@
               <a:defRPr/>
             </a:lvl7pPr>
             <a:lvl8pPr indent="-317500" lvl="7" marL="3657600" algn="ctr">
+              <a:lnSpc>
+                <a:spcPct val="115000"/>
+              </a:lnSpc>
               <a:spcBef>
                 <a:spcPts val="0"/>
               </a:spcBef>
@@ -2221,6 +2814,9 @@
               <a:defRPr/>
             </a:lvl8pPr>
             <a:lvl9pPr indent="-317500" lvl="8" marL="4114800" algn="ctr">
+              <a:lnSpc>
+                <a:spcPct val="115000"/>
+              </a:lnSpc>
               <a:spcBef>
                 <a:spcPts val="0"/>
               </a:spcBef>
@@ -2251,47 +2847,249 @@
           <a:prstGeom prst="rect">
             <a:avLst/>
           </a:prstGeom>
+          <a:noFill/>
+          <a:ln>
+            <a:noFill/>
+          </a:ln>
         </p:spPr>
         <p:txBody>
           <a:bodyPr anchorCtr="0" anchor="ctr" bIns="91425" lIns="91425" spcFirstLastPara="1" rIns="91425" wrap="square" tIns="91425">
             <a:normAutofit/>
           </a:bodyPr>
           <a:lstStyle>
-            <a:lvl1pPr lvl="0">
-              <a:buNone/>
-              <a:defRPr/>
+            <a:lvl1pPr indent="0" lvl="0" marL="0" marR="0" algn="r">
+              <a:lnSpc>
+                <a:spcPct val="100000"/>
+              </a:lnSpc>
+              <a:spcBef>
+                <a:spcPts val="0"/>
+              </a:spcBef>
+              <a:spcAft>
+                <a:spcPts val="0"/>
+              </a:spcAft>
+              <a:buClr>
+                <a:srgbClr val="000000"/>
+              </a:buClr>
+              <a:buSzPts val="1000"/>
+              <a:buFont typeface="Arial"/>
+              <a:buNone/>
+              <a:defRPr b="0" i="0" sz="1000" u="none" cap="none" strike="noStrike">
+                <a:solidFill>
+                  <a:schemeClr val="dk2"/>
+                </a:solidFill>
+                <a:latin typeface="Arial"/>
+                <a:ea typeface="Arial"/>
+                <a:cs typeface="Arial"/>
+                <a:sym typeface="Arial"/>
+              </a:defRPr>
             </a:lvl1pPr>
-            <a:lvl2pPr lvl="1">
-              <a:buNone/>
-              <a:defRPr/>
+            <a:lvl2pPr indent="0" lvl="1" marL="0" marR="0" algn="r">
+              <a:lnSpc>
+                <a:spcPct val="100000"/>
+              </a:lnSpc>
+              <a:spcBef>
+                <a:spcPts val="0"/>
+              </a:spcBef>
+              <a:spcAft>
+                <a:spcPts val="0"/>
+              </a:spcAft>
+              <a:buClr>
+                <a:srgbClr val="000000"/>
+              </a:buClr>
+              <a:buSzPts val="1000"/>
+              <a:buFont typeface="Arial"/>
+              <a:buNone/>
+              <a:defRPr b="0" i="0" sz="1000" u="none" cap="none" strike="noStrike">
+                <a:solidFill>
+                  <a:schemeClr val="dk2"/>
+                </a:solidFill>
+                <a:latin typeface="Arial"/>
+                <a:ea typeface="Arial"/>
+                <a:cs typeface="Arial"/>
+                <a:sym typeface="Arial"/>
+              </a:defRPr>
             </a:lvl2pPr>
-            <a:lvl3pPr lvl="2">
-              <a:buNone/>
-              <a:defRPr/>
+            <a:lvl3pPr indent="0" lvl="2" marL="0" marR="0" algn="r">
+              <a:lnSpc>
+                <a:spcPct val="100000"/>
+              </a:lnSpc>
+              <a:spcBef>
+                <a:spcPts val="0"/>
+              </a:spcBef>
+              <a:spcAft>
+                <a:spcPts val="0"/>
+              </a:spcAft>
+              <a:buClr>
+                <a:srgbClr val="000000"/>
+              </a:buClr>
+              <a:buSzPts val="1000"/>
+              <a:buFont typeface="Arial"/>
+              <a:buNone/>
+              <a:defRPr b="0" i="0" sz="1000" u="none" cap="none" strike="noStrike">
+                <a:solidFill>
+                  <a:schemeClr val="dk2"/>
+                </a:solidFill>
+                <a:latin typeface="Arial"/>
+                <a:ea typeface="Arial"/>
+                <a:cs typeface="Arial"/>
+                <a:sym typeface="Arial"/>
+              </a:defRPr>
             </a:lvl3pPr>
-            <a:lvl4pPr lvl="3">
-              <a:buNone/>
-              <a:defRPr/>
+            <a:lvl4pPr indent="0" lvl="3" marL="0" marR="0" algn="r">
+              <a:lnSpc>
+                <a:spcPct val="100000"/>
+              </a:lnSpc>
+              <a:spcBef>
+                <a:spcPts val="0"/>
+              </a:spcBef>
+              <a:spcAft>
+                <a:spcPts val="0"/>
+              </a:spcAft>
+              <a:buClr>
+                <a:srgbClr val="000000"/>
+              </a:buClr>
+              <a:buSzPts val="1000"/>
+              <a:buFont typeface="Arial"/>
+              <a:buNone/>
+              <a:defRPr b="0" i="0" sz="1000" u="none" cap="none" strike="noStrike">
+                <a:solidFill>
+                  <a:schemeClr val="dk2"/>
+                </a:solidFill>
+                <a:latin typeface="Arial"/>
+                <a:ea typeface="Arial"/>
+                <a:cs typeface="Arial"/>
+                <a:sym typeface="Arial"/>
+              </a:defRPr>
             </a:lvl4pPr>
-            <a:lvl5pPr lvl="4">
-              <a:buNone/>
-              <a:defRPr/>
+            <a:lvl5pPr indent="0" lvl="4" marL="0" marR="0" algn="r">
+              <a:lnSpc>
+                <a:spcPct val="100000"/>
+              </a:lnSpc>
+              <a:spcBef>
+                <a:spcPts val="0"/>
+              </a:spcBef>
+              <a:spcAft>
+                <a:spcPts val="0"/>
+              </a:spcAft>
+              <a:buClr>
+                <a:srgbClr val="000000"/>
+              </a:buClr>
+              <a:buSzPts val="1000"/>
+              <a:buFont typeface="Arial"/>
+              <a:buNone/>
+              <a:defRPr b="0" i="0" sz="1000" u="none" cap="none" strike="noStrike">
+                <a:solidFill>
+                  <a:schemeClr val="dk2"/>
+                </a:solidFill>
+                <a:latin typeface="Arial"/>
+                <a:ea typeface="Arial"/>
+                <a:cs typeface="Arial"/>
+                <a:sym typeface="Arial"/>
+              </a:defRPr>
             </a:lvl5pPr>
-            <a:lvl6pPr lvl="5">
-              <a:buNone/>
-              <a:defRPr/>
+            <a:lvl6pPr indent="0" lvl="5" marL="0" marR="0" algn="r">
+              <a:lnSpc>
+                <a:spcPct val="100000"/>
+              </a:lnSpc>
+              <a:spcBef>
+                <a:spcPts val="0"/>
+              </a:spcBef>
+              <a:spcAft>
+                <a:spcPts val="0"/>
+              </a:spcAft>
+              <a:buClr>
+                <a:srgbClr val="000000"/>
+              </a:buClr>
+              <a:buSzPts val="1000"/>
+              <a:buFont typeface="Arial"/>
+              <a:buNone/>
+              <a:defRPr b="0" i="0" sz="1000" u="none" cap="none" strike="noStrike">
+                <a:solidFill>
+                  <a:schemeClr val="dk2"/>
+                </a:solidFill>
+                <a:latin typeface="Arial"/>
+                <a:ea typeface="Arial"/>
+                <a:cs typeface="Arial"/>
+                <a:sym typeface="Arial"/>
+              </a:defRPr>
             </a:lvl6pPr>
-            <a:lvl7pPr lvl="6">
-              <a:buNone/>
-              <a:defRPr/>
+            <a:lvl7pPr indent="0" lvl="6" marL="0" marR="0" algn="r">
+              <a:lnSpc>
+                <a:spcPct val="100000"/>
+              </a:lnSpc>
+              <a:spcBef>
+                <a:spcPts val="0"/>
+              </a:spcBef>
+              <a:spcAft>
+                <a:spcPts val="0"/>
+              </a:spcAft>
+              <a:buClr>
+                <a:srgbClr val="000000"/>
+              </a:buClr>
+              <a:buSzPts val="1000"/>
+              <a:buFont typeface="Arial"/>
+              <a:buNone/>
+              <a:defRPr b="0" i="0" sz="1000" u="none" cap="none" strike="noStrike">
+                <a:solidFill>
+                  <a:schemeClr val="dk2"/>
+                </a:solidFill>
+                <a:latin typeface="Arial"/>
+                <a:ea typeface="Arial"/>
+                <a:cs typeface="Arial"/>
+                <a:sym typeface="Arial"/>
+              </a:defRPr>
             </a:lvl7pPr>
-            <a:lvl8pPr lvl="7">
-              <a:buNone/>
-              <a:defRPr/>
+            <a:lvl8pPr indent="0" lvl="7" marL="0" marR="0" algn="r">
+              <a:lnSpc>
+                <a:spcPct val="100000"/>
+              </a:lnSpc>
+              <a:spcBef>
+                <a:spcPts val="0"/>
+              </a:spcBef>
+              <a:spcAft>
+                <a:spcPts val="0"/>
+              </a:spcAft>
+              <a:buClr>
+                <a:srgbClr val="000000"/>
+              </a:buClr>
+              <a:buSzPts val="1000"/>
+              <a:buFont typeface="Arial"/>
+              <a:buNone/>
+              <a:defRPr b="0" i="0" sz="1000" u="none" cap="none" strike="noStrike">
+                <a:solidFill>
+                  <a:schemeClr val="dk2"/>
+                </a:solidFill>
+                <a:latin typeface="Arial"/>
+                <a:ea typeface="Arial"/>
+                <a:cs typeface="Arial"/>
+                <a:sym typeface="Arial"/>
+              </a:defRPr>
             </a:lvl8pPr>
-            <a:lvl9pPr lvl="8">
-              <a:buNone/>
-              <a:defRPr/>
+            <a:lvl9pPr indent="0" lvl="8" marL="0" marR="0" algn="r">
+              <a:lnSpc>
+                <a:spcPct val="100000"/>
+              </a:lnSpc>
+              <a:spcBef>
+                <a:spcPts val="0"/>
+              </a:spcBef>
+              <a:spcAft>
+                <a:spcPts val="0"/>
+              </a:spcAft>
+              <a:buClr>
+                <a:srgbClr val="000000"/>
+              </a:buClr>
+              <a:buSzPts val="1000"/>
+              <a:buFont typeface="Arial"/>
+              <a:buNone/>
+              <a:defRPr b="0" i="0" sz="1000" u="none" cap="none" strike="noStrike">
+                <a:solidFill>
+                  <a:schemeClr val="dk2"/>
+                </a:solidFill>
+                <a:latin typeface="Arial"/>
+                <a:ea typeface="Arial"/>
+                <a:cs typeface="Arial"/>
+                <a:sym typeface="Arial"/>
+              </a:defRPr>
             </a:lvl9pPr>
           </a:lstStyle>
           <a:p>
@@ -2353,47 +3151,249 @@
           <a:prstGeom prst="rect">
             <a:avLst/>
           </a:prstGeom>
+          <a:noFill/>
+          <a:ln>
+            <a:noFill/>
+          </a:ln>
         </p:spPr>
         <p:txBody>
           <a:bodyPr anchorCtr="0" anchor="ctr" bIns="91425" lIns="91425" spcFirstLastPara="1" rIns="91425" wrap="square" tIns="91425">
             <a:normAutofit/>
           </a:bodyPr>
           <a:lstStyle>
-            <a:lvl1pPr lvl="0">
-              <a:buNone/>
-              <a:defRPr/>
+            <a:lvl1pPr indent="0" lvl="0" marL="0" marR="0" algn="r">
+              <a:lnSpc>
+                <a:spcPct val="100000"/>
+              </a:lnSpc>
+              <a:spcBef>
+                <a:spcPts val="0"/>
+              </a:spcBef>
+              <a:spcAft>
+                <a:spcPts val="0"/>
+              </a:spcAft>
+              <a:buClr>
+                <a:srgbClr val="000000"/>
+              </a:buClr>
+              <a:buSzPts val="1000"/>
+              <a:buFont typeface="Arial"/>
+              <a:buNone/>
+              <a:defRPr b="0" i="0" sz="1000" u="none" cap="none" strike="noStrike">
+                <a:solidFill>
+                  <a:schemeClr val="dk2"/>
+                </a:solidFill>
+                <a:latin typeface="Arial"/>
+                <a:ea typeface="Arial"/>
+                <a:cs typeface="Arial"/>
+                <a:sym typeface="Arial"/>
+              </a:defRPr>
             </a:lvl1pPr>
-            <a:lvl2pPr lvl="1">
-              <a:buNone/>
-              <a:defRPr/>
+            <a:lvl2pPr indent="0" lvl="1" marL="0" marR="0" algn="r">
+              <a:lnSpc>
+                <a:spcPct val="100000"/>
+              </a:lnSpc>
+              <a:spcBef>
+                <a:spcPts val="0"/>
+              </a:spcBef>
+              <a:spcAft>
+                <a:spcPts val="0"/>
+              </a:spcAft>
+              <a:buClr>
+                <a:srgbClr val="000000"/>
+              </a:buClr>
+              <a:buSzPts val="1000"/>
+              <a:buFont typeface="Arial"/>
+              <a:buNone/>
+              <a:defRPr b="0" i="0" sz="1000" u="none" cap="none" strike="noStrike">
+                <a:solidFill>
+                  <a:schemeClr val="dk2"/>
+                </a:solidFill>
+                <a:latin typeface="Arial"/>
+                <a:ea typeface="Arial"/>
+                <a:cs typeface="Arial"/>
+                <a:sym typeface="Arial"/>
+              </a:defRPr>
             </a:lvl2pPr>
-            <a:lvl3pPr lvl="2">
-              <a:buNone/>
-              <a:defRPr/>
+            <a:lvl3pPr indent="0" lvl="2" marL="0" marR="0" algn="r">
+              <a:lnSpc>
+                <a:spcPct val="100000"/>
+              </a:lnSpc>
+              <a:spcBef>
+                <a:spcPts val="0"/>
+              </a:spcBef>
+              <a:spcAft>
+                <a:spcPts val="0"/>
+              </a:spcAft>
+              <a:buClr>
+                <a:srgbClr val="000000"/>
+              </a:buClr>
+              <a:buSzPts val="1000"/>
+              <a:buFont typeface="Arial"/>
+              <a:buNone/>
+              <a:defRPr b="0" i="0" sz="1000" u="none" cap="none" strike="noStrike">
+                <a:solidFill>
+                  <a:schemeClr val="dk2"/>
+                </a:solidFill>
+                <a:latin typeface="Arial"/>
+                <a:ea typeface="Arial"/>
+                <a:cs typeface="Arial"/>
+                <a:sym typeface="Arial"/>
+              </a:defRPr>
             </a:lvl3pPr>
-            <a:lvl4pPr lvl="3">
-              <a:buNone/>
-              <a:defRPr/>
+            <a:lvl4pPr indent="0" lvl="3" marL="0" marR="0" algn="r">
+              <a:lnSpc>
+                <a:spcPct val="100000"/>
+              </a:lnSpc>
+              <a:spcBef>
+                <a:spcPts val="0"/>
+              </a:spcBef>
+              <a:spcAft>
+                <a:spcPts val="0"/>
+              </a:spcAft>
+              <a:buClr>
+                <a:srgbClr val="000000"/>
+              </a:buClr>
+              <a:buSzPts val="1000"/>
+              <a:buFont typeface="Arial"/>
+              <a:buNone/>
+              <a:defRPr b="0" i="0" sz="1000" u="none" cap="none" strike="noStrike">
+                <a:solidFill>
+                  <a:schemeClr val="dk2"/>
+                </a:solidFill>
+                <a:latin typeface="Arial"/>
+                <a:ea typeface="Arial"/>
+                <a:cs typeface="Arial"/>
+                <a:sym typeface="Arial"/>
+              </a:defRPr>
             </a:lvl4pPr>
-            <a:lvl5pPr lvl="4">
-              <a:buNone/>
-              <a:defRPr/>
+            <a:lvl5pPr indent="0" lvl="4" marL="0" marR="0" algn="r">
+              <a:lnSpc>
+                <a:spcPct val="100000"/>
+              </a:lnSpc>
+              <a:spcBef>
+                <a:spcPts val="0"/>
+              </a:spcBef>
+              <a:spcAft>
+                <a:spcPts val="0"/>
+              </a:spcAft>
+              <a:buClr>
+                <a:srgbClr val="000000"/>
+              </a:buClr>
+              <a:buSzPts val="1000"/>
+              <a:buFont typeface="Arial"/>
+              <a:buNone/>
+              <a:defRPr b="0" i="0" sz="1000" u="none" cap="none" strike="noStrike">
+                <a:solidFill>
+                  <a:schemeClr val="dk2"/>
+                </a:solidFill>
+                <a:latin typeface="Arial"/>
+                <a:ea typeface="Arial"/>
+                <a:cs typeface="Arial"/>
+                <a:sym typeface="Arial"/>
+              </a:defRPr>
             </a:lvl5pPr>
-            <a:lvl6pPr lvl="5">
-              <a:buNone/>
-              <a:defRPr/>
+            <a:lvl6pPr indent="0" lvl="5" marL="0" marR="0" algn="r">
+              <a:lnSpc>
+                <a:spcPct val="100000"/>
+              </a:lnSpc>
+              <a:spcBef>
+                <a:spcPts val="0"/>
+              </a:spcBef>
+              <a:spcAft>
+                <a:spcPts val="0"/>
+              </a:spcAft>
+              <a:buClr>
+                <a:srgbClr val="000000"/>
+              </a:buClr>
+              <a:buSzPts val="1000"/>
+              <a:buFont typeface="Arial"/>
+              <a:buNone/>
+              <a:defRPr b="0" i="0" sz="1000" u="none" cap="none" strike="noStrike">
+                <a:solidFill>
+                  <a:schemeClr val="dk2"/>
+                </a:solidFill>
+                <a:latin typeface="Arial"/>
+                <a:ea typeface="Arial"/>
+                <a:cs typeface="Arial"/>
+                <a:sym typeface="Arial"/>
+              </a:defRPr>
             </a:lvl6pPr>
-            <a:lvl7pPr lvl="6">
-              <a:buNone/>
-              <a:defRPr/>
+            <a:lvl7pPr indent="0" lvl="6" marL="0" marR="0" algn="r">
+              <a:lnSpc>
+                <a:spcPct val="100000"/>
+              </a:lnSpc>
+              <a:spcBef>
+                <a:spcPts val="0"/>
+              </a:spcBef>
+              <a:spcAft>
+                <a:spcPts val="0"/>
+              </a:spcAft>
+              <a:buClr>
+                <a:srgbClr val="000000"/>
+              </a:buClr>
+              <a:buSzPts val="1000"/>
+              <a:buFont typeface="Arial"/>
+              <a:buNone/>
+              <a:defRPr b="0" i="0" sz="1000" u="none" cap="none" strike="noStrike">
+                <a:solidFill>
+                  <a:schemeClr val="dk2"/>
+                </a:solidFill>
+                <a:latin typeface="Arial"/>
+                <a:ea typeface="Arial"/>
+                <a:cs typeface="Arial"/>
+                <a:sym typeface="Arial"/>
+              </a:defRPr>
             </a:lvl7pPr>
-            <a:lvl8pPr lvl="7">
-              <a:buNone/>
-              <a:defRPr/>
+            <a:lvl8pPr indent="0" lvl="7" marL="0" marR="0" algn="r">
+              <a:lnSpc>
+                <a:spcPct val="100000"/>
+              </a:lnSpc>
+              <a:spcBef>
+                <a:spcPts val="0"/>
+              </a:spcBef>
+              <a:spcAft>
+                <a:spcPts val="0"/>
+              </a:spcAft>
+              <a:buClr>
+                <a:srgbClr val="000000"/>
+              </a:buClr>
+              <a:buSzPts val="1000"/>
+              <a:buFont typeface="Arial"/>
+              <a:buNone/>
+              <a:defRPr b="0" i="0" sz="1000" u="none" cap="none" strike="noStrike">
+                <a:solidFill>
+                  <a:schemeClr val="dk2"/>
+                </a:solidFill>
+                <a:latin typeface="Arial"/>
+                <a:ea typeface="Arial"/>
+                <a:cs typeface="Arial"/>
+                <a:sym typeface="Arial"/>
+              </a:defRPr>
             </a:lvl8pPr>
-            <a:lvl9pPr lvl="8">
-              <a:buNone/>
-              <a:defRPr/>
+            <a:lvl9pPr indent="0" lvl="8" marL="0" marR="0" algn="r">
+              <a:lnSpc>
+                <a:spcPct val="100000"/>
+              </a:lnSpc>
+              <a:spcBef>
+                <a:spcPts val="0"/>
+              </a:spcBef>
+              <a:spcAft>
+                <a:spcPts val="0"/>
+              </a:spcAft>
+              <a:buClr>
+                <a:srgbClr val="000000"/>
+              </a:buClr>
+              <a:buSzPts val="1000"/>
+              <a:buFont typeface="Arial"/>
+              <a:buNone/>
+              <a:defRPr b="0" i="0" sz="1000" u="none" cap="none" strike="noStrike">
+                <a:solidFill>
+                  <a:schemeClr val="dk2"/>
+                </a:solidFill>
+                <a:latin typeface="Arial"/>
+                <a:ea typeface="Arial"/>
+                <a:cs typeface="Arial"/>
+                <a:sym typeface="Arial"/>
+              </a:defRPr>
             </a:lvl9pPr>
           </a:lstStyle>
           <a:p>
@@ -2423,8 +3423,8 @@
 </file>
 
 <file path=ppt/slideLayouts/slideLayout2.xml><?xml version="1.0" encoding="utf-8"?>
-<p:sldLayout xmlns:a="http://schemas.openxmlformats.org/drawingml/2006/main" xmlns:r="http://schemas.openxmlformats.org/officeDocument/2006/relationships" xmlns:mc="http://schemas.openxmlformats.org/markup-compatibility/2006" xmlns:mv="urn:schemas-microsoft-com:mac:vml" xmlns:p="http://schemas.openxmlformats.org/presentationml/2006/main" xmlns:c="http://schemas.openxmlformats.org/drawingml/2006/chart" xmlns:dgm="http://schemas.openxmlformats.org/drawingml/2006/diagram" xmlns:o="urn:schemas-microsoft-com:office:office" xmlns:v="urn:schemas-microsoft-com:vml" xmlns:pvml="urn:schemas-microsoft-com:office:powerpoint" xmlns:com="http://schemas.openxmlformats.org/drawingml/2006/compatibility" xmlns:p14="http://schemas.microsoft.com/office/powerpoint/2010/main" xmlns:p15="http://schemas.microsoft.com/office/powerpoint/2012/main" xmlns:ahyp="http://schemas.microsoft.com/office/drawing/2018/hyperlinkcolor" matchingName="Section header" type="secHead">
-  <p:cSld name="SECTION_HEADER">
+<p:sldLayout xmlns:a="http://schemas.openxmlformats.org/drawingml/2006/main" xmlns:r="http://schemas.openxmlformats.org/officeDocument/2006/relationships" xmlns:mc="http://schemas.openxmlformats.org/markup-compatibility/2006" xmlns:mv="urn:schemas-microsoft-com:mac:vml" xmlns:p="http://schemas.openxmlformats.org/presentationml/2006/main" xmlns:c="http://schemas.openxmlformats.org/drawingml/2006/chart" xmlns:dgm="http://schemas.openxmlformats.org/drawingml/2006/diagram" xmlns:o="urn:schemas-microsoft-com:office:office" xmlns:v="urn:schemas-microsoft-com:vml" xmlns:pvml="urn:schemas-microsoft-com:office:powerpoint" xmlns:com="http://schemas.openxmlformats.org/drawingml/2006/compatibility" xmlns:p14="http://schemas.microsoft.com/office/powerpoint/2010/main" xmlns:p15="http://schemas.microsoft.com/office/powerpoint/2012/main" xmlns:ahyp="http://schemas.microsoft.com/office/drawing/2018/hyperlinkcolor" matchingName="Title and body" type="tx">
+  <p:cSld name="TITLE_AND_BODY">
     <p:spTree>
       <p:nvGrpSpPr>
         <p:cNvPr id="13" name="Shape 13"/>
@@ -2449,116 +3449,147 @@
         </p:nvSpPr>
         <p:spPr>
           <a:xfrm>
-            <a:off x="311700" y="2150850"/>
-            <a:ext cx="8520600" cy="841800"/>
+            <a:off x="311700" y="445025"/>
+            <a:ext cx="8520600" cy="572700"/>
           </a:xfrm>
           <a:prstGeom prst="rect">
             <a:avLst/>
           </a:prstGeom>
+          <a:noFill/>
+          <a:ln>
+            <a:noFill/>
+          </a:ln>
         </p:spPr>
         <p:txBody>
-          <a:bodyPr anchorCtr="0" anchor="ctr" bIns="91425" lIns="91425" spcFirstLastPara="1" rIns="91425" wrap="square" tIns="91425">
+          <a:bodyPr anchorCtr="0" anchor="t" bIns="91425" lIns="91425" spcFirstLastPara="1" rIns="91425" wrap="square" tIns="91425">
             <a:normAutofit/>
           </a:bodyPr>
           <a:lstStyle>
-            <a:lvl1pPr lvl="0" algn="ctr">
-              <a:spcBef>
-                <a:spcPts val="0"/>
-              </a:spcBef>
-              <a:spcAft>
-                <a:spcPts val="0"/>
-              </a:spcAft>
-              <a:buSzPts val="3600"/>
-              <a:buNone/>
-              <a:defRPr sz="3600"/>
+            <a:lvl1pPr lvl="0" algn="l">
+              <a:lnSpc>
+                <a:spcPct val="100000"/>
+              </a:lnSpc>
+              <a:spcBef>
+                <a:spcPts val="0"/>
+              </a:spcBef>
+              <a:spcAft>
+                <a:spcPts val="0"/>
+              </a:spcAft>
+              <a:buSzPts val="2800"/>
+              <a:buNone/>
+              <a:defRPr/>
             </a:lvl1pPr>
-            <a:lvl2pPr lvl="1" algn="ctr">
-              <a:spcBef>
-                <a:spcPts val="0"/>
-              </a:spcBef>
-              <a:spcAft>
-                <a:spcPts val="0"/>
-              </a:spcAft>
-              <a:buSzPts val="3600"/>
-              <a:buNone/>
-              <a:defRPr sz="3600"/>
+            <a:lvl2pPr lvl="1" algn="l">
+              <a:lnSpc>
+                <a:spcPct val="100000"/>
+              </a:lnSpc>
+              <a:spcBef>
+                <a:spcPts val="0"/>
+              </a:spcBef>
+              <a:spcAft>
+                <a:spcPts val="0"/>
+              </a:spcAft>
+              <a:buSzPts val="2800"/>
+              <a:buNone/>
+              <a:defRPr/>
             </a:lvl2pPr>
-            <a:lvl3pPr lvl="2" algn="ctr">
-              <a:spcBef>
-                <a:spcPts val="0"/>
-              </a:spcBef>
-              <a:spcAft>
-                <a:spcPts val="0"/>
-              </a:spcAft>
-              <a:buSzPts val="3600"/>
-              <a:buNone/>
-              <a:defRPr sz="3600"/>
+            <a:lvl3pPr lvl="2" algn="l">
+              <a:lnSpc>
+                <a:spcPct val="100000"/>
+              </a:lnSpc>
+              <a:spcBef>
+                <a:spcPts val="0"/>
+              </a:spcBef>
+              <a:spcAft>
+                <a:spcPts val="0"/>
+              </a:spcAft>
+              <a:buSzPts val="2800"/>
+              <a:buNone/>
+              <a:defRPr/>
             </a:lvl3pPr>
-            <a:lvl4pPr lvl="3" algn="ctr">
-              <a:spcBef>
-                <a:spcPts val="0"/>
-              </a:spcBef>
-              <a:spcAft>
-                <a:spcPts val="0"/>
-              </a:spcAft>
-              <a:buSzPts val="3600"/>
-              <a:buNone/>
-              <a:defRPr sz="3600"/>
+            <a:lvl4pPr lvl="3" algn="l">
+              <a:lnSpc>
+                <a:spcPct val="100000"/>
+              </a:lnSpc>
+              <a:spcBef>
+                <a:spcPts val="0"/>
+              </a:spcBef>
+              <a:spcAft>
+                <a:spcPts val="0"/>
+              </a:spcAft>
+              <a:buSzPts val="2800"/>
+              <a:buNone/>
+              <a:defRPr/>
             </a:lvl4pPr>
-            <a:lvl5pPr lvl="4" algn="ctr">
-              <a:spcBef>
-                <a:spcPts val="0"/>
-              </a:spcBef>
-              <a:spcAft>
-                <a:spcPts val="0"/>
-              </a:spcAft>
-              <a:buSzPts val="3600"/>
-              <a:buNone/>
-              <a:defRPr sz="3600"/>
+            <a:lvl5pPr lvl="4" algn="l">
+              <a:lnSpc>
+                <a:spcPct val="100000"/>
+              </a:lnSpc>
+              <a:spcBef>
+                <a:spcPts val="0"/>
+              </a:spcBef>
+              <a:spcAft>
+                <a:spcPts val="0"/>
+              </a:spcAft>
+              <a:buSzPts val="2800"/>
+              <a:buNone/>
+              <a:defRPr/>
             </a:lvl5pPr>
-            <a:lvl6pPr lvl="5" algn="ctr">
-              <a:spcBef>
-                <a:spcPts val="0"/>
-              </a:spcBef>
-              <a:spcAft>
-                <a:spcPts val="0"/>
-              </a:spcAft>
-              <a:buSzPts val="3600"/>
-              <a:buNone/>
-              <a:defRPr sz="3600"/>
+            <a:lvl6pPr lvl="5" algn="l">
+              <a:lnSpc>
+                <a:spcPct val="100000"/>
+              </a:lnSpc>
+              <a:spcBef>
+                <a:spcPts val="0"/>
+              </a:spcBef>
+              <a:spcAft>
+                <a:spcPts val="0"/>
+              </a:spcAft>
+              <a:buSzPts val="2800"/>
+              <a:buNone/>
+              <a:defRPr/>
             </a:lvl6pPr>
-            <a:lvl7pPr lvl="6" algn="ctr">
-              <a:spcBef>
-                <a:spcPts val="0"/>
-              </a:spcBef>
-              <a:spcAft>
-                <a:spcPts val="0"/>
-              </a:spcAft>
-              <a:buSzPts val="3600"/>
-              <a:buNone/>
-              <a:defRPr sz="3600"/>
+            <a:lvl7pPr lvl="6" algn="l">
+              <a:lnSpc>
+                <a:spcPct val="100000"/>
+              </a:lnSpc>
+              <a:spcBef>
+                <a:spcPts val="0"/>
+              </a:spcBef>
+              <a:spcAft>
+                <a:spcPts val="0"/>
+              </a:spcAft>
+              <a:buSzPts val="2800"/>
+              <a:buNone/>
+              <a:defRPr/>
             </a:lvl7pPr>
-            <a:lvl8pPr lvl="7" algn="ctr">
-              <a:spcBef>
-                <a:spcPts val="0"/>
-              </a:spcBef>
-              <a:spcAft>
-                <a:spcPts val="0"/>
-              </a:spcAft>
-              <a:buSzPts val="3600"/>
-              <a:buNone/>
-              <a:defRPr sz="3600"/>
+            <a:lvl8pPr lvl="7" algn="l">
+              <a:lnSpc>
+                <a:spcPct val="100000"/>
+              </a:lnSpc>
+              <a:spcBef>
+                <a:spcPts val="0"/>
+              </a:spcBef>
+              <a:spcAft>
+                <a:spcPts val="0"/>
+              </a:spcAft>
+              <a:buSzPts val="2800"/>
+              <a:buNone/>
+              <a:defRPr/>
             </a:lvl8pPr>
-            <a:lvl9pPr lvl="8" algn="ctr">
-              <a:spcBef>
-                <a:spcPts val="0"/>
-              </a:spcBef>
-              <a:spcAft>
-                <a:spcPts val="0"/>
-              </a:spcAft>
-              <a:buSzPts val="3600"/>
-              <a:buNone/>
-              <a:defRPr sz="3600"/>
+            <a:lvl9pPr lvl="8" algn="l">
+              <a:lnSpc>
+                <a:spcPct val="100000"/>
+              </a:lnSpc>
+              <a:spcBef>
+                <a:spcPts val="0"/>
+              </a:spcBef>
+              <a:spcAft>
+                <a:spcPts val="0"/>
+              </a:spcAft>
+              <a:buSzPts val="2800"/>
+              <a:buNone/>
+              <a:defRPr/>
             </a:lvl9pPr>
           </a:lstStyle>
           <a:p/>
@@ -2567,6 +3598,162 @@
       <p:sp>
         <p:nvSpPr>
           <p:cNvPr id="15" name="Google Shape;15;p3"/>
+          <p:cNvSpPr txBox="1"/>
+          <p:nvPr>
+            <p:ph idx="1" type="body"/>
+          </p:nvPr>
+        </p:nvSpPr>
+        <p:spPr>
+          <a:xfrm>
+            <a:off x="311700" y="1152475"/>
+            <a:ext cx="8520600" cy="3416400"/>
+          </a:xfrm>
+          <a:prstGeom prst="rect">
+            <a:avLst/>
+          </a:prstGeom>
+          <a:noFill/>
+          <a:ln>
+            <a:noFill/>
+          </a:ln>
+        </p:spPr>
+        <p:txBody>
+          <a:bodyPr anchorCtr="0" anchor="t" bIns="91425" lIns="91425" spcFirstLastPara="1" rIns="91425" wrap="square" tIns="91425">
+            <a:normAutofit/>
+          </a:bodyPr>
+          <a:lstStyle>
+            <a:lvl1pPr indent="-342900" lvl="0" marL="457200" algn="l">
+              <a:lnSpc>
+                <a:spcPct val="115000"/>
+              </a:lnSpc>
+              <a:spcBef>
+                <a:spcPts val="0"/>
+              </a:spcBef>
+              <a:spcAft>
+                <a:spcPts val="0"/>
+              </a:spcAft>
+              <a:buSzPts val="1800"/>
+              <a:buChar char="●"/>
+              <a:defRPr/>
+            </a:lvl1pPr>
+            <a:lvl2pPr indent="-317500" lvl="1" marL="914400" algn="l">
+              <a:lnSpc>
+                <a:spcPct val="115000"/>
+              </a:lnSpc>
+              <a:spcBef>
+                <a:spcPts val="0"/>
+              </a:spcBef>
+              <a:spcAft>
+                <a:spcPts val="0"/>
+              </a:spcAft>
+              <a:buSzPts val="1400"/>
+              <a:buChar char="○"/>
+              <a:defRPr/>
+            </a:lvl2pPr>
+            <a:lvl3pPr indent="-317500" lvl="2" marL="1371600" algn="l">
+              <a:lnSpc>
+                <a:spcPct val="115000"/>
+              </a:lnSpc>
+              <a:spcBef>
+                <a:spcPts val="0"/>
+              </a:spcBef>
+              <a:spcAft>
+                <a:spcPts val="0"/>
+              </a:spcAft>
+              <a:buSzPts val="1400"/>
+              <a:buChar char="■"/>
+              <a:defRPr/>
+            </a:lvl3pPr>
+            <a:lvl4pPr indent="-317500" lvl="3" marL="1828800" algn="l">
+              <a:lnSpc>
+                <a:spcPct val="115000"/>
+              </a:lnSpc>
+              <a:spcBef>
+                <a:spcPts val="0"/>
+              </a:spcBef>
+              <a:spcAft>
+                <a:spcPts val="0"/>
+              </a:spcAft>
+              <a:buSzPts val="1400"/>
+              <a:buChar char="●"/>
+              <a:defRPr/>
+            </a:lvl4pPr>
+            <a:lvl5pPr indent="-317500" lvl="4" marL="2286000" algn="l">
+              <a:lnSpc>
+                <a:spcPct val="115000"/>
+              </a:lnSpc>
+              <a:spcBef>
+                <a:spcPts val="0"/>
+              </a:spcBef>
+              <a:spcAft>
+                <a:spcPts val="0"/>
+              </a:spcAft>
+              <a:buSzPts val="1400"/>
+              <a:buChar char="○"/>
+              <a:defRPr/>
+            </a:lvl5pPr>
+            <a:lvl6pPr indent="-317500" lvl="5" marL="2743200" algn="l">
+              <a:lnSpc>
+                <a:spcPct val="115000"/>
+              </a:lnSpc>
+              <a:spcBef>
+                <a:spcPts val="0"/>
+              </a:spcBef>
+              <a:spcAft>
+                <a:spcPts val="0"/>
+              </a:spcAft>
+              <a:buSzPts val="1400"/>
+              <a:buChar char="■"/>
+              <a:defRPr/>
+            </a:lvl6pPr>
+            <a:lvl7pPr indent="-317500" lvl="6" marL="3200400" algn="l">
+              <a:lnSpc>
+                <a:spcPct val="115000"/>
+              </a:lnSpc>
+              <a:spcBef>
+                <a:spcPts val="0"/>
+              </a:spcBef>
+              <a:spcAft>
+                <a:spcPts val="0"/>
+              </a:spcAft>
+              <a:buSzPts val="1400"/>
+              <a:buChar char="●"/>
+              <a:defRPr/>
+            </a:lvl7pPr>
+            <a:lvl8pPr indent="-317500" lvl="7" marL="3657600" algn="l">
+              <a:lnSpc>
+                <a:spcPct val="115000"/>
+              </a:lnSpc>
+              <a:spcBef>
+                <a:spcPts val="0"/>
+              </a:spcBef>
+              <a:spcAft>
+                <a:spcPts val="0"/>
+              </a:spcAft>
+              <a:buSzPts val="1400"/>
+              <a:buChar char="○"/>
+              <a:defRPr/>
+            </a:lvl8pPr>
+            <a:lvl9pPr indent="-317500" lvl="8" marL="4114800" algn="l">
+              <a:lnSpc>
+                <a:spcPct val="115000"/>
+              </a:lnSpc>
+              <a:spcBef>
+                <a:spcPts val="0"/>
+              </a:spcBef>
+              <a:spcAft>
+                <a:spcPts val="0"/>
+              </a:spcAft>
+              <a:buSzPts val="1400"/>
+              <a:buChar char="■"/>
+              <a:defRPr/>
+            </a:lvl9pPr>
+          </a:lstStyle>
+          <a:p/>
+        </p:txBody>
+      </p:sp>
+      <p:sp>
+        <p:nvSpPr>
+          <p:cNvPr id="16" name="Google Shape;16;p3"/>
           <p:cNvSpPr txBox="1"/>
           <p:nvPr>
             <p:ph idx="12" type="sldNum"/>
@@ -2580,47 +3767,249 @@
           <a:prstGeom prst="rect">
             <a:avLst/>
           </a:prstGeom>
+          <a:noFill/>
+          <a:ln>
+            <a:noFill/>
+          </a:ln>
         </p:spPr>
         <p:txBody>
           <a:bodyPr anchorCtr="0" anchor="ctr" bIns="91425" lIns="91425" spcFirstLastPara="1" rIns="91425" wrap="square" tIns="91425">
             <a:normAutofit/>
           </a:bodyPr>
           <a:lstStyle>
-            <a:lvl1pPr lvl="0">
-              <a:buNone/>
-              <a:defRPr/>
+            <a:lvl1pPr indent="0" lvl="0" marL="0" marR="0" algn="r">
+              <a:lnSpc>
+                <a:spcPct val="100000"/>
+              </a:lnSpc>
+              <a:spcBef>
+                <a:spcPts val="0"/>
+              </a:spcBef>
+              <a:spcAft>
+                <a:spcPts val="0"/>
+              </a:spcAft>
+              <a:buClr>
+                <a:srgbClr val="000000"/>
+              </a:buClr>
+              <a:buSzPts val="1000"/>
+              <a:buFont typeface="Arial"/>
+              <a:buNone/>
+              <a:defRPr b="0" i="0" sz="1000" u="none" cap="none" strike="noStrike">
+                <a:solidFill>
+                  <a:schemeClr val="dk2"/>
+                </a:solidFill>
+                <a:latin typeface="Arial"/>
+                <a:ea typeface="Arial"/>
+                <a:cs typeface="Arial"/>
+                <a:sym typeface="Arial"/>
+              </a:defRPr>
             </a:lvl1pPr>
-            <a:lvl2pPr lvl="1">
-              <a:buNone/>
-              <a:defRPr/>
+            <a:lvl2pPr indent="0" lvl="1" marL="0" marR="0" algn="r">
+              <a:lnSpc>
+                <a:spcPct val="100000"/>
+              </a:lnSpc>
+              <a:spcBef>
+                <a:spcPts val="0"/>
+              </a:spcBef>
+              <a:spcAft>
+                <a:spcPts val="0"/>
+              </a:spcAft>
+              <a:buClr>
+                <a:srgbClr val="000000"/>
+              </a:buClr>
+              <a:buSzPts val="1000"/>
+              <a:buFont typeface="Arial"/>
+              <a:buNone/>
+              <a:defRPr b="0" i="0" sz="1000" u="none" cap="none" strike="noStrike">
+                <a:solidFill>
+                  <a:schemeClr val="dk2"/>
+                </a:solidFill>
+                <a:latin typeface="Arial"/>
+                <a:ea typeface="Arial"/>
+                <a:cs typeface="Arial"/>
+                <a:sym typeface="Arial"/>
+              </a:defRPr>
             </a:lvl2pPr>
-            <a:lvl3pPr lvl="2">
-              <a:buNone/>
-              <a:defRPr/>
+            <a:lvl3pPr indent="0" lvl="2" marL="0" marR="0" algn="r">
+              <a:lnSpc>
+                <a:spcPct val="100000"/>
+              </a:lnSpc>
+              <a:spcBef>
+                <a:spcPts val="0"/>
+              </a:spcBef>
+              <a:spcAft>
+                <a:spcPts val="0"/>
+              </a:spcAft>
+              <a:buClr>
+                <a:srgbClr val="000000"/>
+              </a:buClr>
+              <a:buSzPts val="1000"/>
+              <a:buFont typeface="Arial"/>
+              <a:buNone/>
+              <a:defRPr b="0" i="0" sz="1000" u="none" cap="none" strike="noStrike">
+                <a:solidFill>
+                  <a:schemeClr val="dk2"/>
+                </a:solidFill>
+                <a:latin typeface="Arial"/>
+                <a:ea typeface="Arial"/>
+                <a:cs typeface="Arial"/>
+                <a:sym typeface="Arial"/>
+              </a:defRPr>
             </a:lvl3pPr>
-            <a:lvl4pPr lvl="3">
-              <a:buNone/>
-              <a:defRPr/>
+            <a:lvl4pPr indent="0" lvl="3" marL="0" marR="0" algn="r">
+              <a:lnSpc>
+                <a:spcPct val="100000"/>
+              </a:lnSpc>
+              <a:spcBef>
+                <a:spcPts val="0"/>
+              </a:spcBef>
+              <a:spcAft>
+                <a:spcPts val="0"/>
+              </a:spcAft>
+              <a:buClr>
+                <a:srgbClr val="000000"/>
+              </a:buClr>
+              <a:buSzPts val="1000"/>
+              <a:buFont typeface="Arial"/>
+              <a:buNone/>
+              <a:defRPr b="0" i="0" sz="1000" u="none" cap="none" strike="noStrike">
+                <a:solidFill>
+                  <a:schemeClr val="dk2"/>
+                </a:solidFill>
+                <a:latin typeface="Arial"/>
+                <a:ea typeface="Arial"/>
+                <a:cs typeface="Arial"/>
+                <a:sym typeface="Arial"/>
+              </a:defRPr>
             </a:lvl4pPr>
-            <a:lvl5pPr lvl="4">
-              <a:buNone/>
-              <a:defRPr/>
+            <a:lvl5pPr indent="0" lvl="4" marL="0" marR="0" algn="r">
+              <a:lnSpc>
+                <a:spcPct val="100000"/>
+              </a:lnSpc>
+              <a:spcBef>
+                <a:spcPts val="0"/>
+              </a:spcBef>
+              <a:spcAft>
+                <a:spcPts val="0"/>
+              </a:spcAft>
+              <a:buClr>
+                <a:srgbClr val="000000"/>
+              </a:buClr>
+              <a:buSzPts val="1000"/>
+              <a:buFont typeface="Arial"/>
+              <a:buNone/>
+              <a:defRPr b="0" i="0" sz="1000" u="none" cap="none" strike="noStrike">
+                <a:solidFill>
+                  <a:schemeClr val="dk2"/>
+                </a:solidFill>
+                <a:latin typeface="Arial"/>
+                <a:ea typeface="Arial"/>
+                <a:cs typeface="Arial"/>
+                <a:sym typeface="Arial"/>
+              </a:defRPr>
             </a:lvl5pPr>
-            <a:lvl6pPr lvl="5">
-              <a:buNone/>
-              <a:defRPr/>
+            <a:lvl6pPr indent="0" lvl="5" marL="0" marR="0" algn="r">
+              <a:lnSpc>
+                <a:spcPct val="100000"/>
+              </a:lnSpc>
+              <a:spcBef>
+                <a:spcPts val="0"/>
+              </a:spcBef>
+              <a:spcAft>
+                <a:spcPts val="0"/>
+              </a:spcAft>
+              <a:buClr>
+                <a:srgbClr val="000000"/>
+              </a:buClr>
+              <a:buSzPts val="1000"/>
+              <a:buFont typeface="Arial"/>
+              <a:buNone/>
+              <a:defRPr b="0" i="0" sz="1000" u="none" cap="none" strike="noStrike">
+                <a:solidFill>
+                  <a:schemeClr val="dk2"/>
+                </a:solidFill>
+                <a:latin typeface="Arial"/>
+                <a:ea typeface="Arial"/>
+                <a:cs typeface="Arial"/>
+                <a:sym typeface="Arial"/>
+              </a:defRPr>
             </a:lvl6pPr>
-            <a:lvl7pPr lvl="6">
-              <a:buNone/>
-              <a:defRPr/>
+            <a:lvl7pPr indent="0" lvl="6" marL="0" marR="0" algn="r">
+              <a:lnSpc>
+                <a:spcPct val="100000"/>
+              </a:lnSpc>
+              <a:spcBef>
+                <a:spcPts val="0"/>
+              </a:spcBef>
+              <a:spcAft>
+                <a:spcPts val="0"/>
+              </a:spcAft>
+              <a:buClr>
+                <a:srgbClr val="000000"/>
+              </a:buClr>
+              <a:buSzPts val="1000"/>
+              <a:buFont typeface="Arial"/>
+              <a:buNone/>
+              <a:defRPr b="0" i="0" sz="1000" u="none" cap="none" strike="noStrike">
+                <a:solidFill>
+                  <a:schemeClr val="dk2"/>
+                </a:solidFill>
+                <a:latin typeface="Arial"/>
+                <a:ea typeface="Arial"/>
+                <a:cs typeface="Arial"/>
+                <a:sym typeface="Arial"/>
+              </a:defRPr>
             </a:lvl7pPr>
-            <a:lvl8pPr lvl="7">
-              <a:buNone/>
-              <a:defRPr/>
+            <a:lvl8pPr indent="0" lvl="7" marL="0" marR="0" algn="r">
+              <a:lnSpc>
+                <a:spcPct val="100000"/>
+              </a:lnSpc>
+              <a:spcBef>
+                <a:spcPts val="0"/>
+              </a:spcBef>
+              <a:spcAft>
+                <a:spcPts val="0"/>
+              </a:spcAft>
+              <a:buClr>
+                <a:srgbClr val="000000"/>
+              </a:buClr>
+              <a:buSzPts val="1000"/>
+              <a:buFont typeface="Arial"/>
+              <a:buNone/>
+              <a:defRPr b="0" i="0" sz="1000" u="none" cap="none" strike="noStrike">
+                <a:solidFill>
+                  <a:schemeClr val="dk2"/>
+                </a:solidFill>
+                <a:latin typeface="Arial"/>
+                <a:ea typeface="Arial"/>
+                <a:cs typeface="Arial"/>
+                <a:sym typeface="Arial"/>
+              </a:defRPr>
             </a:lvl8pPr>
-            <a:lvl9pPr lvl="8">
-              <a:buNone/>
-              <a:defRPr/>
+            <a:lvl9pPr indent="0" lvl="8" marL="0" marR="0" algn="r">
+              <a:lnSpc>
+                <a:spcPct val="100000"/>
+              </a:lnSpc>
+              <a:spcBef>
+                <a:spcPts val="0"/>
+              </a:spcBef>
+              <a:spcAft>
+                <a:spcPts val="0"/>
+              </a:spcAft>
+              <a:buClr>
+                <a:srgbClr val="000000"/>
+              </a:buClr>
+              <a:buSzPts val="1000"/>
+              <a:buFont typeface="Arial"/>
+              <a:buNone/>
+              <a:defRPr b="0" i="0" sz="1000" u="none" cap="none" strike="noStrike">
+                <a:solidFill>
+                  <a:schemeClr val="dk2"/>
+                </a:solidFill>
+                <a:latin typeface="Arial"/>
+                <a:ea typeface="Arial"/>
+                <a:cs typeface="Arial"/>
+                <a:sym typeface="Arial"/>
+              </a:defRPr>
             </a:lvl9pPr>
           </a:lstStyle>
           <a:p>
@@ -2650,11 +4039,11 @@
 </file>
 
 <file path=ppt/slideLayouts/slideLayout3.xml><?xml version="1.0" encoding="utf-8"?>
-<p:sldLayout xmlns:a="http://schemas.openxmlformats.org/drawingml/2006/main" xmlns:r="http://schemas.openxmlformats.org/officeDocument/2006/relationships" xmlns:mc="http://schemas.openxmlformats.org/markup-compatibility/2006" xmlns:mv="urn:schemas-microsoft-com:mac:vml" xmlns:p="http://schemas.openxmlformats.org/presentationml/2006/main" xmlns:c="http://schemas.openxmlformats.org/drawingml/2006/chart" xmlns:dgm="http://schemas.openxmlformats.org/drawingml/2006/diagram" xmlns:o="urn:schemas-microsoft-com:office:office" xmlns:v="urn:schemas-microsoft-com:vml" xmlns:pvml="urn:schemas-microsoft-com:office:powerpoint" xmlns:com="http://schemas.openxmlformats.org/drawingml/2006/compatibility" xmlns:p14="http://schemas.microsoft.com/office/powerpoint/2010/main" xmlns:p15="http://schemas.microsoft.com/office/powerpoint/2012/main" xmlns:ahyp="http://schemas.microsoft.com/office/drawing/2018/hyperlinkcolor" matchingName="Title and body" type="tx">
-  <p:cSld name="TITLE_AND_BODY">
+<p:sldLayout xmlns:a="http://schemas.openxmlformats.org/drawingml/2006/main" xmlns:r="http://schemas.openxmlformats.org/officeDocument/2006/relationships" xmlns:mc="http://schemas.openxmlformats.org/markup-compatibility/2006" xmlns:mv="urn:schemas-microsoft-com:mac:vml" xmlns:p="http://schemas.openxmlformats.org/presentationml/2006/main" xmlns:c="http://schemas.openxmlformats.org/drawingml/2006/chart" xmlns:dgm="http://schemas.openxmlformats.org/drawingml/2006/diagram" xmlns:o="urn:schemas-microsoft-com:office:office" xmlns:v="urn:schemas-microsoft-com:vml" xmlns:pvml="urn:schemas-microsoft-com:office:powerpoint" xmlns:com="http://schemas.openxmlformats.org/drawingml/2006/compatibility" xmlns:p14="http://schemas.microsoft.com/office/powerpoint/2010/main" xmlns:p15="http://schemas.microsoft.com/office/powerpoint/2012/main" xmlns:ahyp="http://schemas.microsoft.com/office/drawing/2018/hyperlinkcolor" matchingName="Section header" type="secHead">
+  <p:cSld name="SECTION_HEADER">
     <p:spTree>
       <p:nvGrpSpPr>
-        <p:cNvPr id="16" name="Shape 16"/>
+        <p:cNvPr id="17" name="Shape 17"/>
         <p:cNvGrpSpPr/>
         <p:nvPr/>
       </p:nvGrpSpPr>
@@ -2668,7 +4057,7 @@
       </p:grpSpPr>
       <p:sp>
         <p:nvSpPr>
-          <p:cNvPr id="17" name="Google Shape;17;p4"/>
+          <p:cNvPr id="18" name="Google Shape;18;p4"/>
           <p:cNvSpPr txBox="1"/>
           <p:nvPr>
             <p:ph type="title"/>
@@ -2676,241 +4065,147 @@
         </p:nvSpPr>
         <p:spPr>
           <a:xfrm>
-            <a:off x="311700" y="445025"/>
-            <a:ext cx="8520600" cy="572700"/>
+            <a:off x="311700" y="2150850"/>
+            <a:ext cx="8520600" cy="841800"/>
           </a:xfrm>
           <a:prstGeom prst="rect">
             <a:avLst/>
           </a:prstGeom>
+          <a:noFill/>
+          <a:ln>
+            <a:noFill/>
+          </a:ln>
         </p:spPr>
         <p:txBody>
-          <a:bodyPr anchorCtr="0" anchor="t" bIns="91425" lIns="91425" spcFirstLastPara="1" rIns="91425" wrap="square" tIns="91425">
+          <a:bodyPr anchorCtr="0" anchor="ctr" bIns="91425" lIns="91425" spcFirstLastPara="1" rIns="91425" wrap="square" tIns="91425">
             <a:normAutofit/>
           </a:bodyPr>
           <a:lstStyle>
-            <a:lvl1pPr lvl="0">
-              <a:spcBef>
-                <a:spcPts val="0"/>
-              </a:spcBef>
-              <a:spcAft>
-                <a:spcPts val="0"/>
-              </a:spcAft>
-              <a:buSzPts val="2800"/>
-              <a:buNone/>
-              <a:defRPr/>
+            <a:lvl1pPr lvl="0" algn="ctr">
+              <a:lnSpc>
+                <a:spcPct val="100000"/>
+              </a:lnSpc>
+              <a:spcBef>
+                <a:spcPts val="0"/>
+              </a:spcBef>
+              <a:spcAft>
+                <a:spcPts val="0"/>
+              </a:spcAft>
+              <a:buSzPts val="3600"/>
+              <a:buNone/>
+              <a:defRPr sz="3600"/>
             </a:lvl1pPr>
-            <a:lvl2pPr lvl="1">
-              <a:spcBef>
-                <a:spcPts val="0"/>
-              </a:spcBef>
-              <a:spcAft>
-                <a:spcPts val="0"/>
-              </a:spcAft>
-              <a:buSzPts val="2800"/>
-              <a:buNone/>
-              <a:defRPr/>
+            <a:lvl2pPr lvl="1" algn="ctr">
+              <a:lnSpc>
+                <a:spcPct val="100000"/>
+              </a:lnSpc>
+              <a:spcBef>
+                <a:spcPts val="0"/>
+              </a:spcBef>
+              <a:spcAft>
+                <a:spcPts val="0"/>
+              </a:spcAft>
+              <a:buSzPts val="3600"/>
+              <a:buNone/>
+              <a:defRPr sz="3600"/>
             </a:lvl2pPr>
-            <a:lvl3pPr lvl="2">
-              <a:spcBef>
-                <a:spcPts val="0"/>
-              </a:spcBef>
-              <a:spcAft>
-                <a:spcPts val="0"/>
-              </a:spcAft>
-              <a:buSzPts val="2800"/>
-              <a:buNone/>
-              <a:defRPr/>
+            <a:lvl3pPr lvl="2" algn="ctr">
+              <a:lnSpc>
+                <a:spcPct val="100000"/>
+              </a:lnSpc>
+              <a:spcBef>
+                <a:spcPts val="0"/>
+              </a:spcBef>
+              <a:spcAft>
+                <a:spcPts val="0"/>
+              </a:spcAft>
+              <a:buSzPts val="3600"/>
+              <a:buNone/>
+              <a:defRPr sz="3600"/>
             </a:lvl3pPr>
-            <a:lvl4pPr lvl="3">
-              <a:spcBef>
-                <a:spcPts val="0"/>
-              </a:spcBef>
-              <a:spcAft>
-                <a:spcPts val="0"/>
-              </a:spcAft>
-              <a:buSzPts val="2800"/>
-              <a:buNone/>
-              <a:defRPr/>
+            <a:lvl4pPr lvl="3" algn="ctr">
+              <a:lnSpc>
+                <a:spcPct val="100000"/>
+              </a:lnSpc>
+              <a:spcBef>
+                <a:spcPts val="0"/>
+              </a:spcBef>
+              <a:spcAft>
+                <a:spcPts val="0"/>
+              </a:spcAft>
+              <a:buSzPts val="3600"/>
+              <a:buNone/>
+              <a:defRPr sz="3600"/>
             </a:lvl4pPr>
-            <a:lvl5pPr lvl="4">
-              <a:spcBef>
-                <a:spcPts val="0"/>
-              </a:spcBef>
-              <a:spcAft>
-                <a:spcPts val="0"/>
-              </a:spcAft>
-              <a:buSzPts val="2800"/>
-              <a:buNone/>
-              <a:defRPr/>
+            <a:lvl5pPr lvl="4" algn="ctr">
+              <a:lnSpc>
+                <a:spcPct val="100000"/>
+              </a:lnSpc>
+              <a:spcBef>
+                <a:spcPts val="0"/>
+              </a:spcBef>
+              <a:spcAft>
+                <a:spcPts val="0"/>
+              </a:spcAft>
+              <a:buSzPts val="3600"/>
+              <a:buNone/>
+              <a:defRPr sz="3600"/>
             </a:lvl5pPr>
-            <a:lvl6pPr lvl="5">
-              <a:spcBef>
-                <a:spcPts val="0"/>
-              </a:spcBef>
-              <a:spcAft>
-                <a:spcPts val="0"/>
-              </a:spcAft>
-              <a:buSzPts val="2800"/>
-              <a:buNone/>
-              <a:defRPr/>
+            <a:lvl6pPr lvl="5" algn="ctr">
+              <a:lnSpc>
+                <a:spcPct val="100000"/>
+              </a:lnSpc>
+              <a:spcBef>
+                <a:spcPts val="0"/>
+              </a:spcBef>
+              <a:spcAft>
+                <a:spcPts val="0"/>
+              </a:spcAft>
+              <a:buSzPts val="3600"/>
+              <a:buNone/>
+              <a:defRPr sz="3600"/>
             </a:lvl6pPr>
-            <a:lvl7pPr lvl="6">
-              <a:spcBef>
-                <a:spcPts val="0"/>
-              </a:spcBef>
-              <a:spcAft>
-                <a:spcPts val="0"/>
-              </a:spcAft>
-              <a:buSzPts val="2800"/>
-              <a:buNone/>
-              <a:defRPr/>
+            <a:lvl7pPr lvl="6" algn="ctr">
+              <a:lnSpc>
+                <a:spcPct val="100000"/>
+              </a:lnSpc>
+              <a:spcBef>
+                <a:spcPts val="0"/>
+              </a:spcBef>
+              <a:spcAft>
+                <a:spcPts val="0"/>
+              </a:spcAft>
+              <a:buSzPts val="3600"/>
+              <a:buNone/>
+              <a:defRPr sz="3600"/>
             </a:lvl7pPr>
-            <a:lvl8pPr lvl="7">
-              <a:spcBef>
-                <a:spcPts val="0"/>
-              </a:spcBef>
-              <a:spcAft>
-                <a:spcPts val="0"/>
-              </a:spcAft>
-              <a:buSzPts val="2800"/>
-              <a:buNone/>
-              <a:defRPr/>
+            <a:lvl8pPr lvl="7" algn="ctr">
+              <a:lnSpc>
+                <a:spcPct val="100000"/>
+              </a:lnSpc>
+              <a:spcBef>
+                <a:spcPts val="0"/>
+              </a:spcBef>
+              <a:spcAft>
+                <a:spcPts val="0"/>
+              </a:spcAft>
+              <a:buSzPts val="3600"/>
+              <a:buNone/>
+              <a:defRPr sz="3600"/>
             </a:lvl8pPr>
-            <a:lvl9pPr lvl="8">
-              <a:spcBef>
-                <a:spcPts val="0"/>
-              </a:spcBef>
-              <a:spcAft>
-                <a:spcPts val="0"/>
-              </a:spcAft>
-              <a:buSzPts val="2800"/>
-              <a:buNone/>
-              <a:defRPr/>
-            </a:lvl9pPr>
-          </a:lstStyle>
-          <a:p/>
-        </p:txBody>
-      </p:sp>
-      <p:sp>
-        <p:nvSpPr>
-          <p:cNvPr id="18" name="Google Shape;18;p4"/>
-          <p:cNvSpPr txBox="1"/>
-          <p:nvPr>
-            <p:ph idx="1" type="body"/>
-          </p:nvPr>
-        </p:nvSpPr>
-        <p:spPr>
-          <a:xfrm>
-            <a:off x="311700" y="1152475"/>
-            <a:ext cx="8520600" cy="3416400"/>
-          </a:xfrm>
-          <a:prstGeom prst="rect">
-            <a:avLst/>
-          </a:prstGeom>
-        </p:spPr>
-        <p:txBody>
-          <a:bodyPr anchorCtr="0" anchor="t" bIns="91425" lIns="91425" spcFirstLastPara="1" rIns="91425" wrap="square" tIns="91425">
-            <a:normAutofit/>
-          </a:bodyPr>
-          <a:lstStyle>
-            <a:lvl1pPr indent="-342900" lvl="0" marL="457200">
-              <a:spcBef>
-                <a:spcPts val="0"/>
-              </a:spcBef>
-              <a:spcAft>
-                <a:spcPts val="0"/>
-              </a:spcAft>
-              <a:buSzPts val="1800"/>
-              <a:buChar char="●"/>
-              <a:defRPr/>
-            </a:lvl1pPr>
-            <a:lvl2pPr indent="-317500" lvl="1" marL="914400">
-              <a:spcBef>
-                <a:spcPts val="0"/>
-              </a:spcBef>
-              <a:spcAft>
-                <a:spcPts val="0"/>
-              </a:spcAft>
-              <a:buSzPts val="1400"/>
-              <a:buChar char="○"/>
-              <a:defRPr/>
-            </a:lvl2pPr>
-            <a:lvl3pPr indent="-317500" lvl="2" marL="1371600">
-              <a:spcBef>
-                <a:spcPts val="0"/>
-              </a:spcBef>
-              <a:spcAft>
-                <a:spcPts val="0"/>
-              </a:spcAft>
-              <a:buSzPts val="1400"/>
-              <a:buChar char="■"/>
-              <a:defRPr/>
-            </a:lvl3pPr>
-            <a:lvl4pPr indent="-317500" lvl="3" marL="1828800">
-              <a:spcBef>
-                <a:spcPts val="0"/>
-              </a:spcBef>
-              <a:spcAft>
-                <a:spcPts val="0"/>
-              </a:spcAft>
-              <a:buSzPts val="1400"/>
-              <a:buChar char="●"/>
-              <a:defRPr/>
-            </a:lvl4pPr>
-            <a:lvl5pPr indent="-317500" lvl="4" marL="2286000">
-              <a:spcBef>
-                <a:spcPts val="0"/>
-              </a:spcBef>
-              <a:spcAft>
-                <a:spcPts val="0"/>
-              </a:spcAft>
-              <a:buSzPts val="1400"/>
-              <a:buChar char="○"/>
-              <a:defRPr/>
-            </a:lvl5pPr>
-            <a:lvl6pPr indent="-317500" lvl="5" marL="2743200">
-              <a:spcBef>
-                <a:spcPts val="0"/>
-              </a:spcBef>
-              <a:spcAft>
-                <a:spcPts val="0"/>
-              </a:spcAft>
-              <a:buSzPts val="1400"/>
-              <a:buChar char="■"/>
-              <a:defRPr/>
-            </a:lvl6pPr>
-            <a:lvl7pPr indent="-317500" lvl="6" marL="3200400">
-              <a:spcBef>
-                <a:spcPts val="0"/>
-              </a:spcBef>
-              <a:spcAft>
-                <a:spcPts val="0"/>
-              </a:spcAft>
-              <a:buSzPts val="1400"/>
-              <a:buChar char="●"/>
-              <a:defRPr/>
-            </a:lvl7pPr>
-            <a:lvl8pPr indent="-317500" lvl="7" marL="3657600">
-              <a:spcBef>
-                <a:spcPts val="0"/>
-              </a:spcBef>
-              <a:spcAft>
-                <a:spcPts val="0"/>
-              </a:spcAft>
-              <a:buSzPts val="1400"/>
-              <a:buChar char="○"/>
-              <a:defRPr/>
-            </a:lvl8pPr>
-            <a:lvl9pPr indent="-317500" lvl="8" marL="4114800">
-              <a:spcBef>
-                <a:spcPts val="0"/>
-              </a:spcBef>
-              <a:spcAft>
-                <a:spcPts val="0"/>
-              </a:spcAft>
-              <a:buSzPts val="1400"/>
-              <a:buChar char="■"/>
-              <a:defRPr/>
+            <a:lvl9pPr lvl="8" algn="ctr">
+              <a:lnSpc>
+                <a:spcPct val="100000"/>
+              </a:lnSpc>
+              <a:spcBef>
+                <a:spcPts val="0"/>
+              </a:spcBef>
+              <a:spcAft>
+                <a:spcPts val="0"/>
+              </a:spcAft>
+              <a:buSzPts val="3600"/>
+              <a:buNone/>
+              <a:defRPr sz="3600"/>
             </a:lvl9pPr>
           </a:lstStyle>
           <a:p/>
@@ -2932,47 +4227,249 @@
           <a:prstGeom prst="rect">
             <a:avLst/>
           </a:prstGeom>
+          <a:noFill/>
+          <a:ln>
+            <a:noFill/>
+          </a:ln>
         </p:spPr>
         <p:txBody>
           <a:bodyPr anchorCtr="0" anchor="ctr" bIns="91425" lIns="91425" spcFirstLastPara="1" rIns="91425" wrap="square" tIns="91425">
             <a:normAutofit/>
           </a:bodyPr>
           <a:lstStyle>
-            <a:lvl1pPr lvl="0">
-              <a:buNone/>
-              <a:defRPr/>
+            <a:lvl1pPr indent="0" lvl="0" marL="0" marR="0" algn="r">
+              <a:lnSpc>
+                <a:spcPct val="100000"/>
+              </a:lnSpc>
+              <a:spcBef>
+                <a:spcPts val="0"/>
+              </a:spcBef>
+              <a:spcAft>
+                <a:spcPts val="0"/>
+              </a:spcAft>
+              <a:buClr>
+                <a:srgbClr val="000000"/>
+              </a:buClr>
+              <a:buSzPts val="1000"/>
+              <a:buFont typeface="Arial"/>
+              <a:buNone/>
+              <a:defRPr b="0" i="0" sz="1000" u="none" cap="none" strike="noStrike">
+                <a:solidFill>
+                  <a:schemeClr val="dk2"/>
+                </a:solidFill>
+                <a:latin typeface="Arial"/>
+                <a:ea typeface="Arial"/>
+                <a:cs typeface="Arial"/>
+                <a:sym typeface="Arial"/>
+              </a:defRPr>
             </a:lvl1pPr>
-            <a:lvl2pPr lvl="1">
-              <a:buNone/>
-              <a:defRPr/>
+            <a:lvl2pPr indent="0" lvl="1" marL="0" marR="0" algn="r">
+              <a:lnSpc>
+                <a:spcPct val="100000"/>
+              </a:lnSpc>
+              <a:spcBef>
+                <a:spcPts val="0"/>
+              </a:spcBef>
+              <a:spcAft>
+                <a:spcPts val="0"/>
+              </a:spcAft>
+              <a:buClr>
+                <a:srgbClr val="000000"/>
+              </a:buClr>
+              <a:buSzPts val="1000"/>
+              <a:buFont typeface="Arial"/>
+              <a:buNone/>
+              <a:defRPr b="0" i="0" sz="1000" u="none" cap="none" strike="noStrike">
+                <a:solidFill>
+                  <a:schemeClr val="dk2"/>
+                </a:solidFill>
+                <a:latin typeface="Arial"/>
+                <a:ea typeface="Arial"/>
+                <a:cs typeface="Arial"/>
+                <a:sym typeface="Arial"/>
+              </a:defRPr>
             </a:lvl2pPr>
-            <a:lvl3pPr lvl="2">
-              <a:buNone/>
-              <a:defRPr/>
+            <a:lvl3pPr indent="0" lvl="2" marL="0" marR="0" algn="r">
+              <a:lnSpc>
+                <a:spcPct val="100000"/>
+              </a:lnSpc>
+              <a:spcBef>
+                <a:spcPts val="0"/>
+              </a:spcBef>
+              <a:spcAft>
+                <a:spcPts val="0"/>
+              </a:spcAft>
+              <a:buClr>
+                <a:srgbClr val="000000"/>
+              </a:buClr>
+              <a:buSzPts val="1000"/>
+              <a:buFont typeface="Arial"/>
+              <a:buNone/>
+              <a:defRPr b="0" i="0" sz="1000" u="none" cap="none" strike="noStrike">
+                <a:solidFill>
+                  <a:schemeClr val="dk2"/>
+                </a:solidFill>
+                <a:latin typeface="Arial"/>
+                <a:ea typeface="Arial"/>
+                <a:cs typeface="Arial"/>
+                <a:sym typeface="Arial"/>
+              </a:defRPr>
             </a:lvl3pPr>
-            <a:lvl4pPr lvl="3">
-              <a:buNone/>
-              <a:defRPr/>
+            <a:lvl4pPr indent="0" lvl="3" marL="0" marR="0" algn="r">
+              <a:lnSpc>
+                <a:spcPct val="100000"/>
+              </a:lnSpc>
+              <a:spcBef>
+                <a:spcPts val="0"/>
+              </a:spcBef>
+              <a:spcAft>
+                <a:spcPts val="0"/>
+              </a:spcAft>
+              <a:buClr>
+                <a:srgbClr val="000000"/>
+              </a:buClr>
+              <a:buSzPts val="1000"/>
+              <a:buFont typeface="Arial"/>
+              <a:buNone/>
+              <a:defRPr b="0" i="0" sz="1000" u="none" cap="none" strike="noStrike">
+                <a:solidFill>
+                  <a:schemeClr val="dk2"/>
+                </a:solidFill>
+                <a:latin typeface="Arial"/>
+                <a:ea typeface="Arial"/>
+                <a:cs typeface="Arial"/>
+                <a:sym typeface="Arial"/>
+              </a:defRPr>
             </a:lvl4pPr>
-            <a:lvl5pPr lvl="4">
-              <a:buNone/>
-              <a:defRPr/>
+            <a:lvl5pPr indent="0" lvl="4" marL="0" marR="0" algn="r">
+              <a:lnSpc>
+                <a:spcPct val="100000"/>
+              </a:lnSpc>
+              <a:spcBef>
+                <a:spcPts val="0"/>
+              </a:spcBef>
+              <a:spcAft>
+                <a:spcPts val="0"/>
+              </a:spcAft>
+              <a:buClr>
+                <a:srgbClr val="000000"/>
+              </a:buClr>
+              <a:buSzPts val="1000"/>
+              <a:buFont typeface="Arial"/>
+              <a:buNone/>
+              <a:defRPr b="0" i="0" sz="1000" u="none" cap="none" strike="noStrike">
+                <a:solidFill>
+                  <a:schemeClr val="dk2"/>
+                </a:solidFill>
+                <a:latin typeface="Arial"/>
+                <a:ea typeface="Arial"/>
+                <a:cs typeface="Arial"/>
+                <a:sym typeface="Arial"/>
+              </a:defRPr>
             </a:lvl5pPr>
-            <a:lvl6pPr lvl="5">
-              <a:buNone/>
-              <a:defRPr/>
+            <a:lvl6pPr indent="0" lvl="5" marL="0" marR="0" algn="r">
+              <a:lnSpc>
+                <a:spcPct val="100000"/>
+              </a:lnSpc>
+              <a:spcBef>
+                <a:spcPts val="0"/>
+              </a:spcBef>
+              <a:spcAft>
+                <a:spcPts val="0"/>
+              </a:spcAft>
+              <a:buClr>
+                <a:srgbClr val="000000"/>
+              </a:buClr>
+              <a:buSzPts val="1000"/>
+              <a:buFont typeface="Arial"/>
+              <a:buNone/>
+              <a:defRPr b="0" i="0" sz="1000" u="none" cap="none" strike="noStrike">
+                <a:solidFill>
+                  <a:schemeClr val="dk2"/>
+                </a:solidFill>
+                <a:latin typeface="Arial"/>
+                <a:ea typeface="Arial"/>
+                <a:cs typeface="Arial"/>
+                <a:sym typeface="Arial"/>
+              </a:defRPr>
             </a:lvl6pPr>
-            <a:lvl7pPr lvl="6">
-              <a:buNone/>
-              <a:defRPr/>
+            <a:lvl7pPr indent="0" lvl="6" marL="0" marR="0" algn="r">
+              <a:lnSpc>
+                <a:spcPct val="100000"/>
+              </a:lnSpc>
+              <a:spcBef>
+                <a:spcPts val="0"/>
+              </a:spcBef>
+              <a:spcAft>
+                <a:spcPts val="0"/>
+              </a:spcAft>
+              <a:buClr>
+                <a:srgbClr val="000000"/>
+              </a:buClr>
+              <a:buSzPts val="1000"/>
+              <a:buFont typeface="Arial"/>
+              <a:buNone/>
+              <a:defRPr b="0" i="0" sz="1000" u="none" cap="none" strike="noStrike">
+                <a:solidFill>
+                  <a:schemeClr val="dk2"/>
+                </a:solidFill>
+                <a:latin typeface="Arial"/>
+                <a:ea typeface="Arial"/>
+                <a:cs typeface="Arial"/>
+                <a:sym typeface="Arial"/>
+              </a:defRPr>
             </a:lvl7pPr>
-            <a:lvl8pPr lvl="7">
-              <a:buNone/>
-              <a:defRPr/>
+            <a:lvl8pPr indent="0" lvl="7" marL="0" marR="0" algn="r">
+              <a:lnSpc>
+                <a:spcPct val="100000"/>
+              </a:lnSpc>
+              <a:spcBef>
+                <a:spcPts val="0"/>
+              </a:spcBef>
+              <a:spcAft>
+                <a:spcPts val="0"/>
+              </a:spcAft>
+              <a:buClr>
+                <a:srgbClr val="000000"/>
+              </a:buClr>
+              <a:buSzPts val="1000"/>
+              <a:buFont typeface="Arial"/>
+              <a:buNone/>
+              <a:defRPr b="0" i="0" sz="1000" u="none" cap="none" strike="noStrike">
+                <a:solidFill>
+                  <a:schemeClr val="dk2"/>
+                </a:solidFill>
+                <a:latin typeface="Arial"/>
+                <a:ea typeface="Arial"/>
+                <a:cs typeface="Arial"/>
+                <a:sym typeface="Arial"/>
+              </a:defRPr>
             </a:lvl8pPr>
-            <a:lvl9pPr lvl="8">
-              <a:buNone/>
-              <a:defRPr/>
+            <a:lvl9pPr indent="0" lvl="8" marL="0" marR="0" algn="r">
+              <a:lnSpc>
+                <a:spcPct val="100000"/>
+              </a:lnSpc>
+              <a:spcBef>
+                <a:spcPts val="0"/>
+              </a:spcBef>
+              <a:spcAft>
+                <a:spcPts val="0"/>
+              </a:spcAft>
+              <a:buClr>
+                <a:srgbClr val="000000"/>
+              </a:buClr>
+              <a:buSzPts val="1000"/>
+              <a:buFont typeface="Arial"/>
+              <a:buNone/>
+              <a:defRPr b="0" i="0" sz="1000" u="none" cap="none" strike="noStrike">
+                <a:solidFill>
+                  <a:schemeClr val="dk2"/>
+                </a:solidFill>
+                <a:latin typeface="Arial"/>
+                <a:ea typeface="Arial"/>
+                <a:cs typeface="Arial"/>
+                <a:sym typeface="Arial"/>
+              </a:defRPr>
             </a:lvl9pPr>
           </a:lstStyle>
           <a:p>
@@ -3034,13 +4531,20 @@
           <a:prstGeom prst="rect">
             <a:avLst/>
           </a:prstGeom>
+          <a:noFill/>
+          <a:ln>
+            <a:noFill/>
+          </a:ln>
         </p:spPr>
         <p:txBody>
           <a:bodyPr anchorCtr="0" anchor="t" bIns="91425" lIns="91425" spcFirstLastPara="1" rIns="91425" wrap="square" tIns="91425">
             <a:normAutofit/>
           </a:bodyPr>
           <a:lstStyle>
-            <a:lvl1pPr lvl="0">
+            <a:lvl1pPr lvl="0" algn="l">
+              <a:lnSpc>
+                <a:spcPct val="100000"/>
+              </a:lnSpc>
               <a:spcBef>
                 <a:spcPts val="0"/>
               </a:spcBef>
@@ -3051,7 +4555,10 @@
               <a:buNone/>
               <a:defRPr/>
             </a:lvl1pPr>
-            <a:lvl2pPr lvl="1">
+            <a:lvl2pPr lvl="1" algn="l">
+              <a:lnSpc>
+                <a:spcPct val="100000"/>
+              </a:lnSpc>
               <a:spcBef>
                 <a:spcPts val="0"/>
               </a:spcBef>
@@ -3062,7 +4569,10 @@
               <a:buNone/>
               <a:defRPr/>
             </a:lvl2pPr>
-            <a:lvl3pPr lvl="2">
+            <a:lvl3pPr lvl="2" algn="l">
+              <a:lnSpc>
+                <a:spcPct val="100000"/>
+              </a:lnSpc>
               <a:spcBef>
                 <a:spcPts val="0"/>
               </a:spcBef>
@@ -3073,7 +4583,10 @@
               <a:buNone/>
               <a:defRPr/>
             </a:lvl3pPr>
-            <a:lvl4pPr lvl="3">
+            <a:lvl4pPr lvl="3" algn="l">
+              <a:lnSpc>
+                <a:spcPct val="100000"/>
+              </a:lnSpc>
               <a:spcBef>
                 <a:spcPts val="0"/>
               </a:spcBef>
@@ -3084,7 +4597,10 @@
               <a:buNone/>
               <a:defRPr/>
             </a:lvl4pPr>
-            <a:lvl5pPr lvl="4">
+            <a:lvl5pPr lvl="4" algn="l">
+              <a:lnSpc>
+                <a:spcPct val="100000"/>
+              </a:lnSpc>
               <a:spcBef>
                 <a:spcPts val="0"/>
               </a:spcBef>
@@ -3095,7 +4611,10 @@
               <a:buNone/>
               <a:defRPr/>
             </a:lvl5pPr>
-            <a:lvl6pPr lvl="5">
+            <a:lvl6pPr lvl="5" algn="l">
+              <a:lnSpc>
+                <a:spcPct val="100000"/>
+              </a:lnSpc>
               <a:spcBef>
                 <a:spcPts val="0"/>
               </a:spcBef>
@@ -3106,7 +4625,10 @@
               <a:buNone/>
               <a:defRPr/>
             </a:lvl6pPr>
-            <a:lvl7pPr lvl="6">
+            <a:lvl7pPr lvl="6" algn="l">
+              <a:lnSpc>
+                <a:spcPct val="100000"/>
+              </a:lnSpc>
               <a:spcBef>
                 <a:spcPts val="0"/>
               </a:spcBef>
@@ -3117,7 +4639,10 @@
               <a:buNone/>
               <a:defRPr/>
             </a:lvl7pPr>
-            <a:lvl8pPr lvl="7">
+            <a:lvl8pPr lvl="7" algn="l">
+              <a:lnSpc>
+                <a:spcPct val="100000"/>
+              </a:lnSpc>
               <a:spcBef>
                 <a:spcPts val="0"/>
               </a:spcBef>
@@ -3128,7 +4653,10 @@
               <a:buNone/>
               <a:defRPr/>
             </a:lvl8pPr>
-            <a:lvl9pPr lvl="8">
+            <a:lvl9pPr lvl="8" algn="l">
+              <a:lnSpc>
+                <a:spcPct val="100000"/>
+              </a:lnSpc>
               <a:spcBef>
                 <a:spcPts val="0"/>
               </a:spcBef>
@@ -3159,13 +4687,20 @@
           <a:prstGeom prst="rect">
             <a:avLst/>
           </a:prstGeom>
+          <a:noFill/>
+          <a:ln>
+            <a:noFill/>
+          </a:ln>
         </p:spPr>
         <p:txBody>
           <a:bodyPr anchorCtr="0" anchor="t" bIns="91425" lIns="91425" spcFirstLastPara="1" rIns="91425" wrap="square" tIns="91425">
             <a:normAutofit/>
           </a:bodyPr>
           <a:lstStyle>
-            <a:lvl1pPr indent="-317500" lvl="0" marL="457200">
+            <a:lvl1pPr indent="-317500" lvl="0" marL="457200" algn="l">
+              <a:lnSpc>
+                <a:spcPct val="115000"/>
+              </a:lnSpc>
               <a:spcBef>
                 <a:spcPts val="0"/>
               </a:spcBef>
@@ -3176,7 +4711,10 @@
               <a:buChar char="●"/>
               <a:defRPr sz="1400"/>
             </a:lvl1pPr>
-            <a:lvl2pPr indent="-304800" lvl="1" marL="914400">
+            <a:lvl2pPr indent="-304800" lvl="1" marL="914400" algn="l">
+              <a:lnSpc>
+                <a:spcPct val="115000"/>
+              </a:lnSpc>
               <a:spcBef>
                 <a:spcPts val="0"/>
               </a:spcBef>
@@ -3187,7 +4725,10 @@
               <a:buChar char="○"/>
               <a:defRPr sz="1200"/>
             </a:lvl2pPr>
-            <a:lvl3pPr indent="-304800" lvl="2" marL="1371600">
+            <a:lvl3pPr indent="-304800" lvl="2" marL="1371600" algn="l">
+              <a:lnSpc>
+                <a:spcPct val="115000"/>
+              </a:lnSpc>
               <a:spcBef>
                 <a:spcPts val="0"/>
               </a:spcBef>
@@ -3198,7 +4739,10 @@
               <a:buChar char="■"/>
               <a:defRPr sz="1200"/>
             </a:lvl3pPr>
-            <a:lvl4pPr indent="-304800" lvl="3" marL="1828800">
+            <a:lvl4pPr indent="-304800" lvl="3" marL="1828800" algn="l">
+              <a:lnSpc>
+                <a:spcPct val="115000"/>
+              </a:lnSpc>
               <a:spcBef>
                 <a:spcPts val="0"/>
               </a:spcBef>
@@ -3209,7 +4753,10 @@
               <a:buChar char="●"/>
               <a:defRPr sz="1200"/>
             </a:lvl4pPr>
-            <a:lvl5pPr indent="-304800" lvl="4" marL="2286000">
+            <a:lvl5pPr indent="-304800" lvl="4" marL="2286000" algn="l">
+              <a:lnSpc>
+                <a:spcPct val="115000"/>
+              </a:lnSpc>
               <a:spcBef>
                 <a:spcPts val="0"/>
               </a:spcBef>
@@ -3220,7 +4767,10 @@
               <a:buChar char="○"/>
               <a:defRPr sz="1200"/>
             </a:lvl5pPr>
-            <a:lvl6pPr indent="-304800" lvl="5" marL="2743200">
+            <a:lvl6pPr indent="-304800" lvl="5" marL="2743200" algn="l">
+              <a:lnSpc>
+                <a:spcPct val="115000"/>
+              </a:lnSpc>
               <a:spcBef>
                 <a:spcPts val="0"/>
               </a:spcBef>
@@ -3231,7 +4781,10 @@
               <a:buChar char="■"/>
               <a:defRPr sz="1200"/>
             </a:lvl6pPr>
-            <a:lvl7pPr indent="-304800" lvl="6" marL="3200400">
+            <a:lvl7pPr indent="-304800" lvl="6" marL="3200400" algn="l">
+              <a:lnSpc>
+                <a:spcPct val="115000"/>
+              </a:lnSpc>
               <a:spcBef>
                 <a:spcPts val="0"/>
               </a:spcBef>
@@ -3242,7 +4795,10 @@
               <a:buChar char="●"/>
               <a:defRPr sz="1200"/>
             </a:lvl7pPr>
-            <a:lvl8pPr indent="-304800" lvl="7" marL="3657600">
+            <a:lvl8pPr indent="-304800" lvl="7" marL="3657600" algn="l">
+              <a:lnSpc>
+                <a:spcPct val="115000"/>
+              </a:lnSpc>
               <a:spcBef>
                 <a:spcPts val="0"/>
               </a:spcBef>
@@ -3253,7 +4809,10 @@
               <a:buChar char="○"/>
               <a:defRPr sz="1200"/>
             </a:lvl8pPr>
-            <a:lvl9pPr indent="-304800" lvl="8" marL="4114800">
+            <a:lvl9pPr indent="-304800" lvl="8" marL="4114800" algn="l">
+              <a:lnSpc>
+                <a:spcPct val="115000"/>
+              </a:lnSpc>
               <a:spcBef>
                 <a:spcPts val="0"/>
               </a:spcBef>
@@ -3284,13 +4843,20 @@
           <a:prstGeom prst="rect">
             <a:avLst/>
           </a:prstGeom>
+          <a:noFill/>
+          <a:ln>
+            <a:noFill/>
+          </a:ln>
         </p:spPr>
         <p:txBody>
           <a:bodyPr anchorCtr="0" anchor="t" bIns="91425" lIns="91425" spcFirstLastPara="1" rIns="91425" wrap="square" tIns="91425">
             <a:normAutofit/>
           </a:bodyPr>
           <a:lstStyle>
-            <a:lvl1pPr indent="-317500" lvl="0" marL="457200">
+            <a:lvl1pPr indent="-317500" lvl="0" marL="457200" algn="l">
+              <a:lnSpc>
+                <a:spcPct val="115000"/>
+              </a:lnSpc>
               <a:spcBef>
                 <a:spcPts val="0"/>
               </a:spcBef>
@@ -3301,7 +4867,10 @@
               <a:buChar char="●"/>
               <a:defRPr sz="1400"/>
             </a:lvl1pPr>
-            <a:lvl2pPr indent="-304800" lvl="1" marL="914400">
+            <a:lvl2pPr indent="-304800" lvl="1" marL="914400" algn="l">
+              <a:lnSpc>
+                <a:spcPct val="115000"/>
+              </a:lnSpc>
               <a:spcBef>
                 <a:spcPts val="0"/>
               </a:spcBef>
@@ -3312,7 +4881,10 @@
               <a:buChar char="○"/>
               <a:defRPr sz="1200"/>
             </a:lvl2pPr>
-            <a:lvl3pPr indent="-304800" lvl="2" marL="1371600">
+            <a:lvl3pPr indent="-304800" lvl="2" marL="1371600" algn="l">
+              <a:lnSpc>
+                <a:spcPct val="115000"/>
+              </a:lnSpc>
               <a:spcBef>
                 <a:spcPts val="0"/>
               </a:spcBef>
@@ -3323,7 +4895,10 @@
               <a:buChar char="■"/>
               <a:defRPr sz="1200"/>
             </a:lvl3pPr>
-            <a:lvl4pPr indent="-304800" lvl="3" marL="1828800">
+            <a:lvl4pPr indent="-304800" lvl="3" marL="1828800" algn="l">
+              <a:lnSpc>
+                <a:spcPct val="115000"/>
+              </a:lnSpc>
               <a:spcBef>
                 <a:spcPts val="0"/>
               </a:spcBef>
@@ -3334,7 +4909,10 @@
               <a:buChar char="●"/>
               <a:defRPr sz="1200"/>
             </a:lvl4pPr>
-            <a:lvl5pPr indent="-304800" lvl="4" marL="2286000">
+            <a:lvl5pPr indent="-304800" lvl="4" marL="2286000" algn="l">
+              <a:lnSpc>
+                <a:spcPct val="115000"/>
+              </a:lnSpc>
               <a:spcBef>
                 <a:spcPts val="0"/>
               </a:spcBef>
@@ -3345,7 +4923,10 @@
               <a:buChar char="○"/>
               <a:defRPr sz="1200"/>
             </a:lvl5pPr>
-            <a:lvl6pPr indent="-304800" lvl="5" marL="2743200">
+            <a:lvl6pPr indent="-304800" lvl="5" marL="2743200" algn="l">
+              <a:lnSpc>
+                <a:spcPct val="115000"/>
+              </a:lnSpc>
               <a:spcBef>
                 <a:spcPts val="0"/>
               </a:spcBef>
@@ -3356,7 +4937,10 @@
               <a:buChar char="■"/>
               <a:defRPr sz="1200"/>
             </a:lvl6pPr>
-            <a:lvl7pPr indent="-304800" lvl="6" marL="3200400">
+            <a:lvl7pPr indent="-304800" lvl="6" marL="3200400" algn="l">
+              <a:lnSpc>
+                <a:spcPct val="115000"/>
+              </a:lnSpc>
               <a:spcBef>
                 <a:spcPts val="0"/>
               </a:spcBef>
@@ -3367,7 +4951,10 @@
               <a:buChar char="●"/>
               <a:defRPr sz="1200"/>
             </a:lvl7pPr>
-            <a:lvl8pPr indent="-304800" lvl="7" marL="3657600">
+            <a:lvl8pPr indent="-304800" lvl="7" marL="3657600" algn="l">
+              <a:lnSpc>
+                <a:spcPct val="115000"/>
+              </a:lnSpc>
               <a:spcBef>
                 <a:spcPts val="0"/>
               </a:spcBef>
@@ -3378,7 +4965,10 @@
               <a:buChar char="○"/>
               <a:defRPr sz="1200"/>
             </a:lvl8pPr>
-            <a:lvl9pPr indent="-304800" lvl="8" marL="4114800">
+            <a:lvl9pPr indent="-304800" lvl="8" marL="4114800" algn="l">
+              <a:lnSpc>
+                <a:spcPct val="115000"/>
+              </a:lnSpc>
               <a:spcBef>
                 <a:spcPts val="0"/>
               </a:spcBef>
@@ -3409,47 +4999,249 @@
           <a:prstGeom prst="rect">
             <a:avLst/>
           </a:prstGeom>
+          <a:noFill/>
+          <a:ln>
+            <a:noFill/>
+          </a:ln>
         </p:spPr>
         <p:txBody>
           <a:bodyPr anchorCtr="0" anchor="ctr" bIns="91425" lIns="91425" spcFirstLastPara="1" rIns="91425" wrap="square" tIns="91425">
             <a:normAutofit/>
           </a:bodyPr>
           <a:lstStyle>
-            <a:lvl1pPr lvl="0">
-              <a:buNone/>
-              <a:defRPr/>
+            <a:lvl1pPr indent="0" lvl="0" marL="0" marR="0" algn="r">
+              <a:lnSpc>
+                <a:spcPct val="100000"/>
+              </a:lnSpc>
+              <a:spcBef>
+                <a:spcPts val="0"/>
+              </a:spcBef>
+              <a:spcAft>
+                <a:spcPts val="0"/>
+              </a:spcAft>
+              <a:buClr>
+                <a:srgbClr val="000000"/>
+              </a:buClr>
+              <a:buSzPts val="1000"/>
+              <a:buFont typeface="Arial"/>
+              <a:buNone/>
+              <a:defRPr b="0" i="0" sz="1000" u="none" cap="none" strike="noStrike">
+                <a:solidFill>
+                  <a:schemeClr val="dk2"/>
+                </a:solidFill>
+                <a:latin typeface="Arial"/>
+                <a:ea typeface="Arial"/>
+                <a:cs typeface="Arial"/>
+                <a:sym typeface="Arial"/>
+              </a:defRPr>
             </a:lvl1pPr>
-            <a:lvl2pPr lvl="1">
-              <a:buNone/>
-              <a:defRPr/>
+            <a:lvl2pPr indent="0" lvl="1" marL="0" marR="0" algn="r">
+              <a:lnSpc>
+                <a:spcPct val="100000"/>
+              </a:lnSpc>
+              <a:spcBef>
+                <a:spcPts val="0"/>
+              </a:spcBef>
+              <a:spcAft>
+                <a:spcPts val="0"/>
+              </a:spcAft>
+              <a:buClr>
+                <a:srgbClr val="000000"/>
+              </a:buClr>
+              <a:buSzPts val="1000"/>
+              <a:buFont typeface="Arial"/>
+              <a:buNone/>
+              <a:defRPr b="0" i="0" sz="1000" u="none" cap="none" strike="noStrike">
+                <a:solidFill>
+                  <a:schemeClr val="dk2"/>
+                </a:solidFill>
+                <a:latin typeface="Arial"/>
+                <a:ea typeface="Arial"/>
+                <a:cs typeface="Arial"/>
+                <a:sym typeface="Arial"/>
+              </a:defRPr>
             </a:lvl2pPr>
-            <a:lvl3pPr lvl="2">
-              <a:buNone/>
-              <a:defRPr/>
+            <a:lvl3pPr indent="0" lvl="2" marL="0" marR="0" algn="r">
+              <a:lnSpc>
+                <a:spcPct val="100000"/>
+              </a:lnSpc>
+              <a:spcBef>
+                <a:spcPts val="0"/>
+              </a:spcBef>
+              <a:spcAft>
+                <a:spcPts val="0"/>
+              </a:spcAft>
+              <a:buClr>
+                <a:srgbClr val="000000"/>
+              </a:buClr>
+              <a:buSzPts val="1000"/>
+              <a:buFont typeface="Arial"/>
+              <a:buNone/>
+              <a:defRPr b="0" i="0" sz="1000" u="none" cap="none" strike="noStrike">
+                <a:solidFill>
+                  <a:schemeClr val="dk2"/>
+                </a:solidFill>
+                <a:latin typeface="Arial"/>
+                <a:ea typeface="Arial"/>
+                <a:cs typeface="Arial"/>
+                <a:sym typeface="Arial"/>
+              </a:defRPr>
             </a:lvl3pPr>
-            <a:lvl4pPr lvl="3">
-              <a:buNone/>
-              <a:defRPr/>
+            <a:lvl4pPr indent="0" lvl="3" marL="0" marR="0" algn="r">
+              <a:lnSpc>
+                <a:spcPct val="100000"/>
+              </a:lnSpc>
+              <a:spcBef>
+                <a:spcPts val="0"/>
+              </a:spcBef>
+              <a:spcAft>
+                <a:spcPts val="0"/>
+              </a:spcAft>
+              <a:buClr>
+                <a:srgbClr val="000000"/>
+              </a:buClr>
+              <a:buSzPts val="1000"/>
+              <a:buFont typeface="Arial"/>
+              <a:buNone/>
+              <a:defRPr b="0" i="0" sz="1000" u="none" cap="none" strike="noStrike">
+                <a:solidFill>
+                  <a:schemeClr val="dk2"/>
+                </a:solidFill>
+                <a:latin typeface="Arial"/>
+                <a:ea typeface="Arial"/>
+                <a:cs typeface="Arial"/>
+                <a:sym typeface="Arial"/>
+              </a:defRPr>
             </a:lvl4pPr>
-            <a:lvl5pPr lvl="4">
-              <a:buNone/>
-              <a:defRPr/>
+            <a:lvl5pPr indent="0" lvl="4" marL="0" marR="0" algn="r">
+              <a:lnSpc>
+                <a:spcPct val="100000"/>
+              </a:lnSpc>
+              <a:spcBef>
+                <a:spcPts val="0"/>
+              </a:spcBef>
+              <a:spcAft>
+                <a:spcPts val="0"/>
+              </a:spcAft>
+              <a:buClr>
+                <a:srgbClr val="000000"/>
+              </a:buClr>
+              <a:buSzPts val="1000"/>
+              <a:buFont typeface="Arial"/>
+              <a:buNone/>
+              <a:defRPr b="0" i="0" sz="1000" u="none" cap="none" strike="noStrike">
+                <a:solidFill>
+                  <a:schemeClr val="dk2"/>
+                </a:solidFill>
+                <a:latin typeface="Arial"/>
+                <a:ea typeface="Arial"/>
+                <a:cs typeface="Arial"/>
+                <a:sym typeface="Arial"/>
+              </a:defRPr>
             </a:lvl5pPr>
-            <a:lvl6pPr lvl="5">
-              <a:buNone/>
-              <a:defRPr/>
+            <a:lvl6pPr indent="0" lvl="5" marL="0" marR="0" algn="r">
+              <a:lnSpc>
+                <a:spcPct val="100000"/>
+              </a:lnSpc>
+              <a:spcBef>
+                <a:spcPts val="0"/>
+              </a:spcBef>
+              <a:spcAft>
+                <a:spcPts val="0"/>
+              </a:spcAft>
+              <a:buClr>
+                <a:srgbClr val="000000"/>
+              </a:buClr>
+              <a:buSzPts val="1000"/>
+              <a:buFont typeface="Arial"/>
+              <a:buNone/>
+              <a:defRPr b="0" i="0" sz="1000" u="none" cap="none" strike="noStrike">
+                <a:solidFill>
+                  <a:schemeClr val="dk2"/>
+                </a:solidFill>
+                <a:latin typeface="Arial"/>
+                <a:ea typeface="Arial"/>
+                <a:cs typeface="Arial"/>
+                <a:sym typeface="Arial"/>
+              </a:defRPr>
             </a:lvl6pPr>
-            <a:lvl7pPr lvl="6">
-              <a:buNone/>
-              <a:defRPr/>
+            <a:lvl7pPr indent="0" lvl="6" marL="0" marR="0" algn="r">
+              <a:lnSpc>
+                <a:spcPct val="100000"/>
+              </a:lnSpc>
+              <a:spcBef>
+                <a:spcPts val="0"/>
+              </a:spcBef>
+              <a:spcAft>
+                <a:spcPts val="0"/>
+              </a:spcAft>
+              <a:buClr>
+                <a:srgbClr val="000000"/>
+              </a:buClr>
+              <a:buSzPts val="1000"/>
+              <a:buFont typeface="Arial"/>
+              <a:buNone/>
+              <a:defRPr b="0" i="0" sz="1000" u="none" cap="none" strike="noStrike">
+                <a:solidFill>
+                  <a:schemeClr val="dk2"/>
+                </a:solidFill>
+                <a:latin typeface="Arial"/>
+                <a:ea typeface="Arial"/>
+                <a:cs typeface="Arial"/>
+                <a:sym typeface="Arial"/>
+              </a:defRPr>
             </a:lvl7pPr>
-            <a:lvl8pPr lvl="7">
-              <a:buNone/>
-              <a:defRPr/>
+            <a:lvl8pPr indent="0" lvl="7" marL="0" marR="0" algn="r">
+              <a:lnSpc>
+                <a:spcPct val="100000"/>
+              </a:lnSpc>
+              <a:spcBef>
+                <a:spcPts val="0"/>
+              </a:spcBef>
+              <a:spcAft>
+                <a:spcPts val="0"/>
+              </a:spcAft>
+              <a:buClr>
+                <a:srgbClr val="000000"/>
+              </a:buClr>
+              <a:buSzPts val="1000"/>
+              <a:buFont typeface="Arial"/>
+              <a:buNone/>
+              <a:defRPr b="0" i="0" sz="1000" u="none" cap="none" strike="noStrike">
+                <a:solidFill>
+                  <a:schemeClr val="dk2"/>
+                </a:solidFill>
+                <a:latin typeface="Arial"/>
+                <a:ea typeface="Arial"/>
+                <a:cs typeface="Arial"/>
+                <a:sym typeface="Arial"/>
+              </a:defRPr>
             </a:lvl8pPr>
-            <a:lvl9pPr lvl="8">
-              <a:buNone/>
-              <a:defRPr/>
+            <a:lvl9pPr indent="0" lvl="8" marL="0" marR="0" algn="r">
+              <a:lnSpc>
+                <a:spcPct val="100000"/>
+              </a:lnSpc>
+              <a:spcBef>
+                <a:spcPts val="0"/>
+              </a:spcBef>
+              <a:spcAft>
+                <a:spcPts val="0"/>
+              </a:spcAft>
+              <a:buClr>
+                <a:srgbClr val="000000"/>
+              </a:buClr>
+              <a:buSzPts val="1000"/>
+              <a:buFont typeface="Arial"/>
+              <a:buNone/>
+              <a:defRPr b="0" i="0" sz="1000" u="none" cap="none" strike="noStrike">
+                <a:solidFill>
+                  <a:schemeClr val="dk2"/>
+                </a:solidFill>
+                <a:latin typeface="Arial"/>
+                <a:ea typeface="Arial"/>
+                <a:cs typeface="Arial"/>
+                <a:sym typeface="Arial"/>
+              </a:defRPr>
             </a:lvl9pPr>
           </a:lstStyle>
           <a:p>
@@ -3511,13 +5303,20 @@
           <a:prstGeom prst="rect">
             <a:avLst/>
           </a:prstGeom>
+          <a:noFill/>
+          <a:ln>
+            <a:noFill/>
+          </a:ln>
         </p:spPr>
         <p:txBody>
           <a:bodyPr anchorCtr="0" anchor="t" bIns="91425" lIns="91425" spcFirstLastPara="1" rIns="91425" wrap="square" tIns="91425">
             <a:normAutofit/>
           </a:bodyPr>
           <a:lstStyle>
-            <a:lvl1pPr lvl="0">
+            <a:lvl1pPr lvl="0" algn="l">
+              <a:lnSpc>
+                <a:spcPct val="100000"/>
+              </a:lnSpc>
               <a:spcBef>
                 <a:spcPts val="0"/>
               </a:spcBef>
@@ -3528,7 +5327,10 @@
               <a:buNone/>
               <a:defRPr/>
             </a:lvl1pPr>
-            <a:lvl2pPr lvl="1">
+            <a:lvl2pPr lvl="1" algn="l">
+              <a:lnSpc>
+                <a:spcPct val="100000"/>
+              </a:lnSpc>
               <a:spcBef>
                 <a:spcPts val="0"/>
               </a:spcBef>
@@ -3539,7 +5341,10 @@
               <a:buNone/>
               <a:defRPr/>
             </a:lvl2pPr>
-            <a:lvl3pPr lvl="2">
+            <a:lvl3pPr lvl="2" algn="l">
+              <a:lnSpc>
+                <a:spcPct val="100000"/>
+              </a:lnSpc>
               <a:spcBef>
                 <a:spcPts val="0"/>
               </a:spcBef>
@@ -3550,7 +5355,10 @@
               <a:buNone/>
               <a:defRPr/>
             </a:lvl3pPr>
-            <a:lvl4pPr lvl="3">
+            <a:lvl4pPr lvl="3" algn="l">
+              <a:lnSpc>
+                <a:spcPct val="100000"/>
+              </a:lnSpc>
               <a:spcBef>
                 <a:spcPts val="0"/>
               </a:spcBef>
@@ -3561,7 +5369,10 @@
               <a:buNone/>
               <a:defRPr/>
             </a:lvl4pPr>
-            <a:lvl5pPr lvl="4">
+            <a:lvl5pPr lvl="4" algn="l">
+              <a:lnSpc>
+                <a:spcPct val="100000"/>
+              </a:lnSpc>
               <a:spcBef>
                 <a:spcPts val="0"/>
               </a:spcBef>
@@ -3572,7 +5383,10 @@
               <a:buNone/>
               <a:defRPr/>
             </a:lvl5pPr>
-            <a:lvl6pPr lvl="5">
+            <a:lvl6pPr lvl="5" algn="l">
+              <a:lnSpc>
+                <a:spcPct val="100000"/>
+              </a:lnSpc>
               <a:spcBef>
                 <a:spcPts val="0"/>
               </a:spcBef>
@@ -3583,7 +5397,10 @@
               <a:buNone/>
               <a:defRPr/>
             </a:lvl6pPr>
-            <a:lvl7pPr lvl="6">
+            <a:lvl7pPr lvl="6" algn="l">
+              <a:lnSpc>
+                <a:spcPct val="100000"/>
+              </a:lnSpc>
               <a:spcBef>
                 <a:spcPts val="0"/>
               </a:spcBef>
@@ -3594,7 +5411,10 @@
               <a:buNone/>
               <a:defRPr/>
             </a:lvl7pPr>
-            <a:lvl8pPr lvl="7">
+            <a:lvl8pPr lvl="7" algn="l">
+              <a:lnSpc>
+                <a:spcPct val="100000"/>
+              </a:lnSpc>
               <a:spcBef>
                 <a:spcPts val="0"/>
               </a:spcBef>
@@ -3605,7 +5425,10 @@
               <a:buNone/>
               <a:defRPr/>
             </a:lvl8pPr>
-            <a:lvl9pPr lvl="8">
+            <a:lvl9pPr lvl="8" algn="l">
+              <a:lnSpc>
+                <a:spcPct val="100000"/>
+              </a:lnSpc>
               <a:spcBef>
                 <a:spcPts val="0"/>
               </a:spcBef>
@@ -3636,47 +5459,249 @@
           <a:prstGeom prst="rect">
             <a:avLst/>
           </a:prstGeom>
+          <a:noFill/>
+          <a:ln>
+            <a:noFill/>
+          </a:ln>
         </p:spPr>
         <p:txBody>
           <a:bodyPr anchorCtr="0" anchor="ctr" bIns="91425" lIns="91425" spcFirstLastPara="1" rIns="91425" wrap="square" tIns="91425">
             <a:normAutofit/>
           </a:bodyPr>
           <a:lstStyle>
-            <a:lvl1pPr lvl="0">
-              <a:buNone/>
-              <a:defRPr/>
+            <a:lvl1pPr indent="0" lvl="0" marL="0" marR="0" algn="r">
+              <a:lnSpc>
+                <a:spcPct val="100000"/>
+              </a:lnSpc>
+              <a:spcBef>
+                <a:spcPts val="0"/>
+              </a:spcBef>
+              <a:spcAft>
+                <a:spcPts val="0"/>
+              </a:spcAft>
+              <a:buClr>
+                <a:srgbClr val="000000"/>
+              </a:buClr>
+              <a:buSzPts val="1000"/>
+              <a:buFont typeface="Arial"/>
+              <a:buNone/>
+              <a:defRPr b="0" i="0" sz="1000" u="none" cap="none" strike="noStrike">
+                <a:solidFill>
+                  <a:schemeClr val="dk2"/>
+                </a:solidFill>
+                <a:latin typeface="Arial"/>
+                <a:ea typeface="Arial"/>
+                <a:cs typeface="Arial"/>
+                <a:sym typeface="Arial"/>
+              </a:defRPr>
             </a:lvl1pPr>
-            <a:lvl2pPr lvl="1">
-              <a:buNone/>
-              <a:defRPr/>
+            <a:lvl2pPr indent="0" lvl="1" marL="0" marR="0" algn="r">
+              <a:lnSpc>
+                <a:spcPct val="100000"/>
+              </a:lnSpc>
+              <a:spcBef>
+                <a:spcPts val="0"/>
+              </a:spcBef>
+              <a:spcAft>
+                <a:spcPts val="0"/>
+              </a:spcAft>
+              <a:buClr>
+                <a:srgbClr val="000000"/>
+              </a:buClr>
+              <a:buSzPts val="1000"/>
+              <a:buFont typeface="Arial"/>
+              <a:buNone/>
+              <a:defRPr b="0" i="0" sz="1000" u="none" cap="none" strike="noStrike">
+                <a:solidFill>
+                  <a:schemeClr val="dk2"/>
+                </a:solidFill>
+                <a:latin typeface="Arial"/>
+                <a:ea typeface="Arial"/>
+                <a:cs typeface="Arial"/>
+                <a:sym typeface="Arial"/>
+              </a:defRPr>
             </a:lvl2pPr>
-            <a:lvl3pPr lvl="2">
-              <a:buNone/>
-              <a:defRPr/>
+            <a:lvl3pPr indent="0" lvl="2" marL="0" marR="0" algn="r">
+              <a:lnSpc>
+                <a:spcPct val="100000"/>
+              </a:lnSpc>
+              <a:spcBef>
+                <a:spcPts val="0"/>
+              </a:spcBef>
+              <a:spcAft>
+                <a:spcPts val="0"/>
+              </a:spcAft>
+              <a:buClr>
+                <a:srgbClr val="000000"/>
+              </a:buClr>
+              <a:buSzPts val="1000"/>
+              <a:buFont typeface="Arial"/>
+              <a:buNone/>
+              <a:defRPr b="0" i="0" sz="1000" u="none" cap="none" strike="noStrike">
+                <a:solidFill>
+                  <a:schemeClr val="dk2"/>
+                </a:solidFill>
+                <a:latin typeface="Arial"/>
+                <a:ea typeface="Arial"/>
+                <a:cs typeface="Arial"/>
+                <a:sym typeface="Arial"/>
+              </a:defRPr>
             </a:lvl3pPr>
-            <a:lvl4pPr lvl="3">
-              <a:buNone/>
-              <a:defRPr/>
+            <a:lvl4pPr indent="0" lvl="3" marL="0" marR="0" algn="r">
+              <a:lnSpc>
+                <a:spcPct val="100000"/>
+              </a:lnSpc>
+              <a:spcBef>
+                <a:spcPts val="0"/>
+              </a:spcBef>
+              <a:spcAft>
+                <a:spcPts val="0"/>
+              </a:spcAft>
+              <a:buClr>
+                <a:srgbClr val="000000"/>
+              </a:buClr>
+              <a:buSzPts val="1000"/>
+              <a:buFont typeface="Arial"/>
+              <a:buNone/>
+              <a:defRPr b="0" i="0" sz="1000" u="none" cap="none" strike="noStrike">
+                <a:solidFill>
+                  <a:schemeClr val="dk2"/>
+                </a:solidFill>
+                <a:latin typeface="Arial"/>
+                <a:ea typeface="Arial"/>
+                <a:cs typeface="Arial"/>
+                <a:sym typeface="Arial"/>
+              </a:defRPr>
             </a:lvl4pPr>
-            <a:lvl5pPr lvl="4">
-              <a:buNone/>
-              <a:defRPr/>
+            <a:lvl5pPr indent="0" lvl="4" marL="0" marR="0" algn="r">
+              <a:lnSpc>
+                <a:spcPct val="100000"/>
+              </a:lnSpc>
+              <a:spcBef>
+                <a:spcPts val="0"/>
+              </a:spcBef>
+              <a:spcAft>
+                <a:spcPts val="0"/>
+              </a:spcAft>
+              <a:buClr>
+                <a:srgbClr val="000000"/>
+              </a:buClr>
+              <a:buSzPts val="1000"/>
+              <a:buFont typeface="Arial"/>
+              <a:buNone/>
+              <a:defRPr b="0" i="0" sz="1000" u="none" cap="none" strike="noStrike">
+                <a:solidFill>
+                  <a:schemeClr val="dk2"/>
+                </a:solidFill>
+                <a:latin typeface="Arial"/>
+                <a:ea typeface="Arial"/>
+                <a:cs typeface="Arial"/>
+                <a:sym typeface="Arial"/>
+              </a:defRPr>
             </a:lvl5pPr>
-            <a:lvl6pPr lvl="5">
-              <a:buNone/>
-              <a:defRPr/>
+            <a:lvl6pPr indent="0" lvl="5" marL="0" marR="0" algn="r">
+              <a:lnSpc>
+                <a:spcPct val="100000"/>
+              </a:lnSpc>
+              <a:spcBef>
+                <a:spcPts val="0"/>
+              </a:spcBef>
+              <a:spcAft>
+                <a:spcPts val="0"/>
+              </a:spcAft>
+              <a:buClr>
+                <a:srgbClr val="000000"/>
+              </a:buClr>
+              <a:buSzPts val="1000"/>
+              <a:buFont typeface="Arial"/>
+              <a:buNone/>
+              <a:defRPr b="0" i="0" sz="1000" u="none" cap="none" strike="noStrike">
+                <a:solidFill>
+                  <a:schemeClr val="dk2"/>
+                </a:solidFill>
+                <a:latin typeface="Arial"/>
+                <a:ea typeface="Arial"/>
+                <a:cs typeface="Arial"/>
+                <a:sym typeface="Arial"/>
+              </a:defRPr>
             </a:lvl6pPr>
-            <a:lvl7pPr lvl="6">
-              <a:buNone/>
-              <a:defRPr/>
+            <a:lvl7pPr indent="0" lvl="6" marL="0" marR="0" algn="r">
+              <a:lnSpc>
+                <a:spcPct val="100000"/>
+              </a:lnSpc>
+              <a:spcBef>
+                <a:spcPts val="0"/>
+              </a:spcBef>
+              <a:spcAft>
+                <a:spcPts val="0"/>
+              </a:spcAft>
+              <a:buClr>
+                <a:srgbClr val="000000"/>
+              </a:buClr>
+              <a:buSzPts val="1000"/>
+              <a:buFont typeface="Arial"/>
+              <a:buNone/>
+              <a:defRPr b="0" i="0" sz="1000" u="none" cap="none" strike="noStrike">
+                <a:solidFill>
+                  <a:schemeClr val="dk2"/>
+                </a:solidFill>
+                <a:latin typeface="Arial"/>
+                <a:ea typeface="Arial"/>
+                <a:cs typeface="Arial"/>
+                <a:sym typeface="Arial"/>
+              </a:defRPr>
             </a:lvl7pPr>
-            <a:lvl8pPr lvl="7">
-              <a:buNone/>
-              <a:defRPr/>
+            <a:lvl8pPr indent="0" lvl="7" marL="0" marR="0" algn="r">
+              <a:lnSpc>
+                <a:spcPct val="100000"/>
+              </a:lnSpc>
+              <a:spcBef>
+                <a:spcPts val="0"/>
+              </a:spcBef>
+              <a:spcAft>
+                <a:spcPts val="0"/>
+              </a:spcAft>
+              <a:buClr>
+                <a:srgbClr val="000000"/>
+              </a:buClr>
+              <a:buSzPts val="1000"/>
+              <a:buFont typeface="Arial"/>
+              <a:buNone/>
+              <a:defRPr b="0" i="0" sz="1000" u="none" cap="none" strike="noStrike">
+                <a:solidFill>
+                  <a:schemeClr val="dk2"/>
+                </a:solidFill>
+                <a:latin typeface="Arial"/>
+                <a:ea typeface="Arial"/>
+                <a:cs typeface="Arial"/>
+                <a:sym typeface="Arial"/>
+              </a:defRPr>
             </a:lvl8pPr>
-            <a:lvl9pPr lvl="8">
-              <a:buNone/>
-              <a:defRPr/>
+            <a:lvl9pPr indent="0" lvl="8" marL="0" marR="0" algn="r">
+              <a:lnSpc>
+                <a:spcPct val="100000"/>
+              </a:lnSpc>
+              <a:spcBef>
+                <a:spcPts val="0"/>
+              </a:spcBef>
+              <a:spcAft>
+                <a:spcPts val="0"/>
+              </a:spcAft>
+              <a:buClr>
+                <a:srgbClr val="000000"/>
+              </a:buClr>
+              <a:buSzPts val="1000"/>
+              <a:buFont typeface="Arial"/>
+              <a:buNone/>
+              <a:defRPr b="0" i="0" sz="1000" u="none" cap="none" strike="noStrike">
+                <a:solidFill>
+                  <a:schemeClr val="dk2"/>
+                </a:solidFill>
+                <a:latin typeface="Arial"/>
+                <a:ea typeface="Arial"/>
+                <a:cs typeface="Arial"/>
+                <a:sym typeface="Arial"/>
+              </a:defRPr>
             </a:lvl9pPr>
           </a:lstStyle>
           <a:p>
@@ -3738,13 +5763,20 @@
           <a:prstGeom prst="rect">
             <a:avLst/>
           </a:prstGeom>
+          <a:noFill/>
+          <a:ln>
+            <a:noFill/>
+          </a:ln>
         </p:spPr>
         <p:txBody>
           <a:bodyPr anchorCtr="0" anchor="b" bIns="91425" lIns="91425" spcFirstLastPara="1" rIns="91425" wrap="square" tIns="91425">
             <a:normAutofit/>
           </a:bodyPr>
           <a:lstStyle>
-            <a:lvl1pPr lvl="0">
+            <a:lvl1pPr lvl="0" algn="l">
+              <a:lnSpc>
+                <a:spcPct val="100000"/>
+              </a:lnSpc>
               <a:spcBef>
                 <a:spcPts val="0"/>
               </a:spcBef>
@@ -3755,7 +5787,10 @@
               <a:buNone/>
               <a:defRPr sz="2400"/>
             </a:lvl1pPr>
-            <a:lvl2pPr lvl="1">
+            <a:lvl2pPr lvl="1" algn="l">
+              <a:lnSpc>
+                <a:spcPct val="100000"/>
+              </a:lnSpc>
               <a:spcBef>
                 <a:spcPts val="0"/>
               </a:spcBef>
@@ -3766,7 +5801,10 @@
               <a:buNone/>
               <a:defRPr sz="2400"/>
             </a:lvl2pPr>
-            <a:lvl3pPr lvl="2">
+            <a:lvl3pPr lvl="2" algn="l">
+              <a:lnSpc>
+                <a:spcPct val="100000"/>
+              </a:lnSpc>
               <a:spcBef>
                 <a:spcPts val="0"/>
               </a:spcBef>
@@ -3777,7 +5815,10 @@
               <a:buNone/>
               <a:defRPr sz="2400"/>
             </a:lvl3pPr>
-            <a:lvl4pPr lvl="3">
+            <a:lvl4pPr lvl="3" algn="l">
+              <a:lnSpc>
+                <a:spcPct val="100000"/>
+              </a:lnSpc>
               <a:spcBef>
                 <a:spcPts val="0"/>
               </a:spcBef>
@@ -3788,7 +5829,10 @@
               <a:buNone/>
               <a:defRPr sz="2400"/>
             </a:lvl4pPr>
-            <a:lvl5pPr lvl="4">
+            <a:lvl5pPr lvl="4" algn="l">
+              <a:lnSpc>
+                <a:spcPct val="100000"/>
+              </a:lnSpc>
               <a:spcBef>
                 <a:spcPts val="0"/>
               </a:spcBef>
@@ -3799,7 +5843,10 @@
               <a:buNone/>
               <a:defRPr sz="2400"/>
             </a:lvl5pPr>
-            <a:lvl6pPr lvl="5">
+            <a:lvl6pPr lvl="5" algn="l">
+              <a:lnSpc>
+                <a:spcPct val="100000"/>
+              </a:lnSpc>
               <a:spcBef>
                 <a:spcPts val="0"/>
               </a:spcBef>
@@ -3810,7 +5857,10 @@
               <a:buNone/>
               <a:defRPr sz="2400"/>
             </a:lvl6pPr>
-            <a:lvl7pPr lvl="6">
+            <a:lvl7pPr lvl="6" algn="l">
+              <a:lnSpc>
+                <a:spcPct val="100000"/>
+              </a:lnSpc>
               <a:spcBef>
                 <a:spcPts val="0"/>
               </a:spcBef>
@@ -3821,7 +5871,10 @@
               <a:buNone/>
               <a:defRPr sz="2400"/>
             </a:lvl7pPr>
-            <a:lvl8pPr lvl="7">
+            <a:lvl8pPr lvl="7" algn="l">
+              <a:lnSpc>
+                <a:spcPct val="100000"/>
+              </a:lnSpc>
               <a:spcBef>
                 <a:spcPts val="0"/>
               </a:spcBef>
@@ -3832,7 +5885,10 @@
               <a:buNone/>
               <a:defRPr sz="2400"/>
             </a:lvl8pPr>
-            <a:lvl9pPr lvl="8">
+            <a:lvl9pPr lvl="8" algn="l">
+              <a:lnSpc>
+                <a:spcPct val="100000"/>
+              </a:lnSpc>
               <a:spcBef>
                 <a:spcPts val="0"/>
               </a:spcBef>
@@ -3863,13 +5919,20 @@
           <a:prstGeom prst="rect">
             <a:avLst/>
           </a:prstGeom>
+          <a:noFill/>
+          <a:ln>
+            <a:noFill/>
+          </a:ln>
         </p:spPr>
         <p:txBody>
           <a:bodyPr anchorCtr="0" anchor="t" bIns="91425" lIns="91425" spcFirstLastPara="1" rIns="91425" wrap="square" tIns="91425">
             <a:normAutofit/>
           </a:bodyPr>
           <a:lstStyle>
-            <a:lvl1pPr indent="-304800" lvl="0" marL="457200">
+            <a:lvl1pPr indent="-304800" lvl="0" marL="457200" algn="l">
+              <a:lnSpc>
+                <a:spcPct val="115000"/>
+              </a:lnSpc>
               <a:spcBef>
                 <a:spcPts val="0"/>
               </a:spcBef>
@@ -3880,7 +5943,10 @@
               <a:buChar char="●"/>
               <a:defRPr sz="1200"/>
             </a:lvl1pPr>
-            <a:lvl2pPr indent="-304800" lvl="1" marL="914400">
+            <a:lvl2pPr indent="-304800" lvl="1" marL="914400" algn="l">
+              <a:lnSpc>
+                <a:spcPct val="115000"/>
+              </a:lnSpc>
               <a:spcBef>
                 <a:spcPts val="0"/>
               </a:spcBef>
@@ -3891,7 +5957,10 @@
               <a:buChar char="○"/>
               <a:defRPr sz="1200"/>
             </a:lvl2pPr>
-            <a:lvl3pPr indent="-304800" lvl="2" marL="1371600">
+            <a:lvl3pPr indent="-304800" lvl="2" marL="1371600" algn="l">
+              <a:lnSpc>
+                <a:spcPct val="115000"/>
+              </a:lnSpc>
               <a:spcBef>
                 <a:spcPts val="0"/>
               </a:spcBef>
@@ -3902,7 +5971,10 @@
               <a:buChar char="■"/>
               <a:defRPr sz="1200"/>
             </a:lvl3pPr>
-            <a:lvl4pPr indent="-304800" lvl="3" marL="1828800">
+            <a:lvl4pPr indent="-304800" lvl="3" marL="1828800" algn="l">
+              <a:lnSpc>
+                <a:spcPct val="115000"/>
+              </a:lnSpc>
               <a:spcBef>
                 <a:spcPts val="0"/>
               </a:spcBef>
@@ -3913,7 +5985,10 @@
               <a:buChar char="●"/>
               <a:defRPr sz="1200"/>
             </a:lvl4pPr>
-            <a:lvl5pPr indent="-304800" lvl="4" marL="2286000">
+            <a:lvl5pPr indent="-304800" lvl="4" marL="2286000" algn="l">
+              <a:lnSpc>
+                <a:spcPct val="115000"/>
+              </a:lnSpc>
               <a:spcBef>
                 <a:spcPts val="0"/>
               </a:spcBef>
@@ -3924,7 +5999,10 @@
               <a:buChar char="○"/>
               <a:defRPr sz="1200"/>
             </a:lvl5pPr>
-            <a:lvl6pPr indent="-304800" lvl="5" marL="2743200">
+            <a:lvl6pPr indent="-304800" lvl="5" marL="2743200" algn="l">
+              <a:lnSpc>
+                <a:spcPct val="115000"/>
+              </a:lnSpc>
               <a:spcBef>
                 <a:spcPts val="0"/>
               </a:spcBef>
@@ -3935,7 +6013,10 @@
               <a:buChar char="■"/>
               <a:defRPr sz="1200"/>
             </a:lvl6pPr>
-            <a:lvl7pPr indent="-304800" lvl="6" marL="3200400">
+            <a:lvl7pPr indent="-304800" lvl="6" marL="3200400" algn="l">
+              <a:lnSpc>
+                <a:spcPct val="115000"/>
+              </a:lnSpc>
               <a:spcBef>
                 <a:spcPts val="0"/>
               </a:spcBef>
@@ -3946,7 +6027,10 @@
               <a:buChar char="●"/>
               <a:defRPr sz="1200"/>
             </a:lvl7pPr>
-            <a:lvl8pPr indent="-304800" lvl="7" marL="3657600">
+            <a:lvl8pPr indent="-304800" lvl="7" marL="3657600" algn="l">
+              <a:lnSpc>
+                <a:spcPct val="115000"/>
+              </a:lnSpc>
               <a:spcBef>
                 <a:spcPts val="0"/>
               </a:spcBef>
@@ -3957,7 +6041,10 @@
               <a:buChar char="○"/>
               <a:defRPr sz="1200"/>
             </a:lvl8pPr>
-            <a:lvl9pPr indent="-304800" lvl="8" marL="4114800">
+            <a:lvl9pPr indent="-304800" lvl="8" marL="4114800" algn="l">
+              <a:lnSpc>
+                <a:spcPct val="115000"/>
+              </a:lnSpc>
               <a:spcBef>
                 <a:spcPts val="0"/>
               </a:spcBef>
@@ -3988,47 +6075,249 @@
           <a:prstGeom prst="rect">
             <a:avLst/>
           </a:prstGeom>
+          <a:noFill/>
+          <a:ln>
+            <a:noFill/>
+          </a:ln>
         </p:spPr>
         <p:txBody>
           <a:bodyPr anchorCtr="0" anchor="ctr" bIns="91425" lIns="91425" spcFirstLastPara="1" rIns="91425" wrap="square" tIns="91425">
             <a:normAutofit/>
           </a:bodyPr>
           <a:lstStyle>
-            <a:lvl1pPr lvl="0">
-              <a:buNone/>
-              <a:defRPr/>
+            <a:lvl1pPr indent="0" lvl="0" marL="0" marR="0" algn="r">
+              <a:lnSpc>
+                <a:spcPct val="100000"/>
+              </a:lnSpc>
+              <a:spcBef>
+                <a:spcPts val="0"/>
+              </a:spcBef>
+              <a:spcAft>
+                <a:spcPts val="0"/>
+              </a:spcAft>
+              <a:buClr>
+                <a:srgbClr val="000000"/>
+              </a:buClr>
+              <a:buSzPts val="1000"/>
+              <a:buFont typeface="Arial"/>
+              <a:buNone/>
+              <a:defRPr b="0" i="0" sz="1000" u="none" cap="none" strike="noStrike">
+                <a:solidFill>
+                  <a:schemeClr val="dk2"/>
+                </a:solidFill>
+                <a:latin typeface="Arial"/>
+                <a:ea typeface="Arial"/>
+                <a:cs typeface="Arial"/>
+                <a:sym typeface="Arial"/>
+              </a:defRPr>
             </a:lvl1pPr>
-            <a:lvl2pPr lvl="1">
-              <a:buNone/>
-              <a:defRPr/>
+            <a:lvl2pPr indent="0" lvl="1" marL="0" marR="0" algn="r">
+              <a:lnSpc>
+                <a:spcPct val="100000"/>
+              </a:lnSpc>
+              <a:spcBef>
+                <a:spcPts val="0"/>
+              </a:spcBef>
+              <a:spcAft>
+                <a:spcPts val="0"/>
+              </a:spcAft>
+              <a:buClr>
+                <a:srgbClr val="000000"/>
+              </a:buClr>
+              <a:buSzPts val="1000"/>
+              <a:buFont typeface="Arial"/>
+              <a:buNone/>
+              <a:defRPr b="0" i="0" sz="1000" u="none" cap="none" strike="noStrike">
+                <a:solidFill>
+                  <a:schemeClr val="dk2"/>
+                </a:solidFill>
+                <a:latin typeface="Arial"/>
+                <a:ea typeface="Arial"/>
+                <a:cs typeface="Arial"/>
+                <a:sym typeface="Arial"/>
+              </a:defRPr>
             </a:lvl2pPr>
-            <a:lvl3pPr lvl="2">
-              <a:buNone/>
-              <a:defRPr/>
+            <a:lvl3pPr indent="0" lvl="2" marL="0" marR="0" algn="r">
+              <a:lnSpc>
+                <a:spcPct val="100000"/>
+              </a:lnSpc>
+              <a:spcBef>
+                <a:spcPts val="0"/>
+              </a:spcBef>
+              <a:spcAft>
+                <a:spcPts val="0"/>
+              </a:spcAft>
+              <a:buClr>
+                <a:srgbClr val="000000"/>
+              </a:buClr>
+              <a:buSzPts val="1000"/>
+              <a:buFont typeface="Arial"/>
+              <a:buNone/>
+              <a:defRPr b="0" i="0" sz="1000" u="none" cap="none" strike="noStrike">
+                <a:solidFill>
+                  <a:schemeClr val="dk2"/>
+                </a:solidFill>
+                <a:latin typeface="Arial"/>
+                <a:ea typeface="Arial"/>
+                <a:cs typeface="Arial"/>
+                <a:sym typeface="Arial"/>
+              </a:defRPr>
             </a:lvl3pPr>
-            <a:lvl4pPr lvl="3">
-              <a:buNone/>
-              <a:defRPr/>
+            <a:lvl4pPr indent="0" lvl="3" marL="0" marR="0" algn="r">
+              <a:lnSpc>
+                <a:spcPct val="100000"/>
+              </a:lnSpc>
+              <a:spcBef>
+                <a:spcPts val="0"/>
+              </a:spcBef>
+              <a:spcAft>
+                <a:spcPts val="0"/>
+              </a:spcAft>
+              <a:buClr>
+                <a:srgbClr val="000000"/>
+              </a:buClr>
+              <a:buSzPts val="1000"/>
+              <a:buFont typeface="Arial"/>
+              <a:buNone/>
+              <a:defRPr b="0" i="0" sz="1000" u="none" cap="none" strike="noStrike">
+                <a:solidFill>
+                  <a:schemeClr val="dk2"/>
+                </a:solidFill>
+                <a:latin typeface="Arial"/>
+                <a:ea typeface="Arial"/>
+                <a:cs typeface="Arial"/>
+                <a:sym typeface="Arial"/>
+              </a:defRPr>
             </a:lvl4pPr>
-            <a:lvl5pPr lvl="4">
-              <a:buNone/>
-              <a:defRPr/>
+            <a:lvl5pPr indent="0" lvl="4" marL="0" marR="0" algn="r">
+              <a:lnSpc>
+                <a:spcPct val="100000"/>
+              </a:lnSpc>
+              <a:spcBef>
+                <a:spcPts val="0"/>
+              </a:spcBef>
+              <a:spcAft>
+                <a:spcPts val="0"/>
+              </a:spcAft>
+              <a:buClr>
+                <a:srgbClr val="000000"/>
+              </a:buClr>
+              <a:buSzPts val="1000"/>
+              <a:buFont typeface="Arial"/>
+              <a:buNone/>
+              <a:defRPr b="0" i="0" sz="1000" u="none" cap="none" strike="noStrike">
+                <a:solidFill>
+                  <a:schemeClr val="dk2"/>
+                </a:solidFill>
+                <a:latin typeface="Arial"/>
+                <a:ea typeface="Arial"/>
+                <a:cs typeface="Arial"/>
+                <a:sym typeface="Arial"/>
+              </a:defRPr>
             </a:lvl5pPr>
-            <a:lvl6pPr lvl="5">
-              <a:buNone/>
-              <a:defRPr/>
+            <a:lvl6pPr indent="0" lvl="5" marL="0" marR="0" algn="r">
+              <a:lnSpc>
+                <a:spcPct val="100000"/>
+              </a:lnSpc>
+              <a:spcBef>
+                <a:spcPts val="0"/>
+              </a:spcBef>
+              <a:spcAft>
+                <a:spcPts val="0"/>
+              </a:spcAft>
+              <a:buClr>
+                <a:srgbClr val="000000"/>
+              </a:buClr>
+              <a:buSzPts val="1000"/>
+              <a:buFont typeface="Arial"/>
+              <a:buNone/>
+              <a:defRPr b="0" i="0" sz="1000" u="none" cap="none" strike="noStrike">
+                <a:solidFill>
+                  <a:schemeClr val="dk2"/>
+                </a:solidFill>
+                <a:latin typeface="Arial"/>
+                <a:ea typeface="Arial"/>
+                <a:cs typeface="Arial"/>
+                <a:sym typeface="Arial"/>
+              </a:defRPr>
             </a:lvl6pPr>
-            <a:lvl7pPr lvl="6">
-              <a:buNone/>
-              <a:defRPr/>
+            <a:lvl7pPr indent="0" lvl="6" marL="0" marR="0" algn="r">
+              <a:lnSpc>
+                <a:spcPct val="100000"/>
+              </a:lnSpc>
+              <a:spcBef>
+                <a:spcPts val="0"/>
+              </a:spcBef>
+              <a:spcAft>
+                <a:spcPts val="0"/>
+              </a:spcAft>
+              <a:buClr>
+                <a:srgbClr val="000000"/>
+              </a:buClr>
+              <a:buSzPts val="1000"/>
+              <a:buFont typeface="Arial"/>
+              <a:buNone/>
+              <a:defRPr b="0" i="0" sz="1000" u="none" cap="none" strike="noStrike">
+                <a:solidFill>
+                  <a:schemeClr val="dk2"/>
+                </a:solidFill>
+                <a:latin typeface="Arial"/>
+                <a:ea typeface="Arial"/>
+                <a:cs typeface="Arial"/>
+                <a:sym typeface="Arial"/>
+              </a:defRPr>
             </a:lvl7pPr>
-            <a:lvl8pPr lvl="7">
-              <a:buNone/>
-              <a:defRPr/>
+            <a:lvl8pPr indent="0" lvl="7" marL="0" marR="0" algn="r">
+              <a:lnSpc>
+                <a:spcPct val="100000"/>
+              </a:lnSpc>
+              <a:spcBef>
+                <a:spcPts val="0"/>
+              </a:spcBef>
+              <a:spcAft>
+                <a:spcPts val="0"/>
+              </a:spcAft>
+              <a:buClr>
+                <a:srgbClr val="000000"/>
+              </a:buClr>
+              <a:buSzPts val="1000"/>
+              <a:buFont typeface="Arial"/>
+              <a:buNone/>
+              <a:defRPr b="0" i="0" sz="1000" u="none" cap="none" strike="noStrike">
+                <a:solidFill>
+                  <a:schemeClr val="dk2"/>
+                </a:solidFill>
+                <a:latin typeface="Arial"/>
+                <a:ea typeface="Arial"/>
+                <a:cs typeface="Arial"/>
+                <a:sym typeface="Arial"/>
+              </a:defRPr>
             </a:lvl8pPr>
-            <a:lvl9pPr lvl="8">
-              <a:buNone/>
-              <a:defRPr/>
+            <a:lvl9pPr indent="0" lvl="8" marL="0" marR="0" algn="r">
+              <a:lnSpc>
+                <a:spcPct val="100000"/>
+              </a:lnSpc>
+              <a:spcBef>
+                <a:spcPts val="0"/>
+              </a:spcBef>
+              <a:spcAft>
+                <a:spcPts val="0"/>
+              </a:spcAft>
+              <a:buClr>
+                <a:srgbClr val="000000"/>
+              </a:buClr>
+              <a:buSzPts val="1000"/>
+              <a:buFont typeface="Arial"/>
+              <a:buNone/>
+              <a:defRPr b="0" i="0" sz="1000" u="none" cap="none" strike="noStrike">
+                <a:solidFill>
+                  <a:schemeClr val="dk2"/>
+                </a:solidFill>
+                <a:latin typeface="Arial"/>
+                <a:ea typeface="Arial"/>
+                <a:cs typeface="Arial"/>
+                <a:sym typeface="Arial"/>
+              </a:defRPr>
             </a:lvl9pPr>
           </a:lstStyle>
           <a:p>
@@ -4090,13 +6379,20 @@
           <a:prstGeom prst="rect">
             <a:avLst/>
           </a:prstGeom>
+          <a:noFill/>
+          <a:ln>
+            <a:noFill/>
+          </a:ln>
         </p:spPr>
         <p:txBody>
           <a:bodyPr anchorCtr="0" anchor="ctr" bIns="91425" lIns="91425" spcFirstLastPara="1" rIns="91425" wrap="square" tIns="91425">
             <a:normAutofit/>
           </a:bodyPr>
           <a:lstStyle>
-            <a:lvl1pPr lvl="0">
+            <a:lvl1pPr lvl="0" algn="l">
+              <a:lnSpc>
+                <a:spcPct val="100000"/>
+              </a:lnSpc>
               <a:spcBef>
                 <a:spcPts val="0"/>
               </a:spcBef>
@@ -4107,7 +6403,10 @@
               <a:buNone/>
               <a:defRPr sz="4800"/>
             </a:lvl1pPr>
-            <a:lvl2pPr lvl="1">
+            <a:lvl2pPr lvl="1" algn="l">
+              <a:lnSpc>
+                <a:spcPct val="100000"/>
+              </a:lnSpc>
               <a:spcBef>
                 <a:spcPts val="0"/>
               </a:spcBef>
@@ -4118,7 +6417,10 @@
               <a:buNone/>
               <a:defRPr sz="4800"/>
             </a:lvl2pPr>
-            <a:lvl3pPr lvl="2">
+            <a:lvl3pPr lvl="2" algn="l">
+              <a:lnSpc>
+                <a:spcPct val="100000"/>
+              </a:lnSpc>
               <a:spcBef>
                 <a:spcPts val="0"/>
               </a:spcBef>
@@ -4129,7 +6431,10 @@
               <a:buNone/>
               <a:defRPr sz="4800"/>
             </a:lvl3pPr>
-            <a:lvl4pPr lvl="3">
+            <a:lvl4pPr lvl="3" algn="l">
+              <a:lnSpc>
+                <a:spcPct val="100000"/>
+              </a:lnSpc>
               <a:spcBef>
                 <a:spcPts val="0"/>
               </a:spcBef>
@@ -4140,7 +6445,10 @@
               <a:buNone/>
               <a:defRPr sz="4800"/>
             </a:lvl4pPr>
-            <a:lvl5pPr lvl="4">
+            <a:lvl5pPr lvl="4" algn="l">
+              <a:lnSpc>
+                <a:spcPct val="100000"/>
+              </a:lnSpc>
               <a:spcBef>
                 <a:spcPts val="0"/>
               </a:spcBef>
@@ -4151,7 +6459,10 @@
               <a:buNone/>
               <a:defRPr sz="4800"/>
             </a:lvl5pPr>
-            <a:lvl6pPr lvl="5">
+            <a:lvl6pPr lvl="5" algn="l">
+              <a:lnSpc>
+                <a:spcPct val="100000"/>
+              </a:lnSpc>
               <a:spcBef>
                 <a:spcPts val="0"/>
               </a:spcBef>
@@ -4162,7 +6473,10 @@
               <a:buNone/>
               <a:defRPr sz="4800"/>
             </a:lvl6pPr>
-            <a:lvl7pPr lvl="6">
+            <a:lvl7pPr lvl="6" algn="l">
+              <a:lnSpc>
+                <a:spcPct val="100000"/>
+              </a:lnSpc>
               <a:spcBef>
                 <a:spcPts val="0"/>
               </a:spcBef>
@@ -4173,7 +6487,10 @@
               <a:buNone/>
               <a:defRPr sz="4800"/>
             </a:lvl7pPr>
-            <a:lvl8pPr lvl="7">
+            <a:lvl8pPr lvl="7" algn="l">
+              <a:lnSpc>
+                <a:spcPct val="100000"/>
+              </a:lnSpc>
               <a:spcBef>
                 <a:spcPts val="0"/>
               </a:spcBef>
@@ -4184,7 +6501,10 @@
               <a:buNone/>
               <a:defRPr sz="4800"/>
             </a:lvl8pPr>
-            <a:lvl9pPr lvl="8">
+            <a:lvl9pPr lvl="8" algn="l">
+              <a:lnSpc>
+                <a:spcPct val="100000"/>
+              </a:lnSpc>
               <a:spcBef>
                 <a:spcPts val="0"/>
               </a:spcBef>
@@ -4215,47 +6535,249 @@
           <a:prstGeom prst="rect">
             <a:avLst/>
           </a:prstGeom>
+          <a:noFill/>
+          <a:ln>
+            <a:noFill/>
+          </a:ln>
         </p:spPr>
         <p:txBody>
           <a:bodyPr anchorCtr="0" anchor="ctr" bIns="91425" lIns="91425" spcFirstLastPara="1" rIns="91425" wrap="square" tIns="91425">
             <a:normAutofit/>
           </a:bodyPr>
           <a:lstStyle>
-            <a:lvl1pPr lvl="0">
-              <a:buNone/>
-              <a:defRPr/>
+            <a:lvl1pPr indent="0" lvl="0" marL="0" marR="0" algn="r">
+              <a:lnSpc>
+                <a:spcPct val="100000"/>
+              </a:lnSpc>
+              <a:spcBef>
+                <a:spcPts val="0"/>
+              </a:spcBef>
+              <a:spcAft>
+                <a:spcPts val="0"/>
+              </a:spcAft>
+              <a:buClr>
+                <a:srgbClr val="000000"/>
+              </a:buClr>
+              <a:buSzPts val="1000"/>
+              <a:buFont typeface="Arial"/>
+              <a:buNone/>
+              <a:defRPr b="0" i="0" sz="1000" u="none" cap="none" strike="noStrike">
+                <a:solidFill>
+                  <a:schemeClr val="dk2"/>
+                </a:solidFill>
+                <a:latin typeface="Arial"/>
+                <a:ea typeface="Arial"/>
+                <a:cs typeface="Arial"/>
+                <a:sym typeface="Arial"/>
+              </a:defRPr>
             </a:lvl1pPr>
-            <a:lvl2pPr lvl="1">
-              <a:buNone/>
-              <a:defRPr/>
+            <a:lvl2pPr indent="0" lvl="1" marL="0" marR="0" algn="r">
+              <a:lnSpc>
+                <a:spcPct val="100000"/>
+              </a:lnSpc>
+              <a:spcBef>
+                <a:spcPts val="0"/>
+              </a:spcBef>
+              <a:spcAft>
+                <a:spcPts val="0"/>
+              </a:spcAft>
+              <a:buClr>
+                <a:srgbClr val="000000"/>
+              </a:buClr>
+              <a:buSzPts val="1000"/>
+              <a:buFont typeface="Arial"/>
+              <a:buNone/>
+              <a:defRPr b="0" i="0" sz="1000" u="none" cap="none" strike="noStrike">
+                <a:solidFill>
+                  <a:schemeClr val="dk2"/>
+                </a:solidFill>
+                <a:latin typeface="Arial"/>
+                <a:ea typeface="Arial"/>
+                <a:cs typeface="Arial"/>
+                <a:sym typeface="Arial"/>
+              </a:defRPr>
             </a:lvl2pPr>
-            <a:lvl3pPr lvl="2">
-              <a:buNone/>
-              <a:defRPr/>
+            <a:lvl3pPr indent="0" lvl="2" marL="0" marR="0" algn="r">
+              <a:lnSpc>
+                <a:spcPct val="100000"/>
+              </a:lnSpc>
+              <a:spcBef>
+                <a:spcPts val="0"/>
+              </a:spcBef>
+              <a:spcAft>
+                <a:spcPts val="0"/>
+              </a:spcAft>
+              <a:buClr>
+                <a:srgbClr val="000000"/>
+              </a:buClr>
+              <a:buSzPts val="1000"/>
+              <a:buFont typeface="Arial"/>
+              <a:buNone/>
+              <a:defRPr b="0" i="0" sz="1000" u="none" cap="none" strike="noStrike">
+                <a:solidFill>
+                  <a:schemeClr val="dk2"/>
+                </a:solidFill>
+                <a:latin typeface="Arial"/>
+                <a:ea typeface="Arial"/>
+                <a:cs typeface="Arial"/>
+                <a:sym typeface="Arial"/>
+              </a:defRPr>
             </a:lvl3pPr>
-            <a:lvl4pPr lvl="3">
-              <a:buNone/>
-              <a:defRPr/>
+            <a:lvl4pPr indent="0" lvl="3" marL="0" marR="0" algn="r">
+              <a:lnSpc>
+                <a:spcPct val="100000"/>
+              </a:lnSpc>
+              <a:spcBef>
+                <a:spcPts val="0"/>
+              </a:spcBef>
+              <a:spcAft>
+                <a:spcPts val="0"/>
+              </a:spcAft>
+              <a:buClr>
+                <a:srgbClr val="000000"/>
+              </a:buClr>
+              <a:buSzPts val="1000"/>
+              <a:buFont typeface="Arial"/>
+              <a:buNone/>
+              <a:defRPr b="0" i="0" sz="1000" u="none" cap="none" strike="noStrike">
+                <a:solidFill>
+                  <a:schemeClr val="dk2"/>
+                </a:solidFill>
+                <a:latin typeface="Arial"/>
+                <a:ea typeface="Arial"/>
+                <a:cs typeface="Arial"/>
+                <a:sym typeface="Arial"/>
+              </a:defRPr>
             </a:lvl4pPr>
-            <a:lvl5pPr lvl="4">
-              <a:buNone/>
-              <a:defRPr/>
+            <a:lvl5pPr indent="0" lvl="4" marL="0" marR="0" algn="r">
+              <a:lnSpc>
+                <a:spcPct val="100000"/>
+              </a:lnSpc>
+              <a:spcBef>
+                <a:spcPts val="0"/>
+              </a:spcBef>
+              <a:spcAft>
+                <a:spcPts val="0"/>
+              </a:spcAft>
+              <a:buClr>
+                <a:srgbClr val="000000"/>
+              </a:buClr>
+              <a:buSzPts val="1000"/>
+              <a:buFont typeface="Arial"/>
+              <a:buNone/>
+              <a:defRPr b="0" i="0" sz="1000" u="none" cap="none" strike="noStrike">
+                <a:solidFill>
+                  <a:schemeClr val="dk2"/>
+                </a:solidFill>
+                <a:latin typeface="Arial"/>
+                <a:ea typeface="Arial"/>
+                <a:cs typeface="Arial"/>
+                <a:sym typeface="Arial"/>
+              </a:defRPr>
             </a:lvl5pPr>
-            <a:lvl6pPr lvl="5">
-              <a:buNone/>
-              <a:defRPr/>
+            <a:lvl6pPr indent="0" lvl="5" marL="0" marR="0" algn="r">
+              <a:lnSpc>
+                <a:spcPct val="100000"/>
+              </a:lnSpc>
+              <a:spcBef>
+                <a:spcPts val="0"/>
+              </a:spcBef>
+              <a:spcAft>
+                <a:spcPts val="0"/>
+              </a:spcAft>
+              <a:buClr>
+                <a:srgbClr val="000000"/>
+              </a:buClr>
+              <a:buSzPts val="1000"/>
+              <a:buFont typeface="Arial"/>
+              <a:buNone/>
+              <a:defRPr b="0" i="0" sz="1000" u="none" cap="none" strike="noStrike">
+                <a:solidFill>
+                  <a:schemeClr val="dk2"/>
+                </a:solidFill>
+                <a:latin typeface="Arial"/>
+                <a:ea typeface="Arial"/>
+                <a:cs typeface="Arial"/>
+                <a:sym typeface="Arial"/>
+              </a:defRPr>
             </a:lvl6pPr>
-            <a:lvl7pPr lvl="6">
-              <a:buNone/>
-              <a:defRPr/>
+            <a:lvl7pPr indent="0" lvl="6" marL="0" marR="0" algn="r">
+              <a:lnSpc>
+                <a:spcPct val="100000"/>
+              </a:lnSpc>
+              <a:spcBef>
+                <a:spcPts val="0"/>
+              </a:spcBef>
+              <a:spcAft>
+                <a:spcPts val="0"/>
+              </a:spcAft>
+              <a:buClr>
+                <a:srgbClr val="000000"/>
+              </a:buClr>
+              <a:buSzPts val="1000"/>
+              <a:buFont typeface="Arial"/>
+              <a:buNone/>
+              <a:defRPr b="0" i="0" sz="1000" u="none" cap="none" strike="noStrike">
+                <a:solidFill>
+                  <a:schemeClr val="dk2"/>
+                </a:solidFill>
+                <a:latin typeface="Arial"/>
+                <a:ea typeface="Arial"/>
+                <a:cs typeface="Arial"/>
+                <a:sym typeface="Arial"/>
+              </a:defRPr>
             </a:lvl7pPr>
-            <a:lvl8pPr lvl="7">
-              <a:buNone/>
-              <a:defRPr/>
+            <a:lvl8pPr indent="0" lvl="7" marL="0" marR="0" algn="r">
+              <a:lnSpc>
+                <a:spcPct val="100000"/>
+              </a:lnSpc>
+              <a:spcBef>
+                <a:spcPts val="0"/>
+              </a:spcBef>
+              <a:spcAft>
+                <a:spcPts val="0"/>
+              </a:spcAft>
+              <a:buClr>
+                <a:srgbClr val="000000"/>
+              </a:buClr>
+              <a:buSzPts val="1000"/>
+              <a:buFont typeface="Arial"/>
+              <a:buNone/>
+              <a:defRPr b="0" i="0" sz="1000" u="none" cap="none" strike="noStrike">
+                <a:solidFill>
+                  <a:schemeClr val="dk2"/>
+                </a:solidFill>
+                <a:latin typeface="Arial"/>
+                <a:ea typeface="Arial"/>
+                <a:cs typeface="Arial"/>
+                <a:sym typeface="Arial"/>
+              </a:defRPr>
             </a:lvl8pPr>
-            <a:lvl9pPr lvl="8">
-              <a:buNone/>
-              <a:defRPr/>
+            <a:lvl9pPr indent="0" lvl="8" marL="0" marR="0" algn="r">
+              <a:lnSpc>
+                <a:spcPct val="100000"/>
+              </a:lnSpc>
+              <a:spcBef>
+                <a:spcPts val="0"/>
+              </a:spcBef>
+              <a:spcAft>
+                <a:spcPts val="0"/>
+              </a:spcAft>
+              <a:buClr>
+                <a:srgbClr val="000000"/>
+              </a:buClr>
+              <a:buSzPts val="1000"/>
+              <a:buFont typeface="Arial"/>
+              <a:buNone/>
+              <a:defRPr b="0" i="0" sz="1000" u="none" cap="none" strike="noStrike">
+                <a:solidFill>
+                  <a:schemeClr val="dk2"/>
+                </a:solidFill>
+                <a:latin typeface="Arial"/>
+                <a:ea typeface="Arial"/>
+                <a:cs typeface="Arial"/>
+                <a:sym typeface="Arial"/>
+              </a:defRPr>
             </a:lvl9pPr>
           </a:lstStyle>
           <a:p>
@@ -4328,19 +6850,35 @@
           </a:bodyPr>
           <a:lstStyle/>
           <a:p>
-            <a:pPr indent="0" lvl="0" marL="0" rtl="0" algn="l">
-              <a:spcBef>
-                <a:spcPts val="0"/>
-              </a:spcBef>
-              <a:spcAft>
-                <a:spcPts val="0"/>
-              </a:spcAft>
+            <a:pPr indent="0" lvl="0" marL="0" marR="0" rtl="0" algn="l">
+              <a:lnSpc>
+                <a:spcPct val="100000"/>
+              </a:lnSpc>
+              <a:spcBef>
+                <a:spcPts val="0"/>
+              </a:spcBef>
+              <a:spcAft>
+                <a:spcPts val="0"/>
+              </a:spcAft>
+              <a:buClr>
+                <a:srgbClr val="000000"/>
+              </a:buClr>
+              <a:buSzPts val="1400"/>
+              <a:buFont typeface="Arial"/>
               <a:buNone/>
             </a:pPr>
             <a:r>
               <a:t/>
             </a:r>
-            <a:endParaRPr/>
+            <a:endParaRPr b="0" i="0" sz="1400" u="none" cap="none" strike="noStrike">
+              <a:solidFill>
+                <a:srgbClr val="000000"/>
+              </a:solidFill>
+              <a:latin typeface="Arial"/>
+              <a:ea typeface="Arial"/>
+              <a:cs typeface="Arial"/>
+              <a:sym typeface="Arial"/>
+            </a:endParaRPr>
           </a:p>
         </p:txBody>
       </p:sp>
@@ -4360,6 +6898,10 @@
           <a:prstGeom prst="rect">
             <a:avLst/>
           </a:prstGeom>
+          <a:noFill/>
+          <a:ln>
+            <a:noFill/>
+          </a:ln>
         </p:spPr>
         <p:txBody>
           <a:bodyPr anchorCtr="0" anchor="b" bIns="91425" lIns="91425" spcFirstLastPara="1" rIns="91425" wrap="square" tIns="91425">
@@ -4367,6 +6909,9 @@
           </a:bodyPr>
           <a:lstStyle>
             <a:lvl1pPr lvl="0" algn="ctr">
+              <a:lnSpc>
+                <a:spcPct val="100000"/>
+              </a:lnSpc>
               <a:spcBef>
                 <a:spcPts val="0"/>
               </a:spcBef>
@@ -4378,6 +6923,9 @@
               <a:defRPr sz="4200"/>
             </a:lvl1pPr>
             <a:lvl2pPr lvl="1" algn="ctr">
+              <a:lnSpc>
+                <a:spcPct val="100000"/>
+              </a:lnSpc>
               <a:spcBef>
                 <a:spcPts val="0"/>
               </a:spcBef>
@@ -4389,6 +6937,9 @@
               <a:defRPr sz="4200"/>
             </a:lvl2pPr>
             <a:lvl3pPr lvl="2" algn="ctr">
+              <a:lnSpc>
+                <a:spcPct val="100000"/>
+              </a:lnSpc>
               <a:spcBef>
                 <a:spcPts val="0"/>
               </a:spcBef>
@@ -4400,6 +6951,9 @@
               <a:defRPr sz="4200"/>
             </a:lvl3pPr>
             <a:lvl4pPr lvl="3" algn="ctr">
+              <a:lnSpc>
+                <a:spcPct val="100000"/>
+              </a:lnSpc>
               <a:spcBef>
                 <a:spcPts val="0"/>
               </a:spcBef>
@@ -4411,6 +6965,9 @@
               <a:defRPr sz="4200"/>
             </a:lvl4pPr>
             <a:lvl5pPr lvl="4" algn="ctr">
+              <a:lnSpc>
+                <a:spcPct val="100000"/>
+              </a:lnSpc>
               <a:spcBef>
                 <a:spcPts val="0"/>
               </a:spcBef>
@@ -4422,6 +6979,9 @@
               <a:defRPr sz="4200"/>
             </a:lvl5pPr>
             <a:lvl6pPr lvl="5" algn="ctr">
+              <a:lnSpc>
+                <a:spcPct val="100000"/>
+              </a:lnSpc>
               <a:spcBef>
                 <a:spcPts val="0"/>
               </a:spcBef>
@@ -4433,6 +6993,9 @@
               <a:defRPr sz="4200"/>
             </a:lvl6pPr>
             <a:lvl7pPr lvl="6" algn="ctr">
+              <a:lnSpc>
+                <a:spcPct val="100000"/>
+              </a:lnSpc>
               <a:spcBef>
                 <a:spcPts val="0"/>
               </a:spcBef>
@@ -4444,6 +7007,9 @@
               <a:defRPr sz="4200"/>
             </a:lvl7pPr>
             <a:lvl8pPr lvl="7" algn="ctr">
+              <a:lnSpc>
+                <a:spcPct val="100000"/>
+              </a:lnSpc>
               <a:spcBef>
                 <a:spcPts val="0"/>
               </a:spcBef>
@@ -4455,6 +7021,9 @@
               <a:defRPr sz="4200"/>
             </a:lvl8pPr>
             <a:lvl9pPr lvl="8" algn="ctr">
+              <a:lnSpc>
+                <a:spcPct val="100000"/>
+              </a:lnSpc>
               <a:spcBef>
                 <a:spcPts val="0"/>
               </a:spcBef>
@@ -4485,6 +7054,10 @@
           <a:prstGeom prst="rect">
             <a:avLst/>
           </a:prstGeom>
+          <a:noFill/>
+          <a:ln>
+            <a:noFill/>
+          </a:ln>
         </p:spPr>
         <p:txBody>
           <a:bodyPr anchorCtr="0" anchor="t" bIns="91425" lIns="91425" spcFirstLastPara="1" rIns="91425" wrap="square" tIns="91425">
@@ -4637,13 +7210,20 @@
           <a:prstGeom prst="rect">
             <a:avLst/>
           </a:prstGeom>
+          <a:noFill/>
+          <a:ln>
+            <a:noFill/>
+          </a:ln>
         </p:spPr>
         <p:txBody>
           <a:bodyPr anchorCtr="0" anchor="ctr" bIns="91425" lIns="91425" spcFirstLastPara="1" rIns="91425" wrap="square" tIns="91425">
             <a:normAutofit/>
           </a:bodyPr>
           <a:lstStyle>
-            <a:lvl1pPr indent="-342900" lvl="0" marL="457200">
+            <a:lvl1pPr indent="-342900" lvl="0" marL="457200" algn="l">
+              <a:lnSpc>
+                <a:spcPct val="115000"/>
+              </a:lnSpc>
               <a:spcBef>
                 <a:spcPts val="0"/>
               </a:spcBef>
@@ -4654,7 +7234,10 @@
               <a:buChar char="●"/>
               <a:defRPr/>
             </a:lvl1pPr>
-            <a:lvl2pPr indent="-317500" lvl="1" marL="914400">
+            <a:lvl2pPr indent="-317500" lvl="1" marL="914400" algn="l">
+              <a:lnSpc>
+                <a:spcPct val="115000"/>
+              </a:lnSpc>
               <a:spcBef>
                 <a:spcPts val="0"/>
               </a:spcBef>
@@ -4665,7 +7248,10 @@
               <a:buChar char="○"/>
               <a:defRPr/>
             </a:lvl2pPr>
-            <a:lvl3pPr indent="-317500" lvl="2" marL="1371600">
+            <a:lvl3pPr indent="-317500" lvl="2" marL="1371600" algn="l">
+              <a:lnSpc>
+                <a:spcPct val="115000"/>
+              </a:lnSpc>
               <a:spcBef>
                 <a:spcPts val="0"/>
               </a:spcBef>
@@ -4676,7 +7262,10 @@
               <a:buChar char="■"/>
               <a:defRPr/>
             </a:lvl3pPr>
-            <a:lvl4pPr indent="-317500" lvl="3" marL="1828800">
+            <a:lvl4pPr indent="-317500" lvl="3" marL="1828800" algn="l">
+              <a:lnSpc>
+                <a:spcPct val="115000"/>
+              </a:lnSpc>
               <a:spcBef>
                 <a:spcPts val="0"/>
               </a:spcBef>
@@ -4687,7 +7276,10 @@
               <a:buChar char="●"/>
               <a:defRPr/>
             </a:lvl4pPr>
-            <a:lvl5pPr indent="-317500" lvl="4" marL="2286000">
+            <a:lvl5pPr indent="-317500" lvl="4" marL="2286000" algn="l">
+              <a:lnSpc>
+                <a:spcPct val="115000"/>
+              </a:lnSpc>
               <a:spcBef>
                 <a:spcPts val="0"/>
               </a:spcBef>
@@ -4698,7 +7290,10 @@
               <a:buChar char="○"/>
               <a:defRPr/>
             </a:lvl5pPr>
-            <a:lvl6pPr indent="-317500" lvl="5" marL="2743200">
+            <a:lvl6pPr indent="-317500" lvl="5" marL="2743200" algn="l">
+              <a:lnSpc>
+                <a:spcPct val="115000"/>
+              </a:lnSpc>
               <a:spcBef>
                 <a:spcPts val="0"/>
               </a:spcBef>
@@ -4709,7 +7304,10 @@
               <a:buChar char="■"/>
               <a:defRPr/>
             </a:lvl6pPr>
-            <a:lvl7pPr indent="-317500" lvl="6" marL="3200400">
+            <a:lvl7pPr indent="-317500" lvl="6" marL="3200400" algn="l">
+              <a:lnSpc>
+                <a:spcPct val="115000"/>
+              </a:lnSpc>
               <a:spcBef>
                 <a:spcPts val="0"/>
               </a:spcBef>
@@ -4720,7 +7318,10 @@
               <a:buChar char="●"/>
               <a:defRPr/>
             </a:lvl7pPr>
-            <a:lvl8pPr indent="-317500" lvl="7" marL="3657600">
+            <a:lvl8pPr indent="-317500" lvl="7" marL="3657600" algn="l">
+              <a:lnSpc>
+                <a:spcPct val="115000"/>
+              </a:lnSpc>
               <a:spcBef>
                 <a:spcPts val="0"/>
               </a:spcBef>
@@ -4731,7 +7332,10 @@
               <a:buChar char="○"/>
               <a:defRPr/>
             </a:lvl8pPr>
-            <a:lvl9pPr indent="-317500" lvl="8" marL="4114800">
+            <a:lvl9pPr indent="-317500" lvl="8" marL="4114800" algn="l">
+              <a:lnSpc>
+                <a:spcPct val="115000"/>
+              </a:lnSpc>
               <a:spcBef>
                 <a:spcPts val="0"/>
               </a:spcBef>
@@ -4762,47 +7366,249 @@
           <a:prstGeom prst="rect">
             <a:avLst/>
           </a:prstGeom>
+          <a:noFill/>
+          <a:ln>
+            <a:noFill/>
+          </a:ln>
         </p:spPr>
         <p:txBody>
           <a:bodyPr anchorCtr="0" anchor="ctr" bIns="91425" lIns="91425" spcFirstLastPara="1" rIns="91425" wrap="square" tIns="91425">
             <a:normAutofit/>
           </a:bodyPr>
           <a:lstStyle>
-            <a:lvl1pPr lvl="0">
-              <a:buNone/>
-              <a:defRPr/>
+            <a:lvl1pPr indent="0" lvl="0" marL="0" marR="0" algn="r">
+              <a:lnSpc>
+                <a:spcPct val="100000"/>
+              </a:lnSpc>
+              <a:spcBef>
+                <a:spcPts val="0"/>
+              </a:spcBef>
+              <a:spcAft>
+                <a:spcPts val="0"/>
+              </a:spcAft>
+              <a:buClr>
+                <a:srgbClr val="000000"/>
+              </a:buClr>
+              <a:buSzPts val="1000"/>
+              <a:buFont typeface="Arial"/>
+              <a:buNone/>
+              <a:defRPr b="0" i="0" sz="1000" u="none" cap="none" strike="noStrike">
+                <a:solidFill>
+                  <a:schemeClr val="dk2"/>
+                </a:solidFill>
+                <a:latin typeface="Arial"/>
+                <a:ea typeface="Arial"/>
+                <a:cs typeface="Arial"/>
+                <a:sym typeface="Arial"/>
+              </a:defRPr>
             </a:lvl1pPr>
-            <a:lvl2pPr lvl="1">
-              <a:buNone/>
-              <a:defRPr/>
+            <a:lvl2pPr indent="0" lvl="1" marL="0" marR="0" algn="r">
+              <a:lnSpc>
+                <a:spcPct val="100000"/>
+              </a:lnSpc>
+              <a:spcBef>
+                <a:spcPts val="0"/>
+              </a:spcBef>
+              <a:spcAft>
+                <a:spcPts val="0"/>
+              </a:spcAft>
+              <a:buClr>
+                <a:srgbClr val="000000"/>
+              </a:buClr>
+              <a:buSzPts val="1000"/>
+              <a:buFont typeface="Arial"/>
+              <a:buNone/>
+              <a:defRPr b="0" i="0" sz="1000" u="none" cap="none" strike="noStrike">
+                <a:solidFill>
+                  <a:schemeClr val="dk2"/>
+                </a:solidFill>
+                <a:latin typeface="Arial"/>
+                <a:ea typeface="Arial"/>
+                <a:cs typeface="Arial"/>
+                <a:sym typeface="Arial"/>
+              </a:defRPr>
             </a:lvl2pPr>
-            <a:lvl3pPr lvl="2">
-              <a:buNone/>
-              <a:defRPr/>
+            <a:lvl3pPr indent="0" lvl="2" marL="0" marR="0" algn="r">
+              <a:lnSpc>
+                <a:spcPct val="100000"/>
+              </a:lnSpc>
+              <a:spcBef>
+                <a:spcPts val="0"/>
+              </a:spcBef>
+              <a:spcAft>
+                <a:spcPts val="0"/>
+              </a:spcAft>
+              <a:buClr>
+                <a:srgbClr val="000000"/>
+              </a:buClr>
+              <a:buSzPts val="1000"/>
+              <a:buFont typeface="Arial"/>
+              <a:buNone/>
+              <a:defRPr b="0" i="0" sz="1000" u="none" cap="none" strike="noStrike">
+                <a:solidFill>
+                  <a:schemeClr val="dk2"/>
+                </a:solidFill>
+                <a:latin typeface="Arial"/>
+                <a:ea typeface="Arial"/>
+                <a:cs typeface="Arial"/>
+                <a:sym typeface="Arial"/>
+              </a:defRPr>
             </a:lvl3pPr>
-            <a:lvl4pPr lvl="3">
-              <a:buNone/>
-              <a:defRPr/>
+            <a:lvl4pPr indent="0" lvl="3" marL="0" marR="0" algn="r">
+              <a:lnSpc>
+                <a:spcPct val="100000"/>
+              </a:lnSpc>
+              <a:spcBef>
+                <a:spcPts val="0"/>
+              </a:spcBef>
+              <a:spcAft>
+                <a:spcPts val="0"/>
+              </a:spcAft>
+              <a:buClr>
+                <a:srgbClr val="000000"/>
+              </a:buClr>
+              <a:buSzPts val="1000"/>
+              <a:buFont typeface="Arial"/>
+              <a:buNone/>
+              <a:defRPr b="0" i="0" sz="1000" u="none" cap="none" strike="noStrike">
+                <a:solidFill>
+                  <a:schemeClr val="dk2"/>
+                </a:solidFill>
+                <a:latin typeface="Arial"/>
+                <a:ea typeface="Arial"/>
+                <a:cs typeface="Arial"/>
+                <a:sym typeface="Arial"/>
+              </a:defRPr>
             </a:lvl4pPr>
-            <a:lvl5pPr lvl="4">
-              <a:buNone/>
-              <a:defRPr/>
+            <a:lvl5pPr indent="0" lvl="4" marL="0" marR="0" algn="r">
+              <a:lnSpc>
+                <a:spcPct val="100000"/>
+              </a:lnSpc>
+              <a:spcBef>
+                <a:spcPts val="0"/>
+              </a:spcBef>
+              <a:spcAft>
+                <a:spcPts val="0"/>
+              </a:spcAft>
+              <a:buClr>
+                <a:srgbClr val="000000"/>
+              </a:buClr>
+              <a:buSzPts val="1000"/>
+              <a:buFont typeface="Arial"/>
+              <a:buNone/>
+              <a:defRPr b="0" i="0" sz="1000" u="none" cap="none" strike="noStrike">
+                <a:solidFill>
+                  <a:schemeClr val="dk2"/>
+                </a:solidFill>
+                <a:latin typeface="Arial"/>
+                <a:ea typeface="Arial"/>
+                <a:cs typeface="Arial"/>
+                <a:sym typeface="Arial"/>
+              </a:defRPr>
             </a:lvl5pPr>
-            <a:lvl6pPr lvl="5">
-              <a:buNone/>
-              <a:defRPr/>
+            <a:lvl6pPr indent="0" lvl="5" marL="0" marR="0" algn="r">
+              <a:lnSpc>
+                <a:spcPct val="100000"/>
+              </a:lnSpc>
+              <a:spcBef>
+                <a:spcPts val="0"/>
+              </a:spcBef>
+              <a:spcAft>
+                <a:spcPts val="0"/>
+              </a:spcAft>
+              <a:buClr>
+                <a:srgbClr val="000000"/>
+              </a:buClr>
+              <a:buSzPts val="1000"/>
+              <a:buFont typeface="Arial"/>
+              <a:buNone/>
+              <a:defRPr b="0" i="0" sz="1000" u="none" cap="none" strike="noStrike">
+                <a:solidFill>
+                  <a:schemeClr val="dk2"/>
+                </a:solidFill>
+                <a:latin typeface="Arial"/>
+                <a:ea typeface="Arial"/>
+                <a:cs typeface="Arial"/>
+                <a:sym typeface="Arial"/>
+              </a:defRPr>
             </a:lvl6pPr>
-            <a:lvl7pPr lvl="6">
-              <a:buNone/>
-              <a:defRPr/>
+            <a:lvl7pPr indent="0" lvl="6" marL="0" marR="0" algn="r">
+              <a:lnSpc>
+                <a:spcPct val="100000"/>
+              </a:lnSpc>
+              <a:spcBef>
+                <a:spcPts val="0"/>
+              </a:spcBef>
+              <a:spcAft>
+                <a:spcPts val="0"/>
+              </a:spcAft>
+              <a:buClr>
+                <a:srgbClr val="000000"/>
+              </a:buClr>
+              <a:buSzPts val="1000"/>
+              <a:buFont typeface="Arial"/>
+              <a:buNone/>
+              <a:defRPr b="0" i="0" sz="1000" u="none" cap="none" strike="noStrike">
+                <a:solidFill>
+                  <a:schemeClr val="dk2"/>
+                </a:solidFill>
+                <a:latin typeface="Arial"/>
+                <a:ea typeface="Arial"/>
+                <a:cs typeface="Arial"/>
+                <a:sym typeface="Arial"/>
+              </a:defRPr>
             </a:lvl7pPr>
-            <a:lvl8pPr lvl="7">
-              <a:buNone/>
-              <a:defRPr/>
+            <a:lvl8pPr indent="0" lvl="7" marL="0" marR="0" algn="r">
+              <a:lnSpc>
+                <a:spcPct val="100000"/>
+              </a:lnSpc>
+              <a:spcBef>
+                <a:spcPts val="0"/>
+              </a:spcBef>
+              <a:spcAft>
+                <a:spcPts val="0"/>
+              </a:spcAft>
+              <a:buClr>
+                <a:srgbClr val="000000"/>
+              </a:buClr>
+              <a:buSzPts val="1000"/>
+              <a:buFont typeface="Arial"/>
+              <a:buNone/>
+              <a:defRPr b="0" i="0" sz="1000" u="none" cap="none" strike="noStrike">
+                <a:solidFill>
+                  <a:schemeClr val="dk2"/>
+                </a:solidFill>
+                <a:latin typeface="Arial"/>
+                <a:ea typeface="Arial"/>
+                <a:cs typeface="Arial"/>
+                <a:sym typeface="Arial"/>
+              </a:defRPr>
             </a:lvl8pPr>
-            <a:lvl9pPr lvl="8">
-              <a:buNone/>
-              <a:defRPr/>
+            <a:lvl9pPr indent="0" lvl="8" marL="0" marR="0" algn="r">
+              <a:lnSpc>
+                <a:spcPct val="100000"/>
+              </a:lnSpc>
+              <a:spcBef>
+                <a:spcPts val="0"/>
+              </a:spcBef>
+              <a:spcAft>
+                <a:spcPts val="0"/>
+              </a:spcAft>
+              <a:buClr>
+                <a:srgbClr val="000000"/>
+              </a:buClr>
+              <a:buSzPts val="1000"/>
+              <a:buFont typeface="Arial"/>
+              <a:buNone/>
+              <a:defRPr b="0" i="0" sz="1000" u="none" cap="none" strike="noStrike">
+                <a:solidFill>
+                  <a:schemeClr val="dk2"/>
+                </a:solidFill>
+                <a:latin typeface="Arial"/>
+                <a:ea typeface="Arial"/>
+                <a:cs typeface="Arial"/>
+                <a:sym typeface="Arial"/>
+              </a:defRPr>
             </a:lvl9pPr>
           </a:lstStyle>
           <a:p>
@@ -4864,13 +7670,17 @@
           <a:prstGeom prst="rect">
             <a:avLst/>
           </a:prstGeom>
+          <a:noFill/>
+          <a:ln>
+            <a:noFill/>
+          </a:ln>
         </p:spPr>
         <p:txBody>
           <a:bodyPr anchorCtr="0" anchor="ctr" bIns="91425" lIns="91425" spcFirstLastPara="1" rIns="91425" wrap="square" tIns="91425">
             <a:normAutofit/>
           </a:bodyPr>
           <a:lstStyle>
-            <a:lvl1pPr indent="-228600" lvl="0" marL="457200">
+            <a:lvl1pPr indent="-228600" lvl="0" marL="457200" algn="l">
               <a:lnSpc>
                 <a:spcPct val="100000"/>
               </a:lnSpc>
@@ -4904,47 +7714,249 @@
           <a:prstGeom prst="rect">
             <a:avLst/>
           </a:prstGeom>
+          <a:noFill/>
+          <a:ln>
+            <a:noFill/>
+          </a:ln>
         </p:spPr>
         <p:txBody>
           <a:bodyPr anchorCtr="0" anchor="ctr" bIns="91425" lIns="91425" spcFirstLastPara="1" rIns="91425" wrap="square" tIns="91425">
             <a:normAutofit/>
           </a:bodyPr>
           <a:lstStyle>
-            <a:lvl1pPr lvl="0">
-              <a:buNone/>
-              <a:defRPr/>
+            <a:lvl1pPr indent="0" lvl="0" marL="0" marR="0" algn="r">
+              <a:lnSpc>
+                <a:spcPct val="100000"/>
+              </a:lnSpc>
+              <a:spcBef>
+                <a:spcPts val="0"/>
+              </a:spcBef>
+              <a:spcAft>
+                <a:spcPts val="0"/>
+              </a:spcAft>
+              <a:buClr>
+                <a:srgbClr val="000000"/>
+              </a:buClr>
+              <a:buSzPts val="1000"/>
+              <a:buFont typeface="Arial"/>
+              <a:buNone/>
+              <a:defRPr b="0" i="0" sz="1000" u="none" cap="none" strike="noStrike">
+                <a:solidFill>
+                  <a:schemeClr val="dk2"/>
+                </a:solidFill>
+                <a:latin typeface="Arial"/>
+                <a:ea typeface="Arial"/>
+                <a:cs typeface="Arial"/>
+                <a:sym typeface="Arial"/>
+              </a:defRPr>
             </a:lvl1pPr>
-            <a:lvl2pPr lvl="1">
-              <a:buNone/>
-              <a:defRPr/>
+            <a:lvl2pPr indent="0" lvl="1" marL="0" marR="0" algn="r">
+              <a:lnSpc>
+                <a:spcPct val="100000"/>
+              </a:lnSpc>
+              <a:spcBef>
+                <a:spcPts val="0"/>
+              </a:spcBef>
+              <a:spcAft>
+                <a:spcPts val="0"/>
+              </a:spcAft>
+              <a:buClr>
+                <a:srgbClr val="000000"/>
+              </a:buClr>
+              <a:buSzPts val="1000"/>
+              <a:buFont typeface="Arial"/>
+              <a:buNone/>
+              <a:defRPr b="0" i="0" sz="1000" u="none" cap="none" strike="noStrike">
+                <a:solidFill>
+                  <a:schemeClr val="dk2"/>
+                </a:solidFill>
+                <a:latin typeface="Arial"/>
+                <a:ea typeface="Arial"/>
+                <a:cs typeface="Arial"/>
+                <a:sym typeface="Arial"/>
+              </a:defRPr>
             </a:lvl2pPr>
-            <a:lvl3pPr lvl="2">
-              <a:buNone/>
-              <a:defRPr/>
+            <a:lvl3pPr indent="0" lvl="2" marL="0" marR="0" algn="r">
+              <a:lnSpc>
+                <a:spcPct val="100000"/>
+              </a:lnSpc>
+              <a:spcBef>
+                <a:spcPts val="0"/>
+              </a:spcBef>
+              <a:spcAft>
+                <a:spcPts val="0"/>
+              </a:spcAft>
+              <a:buClr>
+                <a:srgbClr val="000000"/>
+              </a:buClr>
+              <a:buSzPts val="1000"/>
+              <a:buFont typeface="Arial"/>
+              <a:buNone/>
+              <a:defRPr b="0" i="0" sz="1000" u="none" cap="none" strike="noStrike">
+                <a:solidFill>
+                  <a:schemeClr val="dk2"/>
+                </a:solidFill>
+                <a:latin typeface="Arial"/>
+                <a:ea typeface="Arial"/>
+                <a:cs typeface="Arial"/>
+                <a:sym typeface="Arial"/>
+              </a:defRPr>
             </a:lvl3pPr>
-            <a:lvl4pPr lvl="3">
-              <a:buNone/>
-              <a:defRPr/>
+            <a:lvl4pPr indent="0" lvl="3" marL="0" marR="0" algn="r">
+              <a:lnSpc>
+                <a:spcPct val="100000"/>
+              </a:lnSpc>
+              <a:spcBef>
+                <a:spcPts val="0"/>
+              </a:spcBef>
+              <a:spcAft>
+                <a:spcPts val="0"/>
+              </a:spcAft>
+              <a:buClr>
+                <a:srgbClr val="000000"/>
+              </a:buClr>
+              <a:buSzPts val="1000"/>
+              <a:buFont typeface="Arial"/>
+              <a:buNone/>
+              <a:defRPr b="0" i="0" sz="1000" u="none" cap="none" strike="noStrike">
+                <a:solidFill>
+                  <a:schemeClr val="dk2"/>
+                </a:solidFill>
+                <a:latin typeface="Arial"/>
+                <a:ea typeface="Arial"/>
+                <a:cs typeface="Arial"/>
+                <a:sym typeface="Arial"/>
+              </a:defRPr>
             </a:lvl4pPr>
-            <a:lvl5pPr lvl="4">
-              <a:buNone/>
-              <a:defRPr/>
+            <a:lvl5pPr indent="0" lvl="4" marL="0" marR="0" algn="r">
+              <a:lnSpc>
+                <a:spcPct val="100000"/>
+              </a:lnSpc>
+              <a:spcBef>
+                <a:spcPts val="0"/>
+              </a:spcBef>
+              <a:spcAft>
+                <a:spcPts val="0"/>
+              </a:spcAft>
+              <a:buClr>
+                <a:srgbClr val="000000"/>
+              </a:buClr>
+              <a:buSzPts val="1000"/>
+              <a:buFont typeface="Arial"/>
+              <a:buNone/>
+              <a:defRPr b="0" i="0" sz="1000" u="none" cap="none" strike="noStrike">
+                <a:solidFill>
+                  <a:schemeClr val="dk2"/>
+                </a:solidFill>
+                <a:latin typeface="Arial"/>
+                <a:ea typeface="Arial"/>
+                <a:cs typeface="Arial"/>
+                <a:sym typeface="Arial"/>
+              </a:defRPr>
             </a:lvl5pPr>
-            <a:lvl6pPr lvl="5">
-              <a:buNone/>
-              <a:defRPr/>
+            <a:lvl6pPr indent="0" lvl="5" marL="0" marR="0" algn="r">
+              <a:lnSpc>
+                <a:spcPct val="100000"/>
+              </a:lnSpc>
+              <a:spcBef>
+                <a:spcPts val="0"/>
+              </a:spcBef>
+              <a:spcAft>
+                <a:spcPts val="0"/>
+              </a:spcAft>
+              <a:buClr>
+                <a:srgbClr val="000000"/>
+              </a:buClr>
+              <a:buSzPts val="1000"/>
+              <a:buFont typeface="Arial"/>
+              <a:buNone/>
+              <a:defRPr b="0" i="0" sz="1000" u="none" cap="none" strike="noStrike">
+                <a:solidFill>
+                  <a:schemeClr val="dk2"/>
+                </a:solidFill>
+                <a:latin typeface="Arial"/>
+                <a:ea typeface="Arial"/>
+                <a:cs typeface="Arial"/>
+                <a:sym typeface="Arial"/>
+              </a:defRPr>
             </a:lvl6pPr>
-            <a:lvl7pPr lvl="6">
-              <a:buNone/>
-              <a:defRPr/>
+            <a:lvl7pPr indent="0" lvl="6" marL="0" marR="0" algn="r">
+              <a:lnSpc>
+                <a:spcPct val="100000"/>
+              </a:lnSpc>
+              <a:spcBef>
+                <a:spcPts val="0"/>
+              </a:spcBef>
+              <a:spcAft>
+                <a:spcPts val="0"/>
+              </a:spcAft>
+              <a:buClr>
+                <a:srgbClr val="000000"/>
+              </a:buClr>
+              <a:buSzPts val="1000"/>
+              <a:buFont typeface="Arial"/>
+              <a:buNone/>
+              <a:defRPr b="0" i="0" sz="1000" u="none" cap="none" strike="noStrike">
+                <a:solidFill>
+                  <a:schemeClr val="dk2"/>
+                </a:solidFill>
+                <a:latin typeface="Arial"/>
+                <a:ea typeface="Arial"/>
+                <a:cs typeface="Arial"/>
+                <a:sym typeface="Arial"/>
+              </a:defRPr>
             </a:lvl7pPr>
-            <a:lvl8pPr lvl="7">
-              <a:buNone/>
-              <a:defRPr/>
+            <a:lvl8pPr indent="0" lvl="7" marL="0" marR="0" algn="r">
+              <a:lnSpc>
+                <a:spcPct val="100000"/>
+              </a:lnSpc>
+              <a:spcBef>
+                <a:spcPts val="0"/>
+              </a:spcBef>
+              <a:spcAft>
+                <a:spcPts val="0"/>
+              </a:spcAft>
+              <a:buClr>
+                <a:srgbClr val="000000"/>
+              </a:buClr>
+              <a:buSzPts val="1000"/>
+              <a:buFont typeface="Arial"/>
+              <a:buNone/>
+              <a:defRPr b="0" i="0" sz="1000" u="none" cap="none" strike="noStrike">
+                <a:solidFill>
+                  <a:schemeClr val="dk2"/>
+                </a:solidFill>
+                <a:latin typeface="Arial"/>
+                <a:ea typeface="Arial"/>
+                <a:cs typeface="Arial"/>
+                <a:sym typeface="Arial"/>
+              </a:defRPr>
             </a:lvl8pPr>
-            <a:lvl9pPr lvl="8">
-              <a:buNone/>
-              <a:defRPr/>
+            <a:lvl9pPr indent="0" lvl="8" marL="0" marR="0" algn="r">
+              <a:lnSpc>
+                <a:spcPct val="100000"/>
+              </a:lnSpc>
+              <a:spcBef>
+                <a:spcPts val="0"/>
+              </a:spcBef>
+              <a:spcAft>
+                <a:spcPts val="0"/>
+              </a:spcAft>
+              <a:buClr>
+                <a:srgbClr val="000000"/>
+              </a:buClr>
+              <a:buSzPts val="1000"/>
+              <a:buFont typeface="Arial"/>
+              <a:buNone/>
+              <a:defRPr b="0" i="0" sz="1000" u="none" cap="none" strike="noStrike">
+                <a:solidFill>
+                  <a:schemeClr val="dk2"/>
+                </a:solidFill>
+                <a:latin typeface="Arial"/>
+                <a:ea typeface="Arial"/>
+                <a:cs typeface="Arial"/>
+                <a:sym typeface="Arial"/>
+              </a:defRPr>
             </a:lvl9pPr>
           </a:lstStyle>
           <a:p>
@@ -5023,7 +8035,10 @@
             <a:normAutofit/>
           </a:bodyPr>
           <a:lstStyle>
-            <a:lvl1pPr lvl="0">
+            <a:lvl1pPr lvl="0" marR="0" rtl="0" algn="l">
+              <a:lnSpc>
+                <a:spcPct val="100000"/>
+              </a:lnSpc>
               <a:spcBef>
                 <a:spcPts val="0"/>
               </a:spcBef>
@@ -5034,14 +8049,22 @@
                 <a:schemeClr val="dk1"/>
               </a:buClr>
               <a:buSzPts val="2800"/>
-              <a:buNone/>
-              <a:defRPr sz="2800">
+              <a:buFont typeface="Arial"/>
+              <a:buNone/>
+              <a:defRPr b="0" i="0" sz="2800" u="none" cap="none" strike="noStrike">
                 <a:solidFill>
                   <a:schemeClr val="dk1"/>
                 </a:solidFill>
+                <a:latin typeface="Arial"/>
+                <a:ea typeface="Arial"/>
+                <a:cs typeface="Arial"/>
+                <a:sym typeface="Arial"/>
               </a:defRPr>
             </a:lvl1pPr>
-            <a:lvl2pPr lvl="1">
+            <a:lvl2pPr lvl="1" marR="0" rtl="0" algn="l">
+              <a:lnSpc>
+                <a:spcPct val="100000"/>
+              </a:lnSpc>
               <a:spcBef>
                 <a:spcPts val="0"/>
               </a:spcBef>
@@ -5052,14 +8075,22 @@
                 <a:schemeClr val="dk1"/>
               </a:buClr>
               <a:buSzPts val="2800"/>
-              <a:buNone/>
-              <a:defRPr sz="2800">
+              <a:buFont typeface="Arial"/>
+              <a:buNone/>
+              <a:defRPr b="0" i="0" sz="2800" u="none" cap="none" strike="noStrike">
                 <a:solidFill>
                   <a:schemeClr val="dk1"/>
                 </a:solidFill>
+                <a:latin typeface="Arial"/>
+                <a:ea typeface="Arial"/>
+                <a:cs typeface="Arial"/>
+                <a:sym typeface="Arial"/>
               </a:defRPr>
             </a:lvl2pPr>
-            <a:lvl3pPr lvl="2">
+            <a:lvl3pPr lvl="2" marR="0" rtl="0" algn="l">
+              <a:lnSpc>
+                <a:spcPct val="100000"/>
+              </a:lnSpc>
               <a:spcBef>
                 <a:spcPts val="0"/>
               </a:spcBef>
@@ -5070,14 +8101,22 @@
                 <a:schemeClr val="dk1"/>
               </a:buClr>
               <a:buSzPts val="2800"/>
-              <a:buNone/>
-              <a:defRPr sz="2800">
+              <a:buFont typeface="Arial"/>
+              <a:buNone/>
+              <a:defRPr b="0" i="0" sz="2800" u="none" cap="none" strike="noStrike">
                 <a:solidFill>
                   <a:schemeClr val="dk1"/>
                 </a:solidFill>
+                <a:latin typeface="Arial"/>
+                <a:ea typeface="Arial"/>
+                <a:cs typeface="Arial"/>
+                <a:sym typeface="Arial"/>
               </a:defRPr>
             </a:lvl3pPr>
-            <a:lvl4pPr lvl="3">
+            <a:lvl4pPr lvl="3" marR="0" rtl="0" algn="l">
+              <a:lnSpc>
+                <a:spcPct val="100000"/>
+              </a:lnSpc>
               <a:spcBef>
                 <a:spcPts val="0"/>
               </a:spcBef>
@@ -5088,14 +8127,22 @@
                 <a:schemeClr val="dk1"/>
               </a:buClr>
               <a:buSzPts val="2800"/>
-              <a:buNone/>
-              <a:defRPr sz="2800">
+              <a:buFont typeface="Arial"/>
+              <a:buNone/>
+              <a:defRPr b="0" i="0" sz="2800" u="none" cap="none" strike="noStrike">
                 <a:solidFill>
                   <a:schemeClr val="dk1"/>
                 </a:solidFill>
+                <a:latin typeface="Arial"/>
+                <a:ea typeface="Arial"/>
+                <a:cs typeface="Arial"/>
+                <a:sym typeface="Arial"/>
               </a:defRPr>
             </a:lvl4pPr>
-            <a:lvl5pPr lvl="4">
+            <a:lvl5pPr lvl="4" marR="0" rtl="0" algn="l">
+              <a:lnSpc>
+                <a:spcPct val="100000"/>
+              </a:lnSpc>
               <a:spcBef>
                 <a:spcPts val="0"/>
               </a:spcBef>
@@ -5106,14 +8153,22 @@
                 <a:schemeClr val="dk1"/>
               </a:buClr>
               <a:buSzPts val="2800"/>
-              <a:buNone/>
-              <a:defRPr sz="2800">
+              <a:buFont typeface="Arial"/>
+              <a:buNone/>
+              <a:defRPr b="0" i="0" sz="2800" u="none" cap="none" strike="noStrike">
                 <a:solidFill>
                   <a:schemeClr val="dk1"/>
                 </a:solidFill>
+                <a:latin typeface="Arial"/>
+                <a:ea typeface="Arial"/>
+                <a:cs typeface="Arial"/>
+                <a:sym typeface="Arial"/>
               </a:defRPr>
             </a:lvl5pPr>
-            <a:lvl6pPr lvl="5">
+            <a:lvl6pPr lvl="5" marR="0" rtl="0" algn="l">
+              <a:lnSpc>
+                <a:spcPct val="100000"/>
+              </a:lnSpc>
               <a:spcBef>
                 <a:spcPts val="0"/>
               </a:spcBef>
@@ -5124,14 +8179,22 @@
                 <a:schemeClr val="dk1"/>
               </a:buClr>
               <a:buSzPts val="2800"/>
-              <a:buNone/>
-              <a:defRPr sz="2800">
+              <a:buFont typeface="Arial"/>
+              <a:buNone/>
+              <a:defRPr b="0" i="0" sz="2800" u="none" cap="none" strike="noStrike">
                 <a:solidFill>
                   <a:schemeClr val="dk1"/>
                 </a:solidFill>
+                <a:latin typeface="Arial"/>
+                <a:ea typeface="Arial"/>
+                <a:cs typeface="Arial"/>
+                <a:sym typeface="Arial"/>
               </a:defRPr>
             </a:lvl6pPr>
-            <a:lvl7pPr lvl="6">
+            <a:lvl7pPr lvl="6" marR="0" rtl="0" algn="l">
+              <a:lnSpc>
+                <a:spcPct val="100000"/>
+              </a:lnSpc>
               <a:spcBef>
                 <a:spcPts val="0"/>
               </a:spcBef>
@@ -5142,14 +8205,22 @@
                 <a:schemeClr val="dk1"/>
               </a:buClr>
               <a:buSzPts val="2800"/>
-              <a:buNone/>
-              <a:defRPr sz="2800">
+              <a:buFont typeface="Arial"/>
+              <a:buNone/>
+              <a:defRPr b="0" i="0" sz="2800" u="none" cap="none" strike="noStrike">
                 <a:solidFill>
                   <a:schemeClr val="dk1"/>
                 </a:solidFill>
+                <a:latin typeface="Arial"/>
+                <a:ea typeface="Arial"/>
+                <a:cs typeface="Arial"/>
+                <a:sym typeface="Arial"/>
               </a:defRPr>
             </a:lvl7pPr>
-            <a:lvl8pPr lvl="7">
+            <a:lvl8pPr lvl="7" marR="0" rtl="0" algn="l">
+              <a:lnSpc>
+                <a:spcPct val="100000"/>
+              </a:lnSpc>
               <a:spcBef>
                 <a:spcPts val="0"/>
               </a:spcBef>
@@ -5160,14 +8231,22 @@
                 <a:schemeClr val="dk1"/>
               </a:buClr>
               <a:buSzPts val="2800"/>
-              <a:buNone/>
-              <a:defRPr sz="2800">
+              <a:buFont typeface="Arial"/>
+              <a:buNone/>
+              <a:defRPr b="0" i="0" sz="2800" u="none" cap="none" strike="noStrike">
                 <a:solidFill>
                   <a:schemeClr val="dk1"/>
                 </a:solidFill>
+                <a:latin typeface="Arial"/>
+                <a:ea typeface="Arial"/>
+                <a:cs typeface="Arial"/>
+                <a:sym typeface="Arial"/>
               </a:defRPr>
             </a:lvl8pPr>
-            <a:lvl9pPr lvl="8">
+            <a:lvl9pPr lvl="8" marR="0" rtl="0" algn="l">
+              <a:lnSpc>
+                <a:spcPct val="100000"/>
+              </a:lnSpc>
               <a:spcBef>
                 <a:spcPts val="0"/>
               </a:spcBef>
@@ -5178,11 +8257,16 @@
                 <a:schemeClr val="dk1"/>
               </a:buClr>
               <a:buSzPts val="2800"/>
-              <a:buNone/>
-              <a:defRPr sz="2800">
+              <a:buFont typeface="Arial"/>
+              <a:buNone/>
+              <a:defRPr b="0" i="0" sz="2800" u="none" cap="none" strike="noStrike">
                 <a:solidFill>
                   <a:schemeClr val="dk1"/>
                 </a:solidFill>
+                <a:latin typeface="Arial"/>
+                <a:ea typeface="Arial"/>
+                <a:cs typeface="Arial"/>
+                <a:sym typeface="Arial"/>
               </a:defRPr>
             </a:lvl9pPr>
           </a:lstStyle>
@@ -5215,7 +8299,7 @@
             <a:normAutofit/>
           </a:bodyPr>
           <a:lstStyle>
-            <a:lvl1pPr indent="-342900" lvl="0" marL="457200">
+            <a:lvl1pPr indent="-342900" lvl="0" marL="457200" marR="0" rtl="0" algn="l">
               <a:lnSpc>
                 <a:spcPct val="115000"/>
               </a:lnSpc>
@@ -5229,14 +8313,19 @@
                 <a:schemeClr val="dk2"/>
               </a:buClr>
               <a:buSzPts val="1800"/>
+              <a:buFont typeface="Arial"/>
               <a:buChar char="●"/>
-              <a:defRPr sz="1800">
+              <a:defRPr b="0" i="0" sz="1800" u="none" cap="none" strike="noStrike">
                 <a:solidFill>
                   <a:schemeClr val="dk2"/>
                 </a:solidFill>
+                <a:latin typeface="Arial"/>
+                <a:ea typeface="Arial"/>
+                <a:cs typeface="Arial"/>
+                <a:sym typeface="Arial"/>
               </a:defRPr>
             </a:lvl1pPr>
-            <a:lvl2pPr indent="-317500" lvl="1" marL="914400">
+            <a:lvl2pPr indent="-317500" lvl="1" marL="914400" marR="0" rtl="0" algn="l">
               <a:lnSpc>
                 <a:spcPct val="115000"/>
               </a:lnSpc>
@@ -5250,14 +8339,19 @@
                 <a:schemeClr val="dk2"/>
               </a:buClr>
               <a:buSzPts val="1400"/>
+              <a:buFont typeface="Arial"/>
               <a:buChar char="○"/>
-              <a:defRPr>
+              <a:defRPr b="0" i="0" sz="1400" u="none" cap="none" strike="noStrike">
                 <a:solidFill>
                   <a:schemeClr val="dk2"/>
                 </a:solidFill>
+                <a:latin typeface="Arial"/>
+                <a:ea typeface="Arial"/>
+                <a:cs typeface="Arial"/>
+                <a:sym typeface="Arial"/>
               </a:defRPr>
             </a:lvl2pPr>
-            <a:lvl3pPr indent="-317500" lvl="2" marL="1371600">
+            <a:lvl3pPr indent="-317500" lvl="2" marL="1371600" marR="0" rtl="0" algn="l">
               <a:lnSpc>
                 <a:spcPct val="115000"/>
               </a:lnSpc>
@@ -5271,14 +8365,19 @@
                 <a:schemeClr val="dk2"/>
               </a:buClr>
               <a:buSzPts val="1400"/>
+              <a:buFont typeface="Arial"/>
               <a:buChar char="■"/>
-              <a:defRPr>
+              <a:defRPr b="0" i="0" sz="1400" u="none" cap="none" strike="noStrike">
                 <a:solidFill>
                   <a:schemeClr val="dk2"/>
                 </a:solidFill>
+                <a:latin typeface="Arial"/>
+                <a:ea typeface="Arial"/>
+                <a:cs typeface="Arial"/>
+                <a:sym typeface="Arial"/>
               </a:defRPr>
             </a:lvl3pPr>
-            <a:lvl4pPr indent="-317500" lvl="3" marL="1828800">
+            <a:lvl4pPr indent="-317500" lvl="3" marL="1828800" marR="0" rtl="0" algn="l">
               <a:lnSpc>
                 <a:spcPct val="115000"/>
               </a:lnSpc>
@@ -5292,14 +8391,19 @@
                 <a:schemeClr val="dk2"/>
               </a:buClr>
               <a:buSzPts val="1400"/>
+              <a:buFont typeface="Arial"/>
               <a:buChar char="●"/>
-              <a:defRPr>
+              <a:defRPr b="0" i="0" sz="1400" u="none" cap="none" strike="noStrike">
                 <a:solidFill>
                   <a:schemeClr val="dk2"/>
                 </a:solidFill>
+                <a:latin typeface="Arial"/>
+                <a:ea typeface="Arial"/>
+                <a:cs typeface="Arial"/>
+                <a:sym typeface="Arial"/>
               </a:defRPr>
             </a:lvl4pPr>
-            <a:lvl5pPr indent="-317500" lvl="4" marL="2286000">
+            <a:lvl5pPr indent="-317500" lvl="4" marL="2286000" marR="0" rtl="0" algn="l">
               <a:lnSpc>
                 <a:spcPct val="115000"/>
               </a:lnSpc>
@@ -5313,14 +8417,19 @@
                 <a:schemeClr val="dk2"/>
               </a:buClr>
               <a:buSzPts val="1400"/>
+              <a:buFont typeface="Arial"/>
               <a:buChar char="○"/>
-              <a:defRPr>
+              <a:defRPr b="0" i="0" sz="1400" u="none" cap="none" strike="noStrike">
                 <a:solidFill>
                   <a:schemeClr val="dk2"/>
                 </a:solidFill>
+                <a:latin typeface="Arial"/>
+                <a:ea typeface="Arial"/>
+                <a:cs typeface="Arial"/>
+                <a:sym typeface="Arial"/>
               </a:defRPr>
             </a:lvl5pPr>
-            <a:lvl6pPr indent="-317500" lvl="5" marL="2743200">
+            <a:lvl6pPr indent="-317500" lvl="5" marL="2743200" marR="0" rtl="0" algn="l">
               <a:lnSpc>
                 <a:spcPct val="115000"/>
               </a:lnSpc>
@@ -5334,14 +8443,19 @@
                 <a:schemeClr val="dk2"/>
               </a:buClr>
               <a:buSzPts val="1400"/>
+              <a:buFont typeface="Arial"/>
               <a:buChar char="■"/>
-              <a:defRPr>
+              <a:defRPr b="0" i="0" sz="1400" u="none" cap="none" strike="noStrike">
                 <a:solidFill>
                   <a:schemeClr val="dk2"/>
                 </a:solidFill>
+                <a:latin typeface="Arial"/>
+                <a:ea typeface="Arial"/>
+                <a:cs typeface="Arial"/>
+                <a:sym typeface="Arial"/>
               </a:defRPr>
             </a:lvl6pPr>
-            <a:lvl7pPr indent="-317500" lvl="6" marL="3200400">
+            <a:lvl7pPr indent="-317500" lvl="6" marL="3200400" marR="0" rtl="0" algn="l">
               <a:lnSpc>
                 <a:spcPct val="115000"/>
               </a:lnSpc>
@@ -5355,14 +8469,19 @@
                 <a:schemeClr val="dk2"/>
               </a:buClr>
               <a:buSzPts val="1400"/>
+              <a:buFont typeface="Arial"/>
               <a:buChar char="●"/>
-              <a:defRPr>
+              <a:defRPr b="0" i="0" sz="1400" u="none" cap="none" strike="noStrike">
                 <a:solidFill>
                   <a:schemeClr val="dk2"/>
                 </a:solidFill>
+                <a:latin typeface="Arial"/>
+                <a:ea typeface="Arial"/>
+                <a:cs typeface="Arial"/>
+                <a:sym typeface="Arial"/>
               </a:defRPr>
             </a:lvl7pPr>
-            <a:lvl8pPr indent="-317500" lvl="7" marL="3657600">
+            <a:lvl8pPr indent="-317500" lvl="7" marL="3657600" marR="0" rtl="0" algn="l">
               <a:lnSpc>
                 <a:spcPct val="115000"/>
               </a:lnSpc>
@@ -5376,14 +8495,19 @@
                 <a:schemeClr val="dk2"/>
               </a:buClr>
               <a:buSzPts val="1400"/>
+              <a:buFont typeface="Arial"/>
               <a:buChar char="○"/>
-              <a:defRPr>
+              <a:defRPr b="0" i="0" sz="1400" u="none" cap="none" strike="noStrike">
                 <a:solidFill>
                   <a:schemeClr val="dk2"/>
                 </a:solidFill>
+                <a:latin typeface="Arial"/>
+                <a:ea typeface="Arial"/>
+                <a:cs typeface="Arial"/>
+                <a:sym typeface="Arial"/>
               </a:defRPr>
             </a:lvl8pPr>
-            <a:lvl9pPr indent="-317500" lvl="8" marL="4114800">
+            <a:lvl9pPr indent="-317500" lvl="8" marL="4114800" marR="0" rtl="0" algn="l">
               <a:lnSpc>
                 <a:spcPct val="115000"/>
               </a:lnSpc>
@@ -5397,11 +8521,16 @@
                 <a:schemeClr val="dk2"/>
               </a:buClr>
               <a:buSzPts val="1400"/>
+              <a:buFont typeface="Arial"/>
               <a:buChar char="■"/>
-              <a:defRPr>
+              <a:defRPr b="0" i="0" sz="1400" u="none" cap="none" strike="noStrike">
                 <a:solidFill>
                   <a:schemeClr val="dk2"/>
                 </a:solidFill>
+                <a:latin typeface="Arial"/>
+                <a:ea typeface="Arial"/>
+                <a:cs typeface="Arial"/>
+                <a:sym typeface="Arial"/>
               </a:defRPr>
             </a:lvl9pPr>
           </a:lstStyle>
@@ -5434,76 +8563,238 @@
             <a:normAutofit/>
           </a:bodyPr>
           <a:lstStyle>
-            <a:lvl1pPr lvl="0" algn="r">
-              <a:buNone/>
-              <a:defRPr sz="1000">
+            <a:lvl1pPr indent="0" lvl="0" marL="0" marR="0" rtl="0" algn="r">
+              <a:lnSpc>
+                <a:spcPct val="100000"/>
+              </a:lnSpc>
+              <a:spcBef>
+                <a:spcPts val="0"/>
+              </a:spcBef>
+              <a:spcAft>
+                <a:spcPts val="0"/>
+              </a:spcAft>
+              <a:buClr>
+                <a:srgbClr val="000000"/>
+              </a:buClr>
+              <a:buSzPts val="1000"/>
+              <a:buFont typeface="Arial"/>
+              <a:buNone/>
+              <a:defRPr b="0" i="0" sz="1000" u="none" cap="none" strike="noStrike">
                 <a:solidFill>
                   <a:schemeClr val="dk2"/>
                 </a:solidFill>
+                <a:latin typeface="Arial"/>
+                <a:ea typeface="Arial"/>
+                <a:cs typeface="Arial"/>
+                <a:sym typeface="Arial"/>
               </a:defRPr>
             </a:lvl1pPr>
-            <a:lvl2pPr lvl="1" algn="r">
-              <a:buNone/>
-              <a:defRPr sz="1000">
+            <a:lvl2pPr indent="0" lvl="1" marL="0" marR="0" rtl="0" algn="r">
+              <a:lnSpc>
+                <a:spcPct val="100000"/>
+              </a:lnSpc>
+              <a:spcBef>
+                <a:spcPts val="0"/>
+              </a:spcBef>
+              <a:spcAft>
+                <a:spcPts val="0"/>
+              </a:spcAft>
+              <a:buClr>
+                <a:srgbClr val="000000"/>
+              </a:buClr>
+              <a:buSzPts val="1000"/>
+              <a:buFont typeface="Arial"/>
+              <a:buNone/>
+              <a:defRPr b="0" i="0" sz="1000" u="none" cap="none" strike="noStrike">
                 <a:solidFill>
                   <a:schemeClr val="dk2"/>
                 </a:solidFill>
+                <a:latin typeface="Arial"/>
+                <a:ea typeface="Arial"/>
+                <a:cs typeface="Arial"/>
+                <a:sym typeface="Arial"/>
               </a:defRPr>
             </a:lvl2pPr>
-            <a:lvl3pPr lvl="2" algn="r">
-              <a:buNone/>
-              <a:defRPr sz="1000">
+            <a:lvl3pPr indent="0" lvl="2" marL="0" marR="0" rtl="0" algn="r">
+              <a:lnSpc>
+                <a:spcPct val="100000"/>
+              </a:lnSpc>
+              <a:spcBef>
+                <a:spcPts val="0"/>
+              </a:spcBef>
+              <a:spcAft>
+                <a:spcPts val="0"/>
+              </a:spcAft>
+              <a:buClr>
+                <a:srgbClr val="000000"/>
+              </a:buClr>
+              <a:buSzPts val="1000"/>
+              <a:buFont typeface="Arial"/>
+              <a:buNone/>
+              <a:defRPr b="0" i="0" sz="1000" u="none" cap="none" strike="noStrike">
                 <a:solidFill>
                   <a:schemeClr val="dk2"/>
                 </a:solidFill>
+                <a:latin typeface="Arial"/>
+                <a:ea typeface="Arial"/>
+                <a:cs typeface="Arial"/>
+                <a:sym typeface="Arial"/>
               </a:defRPr>
             </a:lvl3pPr>
-            <a:lvl4pPr lvl="3" algn="r">
-              <a:buNone/>
-              <a:defRPr sz="1000">
+            <a:lvl4pPr indent="0" lvl="3" marL="0" marR="0" rtl="0" algn="r">
+              <a:lnSpc>
+                <a:spcPct val="100000"/>
+              </a:lnSpc>
+              <a:spcBef>
+                <a:spcPts val="0"/>
+              </a:spcBef>
+              <a:spcAft>
+                <a:spcPts val="0"/>
+              </a:spcAft>
+              <a:buClr>
+                <a:srgbClr val="000000"/>
+              </a:buClr>
+              <a:buSzPts val="1000"/>
+              <a:buFont typeface="Arial"/>
+              <a:buNone/>
+              <a:defRPr b="0" i="0" sz="1000" u="none" cap="none" strike="noStrike">
                 <a:solidFill>
                   <a:schemeClr val="dk2"/>
                 </a:solidFill>
+                <a:latin typeface="Arial"/>
+                <a:ea typeface="Arial"/>
+                <a:cs typeface="Arial"/>
+                <a:sym typeface="Arial"/>
               </a:defRPr>
             </a:lvl4pPr>
-            <a:lvl5pPr lvl="4" algn="r">
-              <a:buNone/>
-              <a:defRPr sz="1000">
+            <a:lvl5pPr indent="0" lvl="4" marL="0" marR="0" rtl="0" algn="r">
+              <a:lnSpc>
+                <a:spcPct val="100000"/>
+              </a:lnSpc>
+              <a:spcBef>
+                <a:spcPts val="0"/>
+              </a:spcBef>
+              <a:spcAft>
+                <a:spcPts val="0"/>
+              </a:spcAft>
+              <a:buClr>
+                <a:srgbClr val="000000"/>
+              </a:buClr>
+              <a:buSzPts val="1000"/>
+              <a:buFont typeface="Arial"/>
+              <a:buNone/>
+              <a:defRPr b="0" i="0" sz="1000" u="none" cap="none" strike="noStrike">
                 <a:solidFill>
                   <a:schemeClr val="dk2"/>
                 </a:solidFill>
+                <a:latin typeface="Arial"/>
+                <a:ea typeface="Arial"/>
+                <a:cs typeface="Arial"/>
+                <a:sym typeface="Arial"/>
               </a:defRPr>
             </a:lvl5pPr>
-            <a:lvl6pPr lvl="5" algn="r">
-              <a:buNone/>
-              <a:defRPr sz="1000">
+            <a:lvl6pPr indent="0" lvl="5" marL="0" marR="0" rtl="0" algn="r">
+              <a:lnSpc>
+                <a:spcPct val="100000"/>
+              </a:lnSpc>
+              <a:spcBef>
+                <a:spcPts val="0"/>
+              </a:spcBef>
+              <a:spcAft>
+                <a:spcPts val="0"/>
+              </a:spcAft>
+              <a:buClr>
+                <a:srgbClr val="000000"/>
+              </a:buClr>
+              <a:buSzPts val="1000"/>
+              <a:buFont typeface="Arial"/>
+              <a:buNone/>
+              <a:defRPr b="0" i="0" sz="1000" u="none" cap="none" strike="noStrike">
                 <a:solidFill>
                   <a:schemeClr val="dk2"/>
                 </a:solidFill>
+                <a:latin typeface="Arial"/>
+                <a:ea typeface="Arial"/>
+                <a:cs typeface="Arial"/>
+                <a:sym typeface="Arial"/>
               </a:defRPr>
             </a:lvl6pPr>
-            <a:lvl7pPr lvl="6" algn="r">
-              <a:buNone/>
-              <a:defRPr sz="1000">
+            <a:lvl7pPr indent="0" lvl="6" marL="0" marR="0" rtl="0" algn="r">
+              <a:lnSpc>
+                <a:spcPct val="100000"/>
+              </a:lnSpc>
+              <a:spcBef>
+                <a:spcPts val="0"/>
+              </a:spcBef>
+              <a:spcAft>
+                <a:spcPts val="0"/>
+              </a:spcAft>
+              <a:buClr>
+                <a:srgbClr val="000000"/>
+              </a:buClr>
+              <a:buSzPts val="1000"/>
+              <a:buFont typeface="Arial"/>
+              <a:buNone/>
+              <a:defRPr b="0" i="0" sz="1000" u="none" cap="none" strike="noStrike">
                 <a:solidFill>
                   <a:schemeClr val="dk2"/>
                 </a:solidFill>
+                <a:latin typeface="Arial"/>
+                <a:ea typeface="Arial"/>
+                <a:cs typeface="Arial"/>
+                <a:sym typeface="Arial"/>
               </a:defRPr>
             </a:lvl7pPr>
-            <a:lvl8pPr lvl="7" algn="r">
-              <a:buNone/>
-              <a:defRPr sz="1000">
+            <a:lvl8pPr indent="0" lvl="7" marL="0" marR="0" rtl="0" algn="r">
+              <a:lnSpc>
+                <a:spcPct val="100000"/>
+              </a:lnSpc>
+              <a:spcBef>
+                <a:spcPts val="0"/>
+              </a:spcBef>
+              <a:spcAft>
+                <a:spcPts val="0"/>
+              </a:spcAft>
+              <a:buClr>
+                <a:srgbClr val="000000"/>
+              </a:buClr>
+              <a:buSzPts val="1000"/>
+              <a:buFont typeface="Arial"/>
+              <a:buNone/>
+              <a:defRPr b="0" i="0" sz="1000" u="none" cap="none" strike="noStrike">
                 <a:solidFill>
                   <a:schemeClr val="dk2"/>
                 </a:solidFill>
+                <a:latin typeface="Arial"/>
+                <a:ea typeface="Arial"/>
+                <a:cs typeface="Arial"/>
+                <a:sym typeface="Arial"/>
               </a:defRPr>
             </a:lvl8pPr>
-            <a:lvl9pPr lvl="8" algn="r">
-              <a:buNone/>
-              <a:defRPr sz="1000">
+            <a:lvl9pPr indent="0" lvl="8" marL="0" marR="0" rtl="0" algn="r">
+              <a:lnSpc>
+                <a:spcPct val="100000"/>
+              </a:lnSpc>
+              <a:spcBef>
+                <a:spcPts val="0"/>
+              </a:spcBef>
+              <a:spcAft>
+                <a:spcPts val="0"/>
+              </a:spcAft>
+              <a:buClr>
+                <a:srgbClr val="000000"/>
+              </a:buClr>
+              <a:buSzPts val="1000"/>
+              <a:buFont typeface="Arial"/>
+              <a:buNone/>
+              <a:defRPr b="0" i="0" sz="1000" u="none" cap="none" strike="noStrike">
                 <a:solidFill>
                   <a:schemeClr val="dk2"/>
                 </a:solidFill>
+                <a:latin typeface="Arial"/>
+                <a:ea typeface="Arial"/>
+                <a:cs typeface="Arial"/>
+                <a:sym typeface="Arial"/>
               </a:defRPr>
             </a:lvl9pPr>
           </a:lstStyle>
@@ -6267,6 +9558,10 @@
           <a:prstGeom prst="rect">
             <a:avLst/>
           </a:prstGeom>
+          <a:noFill/>
+          <a:ln>
+            <a:noFill/>
+          </a:ln>
         </p:spPr>
         <p:txBody>
           <a:bodyPr anchorCtr="0" anchor="b" bIns="91425" lIns="91425" spcFirstLastPara="1" rIns="91425" wrap="square" tIns="91425">
@@ -6422,6 +9717,10 @@
           <a:prstGeom prst="rect">
             <a:avLst/>
           </a:prstGeom>
+          <a:noFill/>
+          <a:ln>
+            <a:noFill/>
+          </a:ln>
         </p:spPr>
         <p:txBody>
           <a:bodyPr anchorCtr="0" anchor="t" bIns="91425" lIns="91425" spcFirstLastPara="1" rIns="91425" wrap="square" tIns="91425">
@@ -6430,12 +9729,16 @@
           <a:lstStyle/>
           <a:p>
             <a:pPr indent="0" lvl="0" marL="0" rtl="0" algn="ctr">
-              <a:spcBef>
-                <a:spcPts val="0"/>
-              </a:spcBef>
-              <a:spcAft>
-                <a:spcPts val="0"/>
-              </a:spcAft>
+              <a:lnSpc>
+                <a:spcPct val="100000"/>
+              </a:lnSpc>
+              <a:spcBef>
+                <a:spcPts val="0"/>
+              </a:spcBef>
+              <a:spcAft>
+                <a:spcPts val="0"/>
+              </a:spcAft>
+              <a:buSzPts val="2800"/>
               <a:buNone/>
             </a:pPr>
             <a:r>
@@ -6454,12 +9757,16 @@
           </a:p>
           <a:p>
             <a:pPr indent="0" lvl="0" marL="0" rtl="0" algn="ctr">
-              <a:spcBef>
-                <a:spcPts val="0"/>
-              </a:spcBef>
-              <a:spcAft>
-                <a:spcPts val="0"/>
-              </a:spcAft>
+              <a:lnSpc>
+                <a:spcPct val="100000"/>
+              </a:lnSpc>
+              <a:spcBef>
+                <a:spcPts val="0"/>
+              </a:spcBef>
+              <a:spcAft>
+                <a:spcPts val="0"/>
+              </a:spcAft>
+              <a:buSzPts val="2800"/>
               <a:buNone/>
             </a:pPr>
             <a:r>
@@ -6503,7 +9810,7 @@
           </a:bodyPr>
           <a:lstStyle/>
           <a:p>
-            <a:pPr indent="0" lvl="0" marL="0" rtl="0" algn="ctr">
+            <a:pPr indent="0" lvl="0" marL="0" marR="0" rtl="0" algn="ctr">
               <a:lnSpc>
                 <a:spcPct val="150000"/>
               </a:lnSpc>
@@ -6521,7 +9828,7 @@
               <a:buNone/>
             </a:pPr>
             <a:r>
-              <a:rPr lang="en">
+              <a:rPr b="0" i="0" lang="en" sz="1400" u="none" cap="none" strike="noStrike">
                 <a:solidFill>
                   <a:schemeClr val="dk1"/>
                 </a:solidFill>
@@ -6532,7 +9839,7 @@
               </a:rPr>
               <a:t>QT проект по теме</a:t>
             </a:r>
-            <a:endParaRPr>
+            <a:endParaRPr b="0" i="0" sz="1400" u="none" cap="none" strike="noStrike">
               <a:solidFill>
                 <a:schemeClr val="dk1"/>
               </a:solidFill>
@@ -6543,7 +9850,7 @@
             </a:endParaRPr>
           </a:p>
           <a:p>
-            <a:pPr indent="0" lvl="0" marL="0" rtl="0" algn="ctr">
+            <a:pPr indent="0" lvl="0" marL="0" marR="0" rtl="0" algn="ctr">
               <a:lnSpc>
                 <a:spcPct val="150000"/>
               </a:lnSpc>
@@ -6561,7 +9868,7 @@
               <a:buNone/>
             </a:pPr>
             <a:r>
-              <a:rPr lang="en">
+              <a:rPr b="0" i="0" lang="en" sz="1400" u="none" cap="none" strike="noStrike">
                 <a:solidFill>
                   <a:schemeClr val="dk1"/>
                 </a:solidFill>
@@ -6572,7 +9879,7 @@
               </a:rPr>
               <a:t>“Система управления задачами и событиями с возможностью их категоризации”</a:t>
             </a:r>
-            <a:endParaRPr>
+            <a:endParaRPr b="0" i="0" sz="1400" u="none" cap="none" strike="noStrike">
               <a:solidFill>
                 <a:schemeClr val="dk1"/>
               </a:solidFill>
@@ -6583,22 +9890,34 @@
             </a:endParaRPr>
           </a:p>
           <a:p>
-            <a:pPr indent="0" lvl="0" marL="0" rtl="0" algn="l">
-              <a:spcBef>
-                <a:spcPts val="0"/>
-              </a:spcBef>
-              <a:spcAft>
-                <a:spcPts val="0"/>
-              </a:spcAft>
+            <a:pPr indent="0" lvl="0" marL="0" marR="0" rtl="0" algn="l">
+              <a:lnSpc>
+                <a:spcPct val="100000"/>
+              </a:lnSpc>
+              <a:spcBef>
+                <a:spcPts val="0"/>
+              </a:spcBef>
+              <a:spcAft>
+                <a:spcPts val="0"/>
+              </a:spcAft>
+              <a:buClr>
+                <a:srgbClr val="000000"/>
+              </a:buClr>
+              <a:buSzPts val="1800"/>
+              <a:buFont typeface="Arial"/>
               <a:buNone/>
             </a:pPr>
             <a:r>
               <a:t/>
             </a:r>
-            <a:endParaRPr sz="1800">
+            <a:endParaRPr b="0" i="0" sz="1800" u="none" cap="none" strike="noStrike">
               <a:solidFill>
                 <a:schemeClr val="dk2"/>
               </a:solidFill>
+              <a:latin typeface="Arial"/>
+              <a:ea typeface="Arial"/>
+              <a:cs typeface="Arial"/>
+              <a:sym typeface="Arial"/>
             </a:endParaRPr>
           </a:p>
         </p:txBody>
@@ -6628,27 +9947,43 @@
           </a:bodyPr>
           <a:lstStyle/>
           <a:p>
-            <a:pPr indent="0" lvl="0" marL="0" rtl="0" algn="ctr">
-              <a:spcBef>
-                <a:spcPts val="0"/>
-              </a:spcBef>
-              <a:spcAft>
-                <a:spcPts val="0"/>
-              </a:spcAft>
+            <a:pPr indent="0" lvl="0" marL="0" marR="0" rtl="0" algn="ctr">
+              <a:lnSpc>
+                <a:spcPct val="100000"/>
+              </a:lnSpc>
+              <a:spcBef>
+                <a:spcPts val="0"/>
+              </a:spcBef>
+              <a:spcAft>
+                <a:spcPts val="0"/>
+              </a:spcAft>
+              <a:buClr>
+                <a:srgbClr val="000000"/>
+              </a:buClr>
+              <a:buSzPts val="1100"/>
+              <a:buFont typeface="Arial"/>
               <a:buNone/>
             </a:pPr>
             <a:r>
-              <a:rPr lang="en" sz="1100">
+              <a:rPr b="0" i="0" lang="en" sz="1100" u="none" cap="none" strike="noStrike">
                 <a:solidFill>
                   <a:schemeClr val="dk1"/>
                 </a:solidFill>
+                <a:latin typeface="Arial"/>
+                <a:ea typeface="Arial"/>
+                <a:cs typeface="Arial"/>
+                <a:sym typeface="Arial"/>
               </a:rPr>
               <a:t>Воронеж 2024</a:t>
             </a:r>
-            <a:endParaRPr sz="1100">
+            <a:endParaRPr b="0" i="0" sz="1100" u="none" cap="none" strike="noStrike">
               <a:solidFill>
                 <a:schemeClr val="dk1"/>
               </a:solidFill>
+              <a:latin typeface="Arial"/>
+              <a:ea typeface="Arial"/>
+              <a:cs typeface="Arial"/>
+              <a:sym typeface="Arial"/>
             </a:endParaRPr>
           </a:p>
         </p:txBody>
@@ -6694,6 +10029,10 @@
           <a:prstGeom prst="rect">
             <a:avLst/>
           </a:prstGeom>
+          <a:noFill/>
+          <a:ln>
+            <a:noFill/>
+          </a:ln>
         </p:spPr>
         <p:txBody>
           <a:bodyPr anchorCtr="0" anchor="ctr" bIns="91425" lIns="91425" spcFirstLastPara="1" rIns="91425" wrap="square" tIns="91425">
@@ -6711,6 +10050,7 @@
               <a:spcAft>
                 <a:spcPts val="0"/>
               </a:spcAft>
+              <a:buSzPts val="5200"/>
               <a:buNone/>
             </a:pPr>
             <a:r>
@@ -6737,6 +10077,10 @@
           <a:prstGeom prst="rect">
             <a:avLst/>
           </a:prstGeom>
+          <a:noFill/>
+          <a:ln>
+            <a:noFill/>
+          </a:ln>
         </p:spPr>
         <p:txBody>
           <a:bodyPr anchorCtr="0" anchor="t" bIns="91425" lIns="91425" spcFirstLastPara="1" rIns="91425" wrap="square" tIns="91425">
@@ -6807,17 +10151,25 @@
           </a:bodyPr>
           <a:lstStyle/>
           <a:p>
-            <a:pPr indent="0" lvl="0" marL="0" rtl="0" algn="ctr">
-              <a:spcBef>
-                <a:spcPts val="0"/>
-              </a:spcBef>
-              <a:spcAft>
-                <a:spcPts val="0"/>
-              </a:spcAft>
+            <a:pPr indent="0" lvl="0" marL="0" marR="0" rtl="0" algn="ctr">
+              <a:lnSpc>
+                <a:spcPct val="100000"/>
+              </a:lnSpc>
+              <a:spcBef>
+                <a:spcPts val="0"/>
+              </a:spcBef>
+              <a:spcAft>
+                <a:spcPts val="0"/>
+              </a:spcAft>
+              <a:buClr>
+                <a:srgbClr val="000000"/>
+              </a:buClr>
+              <a:buSzPts val="2800"/>
+              <a:buFont typeface="Arial"/>
               <a:buNone/>
             </a:pPr>
             <a:r>
-              <a:rPr lang="en" sz="2800">
+              <a:rPr b="0" i="0" lang="en" sz="2800" u="none" cap="none" strike="noStrike">
                 <a:solidFill>
                   <a:schemeClr val="dk1"/>
                 </a:solidFill>
@@ -6828,7 +10180,7 @@
               </a:rPr>
               <a:t>Техническое задание</a:t>
             </a:r>
-            <a:endParaRPr sz="2800">
+            <a:endParaRPr b="0" i="0" sz="2800" u="none" cap="none" strike="noStrike">
               <a:solidFill>
                 <a:schemeClr val="dk1"/>
               </a:solidFill>
@@ -6865,7 +10217,7 @@
           </a:bodyPr>
           <a:lstStyle/>
           <a:p>
-            <a:pPr indent="-342900" lvl="0" marL="457200" rtl="0" algn="just">
+            <a:pPr indent="0" lvl="0" marL="0" marR="0" rtl="0" algn="just">
               <a:lnSpc>
                 <a:spcPct val="150000"/>
               </a:lnSpc>
@@ -6875,12 +10227,7 @@
               <a:spcAft>
                 <a:spcPts val="0"/>
               </a:spcAft>
-              <a:buClr>
-                <a:schemeClr val="dk1"/>
-              </a:buClr>
-              <a:buSzPts val="1800"/>
-              <a:buFont typeface="Times New Roman"/>
-              <a:buChar char="●"/>
+              <a:buNone/>
             </a:pPr>
             <a:r>
               <a:rPr lang="en" sz="1800">
@@ -6892,7 +10239,7 @@
                 <a:cs typeface="Times New Roman"/>
                 <a:sym typeface="Times New Roman"/>
               </a:rPr>
-              <a:t>Создание и управление категориями, событиями, задачами</a:t>
+              <a:t>Создать десктопное приложение со следующим функционалом:</a:t>
             </a:r>
             <a:endParaRPr sz="1800">
               <a:solidFill>
@@ -6905,7 +10252,7 @@
             </a:endParaRPr>
           </a:p>
           <a:p>
-            <a:pPr indent="-342900" lvl="0" marL="457200" rtl="0" algn="just">
+            <a:pPr indent="-342900" lvl="0" marL="457200" marR="0" rtl="0" algn="just">
               <a:lnSpc>
                 <a:spcPct val="150000"/>
               </a:lnSpc>
@@ -6923,7 +10270,7 @@
               <a:buChar char="●"/>
             </a:pPr>
             <a:r>
-              <a:rPr lang="en" sz="1800">
+              <a:rPr b="0" i="0" lang="en" sz="1800" u="none" cap="none" strike="noStrike">
                 <a:solidFill>
                   <a:schemeClr val="dk1"/>
                 </a:solidFill>
@@ -6932,9 +10279,9 @@
                 <a:cs typeface="Times New Roman"/>
                 <a:sym typeface="Times New Roman"/>
               </a:rPr>
-              <a:t>Возможность фильтрации событий и задач по категориям</a:t>
+              <a:t>Создание и управление категориями, событиями, задачами</a:t>
             </a:r>
-            <a:endParaRPr sz="1800">
+            <a:endParaRPr b="0" i="0" sz="1800" u="none" cap="none" strike="noStrike">
               <a:solidFill>
                 <a:schemeClr val="dk1"/>
               </a:solidFill>
@@ -6945,7 +10292,7 @@
             </a:endParaRPr>
           </a:p>
           <a:p>
-            <a:pPr indent="-342900" lvl="0" marL="457200" rtl="0" algn="just">
+            <a:pPr indent="-342900" lvl="0" marL="457200" marR="0" rtl="0" algn="just">
               <a:lnSpc>
                 <a:spcPct val="150000"/>
               </a:lnSpc>
@@ -6963,7 +10310,7 @@
               <a:buChar char="●"/>
             </a:pPr>
             <a:r>
-              <a:rPr lang="en" sz="1800">
+              <a:rPr b="0" i="0" lang="en" sz="1800" u="none" cap="none" strike="noStrike">
                 <a:solidFill>
                   <a:schemeClr val="dk1"/>
                 </a:solidFill>
@@ -6972,9 +10319,9 @@
                 <a:cs typeface="Times New Roman"/>
                 <a:sym typeface="Times New Roman"/>
               </a:rPr>
-              <a:t>Функция экспорта данных в .csv файл</a:t>
+              <a:t>Возможность фильтрации событий и задач по категориям</a:t>
             </a:r>
-            <a:endParaRPr sz="1800">
+            <a:endParaRPr b="0" i="0" sz="1800" u="none" cap="none" strike="noStrike">
               <a:solidFill>
                 <a:schemeClr val="dk1"/>
               </a:solidFill>
@@ -6985,22 +10332,74 @@
             </a:endParaRPr>
           </a:p>
           <a:p>
-            <a:pPr indent="0" lvl="0" marL="0" rtl="0" algn="l">
-              <a:spcBef>
-                <a:spcPts val="0"/>
-              </a:spcBef>
-              <a:spcAft>
-                <a:spcPts val="0"/>
-              </a:spcAft>
+            <a:pPr indent="-342900" lvl="0" marL="457200" marR="0" rtl="0" algn="just">
+              <a:lnSpc>
+                <a:spcPct val="150000"/>
+              </a:lnSpc>
+              <a:spcBef>
+                <a:spcPts val="0"/>
+              </a:spcBef>
+              <a:spcAft>
+                <a:spcPts val="0"/>
+              </a:spcAft>
+              <a:buClr>
+                <a:schemeClr val="dk1"/>
+              </a:buClr>
+              <a:buSzPts val="1800"/>
+              <a:buFont typeface="Times New Roman"/>
+              <a:buChar char="●"/>
+            </a:pPr>
+            <a:r>
+              <a:rPr b="0" i="0" lang="en" sz="1800" u="none" cap="none" strike="noStrike">
+                <a:solidFill>
+                  <a:schemeClr val="dk1"/>
+                </a:solidFill>
+                <a:latin typeface="Times New Roman"/>
+                <a:ea typeface="Times New Roman"/>
+                <a:cs typeface="Times New Roman"/>
+                <a:sym typeface="Times New Roman"/>
+              </a:rPr>
+              <a:t>Функция экспорта данных в .csv файл</a:t>
+            </a:r>
+            <a:endParaRPr b="0" i="0" sz="1800" u="none" cap="none" strike="noStrike">
+              <a:solidFill>
+                <a:schemeClr val="dk1"/>
+              </a:solidFill>
+              <a:latin typeface="Times New Roman"/>
+              <a:ea typeface="Times New Roman"/>
+              <a:cs typeface="Times New Roman"/>
+              <a:sym typeface="Times New Roman"/>
+            </a:endParaRPr>
+          </a:p>
+          <a:p>
+            <a:pPr indent="0" lvl="0" marL="0" marR="0" rtl="0" algn="l">
+              <a:lnSpc>
+                <a:spcPct val="100000"/>
+              </a:lnSpc>
+              <a:spcBef>
+                <a:spcPts val="0"/>
+              </a:spcBef>
+              <a:spcAft>
+                <a:spcPts val="0"/>
+              </a:spcAft>
+              <a:buClr>
+                <a:srgbClr val="000000"/>
+              </a:buClr>
+              <a:buSzPts val="1800"/>
+              <a:buFont typeface="Arial"/>
               <a:buNone/>
             </a:pPr>
             <a:r>
               <a:t/>
             </a:r>
-            <a:endParaRPr sz="1800">
+            <a:endParaRPr b="0" i="0" sz="1800" u="none" cap="none" strike="noStrike">
               <a:solidFill>
                 <a:schemeClr val="dk2"/>
               </a:solidFill>
+              <a:latin typeface="Arial"/>
+              <a:ea typeface="Arial"/>
+              <a:cs typeface="Arial"/>
+              <a:sym typeface="Arial"/>
             </a:endParaRPr>
           </a:p>
         </p:txBody>
@@ -7030,27 +10429,43 @@
           </a:bodyPr>
           <a:lstStyle/>
           <a:p>
-            <a:pPr indent="0" lvl="0" marL="0" rtl="0" algn="r">
-              <a:spcBef>
-                <a:spcPts val="0"/>
-              </a:spcBef>
-              <a:spcAft>
-                <a:spcPts val="0"/>
-              </a:spcAft>
+            <a:pPr indent="0" lvl="0" marL="0" marR="0" rtl="0" algn="r">
+              <a:lnSpc>
+                <a:spcPct val="100000"/>
+              </a:lnSpc>
+              <a:spcBef>
+                <a:spcPts val="0"/>
+              </a:spcBef>
+              <a:spcAft>
+                <a:spcPts val="0"/>
+              </a:spcAft>
+              <a:buClr>
+                <a:srgbClr val="000000"/>
+              </a:buClr>
+              <a:buSzPts val="1800"/>
+              <a:buFont typeface="Arial"/>
               <a:buNone/>
             </a:pPr>
             <a:r>
-              <a:rPr lang="en" sz="1800">
+              <a:rPr b="0" i="0" lang="en" sz="1800" u="none" cap="none" strike="noStrike">
                 <a:solidFill>
                   <a:schemeClr val="dk2"/>
                 </a:solidFill>
+                <a:latin typeface="Arial"/>
+                <a:ea typeface="Arial"/>
+                <a:cs typeface="Arial"/>
+                <a:sym typeface="Arial"/>
               </a:rPr>
               <a:t>2</a:t>
             </a:r>
-            <a:endParaRPr sz="1800">
+            <a:endParaRPr b="0" i="0" sz="1800" u="none" cap="none" strike="noStrike">
               <a:solidFill>
                 <a:schemeClr val="dk2"/>
               </a:solidFill>
+              <a:latin typeface="Arial"/>
+              <a:ea typeface="Arial"/>
+              <a:cs typeface="Arial"/>
+              <a:sym typeface="Arial"/>
             </a:endParaRPr>
           </a:p>
         </p:txBody>
@@ -7096,6 +10511,10 @@
           <a:prstGeom prst="rect">
             <a:avLst/>
           </a:prstGeom>
+          <a:noFill/>
+          <a:ln>
+            <a:noFill/>
+          </a:ln>
         </p:spPr>
         <p:txBody>
           <a:bodyPr anchorCtr="0" anchor="ctr" bIns="91425" lIns="91425" spcFirstLastPara="1" rIns="91425" wrap="square" tIns="91425">
@@ -7104,12 +10523,16 @@
           <a:lstStyle/>
           <a:p>
             <a:pPr indent="0" lvl="0" marL="0" rtl="0" algn="ctr">
-              <a:spcBef>
-                <a:spcPts val="0"/>
-              </a:spcBef>
-              <a:spcAft>
-                <a:spcPts val="0"/>
-              </a:spcAft>
+              <a:lnSpc>
+                <a:spcPct val="100000"/>
+              </a:lnSpc>
+              <a:spcBef>
+                <a:spcPts val="0"/>
+              </a:spcBef>
+              <a:spcAft>
+                <a:spcPts val="0"/>
+              </a:spcAft>
+              <a:buSzPts val="5200"/>
               <a:buNone/>
             </a:pPr>
             <a:r>
@@ -7136,6 +10559,10 @@
           <a:prstGeom prst="rect">
             <a:avLst/>
           </a:prstGeom>
+          <a:noFill/>
+          <a:ln>
+            <a:noFill/>
+          </a:ln>
         </p:spPr>
         <p:txBody>
           <a:bodyPr anchorCtr="0" anchor="ctr" bIns="91425" lIns="91425" spcFirstLastPara="1" rIns="91425" wrap="square" tIns="91425">
@@ -7206,27 +10633,43 @@
           </a:bodyPr>
           <a:lstStyle/>
           <a:p>
-            <a:pPr indent="0" lvl="0" marL="0" rtl="0" algn="r">
-              <a:spcBef>
-                <a:spcPts val="0"/>
-              </a:spcBef>
-              <a:spcAft>
-                <a:spcPts val="0"/>
-              </a:spcAft>
+            <a:pPr indent="0" lvl="0" marL="0" marR="0" rtl="0" algn="r">
+              <a:lnSpc>
+                <a:spcPct val="100000"/>
+              </a:lnSpc>
+              <a:spcBef>
+                <a:spcPts val="0"/>
+              </a:spcBef>
+              <a:spcAft>
+                <a:spcPts val="0"/>
+              </a:spcAft>
+              <a:buClr>
+                <a:srgbClr val="000000"/>
+              </a:buClr>
+              <a:buSzPts val="1800"/>
+              <a:buFont typeface="Arial"/>
               <a:buNone/>
             </a:pPr>
             <a:r>
-              <a:rPr lang="en" sz="1800">
+              <a:rPr b="0" i="0" lang="en" sz="1800" u="none" cap="none" strike="noStrike">
                 <a:solidFill>
                   <a:schemeClr val="dk2"/>
                 </a:solidFill>
+                <a:latin typeface="Arial"/>
+                <a:ea typeface="Arial"/>
+                <a:cs typeface="Arial"/>
+                <a:sym typeface="Arial"/>
               </a:rPr>
               <a:t>3</a:t>
             </a:r>
-            <a:endParaRPr sz="1800">
+            <a:endParaRPr b="0" i="0" sz="1800" u="none" cap="none" strike="noStrike">
               <a:solidFill>
                 <a:schemeClr val="dk2"/>
               </a:solidFill>
+              <a:latin typeface="Arial"/>
+              <a:ea typeface="Arial"/>
+              <a:cs typeface="Arial"/>
+              <a:sym typeface="Arial"/>
             </a:endParaRPr>
           </a:p>
         </p:txBody>
@@ -7272,6 +10715,10 @@
           <a:prstGeom prst="rect">
             <a:avLst/>
           </a:prstGeom>
+          <a:noFill/>
+          <a:ln>
+            <a:noFill/>
+          </a:ln>
         </p:spPr>
         <p:txBody>
           <a:bodyPr anchorCtr="0" anchor="ctr" bIns="91425" lIns="91425" spcFirstLastPara="1" rIns="91425" wrap="square" tIns="91425">
@@ -7280,12 +10727,16 @@
           <a:lstStyle/>
           <a:p>
             <a:pPr indent="0" lvl="0" marL="0" rtl="0" algn="ctr">
-              <a:spcBef>
-                <a:spcPts val="0"/>
-              </a:spcBef>
-              <a:spcAft>
-                <a:spcPts val="0"/>
-              </a:spcAft>
+              <a:lnSpc>
+                <a:spcPct val="100000"/>
+              </a:lnSpc>
+              <a:spcBef>
+                <a:spcPts val="0"/>
+              </a:spcBef>
+              <a:spcAft>
+                <a:spcPts val="0"/>
+              </a:spcAft>
+              <a:buSzPts val="5200"/>
               <a:buNone/>
             </a:pPr>
             <a:r>
@@ -7312,6 +10763,10 @@
           <a:prstGeom prst="rect">
             <a:avLst/>
           </a:prstGeom>
+          <a:noFill/>
+          <a:ln>
+            <a:noFill/>
+          </a:ln>
         </p:spPr>
         <p:txBody>
           <a:bodyPr anchorCtr="0" anchor="ctr" bIns="91425" lIns="91425" spcFirstLastPara="1" rIns="91425" wrap="square" tIns="91425">
@@ -7320,12 +10775,16 @@
           <a:lstStyle/>
           <a:p>
             <a:pPr indent="0" lvl="0" marL="0" rtl="0" algn="just">
-              <a:spcBef>
-                <a:spcPts val="0"/>
-              </a:spcBef>
-              <a:spcAft>
-                <a:spcPts val="0"/>
-              </a:spcAft>
+              <a:lnSpc>
+                <a:spcPct val="100000"/>
+              </a:lnSpc>
+              <a:spcBef>
+                <a:spcPts val="0"/>
+              </a:spcBef>
+              <a:spcAft>
+                <a:spcPts val="0"/>
+              </a:spcAft>
+              <a:buSzPts val="2800"/>
               <a:buNone/>
             </a:pPr>
             <a:r>
@@ -7378,7 +10837,31 @@
                 <a:cs typeface="Times New Roman"/>
                 <a:sym typeface="Times New Roman"/>
               </a:rPr>
-              <a:t>MainWidget – позволяет пользователю управлять задачами, событиями, а также категориями.</a:t>
+              <a:t>MainWidget – </a:t>
+            </a:r>
+            <a:r>
+              <a:rPr lang="en" sz="1500">
+                <a:solidFill>
+                  <a:schemeClr val="dk1"/>
+                </a:solidFill>
+                <a:latin typeface="Times New Roman"/>
+                <a:ea typeface="Times New Roman"/>
+                <a:cs typeface="Times New Roman"/>
+                <a:sym typeface="Times New Roman"/>
+              </a:rPr>
+              <a:t>позволяет пользователю просматривать задачи и события, фильтруя их по категориям</a:t>
+            </a:r>
+            <a:r>
+              <a:rPr lang="en" sz="1500">
+                <a:solidFill>
+                  <a:schemeClr val="dk1"/>
+                </a:solidFill>
+                <a:latin typeface="Times New Roman"/>
+                <a:ea typeface="Times New Roman"/>
+                <a:cs typeface="Times New Roman"/>
+                <a:sym typeface="Times New Roman"/>
+              </a:rPr>
+              <a:t>.</a:t>
             </a:r>
             <a:endParaRPr sz="1500">
               <a:solidFill>
@@ -7418,7 +10901,31 @@
                 <a:cs typeface="Times New Roman"/>
                 <a:sym typeface="Times New Roman"/>
               </a:rPr>
-              <a:t>Categories – предоставляет информацию о существующих категориях, а также позволяет ими управлять.</a:t>
+              <a:t>Categories – </a:t>
+            </a:r>
+            <a:r>
+              <a:rPr lang="en" sz="1500">
+                <a:solidFill>
+                  <a:schemeClr val="dk1"/>
+                </a:solidFill>
+                <a:latin typeface="Times New Roman"/>
+                <a:ea typeface="Times New Roman"/>
+                <a:cs typeface="Times New Roman"/>
+                <a:sym typeface="Times New Roman"/>
+              </a:rPr>
+              <a:t>помогает получать информацию о существующих категориях</a:t>
+            </a:r>
+            <a:r>
+              <a:rPr lang="en" sz="1500">
+                <a:solidFill>
+                  <a:schemeClr val="dk1"/>
+                </a:solidFill>
+                <a:latin typeface="Times New Roman"/>
+                <a:ea typeface="Times New Roman"/>
+                <a:cs typeface="Times New Roman"/>
+                <a:sym typeface="Times New Roman"/>
+              </a:rPr>
+              <a:t>.</a:t>
             </a:r>
             <a:endParaRPr sz="1500">
               <a:solidFill>
@@ -7697,27 +11204,43 @@
           </a:bodyPr>
           <a:lstStyle/>
           <a:p>
-            <a:pPr indent="0" lvl="0" marL="0" rtl="0" algn="r">
-              <a:spcBef>
-                <a:spcPts val="0"/>
-              </a:spcBef>
-              <a:spcAft>
-                <a:spcPts val="0"/>
-              </a:spcAft>
+            <a:pPr indent="0" lvl="0" marL="0" marR="0" rtl="0" algn="r">
+              <a:lnSpc>
+                <a:spcPct val="100000"/>
+              </a:lnSpc>
+              <a:spcBef>
+                <a:spcPts val="0"/>
+              </a:spcBef>
+              <a:spcAft>
+                <a:spcPts val="0"/>
+              </a:spcAft>
+              <a:buClr>
+                <a:srgbClr val="000000"/>
+              </a:buClr>
+              <a:buSzPts val="1800"/>
+              <a:buFont typeface="Arial"/>
               <a:buNone/>
             </a:pPr>
             <a:r>
-              <a:rPr lang="en" sz="1800">
+              <a:rPr b="0" i="0" lang="en" sz="1800" u="none" cap="none" strike="noStrike">
                 <a:solidFill>
                   <a:schemeClr val="dk2"/>
                 </a:solidFill>
+                <a:latin typeface="Arial"/>
+                <a:ea typeface="Arial"/>
+                <a:cs typeface="Arial"/>
+                <a:sym typeface="Arial"/>
               </a:rPr>
               <a:t>4</a:t>
             </a:r>
-            <a:endParaRPr sz="1800">
+            <a:endParaRPr b="0" i="0" sz="1800" u="none" cap="none" strike="noStrike">
               <a:solidFill>
                 <a:schemeClr val="dk2"/>
               </a:solidFill>
+              <a:latin typeface="Arial"/>
+              <a:ea typeface="Arial"/>
+              <a:cs typeface="Arial"/>
+              <a:sym typeface="Arial"/>
             </a:endParaRPr>
           </a:p>
         </p:txBody>
@@ -7763,6 +11286,10 @@
           <a:prstGeom prst="rect">
             <a:avLst/>
           </a:prstGeom>
+          <a:noFill/>
+          <a:ln>
+            <a:noFill/>
+          </a:ln>
         </p:spPr>
         <p:txBody>
           <a:bodyPr anchorCtr="0" anchor="ctr" bIns="91425" lIns="91425" spcFirstLastPara="1" rIns="91425" wrap="square" tIns="91425">
@@ -7771,12 +11298,16 @@
           <a:lstStyle/>
           <a:p>
             <a:pPr indent="0" lvl="0" marL="0" rtl="0" algn="ctr">
-              <a:spcBef>
-                <a:spcPts val="0"/>
-              </a:spcBef>
-              <a:spcAft>
-                <a:spcPts val="0"/>
-              </a:spcAft>
+              <a:lnSpc>
+                <a:spcPct val="100000"/>
+              </a:lnSpc>
+              <a:spcBef>
+                <a:spcPts val="0"/>
+              </a:spcBef>
+              <a:spcAft>
+                <a:spcPts val="0"/>
+              </a:spcAft>
+              <a:buSzPts val="5200"/>
               <a:buNone/>
             </a:pPr>
             <a:r>
@@ -7813,6 +11344,10 @@
           <a:prstGeom prst="rect">
             <a:avLst/>
           </a:prstGeom>
+          <a:noFill/>
+          <a:ln>
+            <a:noFill/>
+          </a:ln>
         </p:spPr>
         <p:txBody>
           <a:bodyPr anchorCtr="0" anchor="t" bIns="91425" lIns="91425" spcFirstLastPara="1" rIns="91425" wrap="square" tIns="91425">
@@ -8043,27 +11578,43 @@
           </a:bodyPr>
           <a:lstStyle/>
           <a:p>
-            <a:pPr indent="0" lvl="0" marL="0" rtl="0" algn="r">
-              <a:spcBef>
-                <a:spcPts val="0"/>
-              </a:spcBef>
-              <a:spcAft>
-                <a:spcPts val="0"/>
-              </a:spcAft>
+            <a:pPr indent="0" lvl="0" marL="0" marR="0" rtl="0" algn="r">
+              <a:lnSpc>
+                <a:spcPct val="100000"/>
+              </a:lnSpc>
+              <a:spcBef>
+                <a:spcPts val="0"/>
+              </a:spcBef>
+              <a:spcAft>
+                <a:spcPts val="0"/>
+              </a:spcAft>
+              <a:buClr>
+                <a:srgbClr val="000000"/>
+              </a:buClr>
+              <a:buSzPts val="1800"/>
+              <a:buFont typeface="Arial"/>
               <a:buNone/>
             </a:pPr>
             <a:r>
-              <a:rPr lang="en" sz="1800">
+              <a:rPr b="0" i="0" lang="en" sz="1800" u="none" cap="none" strike="noStrike">
                 <a:solidFill>
                   <a:schemeClr val="dk2"/>
                 </a:solidFill>
+                <a:latin typeface="Arial"/>
+                <a:ea typeface="Arial"/>
+                <a:cs typeface="Arial"/>
+                <a:sym typeface="Arial"/>
               </a:rPr>
               <a:t>5</a:t>
             </a:r>
-            <a:endParaRPr sz="1800">
+            <a:endParaRPr b="0" i="0" sz="1800" u="none" cap="none" strike="noStrike">
               <a:solidFill>
                 <a:schemeClr val="dk2"/>
               </a:solidFill>
+              <a:latin typeface="Arial"/>
+              <a:ea typeface="Arial"/>
+              <a:cs typeface="Arial"/>
+              <a:sym typeface="Arial"/>
             </a:endParaRPr>
           </a:p>
         </p:txBody>
@@ -8109,6 +11660,10 @@
           <a:prstGeom prst="rect">
             <a:avLst/>
           </a:prstGeom>
+          <a:noFill/>
+          <a:ln>
+            <a:noFill/>
+          </a:ln>
         </p:spPr>
         <p:txBody>
           <a:bodyPr anchorCtr="0" anchor="ctr" bIns="91425" lIns="91425" spcFirstLastPara="1" rIns="91425" wrap="square" tIns="91425">
@@ -8117,12 +11672,16 @@
           <a:lstStyle/>
           <a:p>
             <a:pPr indent="0" lvl="0" marL="0" rtl="0" algn="ctr">
-              <a:spcBef>
-                <a:spcPts val="0"/>
-              </a:spcBef>
-              <a:spcAft>
-                <a:spcPts val="0"/>
-              </a:spcAft>
+              <a:lnSpc>
+                <a:spcPct val="100000"/>
+              </a:lnSpc>
+              <a:spcBef>
+                <a:spcPts val="0"/>
+              </a:spcBef>
+              <a:spcAft>
+                <a:spcPts val="0"/>
+              </a:spcAft>
+              <a:buSzPts val="5200"/>
               <a:buNone/>
             </a:pPr>
             <a:r>
@@ -8139,13 +11698,12 @@
           <p:cNvPicPr preferRelativeResize="0"/>
           <p:nvPr/>
         </p:nvPicPr>
-        <p:blipFill>
+        <p:blipFill rotWithShape="1">
           <a:blip r:embed="rId3">
             <a:alphaModFix/>
           </a:blip>
-          <a:stretch>
-            <a:fillRect/>
-          </a:stretch>
+          <a:srcRect b="0" l="0" r="0" t="0"/>
+          <a:stretch/>
         </p:blipFill>
         <p:spPr>
           <a:xfrm>
@@ -8167,13 +11725,12 @@
           <p:cNvPicPr preferRelativeResize="0"/>
           <p:nvPr/>
         </p:nvPicPr>
-        <p:blipFill>
+        <p:blipFill rotWithShape="1">
           <a:blip r:embed="rId4">
             <a:alphaModFix/>
           </a:blip>
-          <a:stretch>
-            <a:fillRect/>
-          </a:stretch>
+          <a:srcRect b="0" l="0" r="0" t="0"/>
+          <a:stretch/>
         </p:blipFill>
         <p:spPr>
           <a:xfrm>
@@ -8214,27 +11771,43 @@
           </a:bodyPr>
           <a:lstStyle/>
           <a:p>
-            <a:pPr indent="0" lvl="0" marL="0" rtl="0" algn="r">
-              <a:spcBef>
-                <a:spcPts val="0"/>
-              </a:spcBef>
-              <a:spcAft>
-                <a:spcPts val="0"/>
-              </a:spcAft>
+            <a:pPr indent="0" lvl="0" marL="0" marR="0" rtl="0" algn="r">
+              <a:lnSpc>
+                <a:spcPct val="100000"/>
+              </a:lnSpc>
+              <a:spcBef>
+                <a:spcPts val="0"/>
+              </a:spcBef>
+              <a:spcAft>
+                <a:spcPts val="0"/>
+              </a:spcAft>
+              <a:buClr>
+                <a:srgbClr val="000000"/>
+              </a:buClr>
+              <a:buSzPts val="1800"/>
+              <a:buFont typeface="Arial"/>
               <a:buNone/>
             </a:pPr>
             <a:r>
-              <a:rPr lang="en" sz="1800">
+              <a:rPr b="0" i="0" lang="en" sz="1800" u="none" cap="none" strike="noStrike">
                 <a:solidFill>
                   <a:schemeClr val="dk2"/>
                 </a:solidFill>
+                <a:latin typeface="Arial"/>
+                <a:ea typeface="Arial"/>
+                <a:cs typeface="Arial"/>
+                <a:sym typeface="Arial"/>
               </a:rPr>
               <a:t>6</a:t>
             </a:r>
-            <a:endParaRPr sz="1800">
+            <a:endParaRPr b="0" i="0" sz="1800" u="none" cap="none" strike="noStrike">
               <a:solidFill>
                 <a:schemeClr val="dk2"/>
               </a:solidFill>
+              <a:latin typeface="Arial"/>
+              <a:ea typeface="Arial"/>
+              <a:cs typeface="Arial"/>
+              <a:sym typeface="Arial"/>
             </a:endParaRPr>
           </a:p>
         </p:txBody>
@@ -8280,6 +11853,10 @@
           <a:prstGeom prst="rect">
             <a:avLst/>
           </a:prstGeom>
+          <a:noFill/>
+          <a:ln>
+            <a:noFill/>
+          </a:ln>
         </p:spPr>
         <p:txBody>
           <a:bodyPr anchorCtr="0" anchor="t" bIns="91425" lIns="91425" spcFirstLastPara="1" rIns="91425" wrap="square" tIns="91425">
@@ -8288,12 +11865,16 @@
           <a:lstStyle/>
           <a:p>
             <a:pPr indent="0" lvl="0" marL="0" rtl="0" algn="ctr">
-              <a:spcBef>
-                <a:spcPts val="0"/>
-              </a:spcBef>
-              <a:spcAft>
-                <a:spcPts val="0"/>
-              </a:spcAft>
+              <a:lnSpc>
+                <a:spcPct val="100000"/>
+              </a:lnSpc>
+              <a:spcBef>
+                <a:spcPts val="0"/>
+              </a:spcBef>
+              <a:spcAft>
+                <a:spcPts val="0"/>
+              </a:spcAft>
+              <a:buSzPct val="111111"/>
               <a:buNone/>
             </a:pPr>
             <a:r>
@@ -8310,13 +11891,12 @@
           <p:cNvPicPr preferRelativeResize="0"/>
           <p:nvPr/>
         </p:nvPicPr>
-        <p:blipFill>
+        <p:blipFill rotWithShape="1">
           <a:blip r:embed="rId3">
             <a:alphaModFix/>
           </a:blip>
-          <a:stretch>
-            <a:fillRect/>
-          </a:stretch>
+          <a:srcRect b="0" l="0" r="0" t="0"/>
+          <a:stretch/>
         </p:blipFill>
         <p:spPr>
           <a:xfrm>
@@ -8357,27 +11937,43 @@
           </a:bodyPr>
           <a:lstStyle/>
           <a:p>
-            <a:pPr indent="0" lvl="0" marL="0" rtl="0" algn="r">
-              <a:spcBef>
-                <a:spcPts val="0"/>
-              </a:spcBef>
-              <a:spcAft>
-                <a:spcPts val="0"/>
-              </a:spcAft>
+            <a:pPr indent="0" lvl="0" marL="0" marR="0" rtl="0" algn="r">
+              <a:lnSpc>
+                <a:spcPct val="100000"/>
+              </a:lnSpc>
+              <a:spcBef>
+                <a:spcPts val="0"/>
+              </a:spcBef>
+              <a:spcAft>
+                <a:spcPts val="0"/>
+              </a:spcAft>
+              <a:buClr>
+                <a:srgbClr val="000000"/>
+              </a:buClr>
+              <a:buSzPts val="1800"/>
+              <a:buFont typeface="Arial"/>
               <a:buNone/>
             </a:pPr>
             <a:r>
-              <a:rPr lang="en" sz="1800">
+              <a:rPr b="0" i="0" lang="en" sz="1800" u="none" cap="none" strike="noStrike">
                 <a:solidFill>
                   <a:schemeClr val="dk2"/>
                 </a:solidFill>
+                <a:latin typeface="Arial"/>
+                <a:ea typeface="Arial"/>
+                <a:cs typeface="Arial"/>
+                <a:sym typeface="Arial"/>
               </a:rPr>
               <a:t>7</a:t>
             </a:r>
-            <a:endParaRPr sz="1800">
+            <a:endParaRPr b="0" i="0" sz="1800" u="none" cap="none" strike="noStrike">
               <a:solidFill>
                 <a:schemeClr val="dk2"/>
               </a:solidFill>
+              <a:latin typeface="Arial"/>
+              <a:ea typeface="Arial"/>
+              <a:cs typeface="Arial"/>
+              <a:sym typeface="Arial"/>
             </a:endParaRPr>
           </a:p>
         </p:txBody>
@@ -8423,6 +12019,10 @@
           <a:prstGeom prst="rect">
             <a:avLst/>
           </a:prstGeom>
+          <a:noFill/>
+          <a:ln>
+            <a:noFill/>
+          </a:ln>
         </p:spPr>
         <p:txBody>
           <a:bodyPr anchorCtr="0" anchor="t" bIns="91425" lIns="91425" spcFirstLastPara="1" rIns="91425" wrap="square" tIns="91425">
@@ -8431,6 +12031,9 @@
           <a:lstStyle/>
           <a:p>
             <a:pPr indent="0" lvl="0" marL="0" rtl="0" algn="l">
+              <a:lnSpc>
+                <a:spcPct val="100000"/>
+              </a:lnSpc>
               <a:spcBef>
                 <a:spcPts val="0"/>
               </a:spcBef>
@@ -8464,6 +12067,10 @@
           <a:prstGeom prst="rect">
             <a:avLst/>
           </a:prstGeom>
+          <a:noFill/>
+          <a:ln>
+            <a:noFill/>
+          </a:ln>
         </p:spPr>
         <p:txBody>
           <a:bodyPr anchorCtr="0" anchor="t" bIns="91425" lIns="91425" spcFirstLastPara="1" rIns="91425" wrap="square" tIns="91425">
@@ -8472,12 +12079,16 @@
           <a:lstStyle/>
           <a:p>
             <a:pPr indent="0" lvl="0" marL="0" rtl="0" algn="l">
+              <a:lnSpc>
+                <a:spcPct val="115000"/>
+              </a:lnSpc>
               <a:spcBef>
                 <a:spcPts val="0"/>
               </a:spcBef>
               <a:spcAft>
                 <a:spcPts val="1200"/>
               </a:spcAft>
+              <a:buSzPts val="1800"/>
               <a:buNone/>
             </a:pPr>
             <a:r>
@@ -8490,19 +12101,7 @@
                 <a:cs typeface="Times New Roman"/>
                 <a:sym typeface="Times New Roman"/>
               </a:rPr>
-              <a:t>В ходе реализации данного проекта была достигнута поставленная цель: разработать и реализовать десктопное приложение “</a:t>
-            </a:r>
-            <a:r>
-              <a:rPr lang="en">
-                <a:solidFill>
-                  <a:schemeClr val="dk1"/>
-                </a:solidFill>
-                <a:latin typeface="Times New Roman"/>
-                <a:ea typeface="Times New Roman"/>
-                <a:cs typeface="Times New Roman"/>
-                <a:sym typeface="Times New Roman"/>
-              </a:rPr>
-              <a:t>Система управления задачами и событиями с возможностью их категоризации”, связав его с БД.</a:t>
+              <a:t>В ходе реализации данного проекта была достигнута поставленная цель: разработать и реализовать десктопное приложение “Система управления задачами и событиями с возможностью их категоризации”, связав его с БД.</a:t>
             </a:r>
             <a:endParaRPr sz="2200">
               <a:solidFill>
@@ -8541,27 +12140,43 @@
           </a:bodyPr>
           <a:lstStyle/>
           <a:p>
-            <a:pPr indent="0" lvl="0" marL="0" rtl="0" algn="r">
-              <a:spcBef>
-                <a:spcPts val="0"/>
-              </a:spcBef>
-              <a:spcAft>
-                <a:spcPts val="0"/>
-              </a:spcAft>
+            <a:pPr indent="0" lvl="0" marL="0" marR="0" rtl="0" algn="r">
+              <a:lnSpc>
+                <a:spcPct val="100000"/>
+              </a:lnSpc>
+              <a:spcBef>
+                <a:spcPts val="0"/>
+              </a:spcBef>
+              <a:spcAft>
+                <a:spcPts val="0"/>
+              </a:spcAft>
+              <a:buClr>
+                <a:srgbClr val="000000"/>
+              </a:buClr>
+              <a:buSzPts val="1800"/>
+              <a:buFont typeface="Arial"/>
               <a:buNone/>
             </a:pPr>
             <a:r>
-              <a:rPr lang="en" sz="1800">
+              <a:rPr b="0" i="0" lang="en" sz="1800" u="none" cap="none" strike="noStrike">
                 <a:solidFill>
                   <a:schemeClr val="dk2"/>
                 </a:solidFill>
+                <a:latin typeface="Arial"/>
+                <a:ea typeface="Arial"/>
+                <a:cs typeface="Arial"/>
+                <a:sym typeface="Arial"/>
               </a:rPr>
               <a:t>8</a:t>
             </a:r>
-            <a:endParaRPr sz="1800">
+            <a:endParaRPr b="0" i="0" sz="1800" u="none" cap="none" strike="noStrike">
               <a:solidFill>
                 <a:schemeClr val="dk2"/>
               </a:solidFill>
+              <a:latin typeface="Arial"/>
+              <a:ea typeface="Arial"/>
+              <a:cs typeface="Arial"/>
+              <a:sym typeface="Arial"/>
             </a:endParaRPr>
           </a:p>
         </p:txBody>
@@ -8607,6 +12222,10 @@
           <a:prstGeom prst="rect">
             <a:avLst/>
           </a:prstGeom>
+          <a:noFill/>
+          <a:ln>
+            <a:noFill/>
+          </a:ln>
         </p:spPr>
         <p:txBody>
           <a:bodyPr anchorCtr="0" anchor="b" bIns="91425" lIns="91425" spcFirstLastPara="1" rIns="91425" wrap="square" tIns="91425">
@@ -8762,6 +12381,10 @@
           <a:prstGeom prst="rect">
             <a:avLst/>
           </a:prstGeom>
+          <a:noFill/>
+          <a:ln>
+            <a:noFill/>
+          </a:ln>
         </p:spPr>
         <p:txBody>
           <a:bodyPr anchorCtr="0" anchor="t" bIns="91425" lIns="91425" spcFirstLastPara="1" rIns="91425" wrap="square" tIns="91425">
@@ -8770,12 +12393,16 @@
           <a:lstStyle/>
           <a:p>
             <a:pPr indent="0" lvl="0" marL="0" rtl="0" algn="ctr">
-              <a:spcBef>
-                <a:spcPts val="0"/>
-              </a:spcBef>
-              <a:spcAft>
-                <a:spcPts val="0"/>
-              </a:spcAft>
+              <a:lnSpc>
+                <a:spcPct val="100000"/>
+              </a:lnSpc>
+              <a:spcBef>
+                <a:spcPts val="0"/>
+              </a:spcBef>
+              <a:spcAft>
+                <a:spcPts val="0"/>
+              </a:spcAft>
+              <a:buSzPts val="2800"/>
               <a:buNone/>
             </a:pPr>
             <a:r>
@@ -8794,12 +12421,16 @@
           </a:p>
           <a:p>
             <a:pPr indent="0" lvl="0" marL="0" rtl="0" algn="ctr">
-              <a:spcBef>
-                <a:spcPts val="0"/>
-              </a:spcBef>
-              <a:spcAft>
-                <a:spcPts val="0"/>
-              </a:spcAft>
+              <a:lnSpc>
+                <a:spcPct val="100000"/>
+              </a:lnSpc>
+              <a:spcBef>
+                <a:spcPts val="0"/>
+              </a:spcBef>
+              <a:spcAft>
+                <a:spcPts val="0"/>
+              </a:spcAft>
+              <a:buSzPts val="2800"/>
               <a:buNone/>
             </a:pPr>
             <a:r>
@@ -8843,7 +12474,7 @@
           </a:bodyPr>
           <a:lstStyle/>
           <a:p>
-            <a:pPr indent="0" lvl="0" marL="0" rtl="0" algn="ctr">
+            <a:pPr indent="0" lvl="0" marL="0" marR="0" rtl="0" algn="ctr">
               <a:lnSpc>
                 <a:spcPct val="150000"/>
               </a:lnSpc>
@@ -8861,7 +12492,7 @@
               <a:buNone/>
             </a:pPr>
             <a:r>
-              <a:rPr lang="en">
+              <a:rPr b="0" i="0" lang="en" sz="1400" u="none" cap="none" strike="noStrike">
                 <a:solidFill>
                   <a:schemeClr val="dk1"/>
                 </a:solidFill>
@@ -8872,7 +12503,7 @@
               </a:rPr>
               <a:t>QT проект по теме</a:t>
             </a:r>
-            <a:endParaRPr>
+            <a:endParaRPr b="0" i="0" sz="1400" u="none" cap="none" strike="noStrike">
               <a:solidFill>
                 <a:schemeClr val="dk1"/>
               </a:solidFill>
@@ -8883,7 +12514,7 @@
             </a:endParaRPr>
           </a:p>
           <a:p>
-            <a:pPr indent="0" lvl="0" marL="0" rtl="0" algn="ctr">
+            <a:pPr indent="0" lvl="0" marL="0" marR="0" rtl="0" algn="ctr">
               <a:lnSpc>
                 <a:spcPct val="150000"/>
               </a:lnSpc>
@@ -8901,7 +12532,7 @@
               <a:buNone/>
             </a:pPr>
             <a:r>
-              <a:rPr lang="en">
+              <a:rPr b="0" i="0" lang="en" sz="1400" u="none" cap="none" strike="noStrike">
                 <a:solidFill>
                   <a:schemeClr val="dk1"/>
                 </a:solidFill>
@@ -8912,7 +12543,7 @@
               </a:rPr>
               <a:t>“Система управления задачами и событиями с возможностью их категоризации”</a:t>
             </a:r>
-            <a:endParaRPr>
+            <a:endParaRPr b="0" i="0" sz="1400" u="none" cap="none" strike="noStrike">
               <a:solidFill>
                 <a:schemeClr val="dk1"/>
               </a:solidFill>
@@ -8923,22 +12554,34 @@
             </a:endParaRPr>
           </a:p>
           <a:p>
-            <a:pPr indent="0" lvl="0" marL="0" rtl="0" algn="l">
-              <a:spcBef>
-                <a:spcPts val="0"/>
-              </a:spcBef>
-              <a:spcAft>
-                <a:spcPts val="0"/>
-              </a:spcAft>
+            <a:pPr indent="0" lvl="0" marL="0" marR="0" rtl="0" algn="l">
+              <a:lnSpc>
+                <a:spcPct val="100000"/>
+              </a:lnSpc>
+              <a:spcBef>
+                <a:spcPts val="0"/>
+              </a:spcBef>
+              <a:spcAft>
+                <a:spcPts val="0"/>
+              </a:spcAft>
+              <a:buClr>
+                <a:srgbClr val="000000"/>
+              </a:buClr>
+              <a:buSzPts val="1800"/>
+              <a:buFont typeface="Arial"/>
               <a:buNone/>
             </a:pPr>
             <a:r>
               <a:t/>
             </a:r>
-            <a:endParaRPr sz="1800">
+            <a:endParaRPr b="0" i="0" sz="1800" u="none" cap="none" strike="noStrike">
               <a:solidFill>
                 <a:schemeClr val="dk2"/>
               </a:solidFill>
+              <a:latin typeface="Arial"/>
+              <a:ea typeface="Arial"/>
+              <a:cs typeface="Arial"/>
+              <a:sym typeface="Arial"/>
             </a:endParaRPr>
           </a:p>
         </p:txBody>
@@ -8968,27 +12611,43 @@
           </a:bodyPr>
           <a:lstStyle/>
           <a:p>
-            <a:pPr indent="0" lvl="0" marL="0" rtl="0" algn="ctr">
-              <a:spcBef>
-                <a:spcPts val="0"/>
-              </a:spcBef>
-              <a:spcAft>
-                <a:spcPts val="0"/>
-              </a:spcAft>
+            <a:pPr indent="0" lvl="0" marL="0" marR="0" rtl="0" algn="ctr">
+              <a:lnSpc>
+                <a:spcPct val="100000"/>
+              </a:lnSpc>
+              <a:spcBef>
+                <a:spcPts val="0"/>
+              </a:spcBef>
+              <a:spcAft>
+                <a:spcPts val="0"/>
+              </a:spcAft>
+              <a:buClr>
+                <a:srgbClr val="000000"/>
+              </a:buClr>
+              <a:buSzPts val="1100"/>
+              <a:buFont typeface="Arial"/>
               <a:buNone/>
             </a:pPr>
             <a:r>
-              <a:rPr lang="en" sz="1100">
+              <a:rPr b="0" i="0" lang="en" sz="1100" u="none" cap="none" strike="noStrike">
                 <a:solidFill>
                   <a:schemeClr val="dk1"/>
                 </a:solidFill>
+                <a:latin typeface="Arial"/>
+                <a:ea typeface="Arial"/>
+                <a:cs typeface="Arial"/>
+                <a:sym typeface="Arial"/>
               </a:rPr>
               <a:t>Воронеж 2024</a:t>
             </a:r>
-            <a:endParaRPr sz="1100">
+            <a:endParaRPr b="0" i="0" sz="1100" u="none" cap="none" strike="noStrike">
               <a:solidFill>
                 <a:schemeClr val="dk1"/>
               </a:solidFill>
+              <a:latin typeface="Arial"/>
+              <a:ea typeface="Arial"/>
+              <a:cs typeface="Arial"/>
+              <a:sym typeface="Arial"/>
             </a:endParaRPr>
           </a:p>
         </p:txBody>
@@ -9002,6 +12661,285 @@
 </file>
 
 <file path=ppt/theme/theme1.xml><?xml version="1.0" encoding="utf-8"?>
+<a:theme xmlns:a="http://schemas.openxmlformats.org/drawingml/2006/main" xmlns:r="http://schemas.openxmlformats.org/officeDocument/2006/relationships">
+  <a:themeElements>
+    <a:clrScheme name="Default">
+      <a:dk1>
+        <a:srgbClr val="000000"/>
+      </a:dk1>
+      <a:lt1>
+        <a:srgbClr val="FFFFFF"/>
+      </a:lt1>
+      <a:dk2>
+        <a:srgbClr val="158158"/>
+      </a:dk2>
+      <a:lt2>
+        <a:srgbClr val="F3F3F3"/>
+      </a:lt2>
+      <a:accent1>
+        <a:srgbClr val="058DC7"/>
+      </a:accent1>
+      <a:accent2>
+        <a:srgbClr val="50B432"/>
+      </a:accent2>
+      <a:accent3>
+        <a:srgbClr val="ED561B"/>
+      </a:accent3>
+      <a:accent4>
+        <a:srgbClr val="EDEF00"/>
+      </a:accent4>
+      <a:accent5>
+        <a:srgbClr val="24CBE5"/>
+      </a:accent5>
+      <a:accent6>
+        <a:srgbClr val="64E572"/>
+      </a:accent6>
+      <a:hlink>
+        <a:srgbClr val="2200CC"/>
+      </a:hlink>
+      <a:folHlink>
+        <a:srgbClr val="551A8B"/>
+      </a:folHlink>
+    </a:clrScheme>
+    <a:fontScheme name="Office">
+      <a:majorFont>
+        <a:latin typeface="Arial"/>
+        <a:ea typeface=""/>
+        <a:cs typeface=""/>
+        <a:font script="Jpan" typeface="ＭＳ Ｐゴシック"/>
+        <a:font script="Hang" typeface="맑은 고딕"/>
+        <a:font script="Hans" typeface="宋体"/>
+        <a:font script="Hant" typeface="新細明體"/>
+        <a:font script="Arab" typeface="Times New Roman"/>
+        <a:font script="Hebr" typeface="Times New Roman"/>
+        <a:font script="Thai" typeface="Angsana New"/>
+        <a:font script="Ethi" typeface="Nyala"/>
+        <a:font script="Beng" typeface="Vrinda"/>
+        <a:font script="Gujr" typeface="Shruti"/>
+        <a:font script="Khmr" typeface="MoolBoran"/>
+        <a:font script="Knda" typeface="Tunga"/>
+        <a:font script="Guru" typeface="Raavi"/>
+        <a:font script="Cans" typeface="Euphemia"/>
+        <a:font script="Cher" typeface="Plantagenet Cherokee"/>
+        <a:font script="Yiii" typeface="Microsoft Yi Baiti"/>
+        <a:font script="Tibt" typeface="Microsoft Himalaya"/>
+        <a:font script="Thaa" typeface="MV Boli"/>
+        <a:font script="Deva" typeface="Mangal"/>
+        <a:font script="Telu" typeface="Gautami"/>
+        <a:font script="Taml" typeface="Latha"/>
+        <a:font script="Syrc" typeface="Estrangelo Edessa"/>
+        <a:font script="Orya" typeface="Kalinga"/>
+        <a:font script="Mlym" typeface="Kartika"/>
+        <a:font script="Laoo" typeface="DokChampa"/>
+        <a:font script="Sinh" typeface="Iskoola Pota"/>
+        <a:font script="Mong" typeface="Mongolian Baiti"/>
+        <a:font script="Viet" typeface="Times New Roman"/>
+        <a:font script="Uigh" typeface="Microsoft Uighur"/>
+        <a:font script="Geor" typeface="Sylfaen"/>
+      </a:majorFont>
+      <a:minorFont>
+        <a:latin typeface="Arial"/>
+        <a:ea typeface=""/>
+        <a:cs typeface=""/>
+        <a:font script="Jpan" typeface="ＭＳ Ｐゴシック"/>
+        <a:font script="Hang" typeface="맑은 고딕"/>
+        <a:font script="Hans" typeface="宋体"/>
+        <a:font script="Hant" typeface="新細明體"/>
+        <a:font script="Arab" typeface="Arial"/>
+        <a:font script="Hebr" typeface="Arial"/>
+        <a:font script="Thai" typeface="Cordia New"/>
+        <a:font script="Ethi" typeface="Nyala"/>
+        <a:font script="Beng" typeface="Vrinda"/>
+        <a:font script="Gujr" typeface="Shruti"/>
+        <a:font script="Khmr" typeface="DaunPenh"/>
+        <a:font script="Knda" typeface="Tunga"/>
+        <a:font script="Guru" typeface="Raavi"/>
+        <a:font script="Cans" typeface="Euphemia"/>
+        <a:font script="Cher" typeface="Plantagenet Cherokee"/>
+        <a:font script="Yiii" typeface="Microsoft Yi Baiti"/>
+        <a:font script="Tibt" typeface="Microsoft Himalaya"/>
+        <a:font script="Thaa" typeface="MV Boli"/>
+        <a:font script="Deva" typeface="Mangal"/>
+        <a:font script="Telu" typeface="Gautami"/>
+        <a:font script="Taml" typeface="Latha"/>
+        <a:font script="Syrc" typeface="Estrangelo Edessa"/>
+        <a:font script="Orya" typeface="Kalinga"/>
+        <a:font script="Mlym" typeface="Kartika"/>
+        <a:font script="Laoo" typeface="DokChampa"/>
+        <a:font script="Sinh" typeface="Iskoola Pota"/>
+        <a:font script="Mong" typeface="Mongolian Baiti"/>
+        <a:font script="Viet" typeface="Arial"/>
+        <a:font script="Uigh" typeface="Microsoft Uighur"/>
+        <a:font script="Geor" typeface="Sylfaen"/>
+      </a:minorFont>
+    </a:fontScheme>
+    <a:fmtScheme name="Office">
+      <a:fillStyleLst>
+        <a:solidFill>
+          <a:schemeClr val="phClr"/>
+        </a:solidFill>
+        <a:gradFill rotWithShape="1">
+          <a:gsLst>
+            <a:gs pos="0">
+              <a:schemeClr val="phClr">
+                <a:tint val="50000"/>
+                <a:satMod val="300000"/>
+              </a:schemeClr>
+            </a:gs>
+            <a:gs pos="35000">
+              <a:schemeClr val="phClr">
+                <a:tint val="37000"/>
+                <a:satMod val="300000"/>
+              </a:schemeClr>
+            </a:gs>
+            <a:gs pos="100000">
+              <a:schemeClr val="phClr">
+                <a:tint val="15000"/>
+                <a:satMod val="350000"/>
+              </a:schemeClr>
+            </a:gs>
+          </a:gsLst>
+          <a:lin ang="16200000" scaled="1"/>
+        </a:gradFill>
+        <a:gradFill rotWithShape="1">
+          <a:gsLst>
+            <a:gs pos="0">
+              <a:schemeClr val="phClr">
+                <a:tint val="100000"/>
+                <a:shade val="100000"/>
+                <a:satMod val="130000"/>
+              </a:schemeClr>
+            </a:gs>
+            <a:gs pos="100000">
+              <a:schemeClr val="phClr">
+                <a:tint val="50000"/>
+                <a:shade val="100000"/>
+                <a:satMod val="350000"/>
+              </a:schemeClr>
+            </a:gs>
+          </a:gsLst>
+          <a:lin ang="16200000" scaled="0"/>
+        </a:gradFill>
+      </a:fillStyleLst>
+      <a:lnStyleLst>
+        <a:ln w="9525" cap="flat" cmpd="sng" algn="ctr">
+          <a:solidFill>
+            <a:schemeClr val="phClr">
+              <a:shade val="95000"/>
+              <a:satMod val="105000"/>
+            </a:schemeClr>
+          </a:solidFill>
+          <a:prstDash val="solid"/>
+        </a:ln>
+        <a:ln w="25400" cap="flat" cmpd="sng" algn="ctr">
+          <a:solidFill>
+            <a:schemeClr val="phClr"/>
+          </a:solidFill>
+          <a:prstDash val="solid"/>
+        </a:ln>
+        <a:ln w="38100" cap="flat" cmpd="sng" algn="ctr">
+          <a:solidFill>
+            <a:schemeClr val="phClr"/>
+          </a:solidFill>
+          <a:prstDash val="solid"/>
+        </a:ln>
+      </a:lnStyleLst>
+      <a:effectStyleLst>
+        <a:effectStyle>
+          <a:effectLst>
+            <a:outerShdw blurRad="40000" dist="20000" dir="5400000" rotWithShape="0">
+              <a:srgbClr val="000000">
+                <a:alpha val="38000"/>
+              </a:srgbClr>
+            </a:outerShdw>
+          </a:effectLst>
+        </a:effectStyle>
+        <a:effectStyle>
+          <a:effectLst>
+            <a:outerShdw blurRad="40000" dist="23000" dir="5400000" rotWithShape="0">
+              <a:srgbClr val="000000">
+                <a:alpha val="35000"/>
+              </a:srgbClr>
+            </a:outerShdw>
+          </a:effectLst>
+        </a:effectStyle>
+        <a:effectStyle>
+          <a:effectLst>
+            <a:outerShdw blurRad="40000" dist="23000" dir="5400000" rotWithShape="0">
+              <a:srgbClr val="000000">
+                <a:alpha val="35000"/>
+              </a:srgbClr>
+            </a:outerShdw>
+          </a:effectLst>
+          <a:scene3d>
+            <a:camera prst="orthographicFront">
+              <a:rot lat="0" lon="0" rev="0"/>
+            </a:camera>
+            <a:lightRig rig="threePt" dir="t">
+              <a:rot lat="0" lon="0" rev="1200000"/>
+            </a:lightRig>
+          </a:scene3d>
+          <a:sp3d>
+            <a:bevelT w="63500" h="25400"/>
+          </a:sp3d>
+        </a:effectStyle>
+      </a:effectStyleLst>
+      <a:bgFillStyleLst>
+        <a:solidFill>
+          <a:schemeClr val="phClr"/>
+        </a:solidFill>
+        <a:gradFill rotWithShape="1">
+          <a:gsLst>
+            <a:gs pos="0">
+              <a:schemeClr val="phClr">
+                <a:tint val="40000"/>
+                <a:satMod val="350000"/>
+              </a:schemeClr>
+            </a:gs>
+            <a:gs pos="40000">
+              <a:schemeClr val="phClr">
+                <a:tint val="45000"/>
+                <a:shade val="99000"/>
+                <a:satMod val="350000"/>
+              </a:schemeClr>
+            </a:gs>
+            <a:gs pos="100000">
+              <a:schemeClr val="phClr">
+                <a:shade val="20000"/>
+                <a:satMod val="255000"/>
+              </a:schemeClr>
+            </a:gs>
+          </a:gsLst>
+          <a:path path="circle">
+            <a:fillToRect l="50000" t="-80000" r="50000" b="180000"/>
+          </a:path>
+        </a:gradFill>
+        <a:gradFill rotWithShape="1">
+          <a:gsLst>
+            <a:gs pos="0">
+              <a:schemeClr val="phClr">
+                <a:tint val="80000"/>
+                <a:satMod val="300000"/>
+              </a:schemeClr>
+            </a:gs>
+            <a:gs pos="100000">
+              <a:schemeClr val="phClr">
+                <a:shade val="30000"/>
+                <a:satMod val="200000"/>
+              </a:schemeClr>
+            </a:gs>
+          </a:gsLst>
+          <a:path path="circle">
+            <a:fillToRect l="50000" t="50000" r="50000" b="50000"/>
+          </a:path>
+        </a:gradFill>
+      </a:bgFillStyleLst>
+    </a:fmtScheme>
+  </a:themeElements>
+</a:theme>
+</file>
+
+<file path=ppt/theme/theme2.xml><?xml version="1.0" encoding="utf-8"?>
 <a:theme xmlns:a="http://schemas.openxmlformats.org/drawingml/2006/main" xmlns:r="http://schemas.openxmlformats.org/officeDocument/2006/relationships" name="Simple Light">
   <a:themeElements>
     <a:clrScheme name="Simple Light">
@@ -9278,283 +13216,4 @@
     </a:fmtScheme>
   </a:themeElements>
 </a:theme>
-</file>
-
-<file path=ppt/theme/theme2.xml><?xml version="1.0" encoding="utf-8"?>
-<a:theme xmlns:a="http://schemas.openxmlformats.org/drawingml/2006/main" xmlns:r="http://schemas.openxmlformats.org/officeDocument/2006/relationships">
-  <a:themeElements>
-    <a:clrScheme name="Default">
-      <a:dk1>
-        <a:srgbClr val="000000"/>
-      </a:dk1>
-      <a:lt1>
-        <a:srgbClr val="FFFFFF"/>
-      </a:lt1>
-      <a:dk2>
-        <a:srgbClr val="158158"/>
-      </a:dk2>
-      <a:lt2>
-        <a:srgbClr val="F3F3F3"/>
-      </a:lt2>
-      <a:accent1>
-        <a:srgbClr val="058DC7"/>
-      </a:accent1>
-      <a:accent2>
-        <a:srgbClr val="50B432"/>
-      </a:accent2>
-      <a:accent3>
-        <a:srgbClr val="ED561B"/>
-      </a:accent3>
-      <a:accent4>
-        <a:srgbClr val="EDEF00"/>
-      </a:accent4>
-      <a:accent5>
-        <a:srgbClr val="24CBE5"/>
-      </a:accent5>
-      <a:accent6>
-        <a:srgbClr val="64E572"/>
-      </a:accent6>
-      <a:hlink>
-        <a:srgbClr val="2200CC"/>
-      </a:hlink>
-      <a:folHlink>
-        <a:srgbClr val="551A8B"/>
-      </a:folHlink>
-    </a:clrScheme>
-    <a:fontScheme name="Office">
-      <a:majorFont>
-        <a:latin typeface="Arial"/>
-        <a:ea typeface=""/>
-        <a:cs typeface=""/>
-        <a:font script="Jpan" typeface="ＭＳ Ｐゴシック"/>
-        <a:font script="Hang" typeface="맑은 고딕"/>
-        <a:font script="Hans" typeface="宋体"/>
-        <a:font script="Hant" typeface="新細明體"/>
-        <a:font script="Arab" typeface="Times New Roman"/>
-        <a:font script="Hebr" typeface="Times New Roman"/>
-        <a:font script="Thai" typeface="Angsana New"/>
-        <a:font script="Ethi" typeface="Nyala"/>
-        <a:font script="Beng" typeface="Vrinda"/>
-        <a:font script="Gujr" typeface="Shruti"/>
-        <a:font script="Khmr" typeface="MoolBoran"/>
-        <a:font script="Knda" typeface="Tunga"/>
-        <a:font script="Guru" typeface="Raavi"/>
-        <a:font script="Cans" typeface="Euphemia"/>
-        <a:font script="Cher" typeface="Plantagenet Cherokee"/>
-        <a:font script="Yiii" typeface="Microsoft Yi Baiti"/>
-        <a:font script="Tibt" typeface="Microsoft Himalaya"/>
-        <a:font script="Thaa" typeface="MV Boli"/>
-        <a:font script="Deva" typeface="Mangal"/>
-        <a:font script="Telu" typeface="Gautami"/>
-        <a:font script="Taml" typeface="Latha"/>
-        <a:font script="Syrc" typeface="Estrangelo Edessa"/>
-        <a:font script="Orya" typeface="Kalinga"/>
-        <a:font script="Mlym" typeface="Kartika"/>
-        <a:font script="Laoo" typeface="DokChampa"/>
-        <a:font script="Sinh" typeface="Iskoola Pota"/>
-        <a:font script="Mong" typeface="Mongolian Baiti"/>
-        <a:font script="Viet" typeface="Times New Roman"/>
-        <a:font script="Uigh" typeface="Microsoft Uighur"/>
-        <a:font script="Geor" typeface="Sylfaen"/>
-      </a:majorFont>
-      <a:minorFont>
-        <a:latin typeface="Arial"/>
-        <a:ea typeface=""/>
-        <a:cs typeface=""/>
-        <a:font script="Jpan" typeface="ＭＳ Ｐゴシック"/>
-        <a:font script="Hang" typeface="맑은 고딕"/>
-        <a:font script="Hans" typeface="宋体"/>
-        <a:font script="Hant" typeface="新細明體"/>
-        <a:font script="Arab" typeface="Arial"/>
-        <a:font script="Hebr" typeface="Arial"/>
-        <a:font script="Thai" typeface="Cordia New"/>
-        <a:font script="Ethi" typeface="Nyala"/>
-        <a:font script="Beng" typeface="Vrinda"/>
-        <a:font script="Gujr" typeface="Shruti"/>
-        <a:font script="Khmr" typeface="DaunPenh"/>
-        <a:font script="Knda" typeface="Tunga"/>
-        <a:font script="Guru" typeface="Raavi"/>
-        <a:font script="Cans" typeface="Euphemia"/>
-        <a:font script="Cher" typeface="Plantagenet Cherokee"/>
-        <a:font script="Yiii" typeface="Microsoft Yi Baiti"/>
-        <a:font script="Tibt" typeface="Microsoft Himalaya"/>
-        <a:font script="Thaa" typeface="MV Boli"/>
-        <a:font script="Deva" typeface="Mangal"/>
-        <a:font script="Telu" typeface="Gautami"/>
-        <a:font script="Taml" typeface="Latha"/>
-        <a:font script="Syrc" typeface="Estrangelo Edessa"/>
-        <a:font script="Orya" typeface="Kalinga"/>
-        <a:font script="Mlym" typeface="Kartika"/>
-        <a:font script="Laoo" typeface="DokChampa"/>
-        <a:font script="Sinh" typeface="Iskoola Pota"/>
-        <a:font script="Mong" typeface="Mongolian Baiti"/>
-        <a:font script="Viet" typeface="Arial"/>
-        <a:font script="Uigh" typeface="Microsoft Uighur"/>
-        <a:font script="Geor" typeface="Sylfaen"/>
-      </a:minorFont>
-    </a:fontScheme>
-    <a:fmtScheme name="Office">
-      <a:fillStyleLst>
-        <a:solidFill>
-          <a:schemeClr val="phClr"/>
-        </a:solidFill>
-        <a:gradFill rotWithShape="1">
-          <a:gsLst>
-            <a:gs pos="0">
-              <a:schemeClr val="phClr">
-                <a:tint val="50000"/>
-                <a:satMod val="300000"/>
-              </a:schemeClr>
-            </a:gs>
-            <a:gs pos="35000">
-              <a:schemeClr val="phClr">
-                <a:tint val="37000"/>
-                <a:satMod val="300000"/>
-              </a:schemeClr>
-            </a:gs>
-            <a:gs pos="100000">
-              <a:schemeClr val="phClr">
-                <a:tint val="15000"/>
-                <a:satMod val="350000"/>
-              </a:schemeClr>
-            </a:gs>
-          </a:gsLst>
-          <a:lin ang="16200000" scaled="1"/>
-        </a:gradFill>
-        <a:gradFill rotWithShape="1">
-          <a:gsLst>
-            <a:gs pos="0">
-              <a:schemeClr val="phClr">
-                <a:tint val="100000"/>
-                <a:shade val="100000"/>
-                <a:satMod val="130000"/>
-              </a:schemeClr>
-            </a:gs>
-            <a:gs pos="100000">
-              <a:schemeClr val="phClr">
-                <a:tint val="50000"/>
-                <a:shade val="100000"/>
-                <a:satMod val="350000"/>
-              </a:schemeClr>
-            </a:gs>
-          </a:gsLst>
-          <a:lin ang="16200000" scaled="0"/>
-        </a:gradFill>
-      </a:fillStyleLst>
-      <a:lnStyleLst>
-        <a:ln w="9525" cap="flat" cmpd="sng" algn="ctr">
-          <a:solidFill>
-            <a:schemeClr val="phClr">
-              <a:shade val="95000"/>
-              <a:satMod val="105000"/>
-            </a:schemeClr>
-          </a:solidFill>
-          <a:prstDash val="solid"/>
-        </a:ln>
-        <a:ln w="25400" cap="flat" cmpd="sng" algn="ctr">
-          <a:solidFill>
-            <a:schemeClr val="phClr"/>
-          </a:solidFill>
-          <a:prstDash val="solid"/>
-        </a:ln>
-        <a:ln w="38100" cap="flat" cmpd="sng" algn="ctr">
-          <a:solidFill>
-            <a:schemeClr val="phClr"/>
-          </a:solidFill>
-          <a:prstDash val="solid"/>
-        </a:ln>
-      </a:lnStyleLst>
-      <a:effectStyleLst>
-        <a:effectStyle>
-          <a:effectLst>
-            <a:outerShdw blurRad="40000" dist="20000" dir="5400000" rotWithShape="0">
-              <a:srgbClr val="000000">
-                <a:alpha val="38000"/>
-              </a:srgbClr>
-            </a:outerShdw>
-          </a:effectLst>
-        </a:effectStyle>
-        <a:effectStyle>
-          <a:effectLst>
-            <a:outerShdw blurRad="40000" dist="23000" dir="5400000" rotWithShape="0">
-              <a:srgbClr val="000000">
-                <a:alpha val="35000"/>
-              </a:srgbClr>
-            </a:outerShdw>
-          </a:effectLst>
-        </a:effectStyle>
-        <a:effectStyle>
-          <a:effectLst>
-            <a:outerShdw blurRad="40000" dist="23000" dir="5400000" rotWithShape="0">
-              <a:srgbClr val="000000">
-                <a:alpha val="35000"/>
-              </a:srgbClr>
-            </a:outerShdw>
-          </a:effectLst>
-          <a:scene3d>
-            <a:camera prst="orthographicFront">
-              <a:rot lat="0" lon="0" rev="0"/>
-            </a:camera>
-            <a:lightRig rig="threePt" dir="t">
-              <a:rot lat="0" lon="0" rev="1200000"/>
-            </a:lightRig>
-          </a:scene3d>
-          <a:sp3d>
-            <a:bevelT w="63500" h="25400"/>
-          </a:sp3d>
-        </a:effectStyle>
-      </a:effectStyleLst>
-      <a:bgFillStyleLst>
-        <a:solidFill>
-          <a:schemeClr val="phClr"/>
-        </a:solidFill>
-        <a:gradFill rotWithShape="1">
-          <a:gsLst>
-            <a:gs pos="0">
-              <a:schemeClr val="phClr">
-                <a:tint val="40000"/>
-                <a:satMod val="350000"/>
-              </a:schemeClr>
-            </a:gs>
-            <a:gs pos="40000">
-              <a:schemeClr val="phClr">
-                <a:tint val="45000"/>
-                <a:shade val="99000"/>
-                <a:satMod val="350000"/>
-              </a:schemeClr>
-            </a:gs>
-            <a:gs pos="100000">
-              <a:schemeClr val="phClr">
-                <a:shade val="20000"/>
-                <a:satMod val="255000"/>
-              </a:schemeClr>
-            </a:gs>
-          </a:gsLst>
-          <a:path path="circle">
-            <a:fillToRect l="50000" t="-80000" r="50000" b="180000"/>
-          </a:path>
-        </a:gradFill>
-        <a:gradFill rotWithShape="1">
-          <a:gsLst>
-            <a:gs pos="0">
-              <a:schemeClr val="phClr">
-                <a:tint val="80000"/>
-                <a:satMod val="300000"/>
-              </a:schemeClr>
-            </a:gs>
-            <a:gs pos="100000">
-              <a:schemeClr val="phClr">
-                <a:shade val="30000"/>
-                <a:satMod val="200000"/>
-              </a:schemeClr>
-            </a:gs>
-          </a:gsLst>
-          <a:path path="circle">
-            <a:fillToRect l="50000" t="50000" r="50000" b="50000"/>
-          </a:path>
-        </a:gradFill>
-      </a:bgFillStyleLst>
-    </a:fmtScheme>
-  </a:themeElements>
-</a:theme>
 </file>
--- a/Информация о программе/Презентация.pptx
+++ b/Информация о программе/Презентация.pptx
@@ -1536,7 +1536,7 @@
   <p:cSld>
     <p:spTree>
       <p:nvGrpSpPr>
-        <p:cNvPr id="96" name="Shape 96"/>
+        <p:cNvPr id="95" name="Shape 95"/>
         <p:cNvGrpSpPr/>
         <p:nvPr/>
       </p:nvGrpSpPr>
@@ -1550,7 +1550,7 @@
       </p:grpSpPr>
       <p:sp>
         <p:nvSpPr>
-          <p:cNvPr id="97" name="Google Shape;97;p7:notes"/>
+          <p:cNvPr id="96" name="Google Shape;96;p7:notes"/>
           <p:cNvSpPr/>
           <p:nvPr>
             <p:ph idx="2" type="sldImg"/>
@@ -1595,7 +1595,7 @@
       </p:sp>
       <p:sp>
         <p:nvSpPr>
-          <p:cNvPr id="98" name="Google Shape;98;p7:notes"/>
+          <p:cNvPr id="97" name="Google Shape;97;p7:notes"/>
           <p:cNvSpPr txBox="1"/>
           <p:nvPr>
             <p:ph idx="1" type="body"/>
@@ -10227,10 +10227,15 @@
               <a:spcAft>
                 <a:spcPts val="0"/>
               </a:spcAft>
+              <a:buClr>
+                <a:srgbClr val="000000"/>
+              </a:buClr>
+              <a:buSzPts val="1800"/>
+              <a:buFont typeface="Arial"/>
               <a:buNone/>
             </a:pPr>
             <a:r>
-              <a:rPr lang="en" sz="1800">
+              <a:rPr b="0" i="0" lang="en" sz="1800" u="none" cap="none" strike="noStrike">
                 <a:solidFill>
                   <a:schemeClr val="dk1"/>
                 </a:solidFill>
@@ -10241,7 +10246,7 @@
               </a:rPr>
               <a:t>Создать десктопное приложение со следующим функционалом:</a:t>
             </a:r>
-            <a:endParaRPr sz="1800">
+            <a:endParaRPr b="0" i="0" sz="1800" u="none" cap="none" strike="noStrike">
               <a:solidFill>
                 <a:schemeClr val="dk1"/>
               </a:solidFill>
@@ -10837,31 +10842,7 @@
                 <a:cs typeface="Times New Roman"/>
                 <a:sym typeface="Times New Roman"/>
               </a:rPr>
-              <a:t>MainWidget – </a:t>
-            </a:r>
-            <a:r>
-              <a:rPr lang="en" sz="1500">
-                <a:solidFill>
-                  <a:schemeClr val="dk1"/>
-                </a:solidFill>
-                <a:latin typeface="Times New Roman"/>
-                <a:ea typeface="Times New Roman"/>
-                <a:cs typeface="Times New Roman"/>
-                <a:sym typeface="Times New Roman"/>
-              </a:rPr>
-              <a:t>позволяет пользователю просматривать задачи и события, фильтруя их по категориям</a:t>
-            </a:r>
-            <a:r>
-              <a:rPr lang="en" sz="1500">
-                <a:solidFill>
-                  <a:schemeClr val="dk1"/>
-                </a:solidFill>
-                <a:latin typeface="Times New Roman"/>
-                <a:ea typeface="Times New Roman"/>
-                <a:cs typeface="Times New Roman"/>
-                <a:sym typeface="Times New Roman"/>
-              </a:rPr>
-              <a:t>.</a:t>
+              <a:t>MainWidget – позволяет пользователю просматривать задачи и события, фильтруя их по категориям.</a:t>
             </a:r>
             <a:endParaRPr sz="1500">
               <a:solidFill>
@@ -10901,31 +10882,7 @@
                 <a:cs typeface="Times New Roman"/>
                 <a:sym typeface="Times New Roman"/>
               </a:rPr>
-              <a:t>Categories – </a:t>
-            </a:r>
-            <a:r>
-              <a:rPr lang="en" sz="1500">
-                <a:solidFill>
-                  <a:schemeClr val="dk1"/>
-                </a:solidFill>
-                <a:latin typeface="Times New Roman"/>
-                <a:ea typeface="Times New Roman"/>
-                <a:cs typeface="Times New Roman"/>
-                <a:sym typeface="Times New Roman"/>
-              </a:rPr>
-              <a:t>помогает получать информацию о существующих категориях</a:t>
-            </a:r>
-            <a:r>
-              <a:rPr lang="en" sz="1500">
-                <a:solidFill>
-                  <a:schemeClr val="dk1"/>
-                </a:solidFill>
-                <a:latin typeface="Times New Roman"/>
-                <a:ea typeface="Times New Roman"/>
-                <a:cs typeface="Times New Roman"/>
-                <a:sym typeface="Times New Roman"/>
-              </a:rPr>
-              <a:t>.</a:t>
+              <a:t>Categories – помогает получать информацию о существующих категориях.</a:t>
             </a:r>
             <a:endParaRPr sz="1500">
               <a:solidFill>
@@ -11649,13 +11606,13 @@
           <p:cNvPr id="92" name="Google Shape;92;p18"/>
           <p:cNvSpPr txBox="1"/>
           <p:nvPr>
-            <p:ph type="ctrTitle"/>
+            <p:ph type="title"/>
           </p:nvPr>
         </p:nvSpPr>
         <p:spPr>
           <a:xfrm>
-            <a:off x="1161900" y="183600"/>
-            <a:ext cx="6820200" cy="1096200"/>
+            <a:off x="311700" y="445025"/>
+            <a:ext cx="8520600" cy="572700"/>
           </a:xfrm>
           <a:prstGeom prst="rect">
             <a:avLst/>
@@ -11666,8 +11623,8 @@
           </a:ln>
         </p:spPr>
         <p:txBody>
-          <a:bodyPr anchorCtr="0" anchor="ctr" bIns="91425" lIns="91425" spcFirstLastPara="1" rIns="91425" wrap="square" tIns="91425">
-            <a:normAutofit/>
+          <a:bodyPr anchorCtr="0" anchor="t" bIns="91425" lIns="91425" spcFirstLastPara="1" rIns="91425" wrap="square" tIns="91425">
+            <a:normAutofit fontScale="90000"/>
           </a:bodyPr>
           <a:lstStyle/>
           <a:p>
@@ -11681,14 +11638,14 @@
               <a:spcAft>
                 <a:spcPts val="0"/>
               </a:spcAft>
-              <a:buSzPts val="5200"/>
+              <a:buSzPct val="111111"/>
               <a:buNone/>
             </a:pPr>
             <a:r>
-              <a:rPr lang="en" sz="3800"/>
-              <a:t>Интерфейс программы</a:t>
+              <a:rPr lang="en"/>
+              <a:t>Схема Базы Данных</a:t>
             </a:r>
-            <a:endParaRPr sz="3800"/>
+            <a:endParaRPr/>
           </a:p>
         </p:txBody>
       </p:sp>
@@ -11707,35 +11664,8 @@
         </p:blipFill>
         <p:spPr>
           <a:xfrm>
-            <a:off x="1179850" y="1341113"/>
-            <a:ext cx="2668880" cy="3330524"/>
-          </a:xfrm>
-          <a:prstGeom prst="rect">
-            <a:avLst/>
-          </a:prstGeom>
-          <a:noFill/>
-          <a:ln>
-            <a:noFill/>
-          </a:ln>
-        </p:spPr>
-      </p:pic>
-      <p:pic>
-        <p:nvPicPr>
-          <p:cNvPr id="94" name="Google Shape;94;p18"/>
-          <p:cNvPicPr preferRelativeResize="0"/>
-          <p:nvPr/>
-        </p:nvPicPr>
-        <p:blipFill rotWithShape="1">
-          <a:blip r:embed="rId4">
-            <a:alphaModFix/>
-          </a:blip>
-          <a:srcRect b="0" l="0" r="0" t="0"/>
-          <a:stretch/>
-        </p:blipFill>
-        <p:spPr>
-          <a:xfrm>
-            <a:off x="4978113" y="1341125"/>
-            <a:ext cx="2706883" cy="3384550"/>
+            <a:off x="2091813" y="1017725"/>
+            <a:ext cx="4960379" cy="3820976"/>
           </a:xfrm>
           <a:prstGeom prst="rect">
             <a:avLst/>
@@ -11748,7 +11678,7 @@
       </p:pic>
       <p:sp>
         <p:nvSpPr>
-          <p:cNvPr id="95" name="Google Shape;95;p18"/>
+          <p:cNvPr id="94" name="Google Shape;94;p18"/>
           <p:cNvSpPr txBox="1"/>
           <p:nvPr/>
         </p:nvSpPr>
@@ -11798,7 +11728,7 @@
                 <a:cs typeface="Arial"/>
                 <a:sym typeface="Arial"/>
               </a:rPr>
-              <a:t>6</a:t>
+              <a:t>7</a:t>
             </a:r>
             <a:endParaRPr b="0" i="0" sz="1800" u="none" cap="none" strike="noStrike">
               <a:solidFill>
@@ -11825,7 +11755,7 @@
   <p:cSld>
     <p:spTree>
       <p:nvGrpSpPr>
-        <p:cNvPr id="99" name="Shape 99"/>
+        <p:cNvPr id="98" name="Shape 98"/>
         <p:cNvGrpSpPr/>
         <p:nvPr/>
       </p:nvGrpSpPr>
@@ -11839,16 +11769,16 @@
       </p:grpSpPr>
       <p:sp>
         <p:nvSpPr>
-          <p:cNvPr id="100" name="Google Shape;100;p19"/>
+          <p:cNvPr id="99" name="Google Shape;99;p19"/>
           <p:cNvSpPr txBox="1"/>
           <p:nvPr>
-            <p:ph type="title"/>
+            <p:ph type="ctrTitle"/>
           </p:nvPr>
         </p:nvSpPr>
         <p:spPr>
           <a:xfrm>
-            <a:off x="311700" y="445025"/>
-            <a:ext cx="8520600" cy="572700"/>
+            <a:off x="1161900" y="183600"/>
+            <a:ext cx="6820200" cy="1096200"/>
           </a:xfrm>
           <a:prstGeom prst="rect">
             <a:avLst/>
@@ -11859,8 +11789,8 @@
           </a:ln>
         </p:spPr>
         <p:txBody>
-          <a:bodyPr anchorCtr="0" anchor="t" bIns="91425" lIns="91425" spcFirstLastPara="1" rIns="91425" wrap="square" tIns="91425">
-            <a:normAutofit fontScale="90000"/>
+          <a:bodyPr anchorCtr="0" anchor="ctr" bIns="91425" lIns="91425" spcFirstLastPara="1" rIns="91425" wrap="square" tIns="91425">
+            <a:normAutofit/>
           </a:bodyPr>
           <a:lstStyle/>
           <a:p>
@@ -11874,47 +11804,20 @@
               <a:spcAft>
                 <a:spcPts val="0"/>
               </a:spcAft>
-              <a:buSzPct val="111111"/>
+              <a:buSzPts val="5200"/>
               <a:buNone/>
             </a:pPr>
             <a:r>
-              <a:rPr lang="en"/>
-              <a:t>Схема Базы Данных</a:t>
+              <a:rPr lang="en" sz="3800"/>
+              <a:t>Интерфейс программы</a:t>
             </a:r>
-            <a:endParaRPr/>
+            <a:endParaRPr sz="3800"/>
           </a:p>
         </p:txBody>
       </p:sp>
-      <p:pic>
-        <p:nvPicPr>
-          <p:cNvPr id="101" name="Google Shape;101;p19"/>
-          <p:cNvPicPr preferRelativeResize="0"/>
-          <p:nvPr/>
-        </p:nvPicPr>
-        <p:blipFill rotWithShape="1">
-          <a:blip r:embed="rId3">
-            <a:alphaModFix/>
-          </a:blip>
-          <a:srcRect b="0" l="0" r="0" t="0"/>
-          <a:stretch/>
-        </p:blipFill>
-        <p:spPr>
-          <a:xfrm>
-            <a:off x="2091813" y="1017725"/>
-            <a:ext cx="4960379" cy="3820976"/>
-          </a:xfrm>
-          <a:prstGeom prst="rect">
-            <a:avLst/>
-          </a:prstGeom>
-          <a:noFill/>
-          <a:ln>
-            <a:noFill/>
-          </a:ln>
-        </p:spPr>
-      </p:pic>
       <p:sp>
         <p:nvSpPr>
-          <p:cNvPr id="102" name="Google Shape;102;p19"/>
+          <p:cNvPr id="100" name="Google Shape;100;p19"/>
           <p:cNvSpPr txBox="1"/>
           <p:nvPr/>
         </p:nvSpPr>
@@ -11964,7 +11867,7 @@
                 <a:cs typeface="Arial"/>
                 <a:sym typeface="Arial"/>
               </a:rPr>
-              <a:t>7</a:t>
+              <a:t>6</a:t>
             </a:r>
             <a:endParaRPr b="0" i="0" sz="1800" u="none" cap="none" strike="noStrike">
               <a:solidFill>
@@ -11978,6 +11881,62 @@
           </a:p>
         </p:txBody>
       </p:sp>
+      <p:pic>
+        <p:nvPicPr>
+          <p:cNvPr id="101" name="Google Shape;101;p19"/>
+          <p:cNvPicPr preferRelativeResize="0"/>
+          <p:nvPr/>
+        </p:nvPicPr>
+        <p:blipFill>
+          <a:blip r:embed="rId3">
+            <a:alphaModFix/>
+          </a:blip>
+          <a:stretch>
+            <a:fillRect/>
+          </a:stretch>
+        </p:blipFill>
+        <p:spPr>
+          <a:xfrm>
+            <a:off x="1161900" y="1341125"/>
+            <a:ext cx="2668875" cy="3327200"/>
+          </a:xfrm>
+          <a:prstGeom prst="rect">
+            <a:avLst/>
+          </a:prstGeom>
+          <a:noFill/>
+          <a:ln>
+            <a:noFill/>
+          </a:ln>
+        </p:spPr>
+      </p:pic>
+      <p:pic>
+        <p:nvPicPr>
+          <p:cNvPr id="102" name="Google Shape;102;p19"/>
+          <p:cNvPicPr preferRelativeResize="0"/>
+          <p:nvPr/>
+        </p:nvPicPr>
+        <p:blipFill>
+          <a:blip r:embed="rId4">
+            <a:alphaModFix/>
+          </a:blip>
+          <a:stretch>
+            <a:fillRect/>
+          </a:stretch>
+        </p:blipFill>
+        <p:spPr>
+          <a:xfrm>
+            <a:off x="5313225" y="1341125"/>
+            <a:ext cx="2668875" cy="3340807"/>
+          </a:xfrm>
+          <a:prstGeom prst="rect">
+            <a:avLst/>
+          </a:prstGeom>
+          <a:noFill/>
+          <a:ln>
+            <a:noFill/>
+          </a:ln>
+        </p:spPr>
+      </p:pic>
     </p:spTree>
   </p:cSld>
   <p:clrMapOvr>
